--- a/_teaching/csci112-fall-2023/lectures/ppts/Chapter4.pptx
+++ b/_teaching/csci112-fall-2023/lectures/ppts/Chapter4.pptx
@@ -20,9 +20,9 @@
     <p:sldId id="277" r:id="rId11"/>
     <p:sldId id="278" r:id="rId12"/>
     <p:sldId id="279" r:id="rId13"/>
-    <p:sldId id="280" r:id="rId14"/>
-    <p:sldId id="281" r:id="rId15"/>
-    <p:sldId id="282" r:id="rId16"/>
+    <p:sldId id="281" r:id="rId14"/>
+    <p:sldId id="282" r:id="rId15"/>
+    <p:sldId id="280" r:id="rId16"/>
     <p:sldId id="284" r:id="rId17"/>
     <p:sldId id="285" r:id="rId18"/>
     <p:sldId id="283" r:id="rId19"/>
@@ -148,6 +148,22 @@
       </a:defRPr>
     </a:lvl9pPr>
   </p:defaultTextStyle>
+  <p:extLst>
+    <p:ext uri="{EFAFB233-063F-42B5-8137-9DF3F51BA10A}">
+      <p15:sldGuideLst xmlns:p15="http://schemas.microsoft.com/office/powerpoint/2012/main">
+        <p15:guide id="1" orient="horz" pos="2160">
+          <p15:clr>
+            <a:srgbClr val="A4A3A4"/>
+          </p15:clr>
+        </p15:guide>
+        <p15:guide id="2" pos="2880">
+          <p15:clr>
+            <a:srgbClr val="A4A3A4"/>
+          </p15:clr>
+        </p15:guide>
+      </p15:sldGuideLst>
+    </p:ext>
+  </p:extLst>
 </p:presentation>
 </file>
 
@@ -233,7 +249,7 @@
           <a:p>
             <a:fld id="{E98CB7A6-F9BD-49C3-9ECF-4DAF095CBB1C}" type="datetimeFigureOut">
               <a:rPr lang="en-US" smtClean="0"/>
-              <a:t>10/7/2015</a:t>
+              <a:t>9/10/23</a:t>
             </a:fld>
             <a:endParaRPr lang="en-US"/>
           </a:p>
@@ -297,38 +313,37 @@
           <a:p>
             <a:pPr lvl="0"/>
             <a:r>
-              <a:rPr lang="en-US" smtClean="0"/>
+              <a:rPr lang="en-US"/>
               <a:t>Click to edit Master text styles</a:t>
             </a:r>
           </a:p>
           <a:p>
             <a:pPr lvl="1"/>
             <a:r>
-              <a:rPr lang="en-US" smtClean="0"/>
+              <a:rPr lang="en-US"/>
               <a:t>Second level</a:t>
             </a:r>
           </a:p>
           <a:p>
             <a:pPr lvl="2"/>
             <a:r>
-              <a:rPr lang="en-US" smtClean="0"/>
+              <a:rPr lang="en-US"/>
               <a:t>Third level</a:t>
             </a:r>
           </a:p>
           <a:p>
             <a:pPr lvl="3"/>
             <a:r>
-              <a:rPr lang="en-US" smtClean="0"/>
+              <a:rPr lang="en-US"/>
               <a:t>Fourth level</a:t>
             </a:r>
           </a:p>
           <a:p>
             <a:pPr lvl="4"/>
             <a:r>
-              <a:rPr lang="en-US" smtClean="0"/>
+              <a:rPr lang="en-US"/>
               <a:t>Fifth level</a:t>
             </a:r>
-            <a:endParaRPr lang="en-US"/>
           </a:p>
         </p:txBody>
       </p:sp>
@@ -539,10 +554,9 @@
           <a:lstStyle/>
           <a:p>
             <a:r>
-              <a:rPr lang="en-US" smtClean="0"/>
+              <a:rPr lang="en-US"/>
               <a:t>Click to edit Master title style</a:t>
             </a:r>
-            <a:endParaRPr lang="en-US"/>
           </a:p>
         </p:txBody>
       </p:sp>
@@ -658,10 +672,9 @@
           </a:lstStyle>
           <a:p>
             <a:r>
-              <a:rPr lang="en-US" smtClean="0"/>
+              <a:rPr lang="en-US"/>
               <a:t>Click to edit Master subtitle style</a:t>
             </a:r>
-            <a:endParaRPr lang="en-US"/>
           </a:p>
         </p:txBody>
       </p:sp>
@@ -682,7 +695,7 @@
           <a:p>
             <a:fld id="{E3D5AC34-6369-47AD-9227-C94D863A9CC0}" type="datetime1">
               <a:rPr lang="en-US" smtClean="0"/>
-              <a:t>10/7/2015</a:t>
+              <a:t>9/10/23</a:t>
             </a:fld>
             <a:endParaRPr lang="en-US"/>
           </a:p>
@@ -704,10 +717,9 @@
           <a:lstStyle/>
           <a:p>
             <a:r>
-              <a:rPr lang="en-US" smtClean="0"/>
+              <a:rPr lang="en-US"/>
               <a:t>© 2016 Pearson Education, Inc., Hoboken, NJ.  All rights reserved.</a:t>
             </a:r>
-            <a:endParaRPr lang="en-US"/>
           </a:p>
         </p:txBody>
       </p:sp>
@@ -780,10 +792,9 @@
           <a:lstStyle/>
           <a:p>
             <a:r>
-              <a:rPr lang="en-US" smtClean="0"/>
+              <a:rPr lang="en-US"/>
               <a:t>Click to edit Master title style</a:t>
             </a:r>
-            <a:endParaRPr lang="en-US"/>
           </a:p>
         </p:txBody>
       </p:sp>
@@ -804,38 +815,37 @@
           <a:p>
             <a:pPr lvl="0"/>
             <a:r>
-              <a:rPr lang="en-US" smtClean="0"/>
+              <a:rPr lang="en-US"/>
               <a:t>Click to edit Master text styles</a:t>
             </a:r>
           </a:p>
           <a:p>
             <a:pPr lvl="1"/>
             <a:r>
-              <a:rPr lang="en-US" smtClean="0"/>
+              <a:rPr lang="en-US"/>
               <a:t>Second level</a:t>
             </a:r>
           </a:p>
           <a:p>
             <a:pPr lvl="2"/>
             <a:r>
-              <a:rPr lang="en-US" smtClean="0"/>
+              <a:rPr lang="en-US"/>
               <a:t>Third level</a:t>
             </a:r>
           </a:p>
           <a:p>
             <a:pPr lvl="3"/>
             <a:r>
-              <a:rPr lang="en-US" smtClean="0"/>
+              <a:rPr lang="en-US"/>
               <a:t>Fourth level</a:t>
             </a:r>
           </a:p>
           <a:p>
             <a:pPr lvl="4"/>
             <a:r>
-              <a:rPr lang="en-US" smtClean="0"/>
+              <a:rPr lang="en-US"/>
               <a:t>Fifth level</a:t>
             </a:r>
-            <a:endParaRPr lang="en-US"/>
           </a:p>
         </p:txBody>
       </p:sp>
@@ -856,7 +866,7 @@
           <a:p>
             <a:fld id="{072AE9C9-84B0-4CCC-8BB5-D31EF955DABF}" type="datetime1">
               <a:rPr lang="en-US" smtClean="0"/>
-              <a:t>10/7/2015</a:t>
+              <a:t>9/10/23</a:t>
             </a:fld>
             <a:endParaRPr lang="en-US"/>
           </a:p>
@@ -878,10 +888,9 @@
           <a:lstStyle/>
           <a:p>
             <a:r>
-              <a:rPr lang="en-US" smtClean="0"/>
+              <a:rPr lang="en-US"/>
               <a:t>© 2016 Pearson Education, Inc., Hoboken, NJ.  All rights reserved.</a:t>
             </a:r>
-            <a:endParaRPr lang="en-US"/>
           </a:p>
         </p:txBody>
       </p:sp>
@@ -959,10 +968,9 @@
           <a:lstStyle/>
           <a:p>
             <a:r>
-              <a:rPr lang="en-US" smtClean="0"/>
+              <a:rPr lang="en-US"/>
               <a:t>Click to edit Master title style</a:t>
             </a:r>
-            <a:endParaRPr lang="en-US"/>
           </a:p>
         </p:txBody>
       </p:sp>
@@ -988,38 +996,37 @@
           <a:p>
             <a:pPr lvl="0"/>
             <a:r>
-              <a:rPr lang="en-US" smtClean="0"/>
+              <a:rPr lang="en-US"/>
               <a:t>Click to edit Master text styles</a:t>
             </a:r>
           </a:p>
           <a:p>
             <a:pPr lvl="1"/>
             <a:r>
-              <a:rPr lang="en-US" smtClean="0"/>
+              <a:rPr lang="en-US"/>
               <a:t>Second level</a:t>
             </a:r>
           </a:p>
           <a:p>
             <a:pPr lvl="2"/>
             <a:r>
-              <a:rPr lang="en-US" smtClean="0"/>
+              <a:rPr lang="en-US"/>
               <a:t>Third level</a:t>
             </a:r>
           </a:p>
           <a:p>
             <a:pPr lvl="3"/>
             <a:r>
-              <a:rPr lang="en-US" smtClean="0"/>
+              <a:rPr lang="en-US"/>
               <a:t>Fourth level</a:t>
             </a:r>
           </a:p>
           <a:p>
             <a:pPr lvl="4"/>
             <a:r>
-              <a:rPr lang="en-US" smtClean="0"/>
+              <a:rPr lang="en-US"/>
               <a:t>Fifth level</a:t>
             </a:r>
-            <a:endParaRPr lang="en-US"/>
           </a:p>
         </p:txBody>
       </p:sp>
@@ -1040,7 +1047,7 @@
           <a:p>
             <a:fld id="{418459C9-6810-46A7-8E27-73A52524CA34}" type="datetime1">
               <a:rPr lang="en-US" smtClean="0"/>
-              <a:t>10/7/2015</a:t>
+              <a:t>9/10/23</a:t>
             </a:fld>
             <a:endParaRPr lang="en-US"/>
           </a:p>
@@ -1062,10 +1069,9 @@
           <a:lstStyle/>
           <a:p>
             <a:r>
-              <a:rPr lang="en-US" smtClean="0"/>
+              <a:rPr lang="en-US"/>
               <a:t>© 2016 Pearson Education, Inc., Hoboken, NJ.  All rights reserved.</a:t>
             </a:r>
-            <a:endParaRPr lang="en-US"/>
           </a:p>
         </p:txBody>
       </p:sp>
@@ -1138,10 +1144,9 @@
           <a:lstStyle/>
           <a:p>
             <a:r>
-              <a:rPr lang="en-US" smtClean="0"/>
+              <a:rPr lang="en-US"/>
               <a:t>Click to edit Master title style</a:t>
             </a:r>
-            <a:endParaRPr lang="en-US"/>
           </a:p>
         </p:txBody>
       </p:sp>
@@ -1162,38 +1167,37 @@
           <a:p>
             <a:pPr lvl="0"/>
             <a:r>
-              <a:rPr lang="en-US" smtClean="0"/>
+              <a:rPr lang="en-US"/>
               <a:t>Click to edit Master text styles</a:t>
             </a:r>
           </a:p>
           <a:p>
             <a:pPr lvl="1"/>
             <a:r>
-              <a:rPr lang="en-US" smtClean="0"/>
+              <a:rPr lang="en-US"/>
               <a:t>Second level</a:t>
             </a:r>
           </a:p>
           <a:p>
             <a:pPr lvl="2"/>
             <a:r>
-              <a:rPr lang="en-US" smtClean="0"/>
+              <a:rPr lang="en-US"/>
               <a:t>Third level</a:t>
             </a:r>
           </a:p>
           <a:p>
             <a:pPr lvl="3"/>
             <a:r>
-              <a:rPr lang="en-US" smtClean="0"/>
+              <a:rPr lang="en-US"/>
               <a:t>Fourth level</a:t>
             </a:r>
           </a:p>
           <a:p>
             <a:pPr lvl="4"/>
             <a:r>
-              <a:rPr lang="en-US" smtClean="0"/>
+              <a:rPr lang="en-US"/>
               <a:t>Fifth level</a:t>
             </a:r>
-            <a:endParaRPr lang="en-US"/>
           </a:p>
         </p:txBody>
       </p:sp>
@@ -1214,7 +1218,7 @@
           <a:p>
             <a:fld id="{F7BCA306-D31B-4E3C-AD40-EA3294957AA6}" type="datetime1">
               <a:rPr lang="en-US" smtClean="0"/>
-              <a:t>10/7/2015</a:t>
+              <a:t>9/10/23</a:t>
             </a:fld>
             <a:endParaRPr lang="en-US"/>
           </a:p>
@@ -1236,10 +1240,9 @@
           <a:lstStyle/>
           <a:p>
             <a:r>
-              <a:rPr lang="en-US" smtClean="0"/>
+              <a:rPr lang="en-US"/>
               <a:t>© 2016 Pearson Education, Inc., Hoboken, NJ.  All rights reserved.</a:t>
             </a:r>
-            <a:endParaRPr lang="en-US"/>
           </a:p>
         </p:txBody>
       </p:sp>
@@ -1321,10 +1324,9 @@
           </a:lstStyle>
           <a:p>
             <a:r>
-              <a:rPr lang="en-US" smtClean="0"/>
+              <a:rPr lang="en-US"/>
               <a:t>Click to edit Master title style</a:t>
             </a:r>
-            <a:endParaRPr lang="en-US"/>
           </a:p>
         </p:txBody>
       </p:sp>
@@ -1441,7 +1443,7 @@
           <a:p>
             <a:pPr lvl="0"/>
             <a:r>
-              <a:rPr lang="en-US" smtClean="0"/>
+              <a:rPr lang="en-US"/>
               <a:t>Click to edit Master text styles</a:t>
             </a:r>
           </a:p>
@@ -1464,7 +1466,7 @@
           <a:p>
             <a:fld id="{5C41660C-86E2-43CF-B22A-29E62815AB7D}" type="datetime1">
               <a:rPr lang="en-US" smtClean="0"/>
-              <a:t>10/7/2015</a:t>
+              <a:t>9/10/23</a:t>
             </a:fld>
             <a:endParaRPr lang="en-US"/>
           </a:p>
@@ -1486,10 +1488,9 @@
           <a:lstStyle/>
           <a:p>
             <a:r>
-              <a:rPr lang="en-US" smtClean="0"/>
+              <a:rPr lang="en-US"/>
               <a:t>© 2016 Pearson Education, Inc., Hoboken, NJ.  All rights reserved.</a:t>
             </a:r>
-            <a:endParaRPr lang="en-US"/>
           </a:p>
         </p:txBody>
       </p:sp>
@@ -1562,10 +1563,9 @@
           <a:lstStyle/>
           <a:p>
             <a:r>
-              <a:rPr lang="en-US" smtClean="0"/>
+              <a:rPr lang="en-US"/>
               <a:t>Click to edit Master title style</a:t>
             </a:r>
-            <a:endParaRPr lang="en-US"/>
           </a:p>
         </p:txBody>
       </p:sp>
@@ -1619,38 +1619,37 @@
           <a:p>
             <a:pPr lvl="0"/>
             <a:r>
-              <a:rPr lang="en-US" smtClean="0"/>
+              <a:rPr lang="en-US"/>
               <a:t>Click to edit Master text styles</a:t>
             </a:r>
           </a:p>
           <a:p>
             <a:pPr lvl="1"/>
             <a:r>
-              <a:rPr lang="en-US" smtClean="0"/>
+              <a:rPr lang="en-US"/>
               <a:t>Second level</a:t>
             </a:r>
           </a:p>
           <a:p>
             <a:pPr lvl="2"/>
             <a:r>
-              <a:rPr lang="en-US" smtClean="0"/>
+              <a:rPr lang="en-US"/>
               <a:t>Third level</a:t>
             </a:r>
           </a:p>
           <a:p>
             <a:pPr lvl="3"/>
             <a:r>
-              <a:rPr lang="en-US" smtClean="0"/>
+              <a:rPr lang="en-US"/>
               <a:t>Fourth level</a:t>
             </a:r>
           </a:p>
           <a:p>
             <a:pPr lvl="4"/>
             <a:r>
-              <a:rPr lang="en-US" smtClean="0"/>
+              <a:rPr lang="en-US"/>
               <a:t>Fifth level</a:t>
             </a:r>
-            <a:endParaRPr lang="en-US"/>
           </a:p>
         </p:txBody>
       </p:sp>
@@ -1704,38 +1703,37 @@
           <a:p>
             <a:pPr lvl="0"/>
             <a:r>
-              <a:rPr lang="en-US" smtClean="0"/>
+              <a:rPr lang="en-US"/>
               <a:t>Click to edit Master text styles</a:t>
             </a:r>
           </a:p>
           <a:p>
             <a:pPr lvl="1"/>
             <a:r>
-              <a:rPr lang="en-US" smtClean="0"/>
+              <a:rPr lang="en-US"/>
               <a:t>Second level</a:t>
             </a:r>
           </a:p>
           <a:p>
             <a:pPr lvl="2"/>
             <a:r>
-              <a:rPr lang="en-US" smtClean="0"/>
+              <a:rPr lang="en-US"/>
               <a:t>Third level</a:t>
             </a:r>
           </a:p>
           <a:p>
             <a:pPr lvl="3"/>
             <a:r>
-              <a:rPr lang="en-US" smtClean="0"/>
+              <a:rPr lang="en-US"/>
               <a:t>Fourth level</a:t>
             </a:r>
           </a:p>
           <a:p>
             <a:pPr lvl="4"/>
             <a:r>
-              <a:rPr lang="en-US" smtClean="0"/>
+              <a:rPr lang="en-US"/>
               <a:t>Fifth level</a:t>
             </a:r>
-            <a:endParaRPr lang="en-US"/>
           </a:p>
         </p:txBody>
       </p:sp>
@@ -1756,7 +1754,7 @@
           <a:p>
             <a:fld id="{94543629-6BC7-4BF9-A2A1-981038F36C55}" type="datetime1">
               <a:rPr lang="en-US" smtClean="0"/>
-              <a:t>10/7/2015</a:t>
+              <a:t>9/10/23</a:t>
             </a:fld>
             <a:endParaRPr lang="en-US"/>
           </a:p>
@@ -1778,10 +1776,9 @@
           <a:lstStyle/>
           <a:p>
             <a:r>
-              <a:rPr lang="en-US" smtClean="0"/>
+              <a:rPr lang="en-US"/>
               <a:t>© 2016 Pearson Education, Inc., Hoboken, NJ.  All rights reserved.</a:t>
             </a:r>
-            <a:endParaRPr lang="en-US"/>
           </a:p>
         </p:txBody>
       </p:sp>
@@ -1858,10 +1855,9 @@
           </a:lstStyle>
           <a:p>
             <a:r>
-              <a:rPr lang="en-US" smtClean="0"/>
+              <a:rPr lang="en-US"/>
               <a:t>Click to edit Master title style</a:t>
             </a:r>
-            <a:endParaRPr lang="en-US"/>
           </a:p>
         </p:txBody>
       </p:sp>
@@ -1924,7 +1920,7 @@
           <a:p>
             <a:pPr lvl="0"/>
             <a:r>
-              <a:rPr lang="en-US" smtClean="0"/>
+              <a:rPr lang="en-US"/>
               <a:t>Click to edit Master text styles</a:t>
             </a:r>
           </a:p>
@@ -1980,38 +1976,37 @@
           <a:p>
             <a:pPr lvl="0"/>
             <a:r>
-              <a:rPr lang="en-US" smtClean="0"/>
+              <a:rPr lang="en-US"/>
               <a:t>Click to edit Master text styles</a:t>
             </a:r>
           </a:p>
           <a:p>
             <a:pPr lvl="1"/>
             <a:r>
-              <a:rPr lang="en-US" smtClean="0"/>
+              <a:rPr lang="en-US"/>
               <a:t>Second level</a:t>
             </a:r>
           </a:p>
           <a:p>
             <a:pPr lvl="2"/>
             <a:r>
-              <a:rPr lang="en-US" smtClean="0"/>
+              <a:rPr lang="en-US"/>
               <a:t>Third level</a:t>
             </a:r>
           </a:p>
           <a:p>
             <a:pPr lvl="3"/>
             <a:r>
-              <a:rPr lang="en-US" smtClean="0"/>
+              <a:rPr lang="en-US"/>
               <a:t>Fourth level</a:t>
             </a:r>
           </a:p>
           <a:p>
             <a:pPr lvl="4"/>
             <a:r>
-              <a:rPr lang="en-US" smtClean="0"/>
+              <a:rPr lang="en-US"/>
               <a:t>Fifth level</a:t>
             </a:r>
-            <a:endParaRPr lang="en-US"/>
           </a:p>
         </p:txBody>
       </p:sp>
@@ -2074,7 +2069,7 @@
           <a:p>
             <a:pPr lvl="0"/>
             <a:r>
-              <a:rPr lang="en-US" smtClean="0"/>
+              <a:rPr lang="en-US"/>
               <a:t>Click to edit Master text styles</a:t>
             </a:r>
           </a:p>
@@ -2130,38 +2125,37 @@
           <a:p>
             <a:pPr lvl="0"/>
             <a:r>
-              <a:rPr lang="en-US" smtClean="0"/>
+              <a:rPr lang="en-US"/>
               <a:t>Click to edit Master text styles</a:t>
             </a:r>
           </a:p>
           <a:p>
             <a:pPr lvl="1"/>
             <a:r>
-              <a:rPr lang="en-US" smtClean="0"/>
+              <a:rPr lang="en-US"/>
               <a:t>Second level</a:t>
             </a:r>
           </a:p>
           <a:p>
             <a:pPr lvl="2"/>
             <a:r>
-              <a:rPr lang="en-US" smtClean="0"/>
+              <a:rPr lang="en-US"/>
               <a:t>Third level</a:t>
             </a:r>
           </a:p>
           <a:p>
             <a:pPr lvl="3"/>
             <a:r>
-              <a:rPr lang="en-US" smtClean="0"/>
+              <a:rPr lang="en-US"/>
               <a:t>Fourth level</a:t>
             </a:r>
           </a:p>
           <a:p>
             <a:pPr lvl="4"/>
             <a:r>
-              <a:rPr lang="en-US" smtClean="0"/>
+              <a:rPr lang="en-US"/>
               <a:t>Fifth level</a:t>
             </a:r>
-            <a:endParaRPr lang="en-US"/>
           </a:p>
         </p:txBody>
       </p:sp>
@@ -2182,7 +2176,7 @@
           <a:p>
             <a:fld id="{EB5B99CF-F104-4BC6-A098-3ABC219C8A7D}" type="datetime1">
               <a:rPr lang="en-US" smtClean="0"/>
-              <a:t>10/7/2015</a:t>
+              <a:t>9/10/23</a:t>
             </a:fld>
             <a:endParaRPr lang="en-US"/>
           </a:p>
@@ -2204,10 +2198,9 @@
           <a:lstStyle/>
           <a:p>
             <a:r>
-              <a:rPr lang="en-US" smtClean="0"/>
+              <a:rPr lang="en-US"/>
               <a:t>© 2016 Pearson Education, Inc., Hoboken, NJ.  All rights reserved.</a:t>
             </a:r>
-            <a:endParaRPr lang="en-US"/>
           </a:p>
         </p:txBody>
       </p:sp>
@@ -2280,10 +2273,9 @@
           <a:lstStyle/>
           <a:p>
             <a:r>
-              <a:rPr lang="en-US" smtClean="0"/>
+              <a:rPr lang="en-US"/>
               <a:t>Click to edit Master title style</a:t>
             </a:r>
-            <a:endParaRPr lang="en-US"/>
           </a:p>
         </p:txBody>
       </p:sp>
@@ -2304,7 +2296,7 @@
           <a:p>
             <a:fld id="{C07800F5-980D-47D4-9F20-E5F458E76937}" type="datetime1">
               <a:rPr lang="en-US" smtClean="0"/>
-              <a:t>10/7/2015</a:t>
+              <a:t>9/10/23</a:t>
             </a:fld>
             <a:endParaRPr lang="en-US"/>
           </a:p>
@@ -2326,10 +2318,9 @@
           <a:lstStyle/>
           <a:p>
             <a:r>
-              <a:rPr lang="en-US" smtClean="0"/>
+              <a:rPr lang="en-US"/>
               <a:t>© 2016 Pearson Education, Inc., Hoboken, NJ.  All rights reserved.</a:t>
             </a:r>
-            <a:endParaRPr lang="en-US"/>
           </a:p>
         </p:txBody>
       </p:sp>
@@ -2403,7 +2394,7 @@
           <a:p>
             <a:fld id="{913B0C59-39A1-4E7B-8276-56A7060F0A3E}" type="datetime1">
               <a:rPr lang="en-US" smtClean="0"/>
-              <a:t>10/7/2015</a:t>
+              <a:t>9/10/23</a:t>
             </a:fld>
             <a:endParaRPr lang="en-US"/>
           </a:p>
@@ -2425,10 +2416,9 @@
           <a:lstStyle/>
           <a:p>
             <a:r>
-              <a:rPr lang="en-US" smtClean="0"/>
+              <a:rPr lang="en-US"/>
               <a:t>© 2016 Pearson Education, Inc., Hoboken, NJ.  All rights reserved.</a:t>
             </a:r>
-            <a:endParaRPr lang="en-US"/>
           </a:p>
         </p:txBody>
       </p:sp>
@@ -2510,10 +2500,9 @@
           </a:lstStyle>
           <a:p>
             <a:r>
-              <a:rPr lang="en-US" smtClean="0"/>
+              <a:rPr lang="en-US"/>
               <a:t>Click to edit Master title style</a:t>
             </a:r>
-            <a:endParaRPr lang="en-US"/>
           </a:p>
         </p:txBody>
       </p:sp>
@@ -2567,38 +2556,37 @@
           <a:p>
             <a:pPr lvl="0"/>
             <a:r>
-              <a:rPr lang="en-US" smtClean="0"/>
+              <a:rPr lang="en-US"/>
               <a:t>Click to edit Master text styles</a:t>
             </a:r>
           </a:p>
           <a:p>
             <a:pPr lvl="1"/>
             <a:r>
-              <a:rPr lang="en-US" smtClean="0"/>
+              <a:rPr lang="en-US"/>
               <a:t>Second level</a:t>
             </a:r>
           </a:p>
           <a:p>
             <a:pPr lvl="2"/>
             <a:r>
-              <a:rPr lang="en-US" smtClean="0"/>
+              <a:rPr lang="en-US"/>
               <a:t>Third level</a:t>
             </a:r>
           </a:p>
           <a:p>
             <a:pPr lvl="3"/>
             <a:r>
-              <a:rPr lang="en-US" smtClean="0"/>
+              <a:rPr lang="en-US"/>
               <a:t>Fourth level</a:t>
             </a:r>
           </a:p>
           <a:p>
             <a:pPr lvl="4"/>
             <a:r>
-              <a:rPr lang="en-US" smtClean="0"/>
+              <a:rPr lang="en-US"/>
               <a:t>Fifth level</a:t>
             </a:r>
-            <a:endParaRPr lang="en-US"/>
           </a:p>
         </p:txBody>
       </p:sp>
@@ -2661,7 +2649,7 @@
           <a:p>
             <a:pPr lvl="0"/>
             <a:r>
-              <a:rPr lang="en-US" smtClean="0"/>
+              <a:rPr lang="en-US"/>
               <a:t>Click to edit Master text styles</a:t>
             </a:r>
           </a:p>
@@ -2684,7 +2672,7 @@
           <a:p>
             <a:fld id="{C453B8A8-F829-4B10-8A5D-952BBAE5F11B}" type="datetime1">
               <a:rPr lang="en-US" smtClean="0"/>
-              <a:t>10/7/2015</a:t>
+              <a:t>9/10/23</a:t>
             </a:fld>
             <a:endParaRPr lang="en-US"/>
           </a:p>
@@ -2706,10 +2694,9 @@
           <a:lstStyle/>
           <a:p>
             <a:r>
-              <a:rPr lang="en-US" smtClean="0"/>
+              <a:rPr lang="en-US"/>
               <a:t>© 2016 Pearson Education, Inc., Hoboken, NJ.  All rights reserved.</a:t>
             </a:r>
-            <a:endParaRPr lang="en-US"/>
           </a:p>
         </p:txBody>
       </p:sp>
@@ -2791,10 +2778,9 @@
           </a:lstStyle>
           <a:p>
             <a:r>
-              <a:rPr lang="en-US" smtClean="0"/>
+              <a:rPr lang="en-US"/>
               <a:t>Click to edit Master title style</a:t>
             </a:r>
-            <a:endParaRPr lang="en-US"/>
           </a:p>
         </p:txBody>
       </p:sp>
@@ -2918,7 +2904,7 @@
           <a:p>
             <a:pPr lvl="0"/>
             <a:r>
-              <a:rPr lang="en-US" smtClean="0"/>
+              <a:rPr lang="en-US"/>
               <a:t>Click to edit Master text styles</a:t>
             </a:r>
           </a:p>
@@ -2941,7 +2927,7 @@
           <a:p>
             <a:fld id="{805C8FAD-01C2-4C81-8B26-770D72A95E71}" type="datetime1">
               <a:rPr lang="en-US" smtClean="0"/>
-              <a:t>10/7/2015</a:t>
+              <a:t>9/10/23</a:t>
             </a:fld>
             <a:endParaRPr lang="en-US"/>
           </a:p>
@@ -2963,10 +2949,9 @@
           <a:lstStyle/>
           <a:p>
             <a:r>
-              <a:rPr lang="en-US" smtClean="0"/>
+              <a:rPr lang="en-US"/>
               <a:t>© 2016 Pearson Education, Inc., Hoboken, NJ.  All rights reserved.</a:t>
             </a:r>
-            <a:endParaRPr lang="en-US"/>
           </a:p>
         </p:txBody>
       </p:sp>
@@ -3054,10 +3039,9 @@
           <a:lstStyle/>
           <a:p>
             <a:r>
-              <a:rPr lang="en-US" smtClean="0"/>
+              <a:rPr lang="en-US"/>
               <a:t>Click to edit Master title style</a:t>
             </a:r>
-            <a:endParaRPr lang="en-US"/>
           </a:p>
         </p:txBody>
       </p:sp>
@@ -3088,38 +3072,37 @@
           <a:p>
             <a:pPr lvl="0"/>
             <a:r>
-              <a:rPr lang="en-US" smtClean="0"/>
+              <a:rPr lang="en-US"/>
               <a:t>Click to edit Master text styles</a:t>
             </a:r>
           </a:p>
           <a:p>
             <a:pPr lvl="1"/>
             <a:r>
-              <a:rPr lang="en-US" smtClean="0"/>
+              <a:rPr lang="en-US"/>
               <a:t>Second level</a:t>
             </a:r>
           </a:p>
           <a:p>
             <a:pPr lvl="2"/>
             <a:r>
-              <a:rPr lang="en-US" smtClean="0"/>
+              <a:rPr lang="en-US"/>
               <a:t>Third level</a:t>
             </a:r>
           </a:p>
           <a:p>
             <a:pPr lvl="3"/>
             <a:r>
-              <a:rPr lang="en-US" smtClean="0"/>
+              <a:rPr lang="en-US"/>
               <a:t>Fourth level</a:t>
             </a:r>
           </a:p>
           <a:p>
             <a:pPr lvl="4"/>
             <a:r>
-              <a:rPr lang="en-US" smtClean="0"/>
+              <a:rPr lang="en-US"/>
               <a:t>Fifth level</a:t>
             </a:r>
-            <a:endParaRPr lang="en-US"/>
           </a:p>
         </p:txBody>
       </p:sp>
@@ -3158,7 +3141,7 @@
           <a:p>
             <a:fld id="{3E62D69C-6875-48F7-B20D-CB317DFF406B}" type="datetime1">
               <a:rPr lang="en-US" smtClean="0"/>
-              <a:t>10/7/2015</a:t>
+              <a:t>9/10/23</a:t>
             </a:fld>
             <a:endParaRPr lang="en-US"/>
           </a:p>
@@ -3198,10 +3181,9 @@
           </a:lstStyle>
           <a:p>
             <a:r>
-              <a:rPr lang="en-US" smtClean="0"/>
+              <a:rPr lang="en-US"/>
               <a:t>© 2016 Pearson Education, Inc., Hoboken, NJ.  All rights reserved.</a:t>
             </a:r>
-            <a:endParaRPr lang="en-US"/>
           </a:p>
         </p:txBody>
       </p:sp>
@@ -3561,21 +3543,21 @@
           <a:lstStyle/>
           <a:p>
             <a:r>
-              <a:rPr lang="en-US" dirty="0" smtClean="0"/>
+              <a:rPr lang="en-US" dirty="0"/>
               <a:t>Selection Structures:</a:t>
             </a:r>
             <a:br>
-              <a:rPr lang="en-US" dirty="0" smtClean="0"/>
+              <a:rPr lang="en-US" dirty="0"/>
             </a:br>
             <a:r>
-              <a:rPr lang="en-US" dirty="0" smtClean="0"/>
+              <a:rPr lang="en-US" dirty="0"/>
               <a:t>if and switch Statements</a:t>
             </a:r>
             <a:br>
-              <a:rPr lang="en-US" dirty="0" smtClean="0"/>
+              <a:rPr lang="en-US" dirty="0"/>
             </a:br>
             <a:r>
-              <a:rPr lang="en-US" sz="4000" dirty="0" smtClean="0"/>
+              <a:rPr lang="en-US" sz="4000" dirty="0"/>
               <a:t>Chapter 4</a:t>
             </a:r>
             <a:endParaRPr lang="en-US" dirty="0"/>
@@ -3603,7 +3585,7 @@
           <a:lstStyle/>
           <a:p>
             <a:r>
-              <a:rPr lang="en-US" i="1" dirty="0" smtClean="0">
+              <a:rPr lang="en-US" i="1" dirty="0">
                 <a:solidFill>
                   <a:srgbClr val="0000FF"/>
                 </a:solidFill>
@@ -3620,7 +3602,7 @@
           </a:p>
           <a:p>
             <a:r>
-              <a:rPr lang="en-US" sz="2400" i="1" dirty="0" smtClean="0">
+              <a:rPr lang="en-US" sz="2400" i="1" dirty="0">
                 <a:solidFill>
                   <a:srgbClr val="0000FF"/>
                 </a:solidFill>
@@ -3630,7 +3612,7 @@
           </a:p>
           <a:p>
             <a:r>
-              <a:rPr lang="en-US" sz="2400" i="1" dirty="0" smtClean="0">
+              <a:rPr lang="en-US" sz="2400" i="1" dirty="0">
                 <a:solidFill>
                   <a:srgbClr val="0000FF"/>
                 </a:solidFill>
@@ -3638,7 +3620,7 @@
               <a:t>Jeri R. </a:t>
             </a:r>
             <a:r>
-              <a:rPr lang="en-US" sz="2400" i="1" dirty="0" err="1" smtClean="0">
+              <a:rPr lang="en-US" sz="2400" i="1" dirty="0" err="1">
                 <a:solidFill>
                   <a:srgbClr val="0000FF"/>
                 </a:solidFill>
@@ -3646,7 +3628,7 @@
               <a:t>Hanly</a:t>
             </a:r>
             <a:r>
-              <a:rPr lang="en-US" sz="2400" i="1" dirty="0" smtClean="0">
+              <a:rPr lang="en-US" sz="2400" i="1" dirty="0">
                 <a:solidFill>
                   <a:srgbClr val="0000FF"/>
                 </a:solidFill>
@@ -3654,7 +3636,7 @@
               <a:t> &amp; Elliot B. </a:t>
             </a:r>
             <a:r>
-              <a:rPr lang="en-US" sz="2400" i="1" dirty="0" err="1" smtClean="0">
+              <a:rPr lang="en-US" sz="2400" i="1" dirty="0" err="1">
                 <a:solidFill>
                   <a:srgbClr val="0000FF"/>
                 </a:solidFill>
@@ -3685,10 +3667,9 @@
           <a:lstStyle/>
           <a:p>
             <a:r>
-              <a:rPr lang="en-US" smtClean="0"/>
+              <a:rPr lang="en-US"/>
               <a:t>© 2016 Pearson Education, Inc., Hoboken, NJ.  All rights reserved.</a:t>
             </a:r>
-            <a:endParaRPr lang="en-US"/>
           </a:p>
         </p:txBody>
       </p:sp>
@@ -3725,13 +3706,6 @@
   <p:clrMapOvr>
     <a:masterClrMapping/>
   </p:clrMapOvr>
-  <p:timing>
-    <p:tnLst>
-      <p:par>
-        <p:cTn id="1" dur="indefinite" restart="never" nodeType="tmRoot"/>
-      </p:par>
-    </p:tnLst>
-  </p:timing>
 </p:sld>
 </file>
 
@@ -3768,10 +3742,9 @@
           <a:lstStyle/>
           <a:p>
             <a:r>
-              <a:rPr lang="en-US" dirty="0" smtClean="0"/>
+              <a:rPr lang="en-US" dirty="0"/>
               <a:t>Logical Operators</a:t>
             </a:r>
-            <a:endParaRPr lang="en-US" dirty="0"/>
           </a:p>
         </p:txBody>
       </p:sp>
@@ -3791,21 +3764,21 @@
           <a:lstStyle/>
           <a:p>
             <a:r>
-              <a:rPr lang="en-US" dirty="0" smtClean="0"/>
+              <a:rPr lang="en-US" dirty="0"/>
               <a:t>logical complement (negation)</a:t>
             </a:r>
           </a:p>
           <a:p>
             <a:pPr lvl="1"/>
             <a:r>
-              <a:rPr lang="en-US" dirty="0" smtClean="0"/>
+              <a:rPr lang="en-US" dirty="0"/>
               <a:t>the complement of a condition had the value 1 (true) when the condition’s value is 0 (false)</a:t>
             </a:r>
           </a:p>
           <a:p>
             <a:pPr lvl="1"/>
             <a:r>
-              <a:rPr lang="en-US" dirty="0" smtClean="0"/>
+              <a:rPr lang="en-US" dirty="0"/>
               <a:t>the complement of a condition has the value 0 (false) when the condition’s value is nonzero (true)</a:t>
             </a:r>
           </a:p>
@@ -3818,18 +3791,13 @@
               <a:buNone/>
             </a:pPr>
             <a:r>
-              <a:rPr lang="en-US" sz="3200" dirty="0" smtClean="0">
+              <a:rPr lang="en-US" sz="3200" dirty="0">
                 <a:solidFill>
                   <a:srgbClr val="FF0000"/>
                 </a:solidFill>
               </a:rPr>
               <a:t>	! (0 &lt;= n &amp;&amp; n &lt;= 100)</a:t>
             </a:r>
-            <a:endParaRPr lang="en-US" sz="3200" dirty="0">
-              <a:solidFill>
-                <a:srgbClr val="FF0000"/>
-              </a:solidFill>
-            </a:endParaRPr>
           </a:p>
           <a:p>
             <a:endParaRPr lang="en-US" dirty="0"/>
@@ -3852,10 +3820,9 @@
           <a:lstStyle/>
           <a:p>
             <a:r>
-              <a:rPr lang="en-US" smtClean="0"/>
+              <a:rPr lang="en-US"/>
               <a:t>© 2016 Pearson Education, Inc., Hoboken, NJ.  All rights reserved.</a:t>
             </a:r>
-            <a:endParaRPr lang="en-US"/>
           </a:p>
         </p:txBody>
       </p:sp>
@@ -3892,13 +3859,6 @@
   <p:clrMapOvr>
     <a:masterClrMapping/>
   </p:clrMapOvr>
-  <p:timing>
-    <p:tnLst>
-      <p:par>
-        <p:cTn id="1" dur="indefinite" restart="never" nodeType="tmRoot"/>
-      </p:par>
-    </p:tnLst>
-  </p:timing>
 </p:sld>
 </file>
 
@@ -3935,10 +3895,9 @@
           <a:lstStyle/>
           <a:p>
             <a:r>
-              <a:rPr lang="en-US" dirty="0" smtClean="0"/>
+              <a:rPr lang="en-US" dirty="0"/>
               <a:t>Operator Precedence</a:t>
             </a:r>
-            <a:endParaRPr lang="en-US" dirty="0"/>
           </a:p>
         </p:txBody>
       </p:sp>
@@ -3968,8 +3927,20 @@
                 <a:tableStyleId>{5C22544A-7EE6-4342-B048-85BDC9FD1C3A}</a:tableStyleId>
               </a:tblPr>
               <a:tblGrid>
-                <a:gridCol w="4114800"/>
-                <a:gridCol w="4114800"/>
+                <a:gridCol w="4114800">
+                  <a:extLst>
+                    <a:ext uri="{9D8B030D-6E8A-4147-A177-3AD203B41FA5}">
+                      <a16:colId xmlns:a16="http://schemas.microsoft.com/office/drawing/2014/main" val="20000"/>
+                    </a:ext>
+                  </a:extLst>
+                </a:gridCol>
+                <a:gridCol w="4114800">
+                  <a:extLst>
+                    <a:ext uri="{9D8B030D-6E8A-4147-A177-3AD203B41FA5}">
+                      <a16:colId xmlns:a16="http://schemas.microsoft.com/office/drawing/2014/main" val="20001"/>
+                    </a:ext>
+                  </a:extLst>
+                </a:gridCol>
               </a:tblGrid>
               <a:tr h="370840">
                 <a:tc>
@@ -3978,10 +3949,9 @@
                     <a:lstStyle/>
                     <a:p>
                       <a:r>
-                        <a:rPr lang="en-US" dirty="0" smtClean="0"/>
+                        <a:rPr lang="en-US" dirty="0"/>
                         <a:t>Operator</a:t>
                       </a:r>
-                      <a:endParaRPr lang="en-US" dirty="0"/>
                     </a:p>
                   </a:txBody>
                   <a:tcPr/>
@@ -3992,14 +3962,18 @@
                     <a:lstStyle/>
                     <a:p>
                       <a:r>
-                        <a:rPr lang="en-US" dirty="0" smtClean="0"/>
+                        <a:rPr lang="en-US" dirty="0"/>
                         <a:t>Precedence</a:t>
                       </a:r>
-                      <a:endParaRPr lang="en-US" dirty="0"/>
                     </a:p>
                   </a:txBody>
                   <a:tcPr/>
                 </a:tc>
+                <a:extLst>
+                  <a:ext uri="{0D108BD9-81ED-4DB2-BD59-A6C34878D82A}">
+                    <a16:rowId xmlns:a16="http://schemas.microsoft.com/office/drawing/2014/main" val="10000"/>
+                  </a:ext>
+                </a:extLst>
               </a:tr>
               <a:tr h="370840">
                 <a:tc>
@@ -4008,10 +3982,9 @@
                     <a:lstStyle/>
                     <a:p>
                       <a:r>
-                        <a:rPr lang="en-US" dirty="0" smtClean="0"/>
+                        <a:rPr lang="en-US" dirty="0"/>
                         <a:t>function calls</a:t>
                       </a:r>
-                      <a:endParaRPr lang="en-US" dirty="0"/>
                     </a:p>
                   </a:txBody>
                   <a:tcPr/>
@@ -4022,14 +3995,18 @@
                     <a:lstStyle/>
                     <a:p>
                       <a:r>
-                        <a:rPr lang="en-US" dirty="0" smtClean="0"/>
+                        <a:rPr lang="en-US" dirty="0"/>
                         <a:t>highest (evaluated first)</a:t>
                       </a:r>
-                      <a:endParaRPr lang="en-US" dirty="0"/>
                     </a:p>
                   </a:txBody>
                   <a:tcPr/>
                 </a:tc>
+                <a:extLst>
+                  <a:ext uri="{0D108BD9-81ED-4DB2-BD59-A6C34878D82A}">
+                    <a16:rowId xmlns:a16="http://schemas.microsoft.com/office/drawing/2014/main" val="10001"/>
+                  </a:ext>
+                </a:extLst>
               </a:tr>
               <a:tr h="370840">
                 <a:tc>
@@ -4038,10 +4015,9 @@
                     <a:lstStyle/>
                     <a:p>
                       <a:r>
-                        <a:rPr lang="en-US" dirty="0" smtClean="0"/>
+                        <a:rPr lang="en-US" dirty="0"/>
                         <a:t>!  +  -  &amp;  (unary operator)</a:t>
                       </a:r>
-                      <a:endParaRPr lang="en-US" dirty="0"/>
                     </a:p>
                   </a:txBody>
                   <a:tcPr/>
@@ -4056,6 +4032,11 @@
                   </a:txBody>
                   <a:tcPr/>
                 </a:tc>
+                <a:extLst>
+                  <a:ext uri="{0D108BD9-81ED-4DB2-BD59-A6C34878D82A}">
+                    <a16:rowId xmlns:a16="http://schemas.microsoft.com/office/drawing/2014/main" val="10002"/>
+                  </a:ext>
+                </a:extLst>
               </a:tr>
               <a:tr h="370840">
                 <a:tc>
@@ -4064,10 +4045,9 @@
                     <a:lstStyle/>
                     <a:p>
                       <a:r>
-                        <a:rPr lang="en-US" dirty="0" smtClean="0"/>
+                        <a:rPr lang="en-US" dirty="0"/>
                         <a:t>*  /  %</a:t>
                       </a:r>
-                      <a:endParaRPr lang="en-US" dirty="0"/>
                     </a:p>
                   </a:txBody>
                   <a:tcPr/>
@@ -4082,6 +4062,11 @@
                   </a:txBody>
                   <a:tcPr/>
                 </a:tc>
+                <a:extLst>
+                  <a:ext uri="{0D108BD9-81ED-4DB2-BD59-A6C34878D82A}">
+                    <a16:rowId xmlns:a16="http://schemas.microsoft.com/office/drawing/2014/main" val="10003"/>
+                  </a:ext>
+                </a:extLst>
               </a:tr>
               <a:tr h="370840">
                 <a:tc>
@@ -4090,10 +4075,9 @@
                     <a:lstStyle/>
                     <a:p>
                       <a:r>
-                        <a:rPr lang="en-US" dirty="0" smtClean="0"/>
+                        <a:rPr lang="en-US" dirty="0"/>
                         <a:t>+  -</a:t>
                       </a:r>
-                      <a:endParaRPr lang="en-US" dirty="0"/>
                     </a:p>
                   </a:txBody>
                   <a:tcPr/>
@@ -4108,6 +4092,11 @@
                   </a:txBody>
                   <a:tcPr/>
                 </a:tc>
+                <a:extLst>
+                  <a:ext uri="{0D108BD9-81ED-4DB2-BD59-A6C34878D82A}">
+                    <a16:rowId xmlns:a16="http://schemas.microsoft.com/office/drawing/2014/main" val="10004"/>
+                  </a:ext>
+                </a:extLst>
               </a:tr>
               <a:tr h="370840">
                 <a:tc>
@@ -4116,10 +4105,9 @@
                     <a:lstStyle/>
                     <a:p>
                       <a:r>
-                        <a:rPr lang="en-US" dirty="0" smtClean="0"/>
+                        <a:rPr lang="en-US" dirty="0"/>
                         <a:t>&lt;   &lt;=   &gt;=   &gt;</a:t>
                       </a:r>
-                      <a:endParaRPr lang="en-US" dirty="0"/>
                     </a:p>
                   </a:txBody>
                   <a:tcPr/>
@@ -4134,6 +4122,11 @@
                   </a:txBody>
                   <a:tcPr/>
                 </a:tc>
+                <a:extLst>
+                  <a:ext uri="{0D108BD9-81ED-4DB2-BD59-A6C34878D82A}">
+                    <a16:rowId xmlns:a16="http://schemas.microsoft.com/office/drawing/2014/main" val="10005"/>
+                  </a:ext>
+                </a:extLst>
               </a:tr>
               <a:tr h="370840">
                 <a:tc>
@@ -4142,10 +4135,9 @@
                     <a:lstStyle/>
                     <a:p>
                       <a:r>
-                        <a:rPr lang="en-US" dirty="0" smtClean="0"/>
+                        <a:rPr lang="en-US" dirty="0"/>
                         <a:t>==   !=</a:t>
                       </a:r>
-                      <a:endParaRPr lang="en-US" dirty="0"/>
                     </a:p>
                   </a:txBody>
                   <a:tcPr/>
@@ -4160,6 +4152,11 @@
                   </a:txBody>
                   <a:tcPr/>
                 </a:tc>
+                <a:extLst>
+                  <a:ext uri="{0D108BD9-81ED-4DB2-BD59-A6C34878D82A}">
+                    <a16:rowId xmlns:a16="http://schemas.microsoft.com/office/drawing/2014/main" val="10006"/>
+                  </a:ext>
+                </a:extLst>
               </a:tr>
               <a:tr h="370840">
                 <a:tc>
@@ -4168,10 +4165,9 @@
                     <a:lstStyle/>
                     <a:p>
                       <a:r>
-                        <a:rPr lang="en-US" dirty="0" smtClean="0"/>
+                        <a:rPr lang="en-US" dirty="0"/>
                         <a:t>&amp;&amp;</a:t>
                       </a:r>
-                      <a:endParaRPr lang="en-US" dirty="0"/>
                     </a:p>
                   </a:txBody>
                   <a:tcPr/>
@@ -4186,6 +4182,11 @@
                   </a:txBody>
                   <a:tcPr/>
                 </a:tc>
+                <a:extLst>
+                  <a:ext uri="{0D108BD9-81ED-4DB2-BD59-A6C34878D82A}">
+                    <a16:rowId xmlns:a16="http://schemas.microsoft.com/office/drawing/2014/main" val="10007"/>
+                  </a:ext>
+                </a:extLst>
               </a:tr>
               <a:tr h="370840">
                 <a:tc>
@@ -4194,10 +4195,9 @@
                     <a:lstStyle/>
                     <a:p>
                       <a:r>
-                        <a:rPr lang="en-US" dirty="0" smtClean="0"/>
+                        <a:rPr lang="en-US" dirty="0"/>
                         <a:t>||</a:t>
                       </a:r>
-                      <a:endParaRPr lang="en-US" dirty="0"/>
                     </a:p>
                   </a:txBody>
                   <a:tcPr/>
@@ -4212,6 +4212,11 @@
                   </a:txBody>
                   <a:tcPr/>
                 </a:tc>
+                <a:extLst>
+                  <a:ext uri="{0D108BD9-81ED-4DB2-BD59-A6C34878D82A}">
+                    <a16:rowId xmlns:a16="http://schemas.microsoft.com/office/drawing/2014/main" val="10008"/>
+                  </a:ext>
+                </a:extLst>
               </a:tr>
               <a:tr h="370840">
                 <a:tc>
@@ -4220,10 +4225,9 @@
                     <a:lstStyle/>
                     <a:p>
                       <a:r>
-                        <a:rPr lang="en-US" dirty="0" smtClean="0"/>
+                        <a:rPr lang="en-US" dirty="0"/>
                         <a:t>=</a:t>
                       </a:r>
-                      <a:endParaRPr lang="en-US" dirty="0"/>
                     </a:p>
                   </a:txBody>
                   <a:tcPr/>
@@ -4234,14 +4238,18 @@
                     <a:lstStyle/>
                     <a:p>
                       <a:r>
-                        <a:rPr lang="en-US" dirty="0" smtClean="0"/>
+                        <a:rPr lang="en-US" dirty="0"/>
                         <a:t>lowest (evaluated last)</a:t>
                       </a:r>
-                      <a:endParaRPr lang="en-US" dirty="0"/>
                     </a:p>
                   </a:txBody>
                   <a:tcPr/>
                 </a:tc>
+                <a:extLst>
+                  <a:ext uri="{0D108BD9-81ED-4DB2-BD59-A6C34878D82A}">
+                    <a16:rowId xmlns:a16="http://schemas.microsoft.com/office/drawing/2014/main" val="10009"/>
+                  </a:ext>
+                </a:extLst>
               </a:tr>
             </a:tbl>
           </a:graphicData>
@@ -4263,10 +4271,9 @@
           <a:lstStyle/>
           <a:p>
             <a:r>
-              <a:rPr lang="en-US" smtClean="0"/>
+              <a:rPr lang="en-US"/>
               <a:t>© 2016 Pearson Education, Inc., Hoboken, NJ.  All rights reserved.</a:t>
             </a:r>
-            <a:endParaRPr lang="en-US"/>
           </a:p>
         </p:txBody>
       </p:sp>
@@ -4339,13 +4346,6 @@
   <p:clrMapOvr>
     <a:masterClrMapping/>
   </p:clrMapOvr>
-  <p:timing>
-    <p:tnLst>
-      <p:par>
-        <p:cTn id="1" dur="indefinite" restart="never" nodeType="tmRoot"/>
-      </p:par>
-    </p:tnLst>
-  </p:timing>
 </p:sld>
 </file>
 
@@ -4438,34 +4438,22 @@
           <a:lstStyle/>
           <a:p>
             <a:r>
-              <a:rPr lang="en-US" sz="2400" dirty="0" smtClean="0"/>
+              <a:rPr lang="en-US" sz="2400" dirty="0"/>
               <a:t>Figure 4.1</a:t>
             </a:r>
-            <a:r>
-              <a:rPr lang="en-US" sz="2800" dirty="0" smtClean="0"/>
-              <a:t/>
-            </a:r>
             <a:br>
-              <a:rPr lang="en-US" sz="2800" dirty="0" smtClean="0"/>
+              <a:rPr lang="en-US" sz="2800" dirty="0"/>
             </a:br>
             <a:r>
               <a:rPr lang="en-US" altLang="en-US" sz="2800" dirty="0"/>
-              <a:t>Evaluation Tree  and Step-by-Step Evaluation </a:t>
-            </a:r>
-            <a:r>
-              <a:rPr lang="en-US" altLang="en-US" sz="2800" dirty="0" smtClean="0"/>
-              <a:t>for</a:t>
+              <a:t>Evaluation Tree  and Step-by-Step Evaluation for</a:t>
             </a:r>
             <a:br>
-              <a:rPr lang="en-US" altLang="en-US" sz="2800" dirty="0" smtClean="0"/>
+              <a:rPr lang="en-US" altLang="en-US" sz="2800" dirty="0"/>
             </a:br>
             <a:r>
-              <a:rPr lang="en-US" altLang="en-US" sz="2800" dirty="0" smtClean="0"/>
-              <a:t>!flag </a:t>
-            </a:r>
-            <a:r>
               <a:rPr lang="en-US" altLang="en-US" sz="2800" dirty="0"/>
-              <a:t>|| (y + z  &gt;=  x - z)</a:t>
+              <a:t>!flag || (y + z  &gt;=  x - z)</a:t>
             </a:r>
             <a:endParaRPr lang="en-US" sz="2800" dirty="0"/>
           </a:p>
@@ -4487,10 +4475,9 @@
           <a:lstStyle/>
           <a:p>
             <a:r>
-              <a:rPr lang="en-US" smtClean="0"/>
+              <a:rPr lang="en-US"/>
               <a:t>© 2016 Pearson Education, Inc., Hoboken, NJ.  All rights reserved.</a:t>
             </a:r>
-            <a:endParaRPr lang="en-US"/>
           </a:p>
         </p:txBody>
       </p:sp>
@@ -4527,13 +4514,6 @@
   <p:clrMapOvr>
     <a:masterClrMapping/>
   </p:clrMapOvr>
-  <p:timing>
-    <p:tnLst>
-      <p:par>
-        <p:cTn id="1" dur="indefinite" restart="never" nodeType="tmRoot"/>
-      </p:par>
-    </p:tnLst>
-  </p:timing>
 </p:sld>
 </file>
 
@@ -4556,93 +4536,6 @@
       </p:grpSpPr>
       <p:sp>
         <p:nvSpPr>
-          <p:cNvPr id="2" name="Title 1"/>
-          <p:cNvSpPr>
-            <a:spLocks noGrp="1"/>
-          </p:cNvSpPr>
-          <p:nvPr>
-            <p:ph type="title"/>
-          </p:nvPr>
-        </p:nvSpPr>
-        <p:spPr/>
-        <p:txBody>
-          <a:bodyPr/>
-          <a:lstStyle/>
-          <a:p>
-            <a:r>
-              <a:rPr lang="en-US" dirty="0" smtClean="0"/>
-              <a:t>Short-Circuit Evaluation</a:t>
-            </a:r>
-            <a:endParaRPr lang="en-US" dirty="0"/>
-          </a:p>
-        </p:txBody>
-      </p:sp>
-      <p:sp>
-        <p:nvSpPr>
-          <p:cNvPr id="3" name="Content Placeholder 2"/>
-          <p:cNvSpPr>
-            <a:spLocks noGrp="1"/>
-          </p:cNvSpPr>
-          <p:nvPr>
-            <p:ph idx="1"/>
-          </p:nvPr>
-        </p:nvSpPr>
-        <p:spPr>
-          <a:xfrm>
-            <a:off x="457200" y="1676400"/>
-            <a:ext cx="8229600" cy="3581400"/>
-          </a:xfrm>
-        </p:spPr>
-        <p:txBody>
-          <a:bodyPr/>
-          <a:lstStyle/>
-          <a:p>
-            <a:r>
-              <a:rPr lang="en-US" dirty="0" smtClean="0"/>
-              <a:t>stopping evaluation of a logical expression as soon as its value can be determined</a:t>
-            </a:r>
-          </a:p>
-          <a:p>
-            <a:endParaRPr lang="en-US" dirty="0"/>
-          </a:p>
-          <a:p>
-            <a:pPr marL="914400" lvl="2" indent="0">
-              <a:buNone/>
-            </a:pPr>
-            <a:r>
-              <a:rPr lang="en-US" sz="3200" dirty="0" smtClean="0">
-                <a:solidFill>
-                  <a:srgbClr val="FF0000"/>
-                </a:solidFill>
-              </a:rPr>
-              <a:t>(div  !=  0  &amp;&amp;  (</a:t>
-            </a:r>
-            <a:r>
-              <a:rPr lang="en-US" sz="3200" dirty="0" err="1" smtClean="0">
-                <a:solidFill>
-                  <a:srgbClr val="FF0000"/>
-                </a:solidFill>
-              </a:rPr>
-              <a:t>num</a:t>
-            </a:r>
-            <a:r>
-              <a:rPr lang="en-US" sz="3200" dirty="0" smtClean="0">
-                <a:solidFill>
-                  <a:srgbClr val="FF0000"/>
-                </a:solidFill>
-              </a:rPr>
-              <a:t>  %  div  ==  0))</a:t>
-            </a:r>
-            <a:endParaRPr lang="en-US" sz="3200" dirty="0">
-              <a:solidFill>
-                <a:srgbClr val="FF0000"/>
-              </a:solidFill>
-            </a:endParaRPr>
-          </a:p>
-        </p:txBody>
-      </p:sp>
-      <p:sp>
-        <p:nvSpPr>
           <p:cNvPr id="4" name="Footer Placeholder 3"/>
           <p:cNvSpPr>
             <a:spLocks noGrp="1"/>
@@ -4657,10 +4550,9 @@
           <a:lstStyle/>
           <a:p>
             <a:r>
-              <a:rPr lang="en-US" smtClean="0"/>
+              <a:rPr lang="en-US"/>
               <a:t>© 2016 Pearson Education, Inc., Hoboken, NJ.  All rights reserved.</a:t>
             </a:r>
-            <a:endParaRPr lang="en-US"/>
           </a:p>
         </p:txBody>
       </p:sp>
@@ -4682,89 +4574,6 @@
             <a:fld id="{85A8DA42-601D-40A8-83CA-2F2CBDE5F9F0}" type="slidenum">
               <a:rPr lang="en-US" smtClean="0"/>
               <a:t>13</a:t>
-            </a:fld>
-            <a:endParaRPr lang="en-US"/>
-          </a:p>
-        </p:txBody>
-      </p:sp>
-    </p:spTree>
-    <p:extLst>
-      <p:ext uri="{BB962C8B-B14F-4D97-AF65-F5344CB8AC3E}">
-        <p14:creationId xmlns:p14="http://schemas.microsoft.com/office/powerpoint/2010/main" val="2298195983"/>
-      </p:ext>
-    </p:extLst>
-  </p:cSld>
-  <p:clrMapOvr>
-    <a:masterClrMapping/>
-  </p:clrMapOvr>
-  <p:timing>
-    <p:tnLst>
-      <p:par>
-        <p:cTn id="1" dur="indefinite" restart="never" nodeType="tmRoot"/>
-      </p:par>
-    </p:tnLst>
-  </p:timing>
-</p:sld>
-</file>
-
-<file path=ppt/slides/slide14.xml><?xml version="1.0" encoding="utf-8"?>
-<p:sld xmlns:a="http://schemas.openxmlformats.org/drawingml/2006/main" xmlns:r="http://schemas.openxmlformats.org/officeDocument/2006/relationships" xmlns:p="http://schemas.openxmlformats.org/presentationml/2006/main">
-  <p:cSld>
-    <p:spTree>
-      <p:nvGrpSpPr>
-        <p:cNvPr id="1" name=""/>
-        <p:cNvGrpSpPr/>
-        <p:nvPr/>
-      </p:nvGrpSpPr>
-      <p:grpSpPr>
-        <a:xfrm>
-          <a:off x="0" y="0"/>
-          <a:ext cx="0" cy="0"/>
-          <a:chOff x="0" y="0"/>
-          <a:chExt cx="0" cy="0"/>
-        </a:xfrm>
-      </p:grpSpPr>
-      <p:sp>
-        <p:nvSpPr>
-          <p:cNvPr id="4" name="Footer Placeholder 3"/>
-          <p:cNvSpPr>
-            <a:spLocks noGrp="1"/>
-          </p:cNvSpPr>
-          <p:nvPr>
-            <p:ph type="ftr" sz="quarter" idx="11"/>
-          </p:nvPr>
-        </p:nvSpPr>
-        <p:spPr/>
-        <p:txBody>
-          <a:bodyPr/>
-          <a:lstStyle/>
-          <a:p>
-            <a:r>
-              <a:rPr lang="en-US" smtClean="0"/>
-              <a:t>© 2016 Pearson Education, Inc., Hoboken, NJ.  All rights reserved.</a:t>
-            </a:r>
-            <a:endParaRPr lang="en-US"/>
-          </a:p>
-        </p:txBody>
-      </p:sp>
-      <p:sp>
-        <p:nvSpPr>
-          <p:cNvPr id="5" name="Slide Number Placeholder 4"/>
-          <p:cNvSpPr>
-            <a:spLocks noGrp="1"/>
-          </p:cNvSpPr>
-          <p:nvPr>
-            <p:ph type="sldNum" sz="quarter" idx="12"/>
-          </p:nvPr>
-        </p:nvSpPr>
-        <p:spPr/>
-        <p:txBody>
-          <a:bodyPr/>
-          <a:lstStyle/>
-          <a:p>
-            <a:fld id="{85A8DA42-601D-40A8-83CA-2F2CBDE5F9F0}" type="slidenum">
-              <a:rPr lang="en-US" smtClean="0"/>
-              <a:t>14</a:t>
             </a:fld>
             <a:endParaRPr lang="en-US"/>
           </a:p>
@@ -4809,12 +4618,12 @@
           </a:lstStyle>
           <a:p>
             <a:r>
-              <a:rPr lang="en-US" sz="3800" dirty="0" smtClean="0"/>
+              <a:rPr lang="en-US" sz="3800" dirty="0"/>
               <a:t>Figure 4.2</a:t>
             </a:r>
           </a:p>
           <a:p>
-            <a:endParaRPr lang="en-US" sz="3800" dirty="0" smtClean="0"/>
+            <a:endParaRPr lang="en-US" sz="3800" dirty="0"/>
           </a:p>
           <a:p>
             <a:r>
@@ -4896,17 +4705,10 @@
   <p:clrMapOvr>
     <a:masterClrMapping/>
   </p:clrMapOvr>
-  <p:timing>
-    <p:tnLst>
-      <p:par>
-        <p:cTn id="1" dur="indefinite" restart="never" nodeType="tmRoot"/>
-      </p:par>
-    </p:tnLst>
-  </p:timing>
 </p:sld>
 </file>
 
-<file path=ppt/slides/slide15.xml><?xml version="1.0" encoding="utf-8"?>
+<file path=ppt/slides/slide14.xml><?xml version="1.0" encoding="utf-8"?>
 <p:sld xmlns:a="http://schemas.openxmlformats.org/drawingml/2006/main" xmlns:r="http://schemas.openxmlformats.org/officeDocument/2006/relationships" xmlns:p="http://schemas.openxmlformats.org/presentationml/2006/main">
   <p:cSld>
     <p:spTree>
@@ -4939,10 +4741,9 @@
           <a:lstStyle/>
           <a:p>
             <a:r>
-              <a:rPr lang="en-US" smtClean="0"/>
+              <a:rPr lang="en-US"/>
               <a:t>© 2016 Pearson Education, Inc., Hoboken, NJ.  All rights reserved.</a:t>
             </a:r>
-            <a:endParaRPr lang="en-US"/>
           </a:p>
         </p:txBody>
       </p:sp>
@@ -4963,7 +4764,7 @@
           <a:p>
             <a:fld id="{85A8DA42-601D-40A8-83CA-2F2CBDE5F9F0}" type="slidenum">
               <a:rPr lang="en-US" smtClean="0"/>
-              <a:t>15</a:t>
+              <a:t>14</a:t>
             </a:fld>
             <a:endParaRPr lang="en-US"/>
           </a:p>
@@ -5008,12 +4809,12 @@
           </a:lstStyle>
           <a:p>
             <a:r>
-              <a:rPr lang="en-US" sz="3800" dirty="0" smtClean="0"/>
+              <a:rPr lang="en-US" sz="3800" dirty="0"/>
               <a:t>Figure 4.3</a:t>
             </a:r>
           </a:p>
           <a:p>
-            <a:endParaRPr lang="en-US" sz="3800" dirty="0" smtClean="0"/>
+            <a:endParaRPr lang="en-US" sz="3800" dirty="0"/>
           </a:p>
           <a:p>
             <a:r>
@@ -5095,13 +4896,162 @@
   <p:clrMapOvr>
     <a:masterClrMapping/>
   </p:clrMapOvr>
-  <p:timing>
-    <p:tnLst>
-      <p:par>
-        <p:cTn id="1" dur="indefinite" restart="never" nodeType="tmRoot"/>
-      </p:par>
-    </p:tnLst>
-  </p:timing>
+</p:sld>
+</file>
+
+<file path=ppt/slides/slide15.xml><?xml version="1.0" encoding="utf-8"?>
+<p:sld xmlns:a="http://schemas.openxmlformats.org/drawingml/2006/main" xmlns:r="http://schemas.openxmlformats.org/officeDocument/2006/relationships" xmlns:p="http://schemas.openxmlformats.org/presentationml/2006/main">
+  <p:cSld>
+    <p:spTree>
+      <p:nvGrpSpPr>
+        <p:cNvPr id="1" name=""/>
+        <p:cNvGrpSpPr/>
+        <p:nvPr/>
+      </p:nvGrpSpPr>
+      <p:grpSpPr>
+        <a:xfrm>
+          <a:off x="0" y="0"/>
+          <a:ext cx="0" cy="0"/>
+          <a:chOff x="0" y="0"/>
+          <a:chExt cx="0" cy="0"/>
+        </a:xfrm>
+      </p:grpSpPr>
+      <p:sp>
+        <p:nvSpPr>
+          <p:cNvPr id="2" name="Title 1"/>
+          <p:cNvSpPr>
+            <a:spLocks noGrp="1"/>
+          </p:cNvSpPr>
+          <p:nvPr>
+            <p:ph type="title"/>
+          </p:nvPr>
+        </p:nvSpPr>
+        <p:spPr/>
+        <p:txBody>
+          <a:bodyPr/>
+          <a:lstStyle/>
+          <a:p>
+            <a:r>
+              <a:rPr lang="en-US" dirty="0"/>
+              <a:t>Short-Circuit Evaluation</a:t>
+            </a:r>
+          </a:p>
+        </p:txBody>
+      </p:sp>
+      <p:sp>
+        <p:nvSpPr>
+          <p:cNvPr id="3" name="Content Placeholder 2"/>
+          <p:cNvSpPr>
+            <a:spLocks noGrp="1"/>
+          </p:cNvSpPr>
+          <p:nvPr>
+            <p:ph idx="1"/>
+          </p:nvPr>
+        </p:nvSpPr>
+        <p:spPr>
+          <a:xfrm>
+            <a:off x="457200" y="1676400"/>
+            <a:ext cx="8229600" cy="3581400"/>
+          </a:xfrm>
+        </p:spPr>
+        <p:txBody>
+          <a:bodyPr/>
+          <a:lstStyle/>
+          <a:p>
+            <a:r>
+              <a:rPr lang="en-US" dirty="0"/>
+              <a:t>stopping evaluation of a logical expression as soon as its value can be determined</a:t>
+            </a:r>
+          </a:p>
+          <a:p>
+            <a:endParaRPr lang="en-US" dirty="0"/>
+          </a:p>
+          <a:p>
+            <a:pPr marL="914400" lvl="2" indent="0">
+              <a:buNone/>
+            </a:pPr>
+            <a:r>
+              <a:rPr lang="en-US" sz="3200" dirty="0">
+                <a:solidFill>
+                  <a:srgbClr val="FF0000"/>
+                </a:solidFill>
+              </a:rPr>
+              <a:t>(div  !=  0  &amp;&amp;  (</a:t>
+            </a:r>
+            <a:r>
+              <a:rPr lang="en-US" sz="3200" dirty="0" err="1">
+                <a:solidFill>
+                  <a:srgbClr val="FF0000"/>
+                </a:solidFill>
+              </a:rPr>
+              <a:t>num</a:t>
+            </a:r>
+            <a:r>
+              <a:rPr lang="en-US" sz="3200" dirty="0">
+                <a:solidFill>
+                  <a:srgbClr val="FF0000"/>
+                </a:solidFill>
+              </a:rPr>
+              <a:t>  %  div  ==  0))</a:t>
+            </a:r>
+          </a:p>
+        </p:txBody>
+      </p:sp>
+      <p:sp>
+        <p:nvSpPr>
+          <p:cNvPr id="4" name="Footer Placeholder 3"/>
+          <p:cNvSpPr>
+            <a:spLocks noGrp="1"/>
+          </p:cNvSpPr>
+          <p:nvPr>
+            <p:ph type="ftr" sz="quarter" idx="11"/>
+          </p:nvPr>
+        </p:nvSpPr>
+        <p:spPr/>
+        <p:txBody>
+          <a:bodyPr/>
+          <a:lstStyle/>
+          <a:p>
+            <a:r>
+              <a:rPr lang="en-US"/>
+              <a:t>© 2016 Pearson Education, Inc., Hoboken, NJ.  All rights reserved.</a:t>
+            </a:r>
+          </a:p>
+        </p:txBody>
+      </p:sp>
+      <p:sp>
+        <p:nvSpPr>
+          <p:cNvPr id="5" name="Slide Number Placeholder 4"/>
+          <p:cNvSpPr>
+            <a:spLocks noGrp="1"/>
+          </p:cNvSpPr>
+          <p:nvPr>
+            <p:ph type="sldNum" sz="quarter" idx="12"/>
+          </p:nvPr>
+        </p:nvSpPr>
+        <p:spPr/>
+        <p:txBody>
+          <a:bodyPr/>
+          <a:lstStyle/>
+          <a:p>
+            <a:fld id="{85A8DA42-601D-40A8-83CA-2F2CBDE5F9F0}" type="slidenum">
+              <a:rPr lang="en-US" smtClean="0"/>
+              <a:t>15</a:t>
+            </a:fld>
+            <a:endParaRPr lang="en-US"/>
+          </a:p>
+        </p:txBody>
+      </p:sp>
+    </p:spTree>
+    <p:extLst>
+      <p:ext uri="{BB962C8B-B14F-4D97-AF65-F5344CB8AC3E}">
+        <p14:creationId xmlns:p14="http://schemas.microsoft.com/office/powerpoint/2010/main" val="4109870147"/>
+      </p:ext>
+    </p:extLst>
+  </p:cSld>
+  <p:clrMapOvr>
+    <a:masterClrMapping/>
+  </p:clrMapOvr>
 </p:sld>
 </file>
 
@@ -5138,10 +5088,9 @@
           <a:lstStyle/>
           <a:p>
             <a:r>
-              <a:rPr lang="en-US" dirty="0" smtClean="0"/>
+              <a:rPr lang="en-US" dirty="0"/>
               <a:t>Comparing Characters</a:t>
             </a:r>
-            <a:endParaRPr lang="en-US" dirty="0"/>
           </a:p>
         </p:txBody>
       </p:sp>
@@ -5171,8 +5120,20 @@
                 <a:tableStyleId>{5C22544A-7EE6-4342-B048-85BDC9FD1C3A}</a:tableStyleId>
               </a:tblPr>
               <a:tblGrid>
-                <a:gridCol w="4114800"/>
-                <a:gridCol w="4114800"/>
+                <a:gridCol w="4114800">
+                  <a:extLst>
+                    <a:ext uri="{9D8B030D-6E8A-4147-A177-3AD203B41FA5}">
+                      <a16:colId xmlns:a16="http://schemas.microsoft.com/office/drawing/2014/main" val="20000"/>
+                    </a:ext>
+                  </a:extLst>
+                </a:gridCol>
+                <a:gridCol w="4114800">
+                  <a:extLst>
+                    <a:ext uri="{9D8B030D-6E8A-4147-A177-3AD203B41FA5}">
+                      <a16:colId xmlns:a16="http://schemas.microsoft.com/office/drawing/2014/main" val="20001"/>
+                    </a:ext>
+                  </a:extLst>
+                </a:gridCol>
               </a:tblGrid>
               <a:tr h="370840">
                 <a:tc>
@@ -5181,10 +5142,9 @@
                     <a:lstStyle/>
                     <a:p>
                       <a:r>
-                        <a:rPr lang="en-US" dirty="0" smtClean="0"/>
+                        <a:rPr lang="en-US" dirty="0"/>
                         <a:t>Expression</a:t>
                       </a:r>
-                      <a:endParaRPr lang="en-US" dirty="0"/>
                     </a:p>
                   </a:txBody>
                   <a:tcPr/>
@@ -5195,14 +5155,18 @@
                     <a:lstStyle/>
                     <a:p>
                       <a:r>
-                        <a:rPr lang="en-US" dirty="0" smtClean="0"/>
+                        <a:rPr lang="en-US" dirty="0"/>
                         <a:t>Value</a:t>
                       </a:r>
-                      <a:endParaRPr lang="en-US" dirty="0"/>
                     </a:p>
                   </a:txBody>
                   <a:tcPr/>
                 </a:tc>
+                <a:extLst>
+                  <a:ext uri="{0D108BD9-81ED-4DB2-BD59-A6C34878D82A}">
+                    <a16:rowId xmlns:a16="http://schemas.microsoft.com/office/drawing/2014/main" val="10000"/>
+                  </a:ext>
+                </a:extLst>
               </a:tr>
               <a:tr h="370840">
                 <a:tc>
@@ -5211,11 +5175,11 @@
                     <a:lstStyle/>
                     <a:p>
                       <a:r>
-                        <a:rPr lang="en-US" dirty="0" smtClean="0"/>
+                        <a:rPr lang="en-US" dirty="0"/>
                         <a:t>‘9’  &gt;=</a:t>
                       </a:r>
                       <a:r>
-                        <a:rPr lang="en-US" baseline="0" dirty="0" smtClean="0"/>
+                        <a:rPr lang="en-US" baseline="0" dirty="0"/>
                         <a:t>  ‘0’</a:t>
                       </a:r>
                       <a:endParaRPr lang="en-US" dirty="0"/>
@@ -5229,14 +5193,18 @@
                     <a:lstStyle/>
                     <a:p>
                       <a:r>
-                        <a:rPr lang="en-US" dirty="0" smtClean="0"/>
+                        <a:rPr lang="en-US" dirty="0"/>
                         <a:t>1 (true)</a:t>
                       </a:r>
-                      <a:endParaRPr lang="en-US" dirty="0"/>
                     </a:p>
                   </a:txBody>
                   <a:tcPr/>
                 </a:tc>
+                <a:extLst>
+                  <a:ext uri="{0D108BD9-81ED-4DB2-BD59-A6C34878D82A}">
+                    <a16:rowId xmlns:a16="http://schemas.microsoft.com/office/drawing/2014/main" val="10001"/>
+                  </a:ext>
+                </a:extLst>
               </a:tr>
               <a:tr h="370840">
                 <a:tc>
@@ -5245,10 +5213,9 @@
                     <a:lstStyle/>
                     <a:p>
                       <a:r>
-                        <a:rPr lang="en-US" dirty="0" smtClean="0"/>
+                        <a:rPr lang="en-US" dirty="0"/>
                         <a:t>‘a’  &lt;  ‘e’</a:t>
                       </a:r>
-                      <a:endParaRPr lang="en-US" dirty="0"/>
                     </a:p>
                   </a:txBody>
                   <a:tcPr/>
@@ -5259,14 +5226,18 @@
                     <a:lstStyle/>
                     <a:p>
                       <a:r>
-                        <a:rPr lang="en-US" dirty="0" smtClean="0"/>
+                        <a:rPr lang="en-US" dirty="0"/>
                         <a:t>1 (true)</a:t>
                       </a:r>
-                      <a:endParaRPr lang="en-US" dirty="0"/>
                     </a:p>
                   </a:txBody>
                   <a:tcPr/>
                 </a:tc>
+                <a:extLst>
+                  <a:ext uri="{0D108BD9-81ED-4DB2-BD59-A6C34878D82A}">
+                    <a16:rowId xmlns:a16="http://schemas.microsoft.com/office/drawing/2014/main" val="10002"/>
+                  </a:ext>
+                </a:extLst>
               </a:tr>
               <a:tr h="370840">
                 <a:tc>
@@ -5275,10 +5246,9 @@
                     <a:lstStyle/>
                     <a:p>
                       <a:r>
-                        <a:rPr lang="en-US" dirty="0" smtClean="0"/>
+                        <a:rPr lang="en-US" dirty="0"/>
                         <a:t>‘B’  &lt;=  ‘A’</a:t>
                       </a:r>
-                      <a:endParaRPr lang="en-US" dirty="0"/>
                     </a:p>
                   </a:txBody>
                   <a:tcPr/>
@@ -5289,14 +5259,18 @@
                     <a:lstStyle/>
                     <a:p>
                       <a:r>
-                        <a:rPr lang="en-US" dirty="0" smtClean="0"/>
+                        <a:rPr lang="en-US" dirty="0"/>
                         <a:t>0  (false)</a:t>
                       </a:r>
-                      <a:endParaRPr lang="en-US" dirty="0"/>
                     </a:p>
                   </a:txBody>
                   <a:tcPr/>
                 </a:tc>
+                <a:extLst>
+                  <a:ext uri="{0D108BD9-81ED-4DB2-BD59-A6C34878D82A}">
+                    <a16:rowId xmlns:a16="http://schemas.microsoft.com/office/drawing/2014/main" val="10003"/>
+                  </a:ext>
+                </a:extLst>
               </a:tr>
               <a:tr h="370840">
                 <a:tc>
@@ -5305,10 +5279,9 @@
                     <a:lstStyle/>
                     <a:p>
                       <a:r>
-                        <a:rPr lang="en-US" dirty="0" smtClean="0"/>
+                        <a:rPr lang="en-US" dirty="0"/>
                         <a:t>‘Z’  ==  ‘z’</a:t>
                       </a:r>
-                      <a:endParaRPr lang="en-US" dirty="0"/>
                     </a:p>
                   </a:txBody>
                   <a:tcPr/>
@@ -5319,14 +5292,18 @@
                     <a:lstStyle/>
                     <a:p>
                       <a:r>
-                        <a:rPr lang="en-US" dirty="0" smtClean="0"/>
+                        <a:rPr lang="en-US" dirty="0"/>
                         <a:t>0 (false)</a:t>
                       </a:r>
-                      <a:endParaRPr lang="en-US" dirty="0"/>
                     </a:p>
                   </a:txBody>
                   <a:tcPr/>
                 </a:tc>
+                <a:extLst>
+                  <a:ext uri="{0D108BD9-81ED-4DB2-BD59-A6C34878D82A}">
+                    <a16:rowId xmlns:a16="http://schemas.microsoft.com/office/drawing/2014/main" val="10004"/>
+                  </a:ext>
+                </a:extLst>
               </a:tr>
               <a:tr h="370840">
                 <a:tc>
@@ -5335,10 +5312,9 @@
                     <a:lstStyle/>
                     <a:p>
                       <a:r>
-                        <a:rPr lang="en-US" dirty="0" smtClean="0"/>
+                        <a:rPr lang="en-US" dirty="0"/>
                         <a:t>‘a’  &lt;=  ‘A’</a:t>
                       </a:r>
-                      <a:endParaRPr lang="en-US" dirty="0"/>
                     </a:p>
                   </a:txBody>
                   <a:tcPr/>
@@ -5349,14 +5325,18 @@
                     <a:lstStyle/>
                     <a:p>
                       <a:r>
-                        <a:rPr lang="en-US" dirty="0" smtClean="0"/>
+                        <a:rPr lang="en-US" dirty="0"/>
                         <a:t>System dependent</a:t>
                       </a:r>
-                      <a:endParaRPr lang="en-US" dirty="0"/>
                     </a:p>
                   </a:txBody>
                   <a:tcPr/>
                 </a:tc>
+                <a:extLst>
+                  <a:ext uri="{0D108BD9-81ED-4DB2-BD59-A6C34878D82A}">
+                    <a16:rowId xmlns:a16="http://schemas.microsoft.com/office/drawing/2014/main" val="10005"/>
+                  </a:ext>
+                </a:extLst>
               </a:tr>
               <a:tr h="370840">
                 <a:tc>
@@ -5365,26 +5345,25 @@
                     <a:lstStyle/>
                     <a:p>
                       <a:r>
-                        <a:rPr lang="en-US" dirty="0" smtClean="0"/>
+                        <a:rPr lang="en-US" dirty="0"/>
                         <a:t>‘a’  &lt;=  </a:t>
                       </a:r>
                       <a:r>
-                        <a:rPr lang="en-US" dirty="0" err="1" smtClean="0"/>
+                        <a:rPr lang="en-US" dirty="0" err="1"/>
                         <a:t>ch</a:t>
                       </a:r>
                       <a:r>
-                        <a:rPr lang="en-US" dirty="0" smtClean="0"/>
+                        <a:rPr lang="en-US" dirty="0"/>
                         <a:t>  &amp;&amp;  </a:t>
                       </a:r>
                       <a:r>
-                        <a:rPr lang="en-US" dirty="0" err="1" smtClean="0"/>
+                        <a:rPr lang="en-US" dirty="0" err="1"/>
                         <a:t>ch</a:t>
                       </a:r>
                       <a:r>
-                        <a:rPr lang="en-US" dirty="0" smtClean="0"/>
+                        <a:rPr lang="en-US" dirty="0"/>
                         <a:t>  &lt;=  ‘z’</a:t>
                       </a:r>
-                      <a:endParaRPr lang="en-US" dirty="0"/>
                     </a:p>
                   </a:txBody>
                   <a:tcPr/>
@@ -5395,22 +5374,26 @@
                     <a:lstStyle/>
                     <a:p>
                       <a:r>
-                        <a:rPr lang="en-US" dirty="0" smtClean="0"/>
+                        <a:rPr lang="en-US" dirty="0"/>
                         <a:t>1 (true) if </a:t>
                       </a:r>
                       <a:r>
-                        <a:rPr lang="en-US" dirty="0" err="1" smtClean="0"/>
+                        <a:rPr lang="en-US" dirty="0" err="1"/>
                         <a:t>ch</a:t>
                       </a:r>
                       <a:r>
-                        <a:rPr lang="en-US" dirty="0" smtClean="0"/>
+                        <a:rPr lang="en-US" dirty="0"/>
                         <a:t> is a lowercase letter</a:t>
                       </a:r>
-                      <a:endParaRPr lang="en-US" dirty="0"/>
                     </a:p>
                   </a:txBody>
                   <a:tcPr/>
                 </a:tc>
+                <a:extLst>
+                  <a:ext uri="{0D108BD9-81ED-4DB2-BD59-A6C34878D82A}">
+                    <a16:rowId xmlns:a16="http://schemas.microsoft.com/office/drawing/2014/main" val="10006"/>
+                  </a:ext>
+                </a:extLst>
               </a:tr>
             </a:tbl>
           </a:graphicData>
@@ -5432,10 +5415,9 @@
           <a:lstStyle/>
           <a:p>
             <a:r>
-              <a:rPr lang="en-US" smtClean="0"/>
+              <a:rPr lang="en-US"/>
               <a:t>© 2016 Pearson Education, Inc., Hoboken, NJ.  All rights reserved.</a:t>
             </a:r>
-            <a:endParaRPr lang="en-US"/>
           </a:p>
         </p:txBody>
       </p:sp>
@@ -5472,13 +5454,6 @@
   <p:clrMapOvr>
     <a:masterClrMapping/>
   </p:clrMapOvr>
-  <p:timing>
-    <p:tnLst>
-      <p:par>
-        <p:cTn id="1" dur="indefinite" restart="never" nodeType="tmRoot"/>
-      </p:par>
-    </p:tnLst>
-  </p:timing>
 </p:sld>
 </file>
 
@@ -5515,10 +5490,9 @@
           <a:lstStyle/>
           <a:p>
             <a:r>
-              <a:rPr lang="en-US" dirty="0" smtClean="0"/>
+              <a:rPr lang="en-US" dirty="0"/>
               <a:t>The if-statement</a:t>
             </a:r>
-            <a:endParaRPr lang="en-US" dirty="0"/>
           </a:p>
         </p:txBody>
       </p:sp>
@@ -5538,10 +5512,9 @@
           <a:lstStyle/>
           <a:p>
             <a:r>
-              <a:rPr lang="en-US" dirty="0" smtClean="0"/>
+              <a:rPr lang="en-US" dirty="0"/>
               <a:t>making decisions</a:t>
             </a:r>
-            <a:endParaRPr lang="en-US" dirty="0"/>
           </a:p>
         </p:txBody>
       </p:sp>
@@ -5561,10 +5534,9 @@
           <a:lstStyle/>
           <a:p>
             <a:r>
-              <a:rPr lang="en-US" smtClean="0"/>
+              <a:rPr lang="en-US"/>
               <a:t>© 2016 Pearson Education, Inc., Hoboken, NJ.  All rights reserved.</a:t>
             </a:r>
-            <a:endParaRPr lang="en-US"/>
           </a:p>
         </p:txBody>
       </p:sp>
@@ -5601,13 +5573,6 @@
   <p:clrMapOvr>
     <a:masterClrMapping/>
   </p:clrMapOvr>
-  <p:timing>
-    <p:tnLst>
-      <p:par>
-        <p:cTn id="1" dur="indefinite" restart="never" nodeType="tmRoot"/>
-      </p:par>
-    </p:tnLst>
-  </p:timing>
 </p:sld>
 </file>
 
@@ -5706,32 +5671,20 @@
           <a:p>
             <a:r>
               <a:rPr lang="en-US" altLang="en-US" sz="2800" dirty="0"/>
-              <a:t>Figure </a:t>
-            </a:r>
-            <a:r>
-              <a:rPr lang="en-US" altLang="en-US" sz="2800" dirty="0" smtClean="0"/>
-              <a:t>4.4</a:t>
-            </a:r>
-            <a:r>
-              <a:rPr lang="en-US" altLang="en-US" sz="3200" dirty="0" smtClean="0"/>
-              <a:t/>
-            </a:r>
-            <a:br>
-              <a:rPr lang="en-US" altLang="en-US" sz="3200" dirty="0" smtClean="0"/>
-            </a:br>
-            <a:r>
-              <a:rPr lang="en-US" altLang="en-US" sz="3200" dirty="0" smtClean="0"/>
-              <a:t>Flowcharts </a:t>
-            </a:r>
-            <a:r>
-              <a:rPr lang="en-US" altLang="en-US" sz="3200" dirty="0"/>
-              <a:t>of if Statements with </a:t>
+              <a:t>Figure 4.4</a:t>
             </a:r>
             <a:br>
               <a:rPr lang="en-US" altLang="en-US" sz="3200" dirty="0"/>
             </a:br>
             <a:r>
               <a:rPr lang="en-US" altLang="en-US" sz="3200" dirty="0"/>
+              <a:t>Flowcharts of if Statements with </a:t>
+            </a:r>
+            <a:br>
+              <a:rPr lang="en-US" altLang="en-US" sz="3200" dirty="0"/>
+            </a:br>
+            <a:r>
+              <a:rPr lang="en-US" altLang="en-US" sz="3200" dirty="0"/>
               <a:t>(a) Two Alternatives and (b) One Alternative</a:t>
             </a:r>
             <a:endParaRPr lang="en-US" sz="3200" dirty="0"/>
@@ -5754,10 +5707,9 @@
           <a:lstStyle/>
           <a:p>
             <a:r>
-              <a:rPr lang="en-US" smtClean="0"/>
+              <a:rPr lang="en-US"/>
               <a:t>© 2016 Pearson Education, Inc., Hoboken, NJ.  All rights reserved.</a:t>
             </a:r>
-            <a:endParaRPr lang="en-US"/>
           </a:p>
         </p:txBody>
       </p:sp>
@@ -5794,13 +5746,6 @@
   <p:clrMapOvr>
     <a:masterClrMapping/>
   </p:clrMapOvr>
-  <p:timing>
-    <p:tnLst>
-      <p:par>
-        <p:cTn id="1" dur="indefinite" restart="never" nodeType="tmRoot"/>
-      </p:par>
-    </p:tnLst>
-  </p:timing>
 </p:sld>
 </file>
 
@@ -5837,10 +5782,9 @@
           <a:lstStyle/>
           <a:p>
             <a:r>
-              <a:rPr lang="en-US" dirty="0" smtClean="0"/>
+              <a:rPr lang="en-US" dirty="0"/>
               <a:t>if-statement with one alternative</a:t>
             </a:r>
-            <a:endParaRPr lang="en-US" dirty="0"/>
           </a:p>
         </p:txBody>
       </p:sp>
@@ -5869,17 +5813,16 @@
               <a:buNone/>
             </a:pPr>
             <a:r>
-              <a:rPr lang="en-US" dirty="0" smtClean="0"/>
+              <a:rPr lang="en-US" dirty="0"/>
               <a:t>		if  (x != 0)</a:t>
             </a:r>
             <a:br>
-              <a:rPr lang="en-US" dirty="0" smtClean="0"/>
+              <a:rPr lang="en-US" dirty="0"/>
             </a:br>
             <a:r>
-              <a:rPr lang="en-US" dirty="0" smtClean="0"/>
+              <a:rPr lang="en-US" dirty="0"/>
               <a:t>			product = product * x;</a:t>
             </a:r>
-            <a:endParaRPr lang="en-US" dirty="0"/>
           </a:p>
         </p:txBody>
       </p:sp>
@@ -5899,10 +5842,9 @@
           <a:lstStyle/>
           <a:p>
             <a:r>
-              <a:rPr lang="en-US" smtClean="0"/>
+              <a:rPr lang="en-US"/>
               <a:t>© 2016 Pearson Education, Inc., Hoboken, NJ.  All rights reserved.</a:t>
             </a:r>
-            <a:endParaRPr lang="en-US"/>
           </a:p>
         </p:txBody>
       </p:sp>
@@ -5939,13 +5881,6 @@
   <p:clrMapOvr>
     <a:masterClrMapping/>
   </p:clrMapOvr>
-  <p:timing>
-    <p:tnLst>
-      <p:par>
-        <p:cTn id="1" dur="indefinite" restart="never" nodeType="tmRoot"/>
-      </p:par>
-    </p:tnLst>
-  </p:timing>
 </p:sld>
 </file>
 
@@ -5982,10 +5917,9 @@
           <a:lstStyle/>
           <a:p>
             <a:r>
-              <a:rPr lang="en-US" dirty="0" smtClean="0"/>
+              <a:rPr lang="en-US" dirty="0"/>
               <a:t>Chapter Objectives</a:t>
             </a:r>
-            <a:endParaRPr lang="en-US" dirty="0"/>
           </a:p>
         </p:txBody>
       </p:sp>
@@ -6007,28 +5941,27 @@
           <a:lstStyle/>
           <a:p>
             <a:r>
-              <a:rPr lang="en-US" dirty="0" smtClean="0"/>
+              <a:rPr lang="en-US" dirty="0"/>
               <a:t>To become familiar with the three kinds of control structures: sequence, selection, and repetition</a:t>
             </a:r>
           </a:p>
           <a:p>
             <a:r>
-              <a:rPr lang="en-US" dirty="0" smtClean="0"/>
+              <a:rPr lang="en-US" dirty="0"/>
               <a:t>To understand compound statements</a:t>
             </a:r>
           </a:p>
           <a:p>
             <a:r>
-              <a:rPr lang="en-US" dirty="0" smtClean="0"/>
+              <a:rPr lang="en-US" dirty="0"/>
               <a:t>To learn how to compare numbers and characters</a:t>
             </a:r>
           </a:p>
           <a:p>
             <a:r>
-              <a:rPr lang="en-US" dirty="0" smtClean="0"/>
+              <a:rPr lang="en-US" dirty="0"/>
               <a:t>To learn how to use the relational, equality, and logical operators to write expressions that are true or false</a:t>
             </a:r>
-            <a:endParaRPr lang="en-US" dirty="0"/>
           </a:p>
         </p:txBody>
       </p:sp>
@@ -6048,10 +5981,9 @@
           <a:lstStyle/>
           <a:p>
             <a:r>
-              <a:rPr lang="en-US" smtClean="0"/>
+              <a:rPr lang="en-US"/>
               <a:t>© 2016 Pearson Education, Inc., Hoboken, NJ.  All rights reserved.</a:t>
             </a:r>
-            <a:endParaRPr lang="en-US"/>
           </a:p>
         </p:txBody>
       </p:sp>
@@ -6088,13 +6020,6 @@
   <p:clrMapOvr>
     <a:masterClrMapping/>
   </p:clrMapOvr>
-  <p:timing>
-    <p:tnLst>
-      <p:par>
-        <p:cTn id="1" dur="indefinite" restart="never" nodeType="tmRoot"/>
-      </p:par>
-    </p:tnLst>
-  </p:timing>
 </p:sld>
 </file>
 
@@ -6131,10 +6056,9 @@
           <a:lstStyle/>
           <a:p>
             <a:r>
-              <a:rPr lang="en-US" dirty="0" smtClean="0"/>
+              <a:rPr lang="en-US" dirty="0"/>
               <a:t>if-statement with two alternatives</a:t>
             </a:r>
-            <a:endParaRPr lang="en-US" dirty="0"/>
           </a:p>
         </p:txBody>
       </p:sp>
@@ -6165,22 +6089,22 @@
               <a:buNone/>
             </a:pPr>
             <a:r>
-              <a:rPr lang="en-US" sz="2800" dirty="0" smtClean="0"/>
+              <a:rPr lang="en-US" sz="2800" dirty="0"/>
               <a:t>if  (rest_heart_rate &gt; 75)</a:t>
             </a:r>
             <a:br>
-              <a:rPr lang="en-US" sz="2800" dirty="0" smtClean="0"/>
+              <a:rPr lang="en-US" sz="2800" dirty="0"/>
             </a:br>
             <a:r>
-              <a:rPr lang="en-US" sz="2800" dirty="0" smtClean="0"/>
+              <a:rPr lang="en-US" sz="2800" dirty="0"/>
               <a:t>	</a:t>
             </a:r>
             <a:r>
-              <a:rPr lang="en-US" sz="2800" dirty="0" err="1" smtClean="0"/>
+              <a:rPr lang="en-US" sz="2800" dirty="0" err="1"/>
               <a:t>printf</a:t>
             </a:r>
             <a:r>
-              <a:rPr lang="en-US" sz="2800" dirty="0" smtClean="0"/>
+              <a:rPr lang="en-US" sz="2800" dirty="0"/>
               <a:t>(“Keep up your exercise program!\n”);</a:t>
             </a:r>
           </a:p>
@@ -6189,7 +6113,7 @@
               <a:buNone/>
             </a:pPr>
             <a:r>
-              <a:rPr lang="en-US" sz="2800" dirty="0" smtClean="0"/>
+              <a:rPr lang="en-US" sz="2800" dirty="0"/>
               <a:t>else</a:t>
             </a:r>
           </a:p>
@@ -6202,14 +6126,13 @@
               <a:t>	</a:t>
             </a:r>
             <a:r>
-              <a:rPr lang="en-US" sz="2800" dirty="0" err="1" smtClean="0"/>
+              <a:rPr lang="en-US" sz="2800" dirty="0" err="1"/>
               <a:t>printf</a:t>
             </a:r>
             <a:r>
-              <a:rPr lang="en-US" sz="2800" dirty="0" smtClean="0"/>
+              <a:rPr lang="en-US" sz="2800" dirty="0"/>
               <a:t>(“Your hear is doing well!\n”);</a:t>
             </a:r>
-            <a:endParaRPr lang="en-US" sz="2800" dirty="0"/>
           </a:p>
         </p:txBody>
       </p:sp>
@@ -6229,10 +6152,9 @@
           <a:lstStyle/>
           <a:p>
             <a:r>
-              <a:rPr lang="en-US" smtClean="0"/>
+              <a:rPr lang="en-US"/>
               <a:t>© 2016 Pearson Education, Inc., Hoboken, NJ.  All rights reserved.</a:t>
             </a:r>
-            <a:endParaRPr lang="en-US"/>
           </a:p>
         </p:txBody>
       </p:sp>
@@ -6269,13 +6191,6 @@
   <p:clrMapOvr>
     <a:masterClrMapping/>
   </p:clrMapOvr>
-  <p:timing>
-    <p:tnLst>
-      <p:par>
-        <p:cTn id="1" dur="indefinite" restart="never" nodeType="tmRoot"/>
-      </p:par>
-    </p:tnLst>
-  </p:timing>
 </p:sld>
 </file>
 
@@ -6408,10 +6323,9 @@
           <a:lstStyle/>
           <a:p>
             <a:r>
-              <a:rPr lang="en-US" smtClean="0"/>
+              <a:rPr lang="en-US"/>
               <a:t>© 2016 Pearson Education, Inc., Hoboken, NJ.  All rights reserved.</a:t>
             </a:r>
-            <a:endParaRPr lang="en-US"/>
           </a:p>
         </p:txBody>
       </p:sp>
@@ -6448,13 +6362,6 @@
   <p:clrMapOvr>
     <a:masterClrMapping/>
   </p:clrMapOvr>
-  <p:timing>
-    <p:tnLst>
-      <p:par>
-        <p:cTn id="1" dur="indefinite" restart="never" nodeType="tmRoot"/>
-      </p:par>
-    </p:tnLst>
-  </p:timing>
 </p:sld>
 </file>
 
@@ -6494,26 +6401,14 @@
           <a:p>
             <a:r>
               <a:rPr lang="en-US" altLang="en-US" sz="3200" dirty="0"/>
-              <a:t>Figure </a:t>
-            </a:r>
-            <a:r>
-              <a:rPr lang="en-US" altLang="en-US" sz="3200" dirty="0" smtClean="0"/>
-              <a:t>4.6</a:t>
-            </a:r>
-            <a:r>
-              <a:rPr lang="en-US" altLang="en-US" sz="3600" dirty="0" smtClean="0"/>
-              <a:t/>
+              <a:t>Figure 4.6</a:t>
             </a:r>
             <a:br>
-              <a:rPr lang="en-US" altLang="en-US" sz="3600" dirty="0" smtClean="0"/>
+              <a:rPr lang="en-US" altLang="en-US" sz="3600" dirty="0"/>
             </a:br>
             <a:r>
-              <a:rPr lang="en-US" altLang="en-US" sz="3600" dirty="0" smtClean="0"/>
-              <a:t>if </a:t>
-            </a:r>
-            <a:r>
               <a:rPr lang="en-US" altLang="en-US" sz="3600" dirty="0"/>
-              <a:t>Statement to Order </a:t>
+              <a:t>if Statement to Order </a:t>
             </a:r>
             <a:r>
               <a:rPr lang="en-US" altLang="en-US" sz="3600" i="1" dirty="0"/>
@@ -6547,10 +6442,9 @@
           <a:lstStyle/>
           <a:p>
             <a:r>
-              <a:rPr lang="en-US" smtClean="0"/>
+              <a:rPr lang="en-US"/>
               <a:t>© 2016 Pearson Education, Inc., Hoboken, NJ.  All rights reserved.</a:t>
             </a:r>
-            <a:endParaRPr lang="en-US"/>
           </a:p>
         </p:txBody>
       </p:sp>
@@ -6641,13 +6535,6 @@
   <p:clrMapOvr>
     <a:masterClrMapping/>
   </p:clrMapOvr>
-  <p:timing>
-    <p:tnLst>
-      <p:par>
-        <p:cTn id="1" dur="indefinite" restart="never" nodeType="tmRoot"/>
-      </p:par>
-    </p:tnLst>
-  </p:timing>
 </p:sld>
 </file>
 
@@ -6684,10 +6571,9 @@
           <a:lstStyle/>
           <a:p>
             <a:r>
-              <a:rPr lang="en-US" dirty="0" smtClean="0"/>
+              <a:rPr lang="en-US" dirty="0"/>
               <a:t>Water Bill Problem</a:t>
             </a:r>
-            <a:endParaRPr lang="en-US" dirty="0"/>
           </a:p>
         </p:txBody>
       </p:sp>
@@ -6707,10 +6593,9 @@
           <a:lstStyle/>
           <a:p>
             <a:r>
-              <a:rPr lang="en-US" dirty="0" smtClean="0"/>
+              <a:rPr lang="en-US" dirty="0"/>
               <a:t>Case Study</a:t>
             </a:r>
-            <a:endParaRPr lang="en-US" dirty="0"/>
           </a:p>
         </p:txBody>
       </p:sp>
@@ -6730,10 +6615,9 @@
           <a:lstStyle/>
           <a:p>
             <a:r>
-              <a:rPr lang="en-US" smtClean="0"/>
+              <a:rPr lang="en-US"/>
               <a:t>© 2016 Pearson Education, Inc., Hoboken, NJ.  All rights reserved.</a:t>
             </a:r>
-            <a:endParaRPr lang="en-US"/>
           </a:p>
         </p:txBody>
       </p:sp>
@@ -6770,13 +6654,6 @@
   <p:clrMapOvr>
     <a:masterClrMapping/>
   </p:clrMapOvr>
-  <p:timing>
-    <p:tnLst>
-      <p:par>
-        <p:cTn id="1" dur="indefinite" restart="never" nodeType="tmRoot"/>
-      </p:par>
-    </p:tnLst>
-  </p:timing>
 </p:sld>
 </file>
 
@@ -6870,26 +6747,14 @@
           <a:p>
             <a:r>
               <a:rPr lang="en-US" altLang="en-US" sz="2800" dirty="0"/>
-              <a:t>Figure </a:t>
-            </a:r>
-            <a:r>
-              <a:rPr lang="en-US" altLang="en-US" sz="2800" dirty="0" smtClean="0"/>
-              <a:t>4.7</a:t>
-            </a:r>
-            <a:r>
-              <a:rPr lang="en-US" altLang="en-US" sz="3200" dirty="0" smtClean="0"/>
-              <a:t/>
+              <a:t>Figure 4.7</a:t>
             </a:r>
             <a:br>
-              <a:rPr lang="en-US" altLang="en-US" sz="3200" dirty="0" smtClean="0"/>
+              <a:rPr lang="en-US" altLang="en-US" sz="3200" dirty="0"/>
             </a:br>
             <a:r>
-              <a:rPr lang="en-US" altLang="en-US" sz="3200" dirty="0" smtClean="0"/>
-              <a:t>Structure </a:t>
-            </a:r>
-            <a:r>
               <a:rPr lang="en-US" altLang="en-US" sz="3200" dirty="0"/>
-              <a:t>Chart for Water Bill Problem</a:t>
+              <a:t>Structure Chart for Water Bill Problem</a:t>
             </a:r>
             <a:endParaRPr lang="en-US" sz="3200" dirty="0"/>
           </a:p>
@@ -6911,10 +6776,9 @@
           <a:lstStyle/>
           <a:p>
             <a:r>
-              <a:rPr lang="en-US" smtClean="0"/>
+              <a:rPr lang="en-US"/>
               <a:t>© 2016 Pearson Education, Inc., Hoboken, NJ.  All rights reserved.</a:t>
             </a:r>
-            <a:endParaRPr lang="en-US"/>
           </a:p>
         </p:txBody>
       </p:sp>
@@ -6951,13 +6815,6 @@
   <p:clrMapOvr>
     <a:masterClrMapping/>
   </p:clrMapOvr>
-  <p:timing>
-    <p:tnLst>
-      <p:par>
-        <p:cTn id="1" dur="indefinite" restart="never" nodeType="tmRoot"/>
-      </p:par>
-    </p:tnLst>
-  </p:timing>
 </p:sld>
 </file>
 
@@ -7082,10 +6939,9 @@
           <a:lstStyle/>
           <a:p>
             <a:r>
-              <a:rPr lang="en-US" smtClean="0"/>
+              <a:rPr lang="en-US"/>
               <a:t>© 2016 Pearson Education, Inc., Hoboken, NJ.  All rights reserved.</a:t>
             </a:r>
-            <a:endParaRPr lang="en-US"/>
           </a:p>
         </p:txBody>
       </p:sp>
@@ -7122,13 +6978,6 @@
   <p:clrMapOvr>
     <a:masterClrMapping/>
   </p:clrMapOvr>
-  <p:timing>
-    <p:tnLst>
-      <p:par>
-        <p:cTn id="1" dur="indefinite" restart="never" nodeType="tmRoot"/>
-      </p:par>
-    </p:tnLst>
-  </p:timing>
 </p:sld>
 </file>
 
@@ -7231,17 +7080,13 @@
             </a:r>
             <a:r>
               <a:rPr lang="en-US" altLang="en-US" sz="3200" dirty="0"/>
-              <a:t>Program for Water Bill </a:t>
-            </a:r>
-            <a:r>
-              <a:rPr lang="en-US" altLang="en-US" sz="3200" dirty="0" smtClean="0"/>
-              <a:t>Problem</a:t>
+              <a:t>Program for Water Bill Problem</a:t>
             </a:r>
             <a:br>
-              <a:rPr lang="en-US" altLang="en-US" sz="3200" dirty="0" smtClean="0"/>
+              <a:rPr lang="en-US" altLang="en-US" sz="3200" dirty="0"/>
             </a:br>
             <a:r>
-              <a:rPr lang="en-US" altLang="en-US" sz="3200" dirty="0" smtClean="0"/>
+              <a:rPr lang="en-US" altLang="en-US" sz="3200" dirty="0"/>
               <a:t>(cont.) </a:t>
             </a:r>
             <a:endParaRPr lang="en-US" sz="3200" dirty="0"/>
@@ -7264,10 +7109,9 @@
           <a:lstStyle/>
           <a:p>
             <a:r>
-              <a:rPr lang="en-US" smtClean="0"/>
+              <a:rPr lang="en-US"/>
               <a:t>© 2016 Pearson Education, Inc., Hoboken, NJ.  All rights reserved.</a:t>
             </a:r>
-            <a:endParaRPr lang="en-US"/>
           </a:p>
         </p:txBody>
       </p:sp>
@@ -7304,13 +7148,6 @@
   <p:clrMapOvr>
     <a:masterClrMapping/>
   </p:clrMapOvr>
-  <p:timing>
-    <p:tnLst>
-      <p:par>
-        <p:cTn id="1" dur="indefinite" restart="never" nodeType="tmRoot"/>
-      </p:par>
-    </p:tnLst>
-  </p:timing>
 </p:sld>
 </file>
 
@@ -7413,17 +7250,13 @@
             </a:r>
             <a:r>
               <a:rPr lang="en-US" altLang="en-US" sz="3200" dirty="0"/>
-              <a:t>Program for Water Bill </a:t>
-            </a:r>
-            <a:r>
-              <a:rPr lang="en-US" altLang="en-US" sz="3200" dirty="0" smtClean="0"/>
-              <a:t>Problem</a:t>
+              <a:t>Program for Water Bill Problem</a:t>
             </a:r>
             <a:br>
-              <a:rPr lang="en-US" altLang="en-US" sz="3200" dirty="0" smtClean="0"/>
+              <a:rPr lang="en-US" altLang="en-US" sz="3200" dirty="0"/>
             </a:br>
             <a:r>
-              <a:rPr lang="en-US" altLang="en-US" sz="3200" dirty="0" smtClean="0"/>
+              <a:rPr lang="en-US" altLang="en-US" sz="3200" dirty="0"/>
               <a:t>(cont.) </a:t>
             </a:r>
             <a:endParaRPr lang="en-US" sz="3200" dirty="0"/>
@@ -7446,10 +7279,9 @@
           <a:lstStyle/>
           <a:p>
             <a:r>
-              <a:rPr lang="en-US" smtClean="0"/>
+              <a:rPr lang="en-US"/>
               <a:t>© 2016 Pearson Education, Inc., Hoboken, NJ.  All rights reserved.</a:t>
             </a:r>
-            <a:endParaRPr lang="en-US"/>
           </a:p>
         </p:txBody>
       </p:sp>
@@ -7486,13 +7318,6 @@
   <p:clrMapOvr>
     <a:masterClrMapping/>
   </p:clrMapOvr>
-  <p:timing>
-    <p:tnLst>
-      <p:par>
-        <p:cTn id="1" dur="indefinite" restart="never" nodeType="tmRoot"/>
-      </p:par>
-    </p:tnLst>
-  </p:timing>
 </p:sld>
 </file>
 
@@ -7536,17 +7361,13 @@
             </a:r>
             <a:r>
               <a:rPr lang="en-US" altLang="en-US" sz="3200" dirty="0"/>
-              <a:t>Program for Water Bill </a:t>
-            </a:r>
-            <a:r>
-              <a:rPr lang="en-US" altLang="en-US" sz="3200" dirty="0" smtClean="0"/>
-              <a:t>Problem</a:t>
+              <a:t>Program for Water Bill Problem</a:t>
             </a:r>
             <a:br>
-              <a:rPr lang="en-US" altLang="en-US" sz="3200" dirty="0" smtClean="0"/>
+              <a:rPr lang="en-US" altLang="en-US" sz="3200" dirty="0"/>
             </a:br>
             <a:r>
-              <a:rPr lang="en-US" altLang="en-US" sz="3200" dirty="0" smtClean="0"/>
+              <a:rPr lang="en-US" altLang="en-US" sz="3200" dirty="0"/>
               <a:t>(cont.) </a:t>
             </a:r>
             <a:endParaRPr lang="en-US" sz="3200" dirty="0"/>
@@ -7569,10 +7390,9 @@
           <a:lstStyle/>
           <a:p>
             <a:r>
-              <a:rPr lang="en-US" smtClean="0"/>
+              <a:rPr lang="en-US"/>
               <a:t>© 2016 Pearson Education, Inc., Hoboken, NJ.  All rights reserved.</a:t>
             </a:r>
-            <a:endParaRPr lang="en-US"/>
           </a:p>
         </p:txBody>
       </p:sp>
@@ -7663,13 +7483,6 @@
   <p:clrMapOvr>
     <a:masterClrMapping/>
   </p:clrMapOvr>
-  <p:timing>
-    <p:tnLst>
-      <p:par>
-        <p:cTn id="1" dur="indefinite" restart="never" nodeType="tmRoot"/>
-      </p:par>
-    </p:tnLst>
-  </p:timing>
 </p:sld>
 </file>
 
@@ -7768,26 +7581,14 @@
           <a:p>
             <a:r>
               <a:rPr lang="en-US" altLang="en-US" sz="3200" dirty="0"/>
-              <a:t>Figure </a:t>
-            </a:r>
-            <a:r>
-              <a:rPr lang="en-US" altLang="en-US" sz="3200" dirty="0" smtClean="0"/>
-              <a:t>4.9</a:t>
-            </a:r>
-            <a:r>
-              <a:rPr lang="en-US" altLang="en-US" sz="3600" dirty="0" smtClean="0"/>
-              <a:t/>
+              <a:t>Figure 4.9</a:t>
             </a:r>
             <a:br>
-              <a:rPr lang="en-US" altLang="en-US" sz="3600" dirty="0" smtClean="0"/>
+              <a:rPr lang="en-US" altLang="en-US" sz="3600" dirty="0"/>
             </a:br>
             <a:r>
-              <a:rPr lang="en-US" altLang="en-US" sz="3600" dirty="0" smtClean="0"/>
-              <a:t>Sample </a:t>
-            </a:r>
-            <a:r>
               <a:rPr lang="en-US" altLang="en-US" sz="3600" dirty="0"/>
-              <a:t>Run of Water Bill Program</a:t>
+              <a:t>Sample Run of Water Bill Program</a:t>
             </a:r>
             <a:endParaRPr lang="en-US" sz="3600" dirty="0"/>
           </a:p>
@@ -7809,10 +7610,9 @@
           <a:lstStyle/>
           <a:p>
             <a:r>
-              <a:rPr lang="en-US" smtClean="0"/>
+              <a:rPr lang="en-US"/>
               <a:t>© 2016 Pearson Education, Inc., Hoboken, NJ.  All rights reserved.</a:t>
             </a:r>
-            <a:endParaRPr lang="en-US"/>
           </a:p>
         </p:txBody>
       </p:sp>
@@ -7849,13 +7649,6 @@
   <p:clrMapOvr>
     <a:masterClrMapping/>
   </p:clrMapOvr>
-  <p:timing>
-    <p:tnLst>
-      <p:par>
-        <p:cTn id="1" dur="indefinite" restart="never" nodeType="tmRoot"/>
-      </p:par>
-    </p:tnLst>
-  </p:timing>
 </p:sld>
 </file>
 
@@ -7916,48 +7709,47 @@
           <a:lstStyle/>
           <a:p>
             <a:r>
-              <a:rPr lang="en-US" dirty="0" smtClean="0"/>
+              <a:rPr lang="en-US" dirty="0"/>
               <a:t>To learn how to write selection statements that choose between two alternatives in a program using the if statement</a:t>
             </a:r>
           </a:p>
           <a:p>
             <a:r>
-              <a:rPr lang="en-US" dirty="0" smtClean="0"/>
+              <a:rPr lang="en-US" dirty="0"/>
               <a:t>To learn how to implement decisions tin algorithms using the </a:t>
             </a:r>
             <a:r>
-              <a:rPr lang="en-US" dirty="0" smtClean="0">
+              <a:rPr lang="en-US" dirty="0">
                 <a:latin typeface="Cambria" panose="02040503050406030204" pitchFamily="18" charset="0"/>
               </a:rPr>
               <a:t>if</a:t>
             </a:r>
             <a:r>
-              <a:rPr lang="en-US" dirty="0" smtClean="0"/>
+              <a:rPr lang="en-US" dirty="0"/>
               <a:t> statement</a:t>
             </a:r>
           </a:p>
           <a:p>
             <a:r>
-              <a:rPr lang="en-US" dirty="0" smtClean="0"/>
+              <a:rPr lang="en-US" dirty="0"/>
               <a:t>To understand how to select among more than two alternatives by nesting </a:t>
             </a:r>
             <a:r>
-              <a:rPr lang="en-US" dirty="0" smtClean="0">
+              <a:rPr lang="en-US" dirty="0">
                 <a:latin typeface="Cambria" panose="02040503050406030204" pitchFamily="18" charset="0"/>
               </a:rPr>
               <a:t>if</a:t>
             </a:r>
             <a:r>
-              <a:rPr lang="en-US" dirty="0" smtClean="0"/>
+              <a:rPr lang="en-US" dirty="0"/>
               <a:t> statements</a:t>
             </a:r>
           </a:p>
           <a:p>
             <a:r>
-              <a:rPr lang="en-US" dirty="0" smtClean="0"/>
+              <a:rPr lang="en-US" dirty="0"/>
               <a:t>To learn how to use the switch statement as another technique for selecting among multiple alternatives</a:t>
             </a:r>
-            <a:endParaRPr lang="en-US" dirty="0"/>
           </a:p>
         </p:txBody>
       </p:sp>
@@ -7977,10 +7769,9 @@
           <a:lstStyle/>
           <a:p>
             <a:r>
-              <a:rPr lang="en-US" smtClean="0"/>
+              <a:rPr lang="en-US"/>
               <a:t>© 2016 Pearson Education, Inc., Hoboken, NJ.  All rights reserved.</a:t>
             </a:r>
-            <a:endParaRPr lang="en-US"/>
           </a:p>
         </p:txBody>
       </p:sp>
@@ -8017,13 +7808,6 @@
   <p:clrMapOvr>
     <a:masterClrMapping/>
   </p:clrMapOvr>
-  <p:timing>
-    <p:tnLst>
-      <p:par>
-        <p:cTn id="1" dur="indefinite" restart="never" nodeType="tmRoot"/>
-      </p:par>
-    </p:tnLst>
-  </p:timing>
 </p:sld>
 </file>
 
@@ -8060,10 +7844,9 @@
           <a:lstStyle/>
           <a:p>
             <a:r>
-              <a:rPr lang="en-US" dirty="0" smtClean="0"/>
+              <a:rPr lang="en-US" dirty="0"/>
               <a:t>Program Style</a:t>
             </a:r>
-            <a:endParaRPr lang="en-US" dirty="0"/>
           </a:p>
         </p:txBody>
       </p:sp>
@@ -8083,29 +7866,28 @@
           <a:lstStyle/>
           <a:p>
             <a:r>
-              <a:rPr lang="en-US" dirty="0" smtClean="0"/>
+              <a:rPr lang="en-US" dirty="0"/>
               <a:t>Consistent Use of Names in Functions</a:t>
             </a:r>
           </a:p>
           <a:p>
             <a:r>
-              <a:rPr lang="en-US" dirty="0" smtClean="0"/>
+              <a:rPr lang="en-US" dirty="0"/>
               <a:t>Cohesive Functions</a:t>
             </a:r>
           </a:p>
           <a:p>
             <a:pPr lvl="1"/>
             <a:r>
-              <a:rPr lang="en-US" dirty="0" smtClean="0"/>
+              <a:rPr lang="en-US" dirty="0"/>
               <a:t>a function that performs a single operation</a:t>
             </a:r>
           </a:p>
           <a:p>
             <a:r>
-              <a:rPr lang="en-US" dirty="0" smtClean="0"/>
+              <a:rPr lang="en-US" dirty="0"/>
               <a:t>Using Constant Macros to Enhance Readability and Ease Maintenance</a:t>
             </a:r>
-            <a:endParaRPr lang="en-US" dirty="0"/>
           </a:p>
         </p:txBody>
       </p:sp>
@@ -8125,10 +7907,9 @@
           <a:lstStyle/>
           <a:p>
             <a:r>
-              <a:rPr lang="en-US" smtClean="0"/>
+              <a:rPr lang="en-US"/>
               <a:t>© 2016 Pearson Education, Inc., Hoboken, NJ.  All rights reserved.</a:t>
             </a:r>
-            <a:endParaRPr lang="en-US"/>
           </a:p>
         </p:txBody>
       </p:sp>
@@ -8165,13 +7946,6 @@
   <p:clrMapOvr>
     <a:masterClrMapping/>
   </p:clrMapOvr>
-  <p:timing>
-    <p:tnLst>
-      <p:par>
-        <p:cTn id="1" dur="indefinite" restart="never" nodeType="tmRoot"/>
-      </p:par>
-    </p:tnLst>
-  </p:timing>
 </p:sld>
 </file>
 
@@ -8208,10 +7982,9 @@
           <a:lstStyle/>
           <a:p>
             <a:r>
-              <a:rPr lang="en-US" dirty="0" smtClean="0"/>
+              <a:rPr lang="en-US" dirty="0"/>
               <a:t>Water Bill with Conservation Requirements</a:t>
             </a:r>
-            <a:endParaRPr lang="en-US" dirty="0"/>
           </a:p>
         </p:txBody>
       </p:sp>
@@ -8231,10 +8004,9 @@
           <a:lstStyle/>
           <a:p>
             <a:r>
-              <a:rPr lang="en-US" dirty="0" smtClean="0"/>
+              <a:rPr lang="en-US" dirty="0"/>
               <a:t>Case Study</a:t>
             </a:r>
-            <a:endParaRPr lang="en-US" dirty="0"/>
           </a:p>
         </p:txBody>
       </p:sp>
@@ -8254,10 +8026,9 @@
           <a:lstStyle/>
           <a:p>
             <a:r>
-              <a:rPr lang="en-US" smtClean="0"/>
+              <a:rPr lang="en-US"/>
               <a:t>© 2016 Pearson Education, Inc., Hoboken, NJ.  All rights reserved.</a:t>
             </a:r>
-            <a:endParaRPr lang="en-US"/>
           </a:p>
         </p:txBody>
       </p:sp>
@@ -8294,13 +8065,6 @@
   <p:clrMapOvr>
     <a:masterClrMapping/>
   </p:clrMapOvr>
-  <p:timing>
-    <p:tnLst>
-      <p:par>
-        <p:cTn id="1" dur="indefinite" restart="never" nodeType="tmRoot"/>
-      </p:par>
-    </p:tnLst>
-  </p:timing>
 </p:sld>
 </file>
 
@@ -8340,21 +8104,13 @@
           <a:p>
             <a:r>
               <a:rPr lang="en-US" altLang="en-US" sz="3200" dirty="0"/>
-              <a:t>Figure </a:t>
-            </a:r>
-            <a:r>
-              <a:rPr lang="en-US" altLang="en-US" sz="3200" dirty="0" smtClean="0"/>
-              <a:t>4.10</a:t>
-            </a:r>
-            <a:r>
-              <a:rPr lang="en-US" altLang="en-US" sz="3600" dirty="0" smtClean="0"/>
-              <a:t/>
+              <a:t>Figure 4.10</a:t>
             </a:r>
             <a:br>
-              <a:rPr lang="en-US" altLang="en-US" sz="3600" dirty="0" smtClean="0"/>
+              <a:rPr lang="en-US" altLang="en-US" sz="3600" dirty="0"/>
             </a:br>
             <a:r>
-              <a:rPr lang="en-US" altLang="en-US" sz="3600" dirty="0" smtClean="0"/>
+              <a:rPr lang="en-US" altLang="en-US" sz="3600" dirty="0"/>
               <a:t>Function </a:t>
             </a:r>
             <a:r>
@@ -8385,10 +8141,9 @@
           <a:lstStyle/>
           <a:p>
             <a:r>
-              <a:rPr lang="en-US" smtClean="0"/>
+              <a:rPr lang="en-US"/>
               <a:t>© 2016 Pearson Education, Inc., Hoboken, NJ.  All rights reserved.</a:t>
             </a:r>
-            <a:endParaRPr lang="en-US"/>
           </a:p>
         </p:txBody>
       </p:sp>
@@ -8479,13 +8234,6 @@
   <p:clrMapOvr>
     <a:masterClrMapping/>
   </p:clrMapOvr>
-  <p:timing>
-    <p:tnLst>
-      <p:par>
-        <p:cTn id="1" dur="indefinite" restart="never" nodeType="tmRoot"/>
-      </p:par>
-    </p:tnLst>
-  </p:timing>
 </p:sld>
 </file>
 
@@ -8527,10 +8275,6 @@
               <a:rPr lang="en-US" altLang="en-US" sz="3200" dirty="0"/>
               <a:t>Figure 4.10</a:t>
             </a:r>
-            <a:r>
-              <a:rPr lang="en-US" altLang="en-US" sz="3600" dirty="0"/>
-              <a:t/>
-            </a:r>
             <a:br>
               <a:rPr lang="en-US" altLang="en-US" sz="3600" dirty="0"/>
             </a:br>
@@ -8544,14 +8288,10 @@
             </a:r>
             <a:r>
               <a:rPr lang="en-US" altLang="en-US" sz="3600" dirty="0"/>
-              <a:t> </a:t>
-            </a:r>
-            <a:r>
-              <a:rPr lang="en-US" altLang="en-US" sz="3600" dirty="0" smtClean="0"/>
-              <a:t>Revised </a:t>
-            </a:r>
-            <a:r>
-              <a:rPr lang="en-US" altLang="en-US" sz="3200" dirty="0" smtClean="0"/>
+              <a:t> Revised </a:t>
+            </a:r>
+            <a:r>
+              <a:rPr lang="en-US" altLang="en-US" sz="3200" dirty="0"/>
               <a:t>(cont.)</a:t>
             </a:r>
             <a:endParaRPr lang="en-US" sz="3600" dirty="0"/>
@@ -8574,10 +8314,9 @@
           <a:lstStyle/>
           <a:p>
             <a:r>
-              <a:rPr lang="en-US" smtClean="0"/>
+              <a:rPr lang="en-US"/>
               <a:t>© 2016 Pearson Education, Inc., Hoboken, NJ.  All rights reserved.</a:t>
             </a:r>
-            <a:endParaRPr lang="en-US"/>
           </a:p>
         </p:txBody>
       </p:sp>
@@ -8668,13 +8407,6 @@
   <p:clrMapOvr>
     <a:masterClrMapping/>
   </p:clrMapOvr>
-  <p:timing>
-    <p:tnLst>
-      <p:par>
-        <p:cTn id="1" dur="indefinite" restart="never" nodeType="tmRoot"/>
-      </p:par>
-    </p:tnLst>
-  </p:timing>
 </p:sld>
 </file>
 
@@ -8711,10 +8443,9 @@
           <a:lstStyle/>
           <a:p>
             <a:r>
-              <a:rPr lang="en-US" dirty="0" smtClean="0"/>
+              <a:rPr lang="en-US" dirty="0"/>
               <a:t>Nested if-statement</a:t>
             </a:r>
-            <a:endParaRPr lang="en-US" dirty="0"/>
           </a:p>
         </p:txBody>
       </p:sp>
@@ -8736,7 +8467,7 @@
           <a:lstStyle/>
           <a:p>
             <a:r>
-              <a:rPr lang="en-US" dirty="0" smtClean="0"/>
+              <a:rPr lang="en-US" dirty="0"/>
               <a:t>an if statement with another if statement as its true task or its false task</a:t>
             </a:r>
           </a:p>
@@ -8748,7 +8479,7 @@
               <a:buNone/>
             </a:pPr>
             <a:r>
-              <a:rPr lang="en-US" dirty="0" smtClean="0"/>
+              <a:rPr lang="en-US" dirty="0"/>
               <a:t>if (x  &gt;  0)</a:t>
             </a:r>
           </a:p>
@@ -8761,19 +8492,19 @@
               <a:t>	</a:t>
             </a:r>
             <a:r>
-              <a:rPr lang="en-US" dirty="0" err="1" smtClean="0"/>
+              <a:rPr lang="en-US" dirty="0" err="1"/>
               <a:t>num_pos</a:t>
             </a:r>
             <a:r>
-              <a:rPr lang="en-US" dirty="0" smtClean="0"/>
+              <a:rPr lang="en-US" dirty="0"/>
               <a:t>  =  </a:t>
             </a:r>
             <a:r>
-              <a:rPr lang="en-US" dirty="0" err="1" smtClean="0"/>
+              <a:rPr lang="en-US" dirty="0" err="1"/>
               <a:t>num_pos</a:t>
             </a:r>
             <a:r>
-              <a:rPr lang="en-US" dirty="0" smtClean="0"/>
+              <a:rPr lang="en-US" dirty="0"/>
               <a:t>  + 1</a:t>
             </a:r>
           </a:p>
@@ -8782,7 +8513,7 @@
               <a:buNone/>
             </a:pPr>
             <a:r>
-              <a:rPr lang="en-US" dirty="0" smtClean="0"/>
+              <a:rPr lang="en-US" dirty="0"/>
               <a:t>else</a:t>
             </a:r>
           </a:p>
@@ -8792,11 +8523,7 @@
             </a:pPr>
             <a:r>
               <a:rPr lang="en-US" dirty="0"/>
-              <a:t>	</a:t>
-            </a:r>
-            <a:r>
-              <a:rPr lang="en-US" dirty="0" smtClean="0"/>
-              <a:t>if (x  &lt;  0)</a:t>
+              <a:t>	if (x  &lt;  0)</a:t>
             </a:r>
           </a:p>
           <a:p>
@@ -8805,26 +8532,22 @@
             </a:pPr>
             <a:r>
               <a:rPr lang="en-US" dirty="0"/>
-              <a:t>	</a:t>
-            </a:r>
-            <a:r>
-              <a:rPr lang="en-US" dirty="0" smtClean="0"/>
-              <a:t>	</a:t>
-            </a:r>
-            <a:r>
-              <a:rPr lang="en-US" dirty="0" err="1" smtClean="0"/>
+              <a:t>		</a:t>
+            </a:r>
+            <a:r>
+              <a:rPr lang="en-US" dirty="0" err="1"/>
               <a:t>num_neg</a:t>
             </a:r>
             <a:r>
-              <a:rPr lang="en-US" dirty="0" smtClean="0"/>
+              <a:rPr lang="en-US" dirty="0"/>
               <a:t> = </a:t>
             </a:r>
             <a:r>
-              <a:rPr lang="en-US" dirty="0" err="1" smtClean="0"/>
+              <a:rPr lang="en-US" dirty="0" err="1"/>
               <a:t>num_neg</a:t>
             </a:r>
             <a:r>
-              <a:rPr lang="en-US" dirty="0" smtClean="0"/>
+              <a:rPr lang="en-US" dirty="0"/>
               <a:t> + 1</a:t>
             </a:r>
           </a:p>
@@ -8834,11 +8557,7 @@
             </a:pPr>
             <a:r>
               <a:rPr lang="en-US" dirty="0"/>
-              <a:t>	</a:t>
-            </a:r>
-            <a:r>
-              <a:rPr lang="en-US" dirty="0" smtClean="0"/>
-              <a:t>else   /* x equals 0 */</a:t>
+              <a:t>	else   /* x equals 0 */</a:t>
             </a:r>
           </a:p>
           <a:p>
@@ -8847,29 +8566,24 @@
             </a:pPr>
             <a:r>
               <a:rPr lang="en-US" dirty="0"/>
-              <a:t>	</a:t>
-            </a:r>
-            <a:r>
-              <a:rPr lang="en-US" dirty="0" smtClean="0"/>
-              <a:t>	</a:t>
-            </a:r>
-            <a:r>
-              <a:rPr lang="en-US" dirty="0" err="1" smtClean="0"/>
+              <a:t>		</a:t>
+            </a:r>
+            <a:r>
+              <a:rPr lang="en-US" dirty="0" err="1"/>
               <a:t>num_zero</a:t>
             </a:r>
             <a:r>
-              <a:rPr lang="en-US" dirty="0" smtClean="0"/>
+              <a:rPr lang="en-US" dirty="0"/>
               <a:t> = </a:t>
             </a:r>
             <a:r>
-              <a:rPr lang="en-US" dirty="0" err="1" smtClean="0"/>
+              <a:rPr lang="en-US" dirty="0" err="1"/>
               <a:t>num_zero</a:t>
             </a:r>
             <a:r>
-              <a:rPr lang="en-US" dirty="0" smtClean="0"/>
+              <a:rPr lang="en-US" dirty="0"/>
               <a:t> + 1</a:t>
             </a:r>
-            <a:endParaRPr lang="en-US" dirty="0"/>
           </a:p>
         </p:txBody>
       </p:sp>
@@ -8889,10 +8603,9 @@
           <a:lstStyle/>
           <a:p>
             <a:r>
-              <a:rPr lang="en-US" smtClean="0"/>
+              <a:rPr lang="en-US"/>
               <a:t>© 2016 Pearson Education, Inc., Hoboken, NJ.  All rights reserved.</a:t>
             </a:r>
-            <a:endParaRPr lang="en-US"/>
           </a:p>
         </p:txBody>
       </p:sp>
@@ -8929,13 +8642,6 @@
   <p:clrMapOvr>
     <a:masterClrMapping/>
   </p:clrMapOvr>
-  <p:timing>
-    <p:tnLst>
-      <p:par>
-        <p:cTn id="1" dur="indefinite" restart="never" nodeType="tmRoot"/>
-      </p:par>
-    </p:tnLst>
-  </p:timing>
 </p:sld>
 </file>
 
@@ -9034,21 +8740,13 @@
           <a:p>
             <a:r>
               <a:rPr lang="en-US" altLang="en-US" sz="2800" dirty="0"/>
-              <a:t>Figure </a:t>
-            </a:r>
-            <a:r>
-              <a:rPr lang="en-US" altLang="en-US" sz="2800" dirty="0" smtClean="0"/>
-              <a:t>4.11</a:t>
-            </a:r>
-            <a:r>
-              <a:rPr lang="en-US" altLang="en-US" sz="3200" dirty="0" smtClean="0"/>
-              <a:t/>
+              <a:t>Figure 4.11</a:t>
             </a:r>
             <a:br>
-              <a:rPr lang="en-US" altLang="en-US" sz="3200" dirty="0" smtClean="0"/>
+              <a:rPr lang="en-US" altLang="en-US" sz="3200" dirty="0"/>
             </a:br>
             <a:r>
-              <a:rPr lang="en-US" altLang="en-US" sz="3200" dirty="0" smtClean="0"/>
+              <a:rPr lang="en-US" altLang="en-US" sz="3200" dirty="0"/>
               <a:t>Function </a:t>
             </a:r>
             <a:r>
@@ -9075,10 +8773,9 @@
           <a:lstStyle/>
           <a:p>
             <a:r>
-              <a:rPr lang="en-US" smtClean="0"/>
+              <a:rPr lang="en-US"/>
               <a:t>© 2016 Pearson Education, Inc., Hoboken, NJ.  All rights reserved.</a:t>
             </a:r>
-            <a:endParaRPr lang="en-US"/>
           </a:p>
         </p:txBody>
       </p:sp>
@@ -9115,13 +8812,6 @@
   <p:clrMapOvr>
     <a:masterClrMapping/>
   </p:clrMapOvr>
-  <p:timing>
-    <p:tnLst>
-      <p:par>
-        <p:cTn id="1" dur="indefinite" restart="never" nodeType="tmRoot"/>
-      </p:par>
-    </p:tnLst>
-  </p:timing>
 </p:sld>
 </file>
 
@@ -9160,10 +8850,9 @@
           <a:lstStyle/>
           <a:p>
             <a:r>
-              <a:rPr lang="en-US" dirty="0" smtClean="0"/>
+              <a:rPr lang="en-US" dirty="0"/>
               <a:t>Nested if-statements with more than one variable</a:t>
             </a:r>
-            <a:endParaRPr lang="en-US" dirty="0"/>
           </a:p>
         </p:txBody>
       </p:sp>
@@ -9188,15 +8877,15 @@
               <a:buNone/>
             </a:pPr>
             <a:r>
-              <a:rPr lang="en-US" sz="2800" dirty="0" smtClean="0"/>
+              <a:rPr lang="en-US" sz="2800" dirty="0"/>
               <a:t>if (</a:t>
             </a:r>
             <a:r>
-              <a:rPr lang="en-US" sz="2800" dirty="0" err="1" smtClean="0"/>
+              <a:rPr lang="en-US" sz="2800" dirty="0" err="1"/>
               <a:t>road_status</a:t>
             </a:r>
             <a:r>
-              <a:rPr lang="en-US" sz="2800" dirty="0" smtClean="0"/>
+              <a:rPr lang="en-US" sz="2800" dirty="0"/>
               <a:t> == ‘S’)</a:t>
             </a:r>
           </a:p>
@@ -9206,11 +8895,7 @@
             </a:pPr>
             <a:r>
               <a:rPr lang="en-US" sz="2800" dirty="0"/>
-              <a:t>	</a:t>
-            </a:r>
-            <a:r>
-              <a:rPr lang="en-US" sz="2800" dirty="0" smtClean="0"/>
-              <a:t>if (temp &gt; 0) {</a:t>
+              <a:t>	if (temp &gt; 0) {</a:t>
             </a:r>
           </a:p>
           <a:p>
@@ -9219,18 +8904,14 @@
             </a:pPr>
             <a:r>
               <a:rPr lang="en-US" sz="2800" dirty="0"/>
-              <a:t>	</a:t>
-            </a:r>
-            <a:r>
-              <a:rPr lang="en-US" sz="2800" dirty="0" smtClean="0"/>
-              <a:t>	</a:t>
-            </a:r>
-            <a:r>
-              <a:rPr lang="en-US" sz="2800" dirty="0" err="1" smtClean="0"/>
+              <a:t>		</a:t>
+            </a:r>
+            <a:r>
+              <a:rPr lang="en-US" sz="2800" dirty="0" err="1"/>
               <a:t>printf</a:t>
             </a:r>
             <a:r>
-              <a:rPr lang="en-US" sz="2800" dirty="0" smtClean="0"/>
+              <a:rPr lang="en-US" sz="2800" dirty="0"/>
               <a:t>(“Wet roads ahead\n”);</a:t>
             </a:r>
           </a:p>
@@ -9239,15 +8920,15 @@
               <a:buNone/>
             </a:pPr>
             <a:r>
-              <a:rPr lang="en-US" sz="2800" dirty="0" smtClean="0"/>
+              <a:rPr lang="en-US" sz="2800" dirty="0"/>
               <a:t>		</a:t>
             </a:r>
             <a:r>
-              <a:rPr lang="en-US" sz="2800" dirty="0" err="1" smtClean="0"/>
+              <a:rPr lang="en-US" sz="2800" dirty="0" err="1"/>
               <a:t>printf</a:t>
             </a:r>
             <a:r>
-              <a:rPr lang="en-US" sz="2800" dirty="0" smtClean="0"/>
+              <a:rPr lang="en-US" sz="2800" dirty="0"/>
               <a:t>(“Stopping time doubled\n”);</a:t>
             </a:r>
           </a:p>
@@ -9257,11 +8938,7 @@
             </a:pPr>
             <a:r>
               <a:rPr lang="en-US" sz="2800" dirty="0"/>
-              <a:t>	</a:t>
-            </a:r>
-            <a:r>
-              <a:rPr lang="en-US" sz="2800" dirty="0" smtClean="0"/>
-              <a:t>}  else  {</a:t>
+              <a:t>	}  else  {</a:t>
             </a:r>
           </a:p>
           <a:p>
@@ -9270,18 +8947,14 @@
             </a:pPr>
             <a:r>
               <a:rPr lang="en-US" sz="2800" dirty="0"/>
-              <a:t>	</a:t>
-            </a:r>
-            <a:r>
-              <a:rPr lang="en-US" sz="2800" dirty="0" smtClean="0"/>
-              <a:t>	</a:t>
-            </a:r>
-            <a:r>
-              <a:rPr lang="en-US" sz="2800" dirty="0" err="1" smtClean="0"/>
+              <a:t>		</a:t>
+            </a:r>
+            <a:r>
+              <a:rPr lang="en-US" sz="2800" dirty="0" err="1"/>
               <a:t>printf</a:t>
             </a:r>
             <a:r>
-              <a:rPr lang="en-US" sz="2800" dirty="0" smtClean="0"/>
+              <a:rPr lang="en-US" sz="2800" dirty="0"/>
               <a:t>(“Icy roads ahead\n”);</a:t>
             </a:r>
           </a:p>
@@ -9291,11 +8964,7 @@
             </a:pPr>
             <a:r>
               <a:rPr lang="en-US" sz="2800" dirty="0"/>
-              <a:t>	</a:t>
-            </a:r>
-            <a:r>
-              <a:rPr lang="en-US" sz="2800" dirty="0" smtClean="0"/>
-              <a:t>	</a:t>
+              <a:t>		</a:t>
             </a:r>
             <a:r>
               <a:rPr lang="en-US" sz="2800" dirty="0" err="1"/>
@@ -9303,11 +8972,7 @@
             </a:r>
             <a:r>
               <a:rPr lang="en-US" sz="2800" dirty="0"/>
-              <a:t>(“Stopping time </a:t>
-            </a:r>
-            <a:r>
-              <a:rPr lang="en-US" sz="2800" dirty="0" smtClean="0"/>
-              <a:t>quadrupled\n”);</a:t>
+              <a:t>(“Stopping time quadrupled\n”);</a:t>
             </a:r>
           </a:p>
           <a:p>
@@ -9316,11 +8981,7 @@
             </a:pPr>
             <a:r>
               <a:rPr lang="en-US" sz="2800" dirty="0"/>
-              <a:t>	</a:t>
-            </a:r>
-            <a:r>
-              <a:rPr lang="en-US" sz="2800" dirty="0" smtClean="0"/>
-              <a:t>}</a:t>
+              <a:t>	}</a:t>
             </a:r>
           </a:p>
           <a:p>
@@ -9328,7 +8989,7 @@
               <a:buNone/>
             </a:pPr>
             <a:r>
-              <a:rPr lang="en-US" sz="2800" dirty="0" smtClean="0"/>
+              <a:rPr lang="en-US" sz="2800" dirty="0"/>
               <a:t>else</a:t>
             </a:r>
           </a:p>
@@ -9341,14 +9002,13 @@
               <a:t>	</a:t>
             </a:r>
             <a:r>
-              <a:rPr lang="en-US" sz="2800" dirty="0" err="1" smtClean="0"/>
+              <a:rPr lang="en-US" sz="2800" dirty="0" err="1"/>
               <a:t>printf</a:t>
             </a:r>
             <a:r>
-              <a:rPr lang="en-US" sz="2800" dirty="0" smtClean="0"/>
+              <a:rPr lang="en-US" sz="2800" dirty="0"/>
               <a:t>(“Drive carefully!\n”)</a:t>
             </a:r>
-            <a:endParaRPr lang="en-US" sz="2800" dirty="0"/>
           </a:p>
           <a:p>
             <a:pPr marL="0" indent="0">
@@ -9374,10 +9034,9 @@
           <a:lstStyle/>
           <a:p>
             <a:r>
-              <a:rPr lang="en-US" smtClean="0"/>
+              <a:rPr lang="en-US"/>
               <a:t>© 2016 Pearson Education, Inc., Hoboken, NJ.  All rights reserved.</a:t>
             </a:r>
-            <a:endParaRPr lang="en-US"/>
           </a:p>
         </p:txBody>
       </p:sp>
@@ -9512,13 +9171,6 @@
   <p:clrMapOvr>
     <a:masterClrMapping/>
   </p:clrMapOvr>
-  <p:timing>
-    <p:tnLst>
-      <p:par>
-        <p:cTn id="1" dur="indefinite" restart="never" nodeType="tmRoot"/>
-      </p:par>
-    </p:tnLst>
-  </p:timing>
 </p:sld>
 </file>
 
@@ -9558,26 +9210,14 @@
           <a:p>
             <a:r>
               <a:rPr lang="en-US" altLang="en-US" sz="2800" dirty="0"/>
-              <a:t>Figure </a:t>
-            </a:r>
-            <a:r>
-              <a:rPr lang="en-US" altLang="en-US" sz="2800" dirty="0" smtClean="0"/>
-              <a:t>4.12</a:t>
-            </a:r>
-            <a:r>
-              <a:rPr lang="en-US" altLang="en-US" sz="3200" dirty="0" smtClean="0"/>
-              <a:t/>
+              <a:t>Figure 4.12</a:t>
             </a:r>
             <a:br>
-              <a:rPr lang="en-US" altLang="en-US" sz="3200" dirty="0" smtClean="0"/>
+              <a:rPr lang="en-US" altLang="en-US" sz="3200" dirty="0"/>
             </a:br>
             <a:r>
-              <a:rPr lang="en-US" altLang="en-US" sz="3200" dirty="0" smtClean="0"/>
-              <a:t>Flowchart </a:t>
-            </a:r>
-            <a:r>
               <a:rPr lang="en-US" altLang="en-US" sz="3200" dirty="0"/>
-              <a:t>of Road Sign Decision Process</a:t>
+              <a:t>Flowchart of Road Sign Decision Process</a:t>
             </a:r>
             <a:endParaRPr lang="en-US" sz="3200" dirty="0"/>
           </a:p>
@@ -9599,10 +9239,9 @@
           <a:lstStyle/>
           <a:p>
             <a:r>
-              <a:rPr lang="en-US" smtClean="0"/>
+              <a:rPr lang="en-US"/>
               <a:t>© 2016 Pearson Education, Inc., Hoboken, NJ.  All rights reserved.</a:t>
             </a:r>
-            <a:endParaRPr lang="en-US"/>
           </a:p>
         </p:txBody>
       </p:sp>
@@ -9693,13 +9332,6 @@
   <p:clrMapOvr>
     <a:masterClrMapping/>
   </p:clrMapOvr>
-  <p:timing>
-    <p:tnLst>
-      <p:par>
-        <p:cTn id="1" dur="indefinite" restart="never" nodeType="tmRoot"/>
-      </p:par>
-    </p:tnLst>
-  </p:timing>
 </p:sld>
 </file>
 
@@ -9736,10 +9368,9 @@
           <a:lstStyle/>
           <a:p>
             <a:r>
-              <a:rPr lang="en-US" dirty="0" smtClean="0"/>
+              <a:rPr lang="en-US" dirty="0"/>
               <a:t>The switch statement</a:t>
             </a:r>
-            <a:endParaRPr lang="en-US" dirty="0"/>
           </a:p>
         </p:txBody>
       </p:sp>
@@ -9759,51 +9390,50 @@
           <a:lstStyle/>
           <a:p>
             <a:r>
-              <a:rPr lang="en-US" dirty="0" smtClean="0"/>
+              <a:rPr lang="en-US" dirty="0"/>
               <a:t>also used to select one of several alternatives</a:t>
             </a:r>
           </a:p>
           <a:p>
             <a:r>
-              <a:rPr lang="en-US" dirty="0" smtClean="0"/>
+              <a:rPr lang="en-US" dirty="0"/>
               <a:t>useful when the selection is based on the value of</a:t>
             </a:r>
           </a:p>
           <a:p>
             <a:pPr lvl="1"/>
             <a:r>
-              <a:rPr lang="en-US" dirty="0" smtClean="0"/>
+              <a:rPr lang="en-US" dirty="0"/>
               <a:t>a single variable</a:t>
             </a:r>
           </a:p>
           <a:p>
             <a:pPr lvl="1"/>
             <a:r>
-              <a:rPr lang="en-US" dirty="0" smtClean="0"/>
+              <a:rPr lang="en-US" dirty="0"/>
               <a:t>or a simple expression</a:t>
             </a:r>
           </a:p>
           <a:p>
             <a:r>
-              <a:rPr lang="en-US" dirty="0" smtClean="0"/>
+              <a:rPr lang="en-US" dirty="0"/>
               <a:t>values may of type </a:t>
             </a:r>
             <a:r>
-              <a:rPr lang="en-US" dirty="0" err="1" smtClean="0"/>
+              <a:rPr lang="en-US" dirty="0" err="1"/>
               <a:t>int</a:t>
             </a:r>
             <a:r>
-              <a:rPr lang="en-US" dirty="0" smtClean="0"/>
+              <a:rPr lang="en-US" dirty="0"/>
               <a:t> or char</a:t>
             </a:r>
           </a:p>
           <a:p>
             <a:pPr lvl="1"/>
             <a:r>
-              <a:rPr lang="en-US" dirty="0" smtClean="0"/>
+              <a:rPr lang="en-US" dirty="0"/>
               <a:t>not double</a:t>
             </a:r>
-            <a:endParaRPr lang="en-US" dirty="0"/>
           </a:p>
         </p:txBody>
       </p:sp>
@@ -9823,10 +9453,9 @@
           <a:lstStyle/>
           <a:p>
             <a:r>
-              <a:rPr lang="en-US" smtClean="0"/>
+              <a:rPr lang="en-US"/>
               <a:t>© 2016 Pearson Education, Inc., Hoboken, NJ.  All rights reserved.</a:t>
             </a:r>
-            <a:endParaRPr lang="en-US"/>
           </a:p>
         </p:txBody>
       </p:sp>
@@ -9876,18 +9505,13 @@
           <a:lstStyle/>
           <a:p>
             <a:r>
-              <a:rPr lang="en-US" sz="2400" i="1" dirty="0" smtClean="0">
+              <a:rPr lang="en-US" sz="2400" i="1" dirty="0">
                 <a:solidFill>
                   <a:srgbClr val="7030A0"/>
                 </a:solidFill>
               </a:rPr>
               <a:t>controlling expression</a:t>
             </a:r>
-            <a:endParaRPr lang="en-US" sz="2400" i="1" dirty="0">
-              <a:solidFill>
-                <a:srgbClr val="7030A0"/>
-              </a:solidFill>
-            </a:endParaRPr>
           </a:p>
         </p:txBody>
       </p:sp>
@@ -9940,13 +9564,6 @@
   <p:clrMapOvr>
     <a:masterClrMapping/>
   </p:clrMapOvr>
-  <p:timing>
-    <p:tnLst>
-      <p:par>
-        <p:cTn id="1" dur="indefinite" restart="never" nodeType="tmRoot"/>
-      </p:par>
-    </p:tnLst>
-  </p:timing>
 </p:sld>
 </file>
 
@@ -9983,10 +9600,9 @@
           <a:lstStyle/>
           <a:p>
             <a:r>
-              <a:rPr lang="en-US" dirty="0" smtClean="0"/>
+              <a:rPr lang="en-US" dirty="0"/>
               <a:t>Syntax</a:t>
             </a:r>
-            <a:endParaRPr lang="en-US" dirty="0"/>
           </a:p>
         </p:txBody>
       </p:sp>
@@ -10016,7 +9632,7 @@
               <a:buNone/>
             </a:pPr>
             <a:r>
-              <a:rPr lang="en-US" dirty="0" smtClean="0">
+              <a:rPr lang="en-US" dirty="0">
                 <a:solidFill>
                   <a:srgbClr val="7030A0"/>
                 </a:solidFill>
@@ -10034,18 +9650,10 @@
                   <a:srgbClr val="7030A0"/>
                 </a:solidFill>
               </a:rPr>
-              <a:t>	</a:t>
-            </a:r>
-            <a:r>
-              <a:rPr lang="en-US" dirty="0" smtClean="0">
-                <a:solidFill>
-                  <a:srgbClr val="7030A0"/>
-                </a:solidFill>
-              </a:rPr>
-              <a:t>label set</a:t>
-            </a:r>
-            <a:r>
-              <a:rPr lang="en-US" baseline="-25000" dirty="0" smtClean="0">
+              <a:t>	label set</a:t>
+            </a:r>
+            <a:r>
+              <a:rPr lang="en-US" baseline="-25000" dirty="0">
                 <a:solidFill>
                   <a:srgbClr val="7030A0"/>
                 </a:solidFill>
@@ -10063,18 +9671,10 @@
                   <a:srgbClr val="7030A0"/>
                 </a:solidFill>
               </a:rPr>
-              <a:t>	</a:t>
-            </a:r>
-            <a:r>
-              <a:rPr lang="en-US" dirty="0" smtClean="0">
-                <a:solidFill>
-                  <a:srgbClr val="7030A0"/>
-                </a:solidFill>
-              </a:rPr>
-              <a:t>	statements</a:t>
-            </a:r>
-            <a:r>
-              <a:rPr lang="en-US" baseline="-25000" dirty="0" smtClean="0">
+              <a:t>		statements</a:t>
+            </a:r>
+            <a:r>
+              <a:rPr lang="en-US" baseline="-25000" dirty="0">
                 <a:solidFill>
                   <a:srgbClr val="7030A0"/>
                 </a:solidFill>
@@ -10092,15 +9692,110 @@
                   <a:srgbClr val="7030A0"/>
                 </a:solidFill>
               </a:rPr>
-              <a:t>	</a:t>
-            </a:r>
-            <a:r>
-              <a:rPr lang="en-US" dirty="0" smtClean="0">
+              <a:t>		break;</a:t>
+            </a:r>
+          </a:p>
+          <a:p>
+            <a:pPr marL="0" indent="0">
+              <a:buNone/>
+            </a:pPr>
+            <a:r>
+              <a:rPr lang="en-US" dirty="0">
                 <a:solidFill>
                   <a:srgbClr val="7030A0"/>
                 </a:solidFill>
               </a:rPr>
-              <a:t>	break;</a:t>
+              <a:t>	label set</a:t>
+            </a:r>
+            <a:r>
+              <a:rPr lang="en-US" baseline="-25000" dirty="0">
+                <a:solidFill>
+                  <a:srgbClr val="7030A0"/>
+                </a:solidFill>
+              </a:rPr>
+              <a:t>2</a:t>
+            </a:r>
+          </a:p>
+          <a:p>
+            <a:pPr marL="0" indent="0">
+              <a:buNone/>
+            </a:pPr>
+            <a:r>
+              <a:rPr lang="en-US" dirty="0">
+                <a:solidFill>
+                  <a:srgbClr val="7030A0"/>
+                </a:solidFill>
+              </a:rPr>
+              <a:t>		statements</a:t>
+            </a:r>
+            <a:r>
+              <a:rPr lang="en-US" baseline="-25000" dirty="0">
+                <a:solidFill>
+                  <a:srgbClr val="7030A0"/>
+                </a:solidFill>
+              </a:rPr>
+              <a:t>2</a:t>
+            </a:r>
+          </a:p>
+          <a:p>
+            <a:pPr marL="0" indent="0">
+              <a:buNone/>
+            </a:pPr>
+            <a:r>
+              <a:rPr lang="en-US" dirty="0">
+                <a:solidFill>
+                  <a:srgbClr val="7030A0"/>
+                </a:solidFill>
+              </a:rPr>
+              <a:t>		break;</a:t>
+            </a:r>
+          </a:p>
+          <a:p>
+            <a:pPr marL="0" indent="0">
+              <a:lnSpc>
+                <a:spcPct val="120000"/>
+              </a:lnSpc>
+              <a:buNone/>
+            </a:pPr>
+            <a:r>
+              <a:rPr lang="en-US" dirty="0">
+                <a:solidFill>
+                  <a:srgbClr val="7030A0"/>
+                </a:solidFill>
+              </a:rPr>
+              <a:t>		.</a:t>
+            </a:r>
+          </a:p>
+          <a:p>
+            <a:pPr marL="0" indent="0">
+              <a:lnSpc>
+                <a:spcPct val="120000"/>
+              </a:lnSpc>
+              <a:buNone/>
+            </a:pPr>
+            <a:r>
+              <a:rPr lang="en-US" dirty="0">
+                <a:solidFill>
+                  <a:srgbClr val="7030A0"/>
+                </a:solidFill>
+              </a:rPr>
+              <a:t>		.	</a:t>
+            </a:r>
+          </a:p>
+          <a:p>
+            <a:pPr marL="0" indent="0">
+              <a:lnSpc>
+                <a:spcPct val="120000"/>
+              </a:lnSpc>
+              <a:buNone/>
+            </a:pPr>
+            <a:r>
+              <a:rPr lang="en-US" dirty="0">
+                <a:solidFill>
+                  <a:srgbClr val="7030A0"/>
+                </a:solidFill>
+              </a:rPr>
+              <a:t>		.</a:t>
             </a:r>
           </a:p>
           <a:p>
@@ -10116,7 +9811,7 @@
               <a:t>	label </a:t>
             </a:r>
             <a:r>
-              <a:rPr lang="en-US" dirty="0" smtClean="0">
+              <a:rPr lang="en-US" dirty="0" err="1">
                 <a:solidFill>
                   <a:srgbClr val="7030A0"/>
                 </a:solidFill>
@@ -10124,12 +9819,12 @@
               <a:t>set</a:t>
             </a:r>
             <a:r>
-              <a:rPr lang="en-US" baseline="-25000" dirty="0" smtClean="0">
+              <a:rPr lang="en-US" baseline="-25000" dirty="0" err="1">
                 <a:solidFill>
                   <a:srgbClr val="7030A0"/>
                 </a:solidFill>
               </a:rPr>
-              <a:t>2</a:t>
+              <a:t>n</a:t>
             </a:r>
             <a:endParaRPr lang="en-US" baseline="-25000" dirty="0">
               <a:solidFill>
@@ -10150,7 +9845,7 @@
               <a:t>		</a:t>
             </a:r>
             <a:r>
-              <a:rPr lang="en-US" dirty="0" smtClean="0">
+              <a:rPr lang="en-US" dirty="0" err="1">
                 <a:solidFill>
                   <a:srgbClr val="7030A0"/>
                 </a:solidFill>
@@ -10158,173 +9853,7 @@
               <a:t>statements</a:t>
             </a:r>
             <a:r>
-              <a:rPr lang="en-US" baseline="-25000" dirty="0" smtClean="0">
-                <a:solidFill>
-                  <a:srgbClr val="7030A0"/>
-                </a:solidFill>
-              </a:rPr>
-              <a:t>2</a:t>
-            </a:r>
-            <a:endParaRPr lang="en-US" baseline="-25000" dirty="0">
-              <a:solidFill>
-                <a:srgbClr val="7030A0"/>
-              </a:solidFill>
-            </a:endParaRPr>
-          </a:p>
-          <a:p>
-            <a:pPr marL="0" indent="0">
-              <a:buNone/>
-            </a:pPr>
-            <a:r>
-              <a:rPr lang="en-US" dirty="0">
-                <a:solidFill>
-                  <a:srgbClr val="7030A0"/>
-                </a:solidFill>
-              </a:rPr>
-              <a:t>		break</a:t>
-            </a:r>
-            <a:r>
-              <a:rPr lang="en-US" dirty="0" smtClean="0">
-                <a:solidFill>
-                  <a:srgbClr val="7030A0"/>
-                </a:solidFill>
-              </a:rPr>
-              <a:t>;</a:t>
-            </a:r>
-          </a:p>
-          <a:p>
-            <a:pPr marL="0" indent="0">
-              <a:lnSpc>
-                <a:spcPct val="120000"/>
-              </a:lnSpc>
-              <a:buNone/>
-            </a:pPr>
-            <a:r>
-              <a:rPr lang="en-US" dirty="0">
-                <a:solidFill>
-                  <a:srgbClr val="7030A0"/>
-                </a:solidFill>
-              </a:rPr>
-              <a:t>	</a:t>
-            </a:r>
-            <a:r>
-              <a:rPr lang="en-US" dirty="0" smtClean="0">
-                <a:solidFill>
-                  <a:srgbClr val="7030A0"/>
-                </a:solidFill>
-              </a:rPr>
-              <a:t>	.</a:t>
-            </a:r>
-          </a:p>
-          <a:p>
-            <a:pPr marL="0" indent="0">
-              <a:lnSpc>
-                <a:spcPct val="120000"/>
-              </a:lnSpc>
-              <a:buNone/>
-            </a:pPr>
-            <a:r>
-              <a:rPr lang="en-US" dirty="0">
-                <a:solidFill>
-                  <a:srgbClr val="7030A0"/>
-                </a:solidFill>
-              </a:rPr>
-              <a:t>	</a:t>
-            </a:r>
-            <a:r>
-              <a:rPr lang="en-US" dirty="0" smtClean="0">
-                <a:solidFill>
-                  <a:srgbClr val="7030A0"/>
-                </a:solidFill>
-              </a:rPr>
-              <a:t>	.	</a:t>
-            </a:r>
-          </a:p>
-          <a:p>
-            <a:pPr marL="0" indent="0">
-              <a:lnSpc>
-                <a:spcPct val="120000"/>
-              </a:lnSpc>
-              <a:buNone/>
-            </a:pPr>
-            <a:r>
-              <a:rPr lang="en-US" dirty="0">
-                <a:solidFill>
-                  <a:srgbClr val="7030A0"/>
-                </a:solidFill>
-              </a:rPr>
-              <a:t>	</a:t>
-            </a:r>
-            <a:r>
-              <a:rPr lang="en-US" dirty="0" smtClean="0">
-                <a:solidFill>
-                  <a:srgbClr val="7030A0"/>
-                </a:solidFill>
-              </a:rPr>
-              <a:t>	.</a:t>
-            </a:r>
-            <a:endParaRPr lang="en-US" dirty="0">
-              <a:solidFill>
-                <a:srgbClr val="7030A0"/>
-              </a:solidFill>
-            </a:endParaRPr>
-          </a:p>
-          <a:p>
-            <a:pPr marL="0" indent="0">
-              <a:buNone/>
-            </a:pPr>
-            <a:r>
-              <a:rPr lang="en-US" dirty="0">
-                <a:solidFill>
-                  <a:srgbClr val="7030A0"/>
-                </a:solidFill>
-              </a:rPr>
-              <a:t>	label </a:t>
-            </a:r>
-            <a:r>
-              <a:rPr lang="en-US" dirty="0" err="1" smtClean="0">
-                <a:solidFill>
-                  <a:srgbClr val="7030A0"/>
-                </a:solidFill>
-              </a:rPr>
-              <a:t>set</a:t>
-            </a:r>
-            <a:r>
-              <a:rPr lang="en-US" baseline="-25000" dirty="0" err="1" smtClean="0">
-                <a:solidFill>
-                  <a:srgbClr val="7030A0"/>
-                </a:solidFill>
-              </a:rPr>
-              <a:t>n</a:t>
-            </a:r>
-            <a:endParaRPr lang="en-US" baseline="-25000" dirty="0">
-              <a:solidFill>
-                <a:srgbClr val="7030A0"/>
-              </a:solidFill>
-            </a:endParaRPr>
-          </a:p>
-          <a:p>
-            <a:pPr marL="0" indent="0">
-              <a:buNone/>
-            </a:pPr>
-            <a:r>
-              <a:rPr lang="en-US" dirty="0">
-                <a:solidFill>
-                  <a:srgbClr val="7030A0"/>
-                </a:solidFill>
-              </a:rPr>
-              <a:t>		</a:t>
-            </a:r>
-            <a:r>
-              <a:rPr lang="en-US" dirty="0" err="1" smtClean="0">
-                <a:solidFill>
-                  <a:srgbClr val="7030A0"/>
-                </a:solidFill>
-              </a:rPr>
-              <a:t>statements</a:t>
-            </a:r>
-            <a:r>
-              <a:rPr lang="en-US" baseline="-25000" dirty="0" err="1" smtClean="0">
+              <a:rPr lang="en-US" baseline="-25000" dirty="0" err="1">
                 <a:solidFill>
                   <a:srgbClr val="7030A0"/>
                 </a:solidFill>
@@ -10378,10 +9907,9 @@
           <a:lstStyle/>
           <a:p>
             <a:r>
-              <a:rPr lang="en-US" smtClean="0"/>
+              <a:rPr lang="en-US"/>
               <a:t>© 2016 Pearson Education, Inc., Hoboken, NJ.  All rights reserved.</a:t>
             </a:r>
-            <a:endParaRPr lang="en-US"/>
           </a:p>
         </p:txBody>
       </p:sp>
@@ -10418,13 +9946,6 @@
   <p:clrMapOvr>
     <a:masterClrMapping/>
   </p:clrMapOvr>
-  <p:timing>
-    <p:tnLst>
-      <p:par>
-        <p:cTn id="1" dur="indefinite" restart="never" nodeType="tmRoot"/>
-      </p:par>
-    </p:tnLst>
-  </p:timing>
 </p:sld>
 </file>
 
@@ -10461,10 +9982,9 @@
           <a:lstStyle/>
           <a:p>
             <a:r>
-              <a:rPr lang="en-US" dirty="0" smtClean="0"/>
+              <a:rPr lang="en-US" dirty="0"/>
               <a:t>Control Structures</a:t>
             </a:r>
-            <a:endParaRPr lang="en-US" dirty="0"/>
           </a:p>
         </p:txBody>
       </p:sp>
@@ -10484,30 +10004,29 @@
           <a:lstStyle/>
           <a:p>
             <a:r>
-              <a:rPr lang="en-US" dirty="0" smtClean="0"/>
+              <a:rPr lang="en-US" dirty="0"/>
               <a:t>control structure</a:t>
             </a:r>
           </a:p>
           <a:p>
             <a:pPr lvl="1"/>
             <a:r>
-              <a:rPr lang="en-US" dirty="0" smtClean="0"/>
+              <a:rPr lang="en-US" dirty="0"/>
               <a:t>a combination of individual instructions into a single logical unit with one entry point and one exit point</a:t>
             </a:r>
           </a:p>
           <a:p>
             <a:r>
-              <a:rPr lang="en-US" dirty="0" smtClean="0"/>
+              <a:rPr lang="en-US" dirty="0"/>
               <a:t>compound statement</a:t>
             </a:r>
           </a:p>
           <a:p>
             <a:pPr lvl="1"/>
             <a:r>
-              <a:rPr lang="en-US" dirty="0" smtClean="0"/>
+              <a:rPr lang="en-US" dirty="0"/>
               <a:t>a group of statements bracketed by { and } that are executed sequentially</a:t>
             </a:r>
-            <a:endParaRPr lang="en-US" dirty="0"/>
           </a:p>
         </p:txBody>
       </p:sp>
@@ -10527,10 +10046,9 @@
           <a:lstStyle/>
           <a:p>
             <a:r>
-              <a:rPr lang="en-US" smtClean="0"/>
+              <a:rPr lang="en-US"/>
               <a:t>© 2016 Pearson Education, Inc., Hoboken, NJ.  All rights reserved.</a:t>
             </a:r>
-            <a:endParaRPr lang="en-US"/>
           </a:p>
         </p:txBody>
       </p:sp>
@@ -10567,13 +10085,6 @@
   <p:clrMapOvr>
     <a:masterClrMapping/>
   </p:clrMapOvr>
-  <p:timing>
-    <p:tnLst>
-      <p:par>
-        <p:cTn id="1" dur="indefinite" restart="never" nodeType="tmRoot"/>
-      </p:par>
-    </p:tnLst>
-  </p:timing>
 </p:sld>
 </file>
 
@@ -10664,10 +10175,9 @@
           <a:lstStyle/>
           <a:p>
             <a:r>
-              <a:rPr lang="en-US" smtClean="0"/>
+              <a:rPr lang="en-US"/>
               <a:t>© 2016 Pearson Education, Inc., Hoboken, NJ.  All rights reserved.</a:t>
             </a:r>
-            <a:endParaRPr lang="en-US"/>
           </a:p>
         </p:txBody>
       </p:sp>
@@ -10733,18 +10243,17 @@
           </a:lstStyle>
           <a:p>
             <a:r>
-              <a:rPr lang="en-US" altLang="en-US" sz="2400" dirty="0" smtClean="0"/>
+              <a:rPr lang="en-US" altLang="en-US" sz="2400" dirty="0"/>
               <a:t>Figure 4.13  Program Using a </a:t>
             </a:r>
             <a:r>
-              <a:rPr lang="en-US" altLang="en-US" sz="2400" i="1" dirty="0" smtClean="0"/>
+              <a:rPr lang="en-US" altLang="en-US" sz="2400" i="1" dirty="0"/>
               <a:t>switch</a:t>
             </a:r>
             <a:r>
-              <a:rPr lang="en-US" altLang="en-US" sz="2400" dirty="0" smtClean="0"/>
+              <a:rPr lang="en-US" altLang="en-US" sz="2400" dirty="0"/>
               <a:t> Statement for Selection</a:t>
             </a:r>
-            <a:endParaRPr lang="en-US" altLang="en-US" sz="2400" dirty="0" smtClean="0"/>
           </a:p>
         </p:txBody>
       </p:sp>
@@ -10758,13 +10267,6 @@
   <p:clrMapOvr>
     <a:masterClrMapping/>
   </p:clrMapOvr>
-  <p:timing>
-    <p:tnLst>
-      <p:par>
-        <p:cTn id="1" dur="indefinite" restart="never" nodeType="tmRoot"/>
-      </p:par>
-    </p:tnLst>
-  </p:timing>
 </p:sld>
 </file>
 
@@ -10809,26 +10311,14 @@
           <a:p>
             <a:r>
               <a:rPr lang="en-US" altLang="en-US" sz="2800" dirty="0"/>
-              <a:t>Figure </a:t>
-            </a:r>
-            <a:r>
-              <a:rPr lang="en-US" altLang="en-US" sz="2800" dirty="0" smtClean="0"/>
-              <a:t>4.13</a:t>
-            </a:r>
-            <a:r>
-              <a:rPr lang="en-US" altLang="en-US" sz="3200" dirty="0" smtClean="0"/>
-              <a:t/>
+              <a:t>Figure 4.13</a:t>
             </a:r>
             <a:br>
-              <a:rPr lang="en-US" altLang="en-US" sz="3200" dirty="0" smtClean="0"/>
+              <a:rPr lang="en-US" altLang="en-US" sz="3200" dirty="0"/>
             </a:br>
             <a:r>
-              <a:rPr lang="en-US" altLang="en-US" sz="3200" dirty="0" smtClean="0"/>
-              <a:t>Program </a:t>
-            </a:r>
-            <a:r>
               <a:rPr lang="en-US" altLang="en-US" sz="3200" dirty="0"/>
-              <a:t>Using a </a:t>
+              <a:t>Program Using a </a:t>
             </a:r>
             <a:r>
               <a:rPr lang="en-US" altLang="en-US" sz="3200" i="1" dirty="0"/>
@@ -10836,15 +10326,7 @@
             </a:r>
             <a:r>
               <a:rPr lang="en-US" altLang="en-US" sz="3200" dirty="0"/>
-              <a:t> Statement for </a:t>
-            </a:r>
-            <a:r>
-              <a:rPr lang="en-US" altLang="en-US" sz="3200" dirty="0" smtClean="0"/>
-              <a:t>Selection (cont.)</a:t>
-            </a:r>
-            <a:r>
-              <a:rPr lang="en-US" altLang="en-US" sz="3200" dirty="0"/>
-              <a:t/>
+              <a:t> Statement for Selection (cont.)</a:t>
             </a:r>
             <a:br>
               <a:rPr lang="en-US" altLang="en-US" sz="3200" dirty="0"/>
@@ -10869,10 +10351,9 @@
           <a:lstStyle/>
           <a:p>
             <a:r>
-              <a:rPr lang="en-US" smtClean="0"/>
+              <a:rPr lang="en-US"/>
               <a:t>© 2016 Pearson Education, Inc., Hoboken, NJ.  All rights reserved.</a:t>
             </a:r>
-            <a:endParaRPr lang="en-US"/>
           </a:p>
         </p:txBody>
       </p:sp>
@@ -10963,13 +10444,6 @@
   <p:clrMapOvr>
     <a:masterClrMapping/>
   </p:clrMapOvr>
-  <p:timing>
-    <p:tnLst>
-      <p:par>
-        <p:cTn id="1" dur="indefinite" restart="never" nodeType="tmRoot"/>
-      </p:par>
-    </p:tnLst>
-  </p:timing>
 </p:sld>
 </file>
 
@@ -11006,10 +10480,9 @@
           <a:lstStyle/>
           <a:p>
             <a:r>
-              <a:rPr lang="en-US" dirty="0" smtClean="0"/>
+              <a:rPr lang="en-US" dirty="0"/>
               <a:t>Wrap Up</a:t>
             </a:r>
-            <a:endParaRPr lang="en-US" dirty="0"/>
           </a:p>
         </p:txBody>
       </p:sp>
@@ -11031,28 +10504,27 @@
           <a:lstStyle/>
           <a:p>
             <a:r>
-              <a:rPr lang="en-US" dirty="0" smtClean="0"/>
+              <a:rPr lang="en-US" dirty="0"/>
               <a:t>Use control structures to control the flow of statement execution in a program.</a:t>
             </a:r>
           </a:p>
           <a:p>
             <a:r>
-              <a:rPr lang="en-US" dirty="0" smtClean="0"/>
+              <a:rPr lang="en-US" dirty="0"/>
               <a:t>Use selection control structures to represent decisions in an algorithm.</a:t>
             </a:r>
           </a:p>
           <a:p>
             <a:r>
-              <a:rPr lang="en-US" dirty="0" smtClean="0"/>
+              <a:rPr lang="en-US" dirty="0"/>
               <a:t>Nested if statements are common in C and are used to represent decisions with multiple alternatives.</a:t>
             </a:r>
           </a:p>
           <a:p>
             <a:r>
-              <a:rPr lang="en-US" dirty="0" smtClean="0"/>
+              <a:rPr lang="en-US" dirty="0"/>
               <a:t>The switch statement implements decisions with several alternatives where the alternative selected depends on the value of a variable or (controlling) expression.</a:t>
             </a:r>
-            <a:endParaRPr lang="en-US" dirty="0"/>
           </a:p>
         </p:txBody>
       </p:sp>
@@ -11072,10 +10544,9 @@
           <a:lstStyle/>
           <a:p>
             <a:r>
-              <a:rPr lang="en-US" smtClean="0"/>
+              <a:rPr lang="en-US"/>
               <a:t>© 2016 Pearson Education, Inc., Hoboken, NJ.  All rights reserved.</a:t>
             </a:r>
-            <a:endParaRPr lang="en-US"/>
           </a:p>
         </p:txBody>
       </p:sp>
@@ -11112,13 +10583,6 @@
   <p:clrMapOvr>
     <a:masterClrMapping/>
   </p:clrMapOvr>
-  <p:timing>
-    <p:tnLst>
-      <p:par>
-        <p:cTn id="1" dur="indefinite" restart="never" nodeType="tmRoot"/>
-      </p:par>
-    </p:tnLst>
-  </p:timing>
 </p:sld>
 </file>
 
@@ -11155,10 +10619,9 @@
           <a:lstStyle/>
           <a:p>
             <a:r>
-              <a:rPr lang="en-US" dirty="0" smtClean="0"/>
+              <a:rPr lang="en-US" dirty="0"/>
               <a:t>Compound Statement</a:t>
             </a:r>
-            <a:endParaRPr lang="en-US" dirty="0"/>
           </a:p>
         </p:txBody>
       </p:sp>
@@ -11178,10 +10641,9 @@
           <a:lstStyle/>
           <a:p>
             <a:r>
-              <a:rPr lang="en-US" smtClean="0"/>
+              <a:rPr lang="en-US"/>
               <a:t>© 2016 Pearson Education, Inc., Hoboken, NJ.  All rights reserved.</a:t>
             </a:r>
-            <a:endParaRPr lang="en-US"/>
           </a:p>
         </p:txBody>
       </p:sp>
@@ -11231,77 +10693,49 @@
           <a:lstStyle/>
           <a:p>
             <a:r>
-              <a:rPr lang="en-US" sz="2800" dirty="0" smtClean="0"/>
+              <a:rPr lang="en-US" sz="2800" dirty="0"/>
               <a:t>{</a:t>
             </a:r>
           </a:p>
           <a:p>
             <a:r>
-              <a:rPr lang="en-US" sz="2800" i="1" dirty="0" smtClean="0"/>
+              <a:rPr lang="en-US" sz="2800" i="1" dirty="0"/>
               <a:t>       statement;</a:t>
             </a:r>
           </a:p>
           <a:p>
             <a:r>
-              <a:rPr lang="en-US" sz="2800" i="1" dirty="0" smtClean="0"/>
-              <a:t>       </a:t>
-            </a:r>
-            <a:r>
               <a:rPr lang="en-US" sz="2800" i="1" dirty="0"/>
-              <a:t>statement</a:t>
-            </a:r>
-            <a:r>
-              <a:rPr lang="en-US" sz="2800" i="1" dirty="0" smtClean="0"/>
-              <a:t>;</a:t>
-            </a:r>
-          </a:p>
-          <a:p>
-            <a:r>
-              <a:rPr lang="en-US" sz="2800" i="1" dirty="0" smtClean="0"/>
+              <a:t>       statement;</a:t>
+            </a:r>
+          </a:p>
+          <a:p>
+            <a:r>
+              <a:rPr lang="en-US" sz="2800" i="1" dirty="0"/>
               <a:t>               .</a:t>
             </a:r>
           </a:p>
           <a:p>
             <a:r>
               <a:rPr lang="en-US" sz="2800" i="1" dirty="0"/>
-              <a:t> </a:t>
-            </a:r>
-            <a:r>
-              <a:rPr lang="en-US" sz="2800" i="1" dirty="0" smtClean="0"/>
-              <a:t>              .</a:t>
+              <a:t>               .</a:t>
             </a:r>
           </a:p>
           <a:p>
             <a:r>
               <a:rPr lang="en-US" sz="2800" i="1" dirty="0"/>
-              <a:t> </a:t>
-            </a:r>
-            <a:r>
-              <a:rPr lang="en-US" sz="2800" i="1" dirty="0" smtClean="0"/>
-              <a:t>              .</a:t>
+              <a:t>               .</a:t>
             </a:r>
           </a:p>
           <a:p>
             <a:r>
               <a:rPr lang="en-US" sz="2800" i="1" dirty="0"/>
-              <a:t> </a:t>
-            </a:r>
-            <a:r>
-              <a:rPr lang="en-US" sz="2800" i="1" dirty="0" smtClean="0"/>
-              <a:t>     </a:t>
-            </a:r>
+              <a:t>       statement;</a:t>
+            </a:r>
+          </a:p>
+          <a:p>
             <a:r>
               <a:rPr lang="en-US" sz="2800" i="1" dirty="0"/>
-              <a:t> statement</a:t>
-            </a:r>
-            <a:r>
-              <a:rPr lang="en-US" sz="2800" i="1" dirty="0" smtClean="0"/>
-              <a:t>;</a:t>
-            </a:r>
-          </a:p>
-          <a:p>
-            <a:r>
-              <a:rPr lang="en-US" sz="2800" i="1" dirty="0" smtClean="0"/>
               <a:t>}</a:t>
             </a:r>
             <a:endParaRPr lang="en-US" sz="2800" dirty="0"/>
@@ -11318,13 +10752,6 @@
   <p:clrMapOvr>
     <a:masterClrMapping/>
   </p:clrMapOvr>
-  <p:timing>
-    <p:tnLst>
-      <p:par>
-        <p:cTn id="1" dur="indefinite" restart="never" nodeType="tmRoot"/>
-      </p:par>
-    </p:tnLst>
-  </p:timing>
 </p:sld>
 </file>
 
@@ -11388,14 +10815,14 @@
           <a:lstStyle/>
           <a:p>
             <a:r>
-              <a:rPr lang="en-US" dirty="0" smtClean="0"/>
+              <a:rPr lang="en-US" dirty="0"/>
               <a:t>selection control structure</a:t>
             </a:r>
           </a:p>
           <a:p>
             <a:pPr lvl="1"/>
             <a:r>
-              <a:rPr lang="en-US" dirty="0" smtClean="0"/>
+              <a:rPr lang="en-US" dirty="0"/>
               <a:t>a control structure that chooses among alternative program statements</a:t>
             </a:r>
           </a:p>
@@ -11423,10 +10850,9 @@
           <a:lstStyle/>
           <a:p>
             <a:r>
-              <a:rPr lang="en-US" smtClean="0"/>
+              <a:rPr lang="en-US"/>
               <a:t>© 2016 Pearson Education, Inc., Hoboken, NJ.  All rights reserved.</a:t>
             </a:r>
-            <a:endParaRPr lang="en-US"/>
           </a:p>
         </p:txBody>
       </p:sp>
@@ -11561,18 +10987,13 @@
           <a:lstStyle/>
           <a:p>
             <a:r>
-              <a:rPr lang="en-US" dirty="0" smtClean="0">
+              <a:rPr lang="en-US" dirty="0">
                 <a:solidFill>
                   <a:srgbClr val="FF0000"/>
                 </a:solidFill>
               </a:rPr>
               <a:t>?</a:t>
             </a:r>
-            <a:endParaRPr lang="en-US" dirty="0">
-              <a:solidFill>
-                <a:srgbClr val="FF0000"/>
-              </a:solidFill>
-            </a:endParaRPr>
           </a:p>
         </p:txBody>
       </p:sp>
@@ -11662,13 +11083,6 @@
   <p:clrMapOvr>
     <a:masterClrMapping/>
   </p:clrMapOvr>
-  <p:timing>
-    <p:tnLst>
-      <p:par>
-        <p:cTn id="1" dur="indefinite" restart="never" nodeType="tmRoot"/>
-      </p:par>
-    </p:tnLst>
-  </p:timing>
 </p:sld>
 </file>
 
@@ -11705,10 +11119,9 @@
           <a:lstStyle/>
           <a:p>
             <a:r>
-              <a:rPr lang="en-US" dirty="0" smtClean="0"/>
+              <a:rPr lang="en-US" dirty="0"/>
               <a:t>Conditions</a:t>
             </a:r>
-            <a:endParaRPr lang="en-US" dirty="0"/>
           </a:p>
         </p:txBody>
       </p:sp>
@@ -11728,27 +11141,27 @@
           <a:lstStyle/>
           <a:p>
             <a:r>
-              <a:rPr lang="en-US" dirty="0" smtClean="0"/>
+              <a:rPr lang="en-US" dirty="0"/>
               <a:t>an expression that is either false</a:t>
             </a:r>
           </a:p>
           <a:p>
             <a:pPr lvl="1"/>
             <a:r>
-              <a:rPr lang="en-US" dirty="0" smtClean="0"/>
+              <a:rPr lang="en-US" dirty="0"/>
               <a:t>represented by 0</a:t>
             </a:r>
           </a:p>
           <a:p>
             <a:r>
-              <a:rPr lang="en-US" dirty="0" smtClean="0"/>
+              <a:rPr lang="en-US" dirty="0"/>
               <a:t>or true</a:t>
             </a:r>
           </a:p>
           <a:p>
             <a:pPr lvl="1"/>
             <a:r>
-              <a:rPr lang="en-US" dirty="0" smtClean="0"/>
+              <a:rPr lang="en-US" dirty="0"/>
               <a:t>usually represented by 1</a:t>
             </a:r>
           </a:p>
@@ -11756,25 +11169,20 @@
             <a:pPr marL="1371600" lvl="3" indent="0">
               <a:buNone/>
             </a:pPr>
-            <a:endParaRPr lang="en-US" dirty="0" smtClean="0"/>
+            <a:endParaRPr lang="en-US" dirty="0"/>
           </a:p>
           <a:p>
             <a:pPr marL="1371600" lvl="3" indent="0">
               <a:buNone/>
             </a:pPr>
             <a:r>
-              <a:rPr lang="en-US" sz="3200" dirty="0" smtClean="0">
+              <a:rPr lang="en-US" sz="3200" dirty="0">
                 <a:solidFill>
                   <a:srgbClr val="FF0000"/>
                 </a:solidFill>
               </a:rPr>
               <a:t>rest_heart_rate   &gt;   75</a:t>
             </a:r>
-            <a:endParaRPr lang="en-US" sz="3200" dirty="0">
-              <a:solidFill>
-                <a:srgbClr val="FF0000"/>
-              </a:solidFill>
-            </a:endParaRPr>
           </a:p>
         </p:txBody>
       </p:sp>
@@ -11794,10 +11202,9 @@
           <a:lstStyle/>
           <a:p>
             <a:r>
-              <a:rPr lang="en-US" smtClean="0"/>
+              <a:rPr lang="en-US"/>
               <a:t>© 2016 Pearson Education, Inc., Hoboken, NJ.  All rights reserved.</a:t>
             </a:r>
-            <a:endParaRPr lang="en-US"/>
           </a:p>
         </p:txBody>
       </p:sp>
@@ -11834,13 +11241,6 @@
   <p:clrMapOvr>
     <a:masterClrMapping/>
   </p:clrMapOvr>
-  <p:timing>
-    <p:tnLst>
-      <p:par>
-        <p:cTn id="1" dur="indefinite" restart="never" nodeType="tmRoot"/>
-      </p:par>
-    </p:tnLst>
-  </p:timing>
 </p:sld>
 </file>
 
@@ -11877,10 +11277,9 @@
           <a:lstStyle/>
           <a:p>
             <a:r>
-              <a:rPr lang="en-US" dirty="0" smtClean="0"/>
+              <a:rPr lang="en-US" dirty="0"/>
               <a:t>Relational and Equality Operators</a:t>
             </a:r>
-            <a:endParaRPr lang="en-US" dirty="0"/>
           </a:p>
         </p:txBody>
       </p:sp>
@@ -11894,7 +11293,7 @@
             <p:ph idx="1"/>
             <p:extLst>
               <p:ext uri="{D42A27DB-BD31-4B8C-83A1-F6EECF244321}">
-                <p14:modId xmlns:p14="http://schemas.microsoft.com/office/powerpoint/2010/main" val="529190696"/>
+                <p14:modId xmlns:p14="http://schemas.microsoft.com/office/powerpoint/2010/main" val="3917296774"/>
               </p:ext>
             </p:extLst>
           </p:nvPr>
@@ -11910,9 +11309,27 @@
                 <a:tableStyleId>{5C22544A-7EE6-4342-B048-85BDC9FD1C3A}</a:tableStyleId>
               </a:tblPr>
               <a:tblGrid>
-                <a:gridCol w="2743200"/>
-                <a:gridCol w="2743200"/>
-                <a:gridCol w="2743200"/>
+                <a:gridCol w="2743200">
+                  <a:extLst>
+                    <a:ext uri="{9D8B030D-6E8A-4147-A177-3AD203B41FA5}">
+                      <a16:colId xmlns:a16="http://schemas.microsoft.com/office/drawing/2014/main" val="20000"/>
+                    </a:ext>
+                  </a:extLst>
+                </a:gridCol>
+                <a:gridCol w="2743200">
+                  <a:extLst>
+                    <a:ext uri="{9D8B030D-6E8A-4147-A177-3AD203B41FA5}">
+                      <a16:colId xmlns:a16="http://schemas.microsoft.com/office/drawing/2014/main" val="20001"/>
+                    </a:ext>
+                  </a:extLst>
+                </a:gridCol>
+                <a:gridCol w="2743200">
+                  <a:extLst>
+                    <a:ext uri="{9D8B030D-6E8A-4147-A177-3AD203B41FA5}">
+                      <a16:colId xmlns:a16="http://schemas.microsoft.com/office/drawing/2014/main" val="20002"/>
+                    </a:ext>
+                  </a:extLst>
+                </a:gridCol>
               </a:tblGrid>
               <a:tr h="370840">
                 <a:tc>
@@ -11921,10 +11338,9 @@
                     <a:lstStyle/>
                     <a:p>
                       <a:r>
-                        <a:rPr lang="en-US" dirty="0" smtClean="0"/>
+                        <a:rPr lang="en-US" dirty="0"/>
                         <a:t>Operator</a:t>
                       </a:r>
-                      <a:endParaRPr lang="en-US" dirty="0"/>
                     </a:p>
                   </a:txBody>
                   <a:tcPr/>
@@ -11935,10 +11351,9 @@
                     <a:lstStyle/>
                     <a:p>
                       <a:r>
-                        <a:rPr lang="en-US" dirty="0" smtClean="0"/>
+                        <a:rPr lang="en-US" dirty="0"/>
                         <a:t>Meaning</a:t>
                       </a:r>
-                      <a:endParaRPr lang="en-US" dirty="0"/>
                     </a:p>
                   </a:txBody>
                   <a:tcPr/>
@@ -11949,14 +11364,18 @@
                     <a:lstStyle/>
                     <a:p>
                       <a:r>
-                        <a:rPr lang="en-US" dirty="0" smtClean="0"/>
+                        <a:rPr lang="en-US" dirty="0"/>
                         <a:t>Type</a:t>
                       </a:r>
-                      <a:endParaRPr lang="en-US" dirty="0"/>
                     </a:p>
                   </a:txBody>
                   <a:tcPr/>
                 </a:tc>
+                <a:extLst>
+                  <a:ext uri="{0D108BD9-81ED-4DB2-BD59-A6C34878D82A}">
+                    <a16:rowId xmlns:a16="http://schemas.microsoft.com/office/drawing/2014/main" val="10000"/>
+                  </a:ext>
+                </a:extLst>
               </a:tr>
               <a:tr h="370840">
                 <a:tc>
@@ -11965,10 +11384,9 @@
                     <a:lstStyle/>
                     <a:p>
                       <a:r>
-                        <a:rPr lang="en-US" dirty="0" smtClean="0"/>
+                        <a:rPr lang="en-US" dirty="0"/>
                         <a:t>&lt;</a:t>
                       </a:r>
-                      <a:endParaRPr lang="en-US" dirty="0"/>
                     </a:p>
                   </a:txBody>
                   <a:tcPr/>
@@ -11979,10 +11397,9 @@
                     <a:lstStyle/>
                     <a:p>
                       <a:r>
-                        <a:rPr lang="en-US" dirty="0" smtClean="0"/>
+                        <a:rPr lang="en-US" dirty="0"/>
                         <a:t>less than</a:t>
                       </a:r>
-                      <a:endParaRPr lang="en-US" dirty="0"/>
                     </a:p>
                   </a:txBody>
                   <a:tcPr/>
@@ -11993,14 +11410,18 @@
                     <a:lstStyle/>
                     <a:p>
                       <a:r>
-                        <a:rPr lang="en-US" dirty="0" smtClean="0"/>
+                        <a:rPr lang="en-US" dirty="0"/>
                         <a:t>relational </a:t>
                       </a:r>
-                      <a:endParaRPr lang="en-US" dirty="0"/>
                     </a:p>
                   </a:txBody>
                   <a:tcPr/>
                 </a:tc>
+                <a:extLst>
+                  <a:ext uri="{0D108BD9-81ED-4DB2-BD59-A6C34878D82A}">
+                    <a16:rowId xmlns:a16="http://schemas.microsoft.com/office/drawing/2014/main" val="10001"/>
+                  </a:ext>
+                </a:extLst>
               </a:tr>
               <a:tr h="370840">
                 <a:tc>
@@ -12009,10 +11430,9 @@
                     <a:lstStyle/>
                     <a:p>
                       <a:r>
-                        <a:rPr lang="en-US" dirty="0" smtClean="0"/>
+                        <a:rPr lang="en-US" dirty="0"/>
                         <a:t>&gt;</a:t>
                       </a:r>
-                      <a:endParaRPr lang="en-US" dirty="0"/>
                     </a:p>
                   </a:txBody>
                   <a:tcPr/>
@@ -12023,10 +11443,9 @@
                     <a:lstStyle/>
                     <a:p>
                       <a:r>
-                        <a:rPr lang="en-US" dirty="0" smtClean="0"/>
+                        <a:rPr lang="en-US" dirty="0"/>
                         <a:t>greater than</a:t>
                       </a:r>
-                      <a:endParaRPr lang="en-US" dirty="0"/>
                     </a:p>
                   </a:txBody>
                   <a:tcPr/>
@@ -12037,14 +11456,18 @@
                     <a:lstStyle/>
                     <a:p>
                       <a:r>
-                        <a:rPr lang="en-US" dirty="0" smtClean="0"/>
+                        <a:rPr lang="en-US" dirty="0"/>
                         <a:t>relational </a:t>
                       </a:r>
-                      <a:endParaRPr lang="en-US" dirty="0"/>
                     </a:p>
                   </a:txBody>
                   <a:tcPr/>
                 </a:tc>
+                <a:extLst>
+                  <a:ext uri="{0D108BD9-81ED-4DB2-BD59-A6C34878D82A}">
+                    <a16:rowId xmlns:a16="http://schemas.microsoft.com/office/drawing/2014/main" val="10002"/>
+                  </a:ext>
+                </a:extLst>
               </a:tr>
               <a:tr h="370840">
                 <a:tc>
@@ -12053,10 +11476,9 @@
                     <a:lstStyle/>
                     <a:p>
                       <a:r>
-                        <a:rPr lang="en-US" dirty="0" smtClean="0"/>
+                        <a:rPr lang="en-US" dirty="0"/>
                         <a:t>&lt;=</a:t>
                       </a:r>
-                      <a:endParaRPr lang="en-US" dirty="0"/>
                     </a:p>
                   </a:txBody>
                   <a:tcPr/>
@@ -12084,14 +11506,14 @@
                         <a:defRPr/>
                       </a:pPr>
                       <a:r>
-                        <a:rPr lang="en-US" dirty="0" smtClean="0"/>
+                        <a:rPr lang="en-US" dirty="0"/>
                         <a:t>less than</a:t>
                       </a:r>
                       <a:r>
-                        <a:rPr lang="en-US" baseline="0" dirty="0" smtClean="0"/>
+                        <a:rPr lang="en-US" baseline="0" dirty="0"/>
                         <a:t> or equal to</a:t>
                       </a:r>
-                      <a:endParaRPr lang="en-US" dirty="0" smtClean="0"/>
+                      <a:endParaRPr lang="en-US" dirty="0"/>
                     </a:p>
                   </a:txBody>
                   <a:tcPr/>
@@ -12102,14 +11524,18 @@
                     <a:lstStyle/>
                     <a:p>
                       <a:r>
-                        <a:rPr lang="en-US" dirty="0" smtClean="0"/>
+                        <a:rPr lang="en-US" dirty="0"/>
                         <a:t>relational </a:t>
                       </a:r>
-                      <a:endParaRPr lang="en-US" dirty="0"/>
                     </a:p>
                   </a:txBody>
                   <a:tcPr/>
                 </a:tc>
+                <a:extLst>
+                  <a:ext uri="{0D108BD9-81ED-4DB2-BD59-A6C34878D82A}">
+                    <a16:rowId xmlns:a16="http://schemas.microsoft.com/office/drawing/2014/main" val="10003"/>
+                  </a:ext>
+                </a:extLst>
               </a:tr>
               <a:tr h="370840">
                 <a:tc>
@@ -12118,10 +11544,9 @@
                     <a:lstStyle/>
                     <a:p>
                       <a:r>
-                        <a:rPr lang="en-US" dirty="0" smtClean="0"/>
+                        <a:rPr lang="en-US" dirty="0"/>
                         <a:t>&gt;=</a:t>
                       </a:r>
-                      <a:endParaRPr lang="en-US" dirty="0"/>
                     </a:p>
                   </a:txBody>
                   <a:tcPr/>
@@ -12149,42 +11574,12 @@
                         <a:defRPr/>
                       </a:pPr>
                       <a:r>
-                        <a:rPr lang="en-US" dirty="0" smtClean="0"/>
+                        <a:rPr lang="en-US" dirty="0"/>
                         <a:t>greater than</a:t>
                       </a:r>
                       <a:r>
-                        <a:rPr lang="en-US" baseline="0" dirty="0" smtClean="0"/>
+                        <a:rPr lang="en-US" baseline="0" dirty="0"/>
                         <a:t> or equal to</a:t>
-                      </a:r>
-                      <a:endParaRPr lang="en-US" dirty="0" smtClean="0"/>
-                    </a:p>
-                  </a:txBody>
-                  <a:tcPr/>
-                </a:tc>
-                <a:tc>
-                  <a:txBody>
-                    <a:bodyPr/>
-                    <a:lstStyle/>
-                    <a:p>
-                      <a:r>
-                        <a:rPr lang="en-US" dirty="0" smtClean="0"/>
-                        <a:t>relational </a:t>
-                      </a:r>
-                      <a:endParaRPr lang="en-US" dirty="0"/>
-                    </a:p>
-                  </a:txBody>
-                  <a:tcPr/>
-                </a:tc>
-              </a:tr>
-              <a:tr h="370840">
-                <a:tc>
-                  <a:txBody>
-                    <a:bodyPr/>
-                    <a:lstStyle/>
-                    <a:p>
-                      <a:r>
-                        <a:rPr lang="en-US" dirty="0" smtClean="0"/>
-                        <a:t>==</a:t>
                       </a:r>
                       <a:endParaRPr lang="en-US" dirty="0"/>
                     </a:p>
@@ -12197,10 +11592,29 @@
                     <a:lstStyle/>
                     <a:p>
                       <a:r>
-                        <a:rPr lang="en-US" dirty="0" smtClean="0"/>
-                        <a:t>equal to</a:t>
+                        <a:rPr lang="en-US" dirty="0"/>
+                        <a:t>relational </a:t>
                       </a:r>
-                      <a:endParaRPr lang="en-US" dirty="0"/>
+                    </a:p>
+                  </a:txBody>
+                  <a:tcPr/>
+                </a:tc>
+                <a:extLst>
+                  <a:ext uri="{0D108BD9-81ED-4DB2-BD59-A6C34878D82A}">
+                    <a16:rowId xmlns:a16="http://schemas.microsoft.com/office/drawing/2014/main" val="10004"/>
+                  </a:ext>
+                </a:extLst>
+              </a:tr>
+              <a:tr h="370840">
+                <a:tc>
+                  <a:txBody>
+                    <a:bodyPr/>
+                    <a:lstStyle/>
+                    <a:p>
+                      <a:r>
+                        <a:rPr lang="en-US" dirty="0"/>
+                        <a:t>==</a:t>
+                      </a:r>
                     </a:p>
                   </a:txBody>
                   <a:tcPr/>
@@ -12211,26 +11625,9 @@
                     <a:lstStyle/>
                     <a:p>
                       <a:r>
-                        <a:rPr lang="en-US" dirty="0" smtClean="0"/>
-                        <a:t>relational </a:t>
+                        <a:rPr lang="en-US" dirty="0"/>
+                        <a:t>equal to</a:t>
                       </a:r>
-                      <a:endParaRPr lang="en-US" dirty="0"/>
-                    </a:p>
-                  </a:txBody>
-                  <a:tcPr/>
-                </a:tc>
-              </a:tr>
-              <a:tr h="370840">
-                <a:tc>
-                  <a:txBody>
-                    <a:bodyPr/>
-                    <a:lstStyle/>
-                    <a:p>
-                      <a:r>
-                        <a:rPr lang="en-US" dirty="0" smtClean="0"/>
-                        <a:t>!=</a:t>
-                      </a:r>
-                      <a:endParaRPr lang="en-US" dirty="0"/>
                     </a:p>
                   </a:txBody>
                   <a:tcPr/>
@@ -12241,10 +11638,29 @@
                     <a:lstStyle/>
                     <a:p>
                       <a:r>
-                        <a:rPr lang="en-US" dirty="0" smtClean="0"/>
-                        <a:t>not equal to</a:t>
+                        <a:rPr lang="en-US" dirty="0"/>
+                        <a:t>equality </a:t>
                       </a:r>
-                      <a:endParaRPr lang="en-US" dirty="0"/>
+                    </a:p>
+                  </a:txBody>
+                  <a:tcPr/>
+                </a:tc>
+                <a:extLst>
+                  <a:ext uri="{0D108BD9-81ED-4DB2-BD59-A6C34878D82A}">
+                    <a16:rowId xmlns:a16="http://schemas.microsoft.com/office/drawing/2014/main" val="10005"/>
+                  </a:ext>
+                </a:extLst>
+              </a:tr>
+              <a:tr h="370840">
+                <a:tc>
+                  <a:txBody>
+                    <a:bodyPr/>
+                    <a:lstStyle/>
+                    <a:p>
+                      <a:r>
+                        <a:rPr lang="en-US" dirty="0"/>
+                        <a:t>!=</a:t>
+                      </a:r>
                     </a:p>
                   </a:txBody>
                   <a:tcPr/>
@@ -12255,11 +11671,24 @@
                     <a:lstStyle/>
                     <a:p>
                       <a:r>
-                        <a:rPr lang="en-US" dirty="0" smtClean="0"/>
+                        <a:rPr lang="en-US" dirty="0"/>
+                        <a:t>not equal to</a:t>
+                      </a:r>
+                    </a:p>
+                  </a:txBody>
+                  <a:tcPr/>
+                </a:tc>
+                <a:tc>
+                  <a:txBody>
+                    <a:bodyPr/>
+                    <a:lstStyle/>
+                    <a:p>
+                      <a:r>
+                        <a:rPr lang="en-US" dirty="0"/>
                         <a:t>equality</a:t>
                       </a:r>
                       <a:r>
-                        <a:rPr lang="en-US" baseline="0" dirty="0" smtClean="0"/>
+                        <a:rPr lang="en-US" baseline="0" dirty="0"/>
                         <a:t> </a:t>
                       </a:r>
                       <a:endParaRPr lang="en-US" dirty="0"/>
@@ -12267,6 +11696,11 @@
                   </a:txBody>
                   <a:tcPr/>
                 </a:tc>
+                <a:extLst>
+                  <a:ext uri="{0D108BD9-81ED-4DB2-BD59-A6C34878D82A}">
+                    <a16:rowId xmlns:a16="http://schemas.microsoft.com/office/drawing/2014/main" val="10006"/>
+                  </a:ext>
+                </a:extLst>
               </a:tr>
             </a:tbl>
           </a:graphicData>
@@ -12288,10 +11722,9 @@
           <a:lstStyle/>
           <a:p>
             <a:r>
-              <a:rPr lang="en-US" smtClean="0"/>
+              <a:rPr lang="en-US"/>
               <a:t>© 2016 Pearson Education, Inc., Hoboken, NJ.  All rights reserved.</a:t>
             </a:r>
-            <a:endParaRPr lang="en-US"/>
           </a:p>
         </p:txBody>
       </p:sp>
@@ -12328,13 +11761,6 @@
   <p:clrMapOvr>
     <a:masterClrMapping/>
   </p:clrMapOvr>
-  <p:timing>
-    <p:tnLst>
-      <p:par>
-        <p:cTn id="1" dur="indefinite" restart="never" nodeType="tmRoot"/>
-      </p:par>
-    </p:tnLst>
-  </p:timing>
 </p:sld>
 </file>
 
@@ -12371,10 +11797,9 @@
           <a:lstStyle/>
           <a:p>
             <a:r>
-              <a:rPr lang="en-US" dirty="0" smtClean="0"/>
+              <a:rPr lang="en-US" dirty="0"/>
               <a:t>Logical Operators</a:t>
             </a:r>
-            <a:endParaRPr lang="en-US" dirty="0"/>
           </a:p>
         </p:txBody>
       </p:sp>
@@ -12394,35 +11819,35 @@
           <a:lstStyle/>
           <a:p>
             <a:r>
-              <a:rPr lang="en-US" dirty="0" smtClean="0"/>
+              <a:rPr lang="en-US" dirty="0"/>
               <a:t>logical expressions</a:t>
             </a:r>
           </a:p>
           <a:p>
             <a:pPr lvl="1"/>
             <a:r>
-              <a:rPr lang="en-US" dirty="0" smtClean="0"/>
+              <a:rPr lang="en-US" dirty="0"/>
               <a:t>an expression that uses one or more of the logical operators</a:t>
             </a:r>
           </a:p>
           <a:p>
             <a:pPr lvl="2"/>
             <a:r>
-              <a:rPr lang="en-US" dirty="0" smtClean="0"/>
+              <a:rPr lang="en-US" dirty="0"/>
               <a:t>&amp;&amp; (and)</a:t>
             </a:r>
           </a:p>
           <a:p>
             <a:pPr lvl="2"/>
             <a:r>
-              <a:rPr lang="en-US" dirty="0" smtClean="0"/>
+              <a:rPr lang="en-US" dirty="0"/>
               <a:t>||   (or)</a:t>
             </a:r>
           </a:p>
           <a:p>
             <a:pPr lvl="2"/>
             <a:r>
-              <a:rPr lang="en-US" dirty="0" smtClean="0"/>
+              <a:rPr lang="en-US" dirty="0"/>
               <a:t>!      (not)</a:t>
             </a:r>
           </a:p>
@@ -12450,10 +11875,9 @@
           <a:lstStyle/>
           <a:p>
             <a:r>
-              <a:rPr lang="en-US" smtClean="0"/>
+              <a:rPr lang="en-US"/>
               <a:t>© 2016 Pearson Education, Inc., Hoboken, NJ.  All rights reserved.</a:t>
             </a:r>
-            <a:endParaRPr lang="en-US"/>
           </a:p>
         </p:txBody>
       </p:sp>
@@ -12490,13 +11914,6 @@
   <p:clrMapOvr>
     <a:masterClrMapping/>
   </p:clrMapOvr>
-  <p:timing>
-    <p:tnLst>
-      <p:par>
-        <p:cTn id="1" dur="indefinite" restart="never" nodeType="tmRoot"/>
-      </p:par>
-    </p:tnLst>
-  </p:timing>
 </p:sld>
 </file>
 

--- a/_teaching/csci112-fall-2023/lectures/ppts/Chapter4.pptx
+++ b/_teaching/csci112-fall-2023/lectures/ppts/Chapter4.pptx
@@ -5,51 +5,38 @@
     <p:sldMasterId id="2147483696" r:id="rId1"/>
   </p:sldMasterIdLst>
   <p:notesMasterIdLst>
-    <p:notesMasterId r:id="rId44"/>
+    <p:notesMasterId r:id="rId31"/>
   </p:notesMasterIdLst>
   <p:sldIdLst>
     <p:sldId id="256" r:id="rId2"/>
     <p:sldId id="267" r:id="rId3"/>
     <p:sldId id="270" r:id="rId4"/>
-    <p:sldId id="271" r:id="rId5"/>
-    <p:sldId id="272" r:id="rId6"/>
-    <p:sldId id="273" r:id="rId7"/>
-    <p:sldId id="274" r:id="rId8"/>
-    <p:sldId id="275" r:id="rId9"/>
-    <p:sldId id="276" r:id="rId10"/>
-    <p:sldId id="277" r:id="rId11"/>
-    <p:sldId id="278" r:id="rId12"/>
+    <p:sldId id="273" r:id="rId5"/>
+    <p:sldId id="274" r:id="rId6"/>
+    <p:sldId id="275" r:id="rId7"/>
+    <p:sldId id="276" r:id="rId8"/>
+    <p:sldId id="277" r:id="rId9"/>
+    <p:sldId id="278" r:id="rId10"/>
+    <p:sldId id="281" r:id="rId11"/>
+    <p:sldId id="282" r:id="rId12"/>
     <p:sldId id="279" r:id="rId13"/>
-    <p:sldId id="281" r:id="rId14"/>
-    <p:sldId id="282" r:id="rId15"/>
-    <p:sldId id="280" r:id="rId16"/>
-    <p:sldId id="284" r:id="rId17"/>
-    <p:sldId id="285" r:id="rId18"/>
-    <p:sldId id="283" r:id="rId19"/>
-    <p:sldId id="286" r:id="rId20"/>
-    <p:sldId id="287" r:id="rId21"/>
-    <p:sldId id="288" r:id="rId22"/>
-    <p:sldId id="290" r:id="rId23"/>
-    <p:sldId id="292" r:id="rId24"/>
-    <p:sldId id="289" r:id="rId25"/>
-    <p:sldId id="293" r:id="rId26"/>
-    <p:sldId id="294" r:id="rId27"/>
-    <p:sldId id="295" r:id="rId28"/>
-    <p:sldId id="296" r:id="rId29"/>
-    <p:sldId id="299" r:id="rId30"/>
-    <p:sldId id="291" r:id="rId31"/>
-    <p:sldId id="297" r:id="rId32"/>
-    <p:sldId id="298" r:id="rId33"/>
-    <p:sldId id="300" r:id="rId34"/>
-    <p:sldId id="301" r:id="rId35"/>
-    <p:sldId id="302" r:id="rId36"/>
-    <p:sldId id="304" r:id="rId37"/>
-    <p:sldId id="303" r:id="rId38"/>
-    <p:sldId id="305" r:id="rId39"/>
-    <p:sldId id="306" r:id="rId40"/>
-    <p:sldId id="307" r:id="rId41"/>
-    <p:sldId id="308" r:id="rId42"/>
-    <p:sldId id="269" r:id="rId43"/>
+    <p:sldId id="280" r:id="rId14"/>
+    <p:sldId id="284" r:id="rId15"/>
+    <p:sldId id="285" r:id="rId16"/>
+    <p:sldId id="283" r:id="rId17"/>
+    <p:sldId id="286" r:id="rId18"/>
+    <p:sldId id="287" r:id="rId19"/>
+    <p:sldId id="288" r:id="rId20"/>
+    <p:sldId id="290" r:id="rId21"/>
+    <p:sldId id="301" r:id="rId22"/>
+    <p:sldId id="302" r:id="rId23"/>
+    <p:sldId id="304" r:id="rId24"/>
+    <p:sldId id="303" r:id="rId25"/>
+    <p:sldId id="305" r:id="rId26"/>
+    <p:sldId id="306" r:id="rId27"/>
+    <p:sldId id="307" r:id="rId28"/>
+    <p:sldId id="308" r:id="rId29"/>
+    <p:sldId id="269" r:id="rId30"/>
   </p:sldIdLst>
   <p:sldSz cx="9144000" cy="6858000" type="screen4x3"/>
   <p:notesSz cx="6858000" cy="9144000"/>
@@ -3728,84 +3715,6 @@
       </p:grpSpPr>
       <p:sp>
         <p:nvSpPr>
-          <p:cNvPr id="2" name="Title 1"/>
-          <p:cNvSpPr>
-            <a:spLocks noGrp="1"/>
-          </p:cNvSpPr>
-          <p:nvPr>
-            <p:ph type="title"/>
-          </p:nvPr>
-        </p:nvSpPr>
-        <p:spPr/>
-        <p:txBody>
-          <a:bodyPr/>
-          <a:lstStyle/>
-          <a:p>
-            <a:r>
-              <a:rPr lang="en-US" dirty="0"/>
-              <a:t>Logical Operators</a:t>
-            </a:r>
-          </a:p>
-        </p:txBody>
-      </p:sp>
-      <p:sp>
-        <p:nvSpPr>
-          <p:cNvPr id="3" name="Content Placeholder 2"/>
-          <p:cNvSpPr>
-            <a:spLocks noGrp="1"/>
-          </p:cNvSpPr>
-          <p:nvPr>
-            <p:ph idx="1"/>
-          </p:nvPr>
-        </p:nvSpPr>
-        <p:spPr/>
-        <p:txBody>
-          <a:bodyPr/>
-          <a:lstStyle/>
-          <a:p>
-            <a:r>
-              <a:rPr lang="en-US" dirty="0"/>
-              <a:t>logical complement (negation)</a:t>
-            </a:r>
-          </a:p>
-          <a:p>
-            <a:pPr lvl="1"/>
-            <a:r>
-              <a:rPr lang="en-US" dirty="0"/>
-              <a:t>the complement of a condition had the value 1 (true) when the condition’s value is 0 (false)</a:t>
-            </a:r>
-          </a:p>
-          <a:p>
-            <a:pPr lvl="1"/>
-            <a:r>
-              <a:rPr lang="en-US" dirty="0"/>
-              <a:t>the complement of a condition has the value 0 (false) when the condition’s value is nonzero (true)</a:t>
-            </a:r>
-          </a:p>
-          <a:p>
-            <a:pPr lvl="1"/>
-            <a:endParaRPr lang="en-US" dirty="0"/>
-          </a:p>
-          <a:p>
-            <a:pPr marL="1371600" lvl="3" indent="0">
-              <a:buNone/>
-            </a:pPr>
-            <a:r>
-              <a:rPr lang="en-US" sz="3200" dirty="0">
-                <a:solidFill>
-                  <a:srgbClr val="FF0000"/>
-                </a:solidFill>
-              </a:rPr>
-              <a:t>	! (0 &lt;= n &amp;&amp; n &lt;= 100)</a:t>
-            </a:r>
-          </a:p>
-          <a:p>
-            <a:endParaRPr lang="en-US" dirty="0"/>
-          </a:p>
-        </p:txBody>
-      </p:sp>
-      <p:sp>
-        <p:nvSpPr>
           <p:cNvPr id="4" name="Footer Placeholder 3"/>
           <p:cNvSpPr>
             <a:spLocks noGrp="1"/>
@@ -3849,10 +3758,126 @@
           </a:p>
         </p:txBody>
       </p:sp>
+      <p:sp>
+        <p:nvSpPr>
+          <p:cNvPr id="6" name="Title 1"/>
+          <p:cNvSpPr txBox="1">
+            <a:spLocks/>
+          </p:cNvSpPr>
+          <p:nvPr/>
+        </p:nvSpPr>
+        <p:spPr>
+          <a:xfrm>
+            <a:off x="381000" y="457200"/>
+            <a:ext cx="8229600" cy="1524000"/>
+          </a:xfrm>
+          <a:prstGeom prst="rect">
+            <a:avLst/>
+          </a:prstGeom>
+        </p:spPr>
+        <p:txBody>
+          <a:bodyPr vert="horz" lIns="91440" tIns="45720" rIns="91440" bIns="45720" rtlCol="0" anchor="ctr">
+            <a:normAutofit fontScale="70000" lnSpcReduction="20000"/>
+          </a:bodyPr>
+          <a:lstStyle>
+            <a:lvl1pPr algn="ctr" defTabSz="914400" rtl="0" eaLnBrk="1" latinLnBrk="0" hangingPunct="1">
+              <a:spcBef>
+                <a:spcPct val="0"/>
+              </a:spcBef>
+              <a:buNone/>
+              <a:defRPr sz="4400" kern="1200">
+                <a:solidFill>
+                  <a:schemeClr val="tx1"/>
+                </a:solidFill>
+                <a:latin typeface="+mj-lt"/>
+                <a:ea typeface="+mj-ea"/>
+                <a:cs typeface="+mj-cs"/>
+              </a:defRPr>
+            </a:lvl1pPr>
+          </a:lstStyle>
+          <a:p>
+            <a:r>
+              <a:rPr lang="en-US" sz="3800" dirty="0"/>
+              <a:t>Figure 4.2</a:t>
+            </a:r>
+          </a:p>
+          <a:p>
+            <a:endParaRPr lang="en-US" sz="3800" dirty="0"/>
+          </a:p>
+          <a:p>
+            <a:r>
+              <a:rPr lang="en-US" altLang="en-US" dirty="0"/>
+              <a:t>Range of True Values for </a:t>
+            </a:r>
+            <a:br>
+              <a:rPr lang="en-US" altLang="en-US" dirty="0"/>
+            </a:br>
+            <a:r>
+              <a:rPr lang="en-US" altLang="en-US" dirty="0"/>
+              <a:t>min &lt;= x  &amp;&amp;  x &lt;= max</a:t>
+            </a:r>
+            <a:endParaRPr lang="en-US" dirty="0"/>
+          </a:p>
+        </p:txBody>
+      </p:sp>
+      <p:pic>
+        <p:nvPicPr>
+          <p:cNvPr id="1026" name="Picture 2"/>
+          <p:cNvPicPr>
+            <a:picLocks noChangeAspect="1" noChangeArrowheads="1"/>
+          </p:cNvPicPr>
+          <p:nvPr/>
+        </p:nvPicPr>
+        <p:blipFill>
+          <a:blip r:embed="rId2">
+            <a:extLst>
+              <a:ext uri="{28A0092B-C50C-407E-A947-70E740481C1C}">
+                <a14:useLocalDpi xmlns:a14="http://schemas.microsoft.com/office/drawing/2010/main" val="0"/>
+              </a:ext>
+            </a:extLst>
+          </a:blip>
+          <a:srcRect/>
+          <a:stretch>
+            <a:fillRect/>
+          </a:stretch>
+        </p:blipFill>
+        <p:spPr bwMode="auto">
+          <a:xfrm>
+            <a:off x="2819400" y="2609850"/>
+            <a:ext cx="3608451" cy="1257300"/>
+          </a:xfrm>
+          <a:prstGeom prst="rect">
+            <a:avLst/>
+          </a:prstGeom>
+          <a:noFill/>
+          <a:ln>
+            <a:noFill/>
+          </a:ln>
+          <a:extLst>
+            <a:ext uri="{909E8E84-426E-40DD-AFC4-6F175D3DCCD1}">
+              <a14:hiddenFill xmlns:a14="http://schemas.microsoft.com/office/drawing/2010/main">
+                <a:solidFill>
+                  <a:schemeClr val="accent1"/>
+                </a:solidFill>
+              </a14:hiddenFill>
+            </a:ext>
+            <a:ext uri="{91240B29-F687-4F45-9708-019B960494DF}">
+              <a14:hiddenLine xmlns:a14="http://schemas.microsoft.com/office/drawing/2010/main" w="9525">
+                <a:solidFill>
+                  <a:schemeClr val="tx1"/>
+                </a:solidFill>
+                <a:miter lim="800000"/>
+                <a:headEnd/>
+                <a:tailEnd/>
+              </a14:hiddenLine>
+            </a:ext>
+          </a:extLst>
+        </p:spPr>
+      </p:pic>
     </p:spTree>
     <p:extLst>
       <p:ext uri="{BB962C8B-B14F-4D97-AF65-F5344CB8AC3E}">
-        <p14:creationId xmlns:p14="http://schemas.microsoft.com/office/powerpoint/2010/main" val="1080833431"/>
+        <p14:creationId xmlns:p14="http://schemas.microsoft.com/office/powerpoint/2010/main" val="1791347921"/>
       </p:ext>
     </p:extLst>
   </p:cSld>
@@ -3881,382 +3906,6 @@
       </p:grpSpPr>
       <p:sp>
         <p:nvSpPr>
-          <p:cNvPr id="2" name="Title 1"/>
-          <p:cNvSpPr>
-            <a:spLocks noGrp="1"/>
-          </p:cNvSpPr>
-          <p:nvPr>
-            <p:ph type="title"/>
-          </p:nvPr>
-        </p:nvSpPr>
-        <p:spPr/>
-        <p:txBody>
-          <a:bodyPr/>
-          <a:lstStyle/>
-          <a:p>
-            <a:r>
-              <a:rPr lang="en-US" dirty="0"/>
-              <a:t>Operator Precedence</a:t>
-            </a:r>
-          </a:p>
-        </p:txBody>
-      </p:sp>
-      <p:graphicFrame>
-        <p:nvGraphicFramePr>
-          <p:cNvPr id="6" name="Content Placeholder 5"/>
-          <p:cNvGraphicFramePr>
-            <a:graphicFrameLocks noGrp="1"/>
-          </p:cNvGraphicFramePr>
-          <p:nvPr>
-            <p:ph idx="1"/>
-            <p:extLst>
-              <p:ext uri="{D42A27DB-BD31-4B8C-83A1-F6EECF244321}">
-                <p14:modId xmlns:p14="http://schemas.microsoft.com/office/powerpoint/2010/main" val="4098267023"/>
-              </p:ext>
-            </p:extLst>
-          </p:nvPr>
-        </p:nvGraphicFramePr>
-        <p:xfrm>
-          <a:off x="457200" y="1600200"/>
-          <a:ext cx="8229600" cy="3708400"/>
-        </p:xfrm>
-        <a:graphic>
-          <a:graphicData uri="http://schemas.openxmlformats.org/drawingml/2006/table">
-            <a:tbl>
-              <a:tblPr firstRow="1" bandRow="1">
-                <a:tableStyleId>{5C22544A-7EE6-4342-B048-85BDC9FD1C3A}</a:tableStyleId>
-              </a:tblPr>
-              <a:tblGrid>
-                <a:gridCol w="4114800">
-                  <a:extLst>
-                    <a:ext uri="{9D8B030D-6E8A-4147-A177-3AD203B41FA5}">
-                      <a16:colId xmlns:a16="http://schemas.microsoft.com/office/drawing/2014/main" val="20000"/>
-                    </a:ext>
-                  </a:extLst>
-                </a:gridCol>
-                <a:gridCol w="4114800">
-                  <a:extLst>
-                    <a:ext uri="{9D8B030D-6E8A-4147-A177-3AD203B41FA5}">
-                      <a16:colId xmlns:a16="http://schemas.microsoft.com/office/drawing/2014/main" val="20001"/>
-                    </a:ext>
-                  </a:extLst>
-                </a:gridCol>
-              </a:tblGrid>
-              <a:tr h="370840">
-                <a:tc>
-                  <a:txBody>
-                    <a:bodyPr/>
-                    <a:lstStyle/>
-                    <a:p>
-                      <a:r>
-                        <a:rPr lang="en-US" dirty="0"/>
-                        <a:t>Operator</a:t>
-                      </a:r>
-                    </a:p>
-                  </a:txBody>
-                  <a:tcPr/>
-                </a:tc>
-                <a:tc>
-                  <a:txBody>
-                    <a:bodyPr/>
-                    <a:lstStyle/>
-                    <a:p>
-                      <a:r>
-                        <a:rPr lang="en-US" dirty="0"/>
-                        <a:t>Precedence</a:t>
-                      </a:r>
-                    </a:p>
-                  </a:txBody>
-                  <a:tcPr/>
-                </a:tc>
-                <a:extLst>
-                  <a:ext uri="{0D108BD9-81ED-4DB2-BD59-A6C34878D82A}">
-                    <a16:rowId xmlns:a16="http://schemas.microsoft.com/office/drawing/2014/main" val="10000"/>
-                  </a:ext>
-                </a:extLst>
-              </a:tr>
-              <a:tr h="370840">
-                <a:tc>
-                  <a:txBody>
-                    <a:bodyPr/>
-                    <a:lstStyle/>
-                    <a:p>
-                      <a:r>
-                        <a:rPr lang="en-US" dirty="0"/>
-                        <a:t>function calls</a:t>
-                      </a:r>
-                    </a:p>
-                  </a:txBody>
-                  <a:tcPr/>
-                </a:tc>
-                <a:tc>
-                  <a:txBody>
-                    <a:bodyPr/>
-                    <a:lstStyle/>
-                    <a:p>
-                      <a:r>
-                        <a:rPr lang="en-US" dirty="0"/>
-                        <a:t>highest (evaluated first)</a:t>
-                      </a:r>
-                    </a:p>
-                  </a:txBody>
-                  <a:tcPr/>
-                </a:tc>
-                <a:extLst>
-                  <a:ext uri="{0D108BD9-81ED-4DB2-BD59-A6C34878D82A}">
-                    <a16:rowId xmlns:a16="http://schemas.microsoft.com/office/drawing/2014/main" val="10001"/>
-                  </a:ext>
-                </a:extLst>
-              </a:tr>
-              <a:tr h="370840">
-                <a:tc>
-                  <a:txBody>
-                    <a:bodyPr/>
-                    <a:lstStyle/>
-                    <a:p>
-                      <a:r>
-                        <a:rPr lang="en-US" dirty="0"/>
-                        <a:t>!  +  -  &amp;  (unary operator)</a:t>
-                      </a:r>
-                    </a:p>
-                  </a:txBody>
-                  <a:tcPr/>
-                </a:tc>
-                <a:tc>
-                  <a:txBody>
-                    <a:bodyPr/>
-                    <a:lstStyle/>
-                    <a:p>
-                      <a:endParaRPr lang="en-US" dirty="0"/>
-                    </a:p>
-                  </a:txBody>
-                  <a:tcPr/>
-                </a:tc>
-                <a:extLst>
-                  <a:ext uri="{0D108BD9-81ED-4DB2-BD59-A6C34878D82A}">
-                    <a16:rowId xmlns:a16="http://schemas.microsoft.com/office/drawing/2014/main" val="10002"/>
-                  </a:ext>
-                </a:extLst>
-              </a:tr>
-              <a:tr h="370840">
-                <a:tc>
-                  <a:txBody>
-                    <a:bodyPr/>
-                    <a:lstStyle/>
-                    <a:p>
-                      <a:r>
-                        <a:rPr lang="en-US" dirty="0"/>
-                        <a:t>*  /  %</a:t>
-                      </a:r>
-                    </a:p>
-                  </a:txBody>
-                  <a:tcPr/>
-                </a:tc>
-                <a:tc>
-                  <a:txBody>
-                    <a:bodyPr/>
-                    <a:lstStyle/>
-                    <a:p>
-                      <a:endParaRPr lang="en-US"/>
-                    </a:p>
-                  </a:txBody>
-                  <a:tcPr/>
-                </a:tc>
-                <a:extLst>
-                  <a:ext uri="{0D108BD9-81ED-4DB2-BD59-A6C34878D82A}">
-                    <a16:rowId xmlns:a16="http://schemas.microsoft.com/office/drawing/2014/main" val="10003"/>
-                  </a:ext>
-                </a:extLst>
-              </a:tr>
-              <a:tr h="370840">
-                <a:tc>
-                  <a:txBody>
-                    <a:bodyPr/>
-                    <a:lstStyle/>
-                    <a:p>
-                      <a:r>
-                        <a:rPr lang="en-US" dirty="0"/>
-                        <a:t>+  -</a:t>
-                      </a:r>
-                    </a:p>
-                  </a:txBody>
-                  <a:tcPr/>
-                </a:tc>
-                <a:tc>
-                  <a:txBody>
-                    <a:bodyPr/>
-                    <a:lstStyle/>
-                    <a:p>
-                      <a:endParaRPr lang="en-US"/>
-                    </a:p>
-                  </a:txBody>
-                  <a:tcPr/>
-                </a:tc>
-                <a:extLst>
-                  <a:ext uri="{0D108BD9-81ED-4DB2-BD59-A6C34878D82A}">
-                    <a16:rowId xmlns:a16="http://schemas.microsoft.com/office/drawing/2014/main" val="10004"/>
-                  </a:ext>
-                </a:extLst>
-              </a:tr>
-              <a:tr h="370840">
-                <a:tc>
-                  <a:txBody>
-                    <a:bodyPr/>
-                    <a:lstStyle/>
-                    <a:p>
-                      <a:r>
-                        <a:rPr lang="en-US" dirty="0"/>
-                        <a:t>&lt;   &lt;=   &gt;=   &gt;</a:t>
-                      </a:r>
-                    </a:p>
-                  </a:txBody>
-                  <a:tcPr/>
-                </a:tc>
-                <a:tc>
-                  <a:txBody>
-                    <a:bodyPr/>
-                    <a:lstStyle/>
-                    <a:p>
-                      <a:endParaRPr lang="en-US"/>
-                    </a:p>
-                  </a:txBody>
-                  <a:tcPr/>
-                </a:tc>
-                <a:extLst>
-                  <a:ext uri="{0D108BD9-81ED-4DB2-BD59-A6C34878D82A}">
-                    <a16:rowId xmlns:a16="http://schemas.microsoft.com/office/drawing/2014/main" val="10005"/>
-                  </a:ext>
-                </a:extLst>
-              </a:tr>
-              <a:tr h="370840">
-                <a:tc>
-                  <a:txBody>
-                    <a:bodyPr/>
-                    <a:lstStyle/>
-                    <a:p>
-                      <a:r>
-                        <a:rPr lang="en-US" dirty="0"/>
-                        <a:t>==   !=</a:t>
-                      </a:r>
-                    </a:p>
-                  </a:txBody>
-                  <a:tcPr/>
-                </a:tc>
-                <a:tc>
-                  <a:txBody>
-                    <a:bodyPr/>
-                    <a:lstStyle/>
-                    <a:p>
-                      <a:endParaRPr lang="en-US"/>
-                    </a:p>
-                  </a:txBody>
-                  <a:tcPr/>
-                </a:tc>
-                <a:extLst>
-                  <a:ext uri="{0D108BD9-81ED-4DB2-BD59-A6C34878D82A}">
-                    <a16:rowId xmlns:a16="http://schemas.microsoft.com/office/drawing/2014/main" val="10006"/>
-                  </a:ext>
-                </a:extLst>
-              </a:tr>
-              <a:tr h="370840">
-                <a:tc>
-                  <a:txBody>
-                    <a:bodyPr/>
-                    <a:lstStyle/>
-                    <a:p>
-                      <a:r>
-                        <a:rPr lang="en-US" dirty="0"/>
-                        <a:t>&amp;&amp;</a:t>
-                      </a:r>
-                    </a:p>
-                  </a:txBody>
-                  <a:tcPr/>
-                </a:tc>
-                <a:tc>
-                  <a:txBody>
-                    <a:bodyPr/>
-                    <a:lstStyle/>
-                    <a:p>
-                      <a:endParaRPr lang="en-US"/>
-                    </a:p>
-                  </a:txBody>
-                  <a:tcPr/>
-                </a:tc>
-                <a:extLst>
-                  <a:ext uri="{0D108BD9-81ED-4DB2-BD59-A6C34878D82A}">
-                    <a16:rowId xmlns:a16="http://schemas.microsoft.com/office/drawing/2014/main" val="10007"/>
-                  </a:ext>
-                </a:extLst>
-              </a:tr>
-              <a:tr h="370840">
-                <a:tc>
-                  <a:txBody>
-                    <a:bodyPr/>
-                    <a:lstStyle/>
-                    <a:p>
-                      <a:r>
-                        <a:rPr lang="en-US" dirty="0"/>
-                        <a:t>||</a:t>
-                      </a:r>
-                    </a:p>
-                  </a:txBody>
-                  <a:tcPr/>
-                </a:tc>
-                <a:tc>
-                  <a:txBody>
-                    <a:bodyPr/>
-                    <a:lstStyle/>
-                    <a:p>
-                      <a:endParaRPr lang="en-US"/>
-                    </a:p>
-                  </a:txBody>
-                  <a:tcPr/>
-                </a:tc>
-                <a:extLst>
-                  <a:ext uri="{0D108BD9-81ED-4DB2-BD59-A6C34878D82A}">
-                    <a16:rowId xmlns:a16="http://schemas.microsoft.com/office/drawing/2014/main" val="10008"/>
-                  </a:ext>
-                </a:extLst>
-              </a:tr>
-              <a:tr h="370840">
-                <a:tc>
-                  <a:txBody>
-                    <a:bodyPr/>
-                    <a:lstStyle/>
-                    <a:p>
-                      <a:r>
-                        <a:rPr lang="en-US" dirty="0"/>
-                        <a:t>=</a:t>
-                      </a:r>
-                    </a:p>
-                  </a:txBody>
-                  <a:tcPr/>
-                </a:tc>
-                <a:tc>
-                  <a:txBody>
-                    <a:bodyPr/>
-                    <a:lstStyle/>
-                    <a:p>
-                      <a:r>
-                        <a:rPr lang="en-US" dirty="0"/>
-                        <a:t>lowest (evaluated last)</a:t>
-                      </a:r>
-                    </a:p>
-                  </a:txBody>
-                  <a:tcPr/>
-                </a:tc>
-                <a:extLst>
-                  <a:ext uri="{0D108BD9-81ED-4DB2-BD59-A6C34878D82A}">
-                    <a16:rowId xmlns:a16="http://schemas.microsoft.com/office/drawing/2014/main" val="10009"/>
-                  </a:ext>
-                </a:extLst>
-              </a:tr>
-            </a:tbl>
-          </a:graphicData>
-        </a:graphic>
-      </p:graphicFrame>
-      <p:sp>
-        <p:nvSpPr>
           <p:cNvPr id="4" name="Footer Placeholder 3"/>
           <p:cNvSpPr>
             <a:spLocks noGrp="1"/>
@@ -4300,46 +3949,126 @@
           </a:p>
         </p:txBody>
       </p:sp>
-      <p:cxnSp>
-        <p:nvCxnSpPr>
-          <p:cNvPr id="8" name="Straight Arrow Connector 7"/>
-          <p:cNvCxnSpPr/>
+      <p:sp>
+        <p:nvSpPr>
+          <p:cNvPr id="7" name="Title 1"/>
+          <p:cNvSpPr txBox="1">
+            <a:spLocks/>
+          </p:cNvSpPr>
           <p:nvPr/>
-        </p:nvCxnSpPr>
+        </p:nvSpPr>
         <p:spPr>
           <a:xfrm>
-            <a:off x="5181600" y="2438400"/>
-            <a:ext cx="0" cy="2438400"/>
+            <a:off x="381000" y="457200"/>
+            <a:ext cx="8229600" cy="1524000"/>
           </a:xfrm>
-          <a:prstGeom prst="straightConnector1">
+          <a:prstGeom prst="rect">
             <a:avLst/>
           </a:prstGeom>
-          <a:ln w="28575">
-            <a:solidFill>
-              <a:schemeClr val="tx1"/>
-            </a:solidFill>
-            <a:tailEnd type="arrow"/>
+        </p:spPr>
+        <p:txBody>
+          <a:bodyPr vert="horz" lIns="91440" tIns="45720" rIns="91440" bIns="45720" rtlCol="0" anchor="ctr">
+            <a:normAutofit fontScale="70000" lnSpcReduction="20000"/>
+          </a:bodyPr>
+          <a:lstStyle>
+            <a:lvl1pPr algn="ctr" defTabSz="914400" rtl="0" eaLnBrk="1" latinLnBrk="0" hangingPunct="1">
+              <a:spcBef>
+                <a:spcPct val="0"/>
+              </a:spcBef>
+              <a:buNone/>
+              <a:defRPr sz="4400" kern="1200">
+                <a:solidFill>
+                  <a:schemeClr val="tx1"/>
+                </a:solidFill>
+                <a:latin typeface="+mj-lt"/>
+                <a:ea typeface="+mj-ea"/>
+                <a:cs typeface="+mj-cs"/>
+              </a:defRPr>
+            </a:lvl1pPr>
+          </a:lstStyle>
+          <a:p>
+            <a:r>
+              <a:rPr lang="en-US" sz="3800" dirty="0"/>
+              <a:t>Figure 4.3</a:t>
+            </a:r>
+          </a:p>
+          <a:p>
+            <a:endParaRPr lang="en-US" sz="3800" dirty="0"/>
+          </a:p>
+          <a:p>
+            <a:r>
+              <a:rPr lang="en-US" altLang="en-US" dirty="0"/>
+              <a:t>Range of True Values for </a:t>
+            </a:r>
+            <a:br>
+              <a:rPr lang="en-US" altLang="en-US" dirty="0"/>
+            </a:br>
+            <a:r>
+              <a:rPr lang="en-US" altLang="en-US" dirty="0"/>
+              <a:t>z &gt; x  ||  x &gt; y</a:t>
+            </a:r>
+            <a:endParaRPr lang="en-US" dirty="0"/>
+          </a:p>
+        </p:txBody>
+      </p:sp>
+      <p:pic>
+        <p:nvPicPr>
+          <p:cNvPr id="2050" name="Picture 2"/>
+          <p:cNvPicPr>
+            <a:picLocks noChangeAspect="1" noChangeArrowheads="1"/>
+          </p:cNvPicPr>
+          <p:nvPr/>
+        </p:nvPicPr>
+        <p:blipFill>
+          <a:blip r:embed="rId2">
+            <a:extLst>
+              <a:ext uri="{28A0092B-C50C-407E-A947-70E740481C1C}">
+                <a14:useLocalDpi xmlns:a14="http://schemas.microsoft.com/office/drawing/2010/main" val="0"/>
+              </a:ext>
+            </a:extLst>
+          </a:blip>
+          <a:srcRect/>
+          <a:stretch>
+            <a:fillRect/>
+          </a:stretch>
+        </p:blipFill>
+        <p:spPr bwMode="auto">
+          <a:xfrm>
+            <a:off x="2107406" y="2586111"/>
+            <a:ext cx="4776788" cy="1619250"/>
+          </a:xfrm>
+          <a:prstGeom prst="rect">
+            <a:avLst/>
+          </a:prstGeom>
+          <a:noFill/>
+          <a:ln>
+            <a:noFill/>
           </a:ln>
+          <a:extLst>
+            <a:ext uri="{909E8E84-426E-40DD-AFC4-6F175D3DCCD1}">
+              <a14:hiddenFill xmlns:a14="http://schemas.microsoft.com/office/drawing/2010/main">
+                <a:solidFill>
+                  <a:schemeClr val="accent1"/>
+                </a:solidFill>
+              </a14:hiddenFill>
+            </a:ext>
+            <a:ext uri="{91240B29-F687-4F45-9708-019B960494DF}">
+              <a14:hiddenLine xmlns:a14="http://schemas.microsoft.com/office/drawing/2010/main" w="9525">
+                <a:solidFill>
+                  <a:schemeClr val="tx1"/>
+                </a:solidFill>
+                <a:miter lim="800000"/>
+                <a:headEnd/>
+                <a:tailEnd/>
+              </a14:hiddenLine>
+            </a:ext>
+          </a:extLst>
         </p:spPr>
-        <p:style>
-          <a:lnRef idx="1">
-            <a:schemeClr val="accent1"/>
-          </a:lnRef>
-          <a:fillRef idx="0">
-            <a:schemeClr val="accent1"/>
-          </a:fillRef>
-          <a:effectRef idx="0">
-            <a:schemeClr val="accent1"/>
-          </a:effectRef>
-          <a:fontRef idx="minor">
-            <a:schemeClr val="tx1"/>
-          </a:fontRef>
-        </p:style>
-      </p:cxnSp>
+      </p:pic>
     </p:spTree>
     <p:extLst>
       <p:ext uri="{BB962C8B-B14F-4D97-AF65-F5344CB8AC3E}">
-        <p14:creationId xmlns:p14="http://schemas.microsoft.com/office/powerpoint/2010/main" val="1318834733"/>
+        <p14:creationId xmlns:p14="http://schemas.microsoft.com/office/powerpoint/2010/main" val="1885794614"/>
       </p:ext>
     </p:extLst>
   </p:cSld>
@@ -4536,388 +4265,6 @@
       </p:grpSpPr>
       <p:sp>
         <p:nvSpPr>
-          <p:cNvPr id="4" name="Footer Placeholder 3"/>
-          <p:cNvSpPr>
-            <a:spLocks noGrp="1"/>
-          </p:cNvSpPr>
-          <p:nvPr>
-            <p:ph type="ftr" sz="quarter" idx="11"/>
-          </p:nvPr>
-        </p:nvSpPr>
-        <p:spPr/>
-        <p:txBody>
-          <a:bodyPr/>
-          <a:lstStyle/>
-          <a:p>
-            <a:r>
-              <a:rPr lang="en-US"/>
-              <a:t>© 2016 Pearson Education, Inc., Hoboken, NJ.  All rights reserved.</a:t>
-            </a:r>
-          </a:p>
-        </p:txBody>
-      </p:sp>
-      <p:sp>
-        <p:nvSpPr>
-          <p:cNvPr id="5" name="Slide Number Placeholder 4"/>
-          <p:cNvSpPr>
-            <a:spLocks noGrp="1"/>
-          </p:cNvSpPr>
-          <p:nvPr>
-            <p:ph type="sldNum" sz="quarter" idx="12"/>
-          </p:nvPr>
-        </p:nvSpPr>
-        <p:spPr/>
-        <p:txBody>
-          <a:bodyPr/>
-          <a:lstStyle/>
-          <a:p>
-            <a:fld id="{85A8DA42-601D-40A8-83CA-2F2CBDE5F9F0}" type="slidenum">
-              <a:rPr lang="en-US" smtClean="0"/>
-              <a:t>13</a:t>
-            </a:fld>
-            <a:endParaRPr lang="en-US"/>
-          </a:p>
-        </p:txBody>
-      </p:sp>
-      <p:sp>
-        <p:nvSpPr>
-          <p:cNvPr id="6" name="Title 1"/>
-          <p:cNvSpPr txBox="1">
-            <a:spLocks/>
-          </p:cNvSpPr>
-          <p:nvPr/>
-        </p:nvSpPr>
-        <p:spPr>
-          <a:xfrm>
-            <a:off x="381000" y="457200"/>
-            <a:ext cx="8229600" cy="1524000"/>
-          </a:xfrm>
-          <a:prstGeom prst="rect">
-            <a:avLst/>
-          </a:prstGeom>
-        </p:spPr>
-        <p:txBody>
-          <a:bodyPr vert="horz" lIns="91440" tIns="45720" rIns="91440" bIns="45720" rtlCol="0" anchor="ctr">
-            <a:normAutofit fontScale="70000" lnSpcReduction="20000"/>
-          </a:bodyPr>
-          <a:lstStyle>
-            <a:lvl1pPr algn="ctr" defTabSz="914400" rtl="0" eaLnBrk="1" latinLnBrk="0" hangingPunct="1">
-              <a:spcBef>
-                <a:spcPct val="0"/>
-              </a:spcBef>
-              <a:buNone/>
-              <a:defRPr sz="4400" kern="1200">
-                <a:solidFill>
-                  <a:schemeClr val="tx1"/>
-                </a:solidFill>
-                <a:latin typeface="+mj-lt"/>
-                <a:ea typeface="+mj-ea"/>
-                <a:cs typeface="+mj-cs"/>
-              </a:defRPr>
-            </a:lvl1pPr>
-          </a:lstStyle>
-          <a:p>
-            <a:r>
-              <a:rPr lang="en-US" sz="3800" dirty="0"/>
-              <a:t>Figure 4.2</a:t>
-            </a:r>
-          </a:p>
-          <a:p>
-            <a:endParaRPr lang="en-US" sz="3800" dirty="0"/>
-          </a:p>
-          <a:p>
-            <a:r>
-              <a:rPr lang="en-US" altLang="en-US" dirty="0"/>
-              <a:t>Range of True Values for </a:t>
-            </a:r>
-            <a:br>
-              <a:rPr lang="en-US" altLang="en-US" dirty="0"/>
-            </a:br>
-            <a:r>
-              <a:rPr lang="en-US" altLang="en-US" dirty="0"/>
-              <a:t>min &lt;= x  &amp;&amp;  x &lt;= max</a:t>
-            </a:r>
-            <a:endParaRPr lang="en-US" dirty="0"/>
-          </a:p>
-        </p:txBody>
-      </p:sp>
-      <p:pic>
-        <p:nvPicPr>
-          <p:cNvPr id="1026" name="Picture 2"/>
-          <p:cNvPicPr>
-            <a:picLocks noChangeAspect="1" noChangeArrowheads="1"/>
-          </p:cNvPicPr>
-          <p:nvPr/>
-        </p:nvPicPr>
-        <p:blipFill>
-          <a:blip r:embed="rId2">
-            <a:extLst>
-              <a:ext uri="{28A0092B-C50C-407E-A947-70E740481C1C}">
-                <a14:useLocalDpi xmlns:a14="http://schemas.microsoft.com/office/drawing/2010/main" val="0"/>
-              </a:ext>
-            </a:extLst>
-          </a:blip>
-          <a:srcRect/>
-          <a:stretch>
-            <a:fillRect/>
-          </a:stretch>
-        </p:blipFill>
-        <p:spPr bwMode="auto">
-          <a:xfrm>
-            <a:off x="2819400" y="2609850"/>
-            <a:ext cx="3608451" cy="1257300"/>
-          </a:xfrm>
-          <a:prstGeom prst="rect">
-            <a:avLst/>
-          </a:prstGeom>
-          <a:noFill/>
-          <a:ln>
-            <a:noFill/>
-          </a:ln>
-          <a:extLst>
-            <a:ext uri="{909E8E84-426E-40DD-AFC4-6F175D3DCCD1}">
-              <a14:hiddenFill xmlns:a14="http://schemas.microsoft.com/office/drawing/2010/main">
-                <a:solidFill>
-                  <a:schemeClr val="accent1"/>
-                </a:solidFill>
-              </a14:hiddenFill>
-            </a:ext>
-            <a:ext uri="{91240B29-F687-4F45-9708-019B960494DF}">
-              <a14:hiddenLine xmlns:a14="http://schemas.microsoft.com/office/drawing/2010/main" w="9525">
-                <a:solidFill>
-                  <a:schemeClr val="tx1"/>
-                </a:solidFill>
-                <a:miter lim="800000"/>
-                <a:headEnd/>
-                <a:tailEnd/>
-              </a14:hiddenLine>
-            </a:ext>
-          </a:extLst>
-        </p:spPr>
-      </p:pic>
-    </p:spTree>
-    <p:extLst>
-      <p:ext uri="{BB962C8B-B14F-4D97-AF65-F5344CB8AC3E}">
-        <p14:creationId xmlns:p14="http://schemas.microsoft.com/office/powerpoint/2010/main" val="4285319020"/>
-      </p:ext>
-    </p:extLst>
-  </p:cSld>
-  <p:clrMapOvr>
-    <a:masterClrMapping/>
-  </p:clrMapOvr>
-</p:sld>
-</file>
-
-<file path=ppt/slides/slide14.xml><?xml version="1.0" encoding="utf-8"?>
-<p:sld xmlns:a="http://schemas.openxmlformats.org/drawingml/2006/main" xmlns:r="http://schemas.openxmlformats.org/officeDocument/2006/relationships" xmlns:p="http://schemas.openxmlformats.org/presentationml/2006/main">
-  <p:cSld>
-    <p:spTree>
-      <p:nvGrpSpPr>
-        <p:cNvPr id="1" name=""/>
-        <p:cNvGrpSpPr/>
-        <p:nvPr/>
-      </p:nvGrpSpPr>
-      <p:grpSpPr>
-        <a:xfrm>
-          <a:off x="0" y="0"/>
-          <a:ext cx="0" cy="0"/>
-          <a:chOff x="0" y="0"/>
-          <a:chExt cx="0" cy="0"/>
-        </a:xfrm>
-      </p:grpSpPr>
-      <p:sp>
-        <p:nvSpPr>
-          <p:cNvPr id="4" name="Footer Placeholder 3"/>
-          <p:cNvSpPr>
-            <a:spLocks noGrp="1"/>
-          </p:cNvSpPr>
-          <p:nvPr>
-            <p:ph type="ftr" sz="quarter" idx="11"/>
-          </p:nvPr>
-        </p:nvSpPr>
-        <p:spPr/>
-        <p:txBody>
-          <a:bodyPr/>
-          <a:lstStyle/>
-          <a:p>
-            <a:r>
-              <a:rPr lang="en-US"/>
-              <a:t>© 2016 Pearson Education, Inc., Hoboken, NJ.  All rights reserved.</a:t>
-            </a:r>
-          </a:p>
-        </p:txBody>
-      </p:sp>
-      <p:sp>
-        <p:nvSpPr>
-          <p:cNvPr id="5" name="Slide Number Placeholder 4"/>
-          <p:cNvSpPr>
-            <a:spLocks noGrp="1"/>
-          </p:cNvSpPr>
-          <p:nvPr>
-            <p:ph type="sldNum" sz="quarter" idx="12"/>
-          </p:nvPr>
-        </p:nvSpPr>
-        <p:spPr/>
-        <p:txBody>
-          <a:bodyPr/>
-          <a:lstStyle/>
-          <a:p>
-            <a:fld id="{85A8DA42-601D-40A8-83CA-2F2CBDE5F9F0}" type="slidenum">
-              <a:rPr lang="en-US" smtClean="0"/>
-              <a:t>14</a:t>
-            </a:fld>
-            <a:endParaRPr lang="en-US"/>
-          </a:p>
-        </p:txBody>
-      </p:sp>
-      <p:sp>
-        <p:nvSpPr>
-          <p:cNvPr id="7" name="Title 1"/>
-          <p:cNvSpPr txBox="1">
-            <a:spLocks/>
-          </p:cNvSpPr>
-          <p:nvPr/>
-        </p:nvSpPr>
-        <p:spPr>
-          <a:xfrm>
-            <a:off x="381000" y="457200"/>
-            <a:ext cx="8229600" cy="1524000"/>
-          </a:xfrm>
-          <a:prstGeom prst="rect">
-            <a:avLst/>
-          </a:prstGeom>
-        </p:spPr>
-        <p:txBody>
-          <a:bodyPr vert="horz" lIns="91440" tIns="45720" rIns="91440" bIns="45720" rtlCol="0" anchor="ctr">
-            <a:normAutofit fontScale="70000" lnSpcReduction="20000"/>
-          </a:bodyPr>
-          <a:lstStyle>
-            <a:lvl1pPr algn="ctr" defTabSz="914400" rtl="0" eaLnBrk="1" latinLnBrk="0" hangingPunct="1">
-              <a:spcBef>
-                <a:spcPct val="0"/>
-              </a:spcBef>
-              <a:buNone/>
-              <a:defRPr sz="4400" kern="1200">
-                <a:solidFill>
-                  <a:schemeClr val="tx1"/>
-                </a:solidFill>
-                <a:latin typeface="+mj-lt"/>
-                <a:ea typeface="+mj-ea"/>
-                <a:cs typeface="+mj-cs"/>
-              </a:defRPr>
-            </a:lvl1pPr>
-          </a:lstStyle>
-          <a:p>
-            <a:r>
-              <a:rPr lang="en-US" sz="3800" dirty="0"/>
-              <a:t>Figure 4.3</a:t>
-            </a:r>
-          </a:p>
-          <a:p>
-            <a:endParaRPr lang="en-US" sz="3800" dirty="0"/>
-          </a:p>
-          <a:p>
-            <a:r>
-              <a:rPr lang="en-US" altLang="en-US" dirty="0"/>
-              <a:t>Range of True Values for </a:t>
-            </a:r>
-            <a:br>
-              <a:rPr lang="en-US" altLang="en-US" dirty="0"/>
-            </a:br>
-            <a:r>
-              <a:rPr lang="en-US" altLang="en-US" dirty="0"/>
-              <a:t>z &gt; x  ||  x &gt; y</a:t>
-            </a:r>
-            <a:endParaRPr lang="en-US" dirty="0"/>
-          </a:p>
-        </p:txBody>
-      </p:sp>
-      <p:pic>
-        <p:nvPicPr>
-          <p:cNvPr id="2050" name="Picture 2"/>
-          <p:cNvPicPr>
-            <a:picLocks noChangeAspect="1" noChangeArrowheads="1"/>
-          </p:cNvPicPr>
-          <p:nvPr/>
-        </p:nvPicPr>
-        <p:blipFill>
-          <a:blip r:embed="rId2">
-            <a:extLst>
-              <a:ext uri="{28A0092B-C50C-407E-A947-70E740481C1C}">
-                <a14:useLocalDpi xmlns:a14="http://schemas.microsoft.com/office/drawing/2010/main" val="0"/>
-              </a:ext>
-            </a:extLst>
-          </a:blip>
-          <a:srcRect/>
-          <a:stretch>
-            <a:fillRect/>
-          </a:stretch>
-        </p:blipFill>
-        <p:spPr bwMode="auto">
-          <a:xfrm>
-            <a:off x="2107406" y="2586111"/>
-            <a:ext cx="4776788" cy="1619250"/>
-          </a:xfrm>
-          <a:prstGeom prst="rect">
-            <a:avLst/>
-          </a:prstGeom>
-          <a:noFill/>
-          <a:ln>
-            <a:noFill/>
-          </a:ln>
-          <a:extLst>
-            <a:ext uri="{909E8E84-426E-40DD-AFC4-6F175D3DCCD1}">
-              <a14:hiddenFill xmlns:a14="http://schemas.microsoft.com/office/drawing/2010/main">
-                <a:solidFill>
-                  <a:schemeClr val="accent1"/>
-                </a:solidFill>
-              </a14:hiddenFill>
-            </a:ext>
-            <a:ext uri="{91240B29-F687-4F45-9708-019B960494DF}">
-              <a14:hiddenLine xmlns:a14="http://schemas.microsoft.com/office/drawing/2010/main" w="9525">
-                <a:solidFill>
-                  <a:schemeClr val="tx1"/>
-                </a:solidFill>
-                <a:miter lim="800000"/>
-                <a:headEnd/>
-                <a:tailEnd/>
-              </a14:hiddenLine>
-            </a:ext>
-          </a:extLst>
-        </p:spPr>
-      </p:pic>
-    </p:spTree>
-    <p:extLst>
-      <p:ext uri="{BB962C8B-B14F-4D97-AF65-F5344CB8AC3E}">
-        <p14:creationId xmlns:p14="http://schemas.microsoft.com/office/powerpoint/2010/main" val="1774339493"/>
-      </p:ext>
-    </p:extLst>
-  </p:cSld>
-  <p:clrMapOvr>
-    <a:masterClrMapping/>
-  </p:clrMapOvr>
-</p:sld>
-</file>
-
-<file path=ppt/slides/slide15.xml><?xml version="1.0" encoding="utf-8"?>
-<p:sld xmlns:a="http://schemas.openxmlformats.org/drawingml/2006/main" xmlns:r="http://schemas.openxmlformats.org/officeDocument/2006/relationships" xmlns:p="http://schemas.openxmlformats.org/presentationml/2006/main">
-  <p:cSld>
-    <p:spTree>
-      <p:nvGrpSpPr>
-        <p:cNvPr id="1" name=""/>
-        <p:cNvGrpSpPr/>
-        <p:nvPr/>
-      </p:nvGrpSpPr>
-      <p:grpSpPr>
-        <a:xfrm>
-          <a:off x="0" y="0"/>
-          <a:ext cx="0" cy="0"/>
-          <a:chOff x="0" y="0"/>
-          <a:chExt cx="0" cy="0"/>
-        </a:xfrm>
-      </p:grpSpPr>
-      <p:sp>
-        <p:nvSpPr>
           <p:cNvPr id="2" name="Title 1"/>
           <p:cNvSpPr>
             <a:spLocks noGrp="1"/>
@@ -5036,7 +4383,7 @@
           <a:p>
             <a:fld id="{85A8DA42-601D-40A8-83CA-2F2CBDE5F9F0}" type="slidenum">
               <a:rPr lang="en-US" smtClean="0"/>
-              <a:t>15</a:t>
+              <a:t>13</a:t>
             </a:fld>
             <a:endParaRPr lang="en-US"/>
           </a:p>
@@ -5055,7 +4402,7 @@
 </p:sld>
 </file>
 
-<file path=ppt/slides/slide16.xml><?xml version="1.0" encoding="utf-8"?>
+<file path=ppt/slides/slide14.xml><?xml version="1.0" encoding="utf-8"?>
 <p:sld xmlns:a="http://schemas.openxmlformats.org/drawingml/2006/main" xmlns:r="http://schemas.openxmlformats.org/officeDocument/2006/relationships" xmlns:p="http://schemas.openxmlformats.org/presentationml/2006/main">
   <p:cSld>
     <p:spTree>
@@ -5438,7 +4785,7 @@
           <a:p>
             <a:fld id="{85A8DA42-601D-40A8-83CA-2F2CBDE5F9F0}" type="slidenum">
               <a:rPr lang="en-US" smtClean="0"/>
-              <a:t>16</a:t>
+              <a:t>14</a:t>
             </a:fld>
             <a:endParaRPr lang="en-US"/>
           </a:p>
@@ -5457,7 +4804,7 @@
 </p:sld>
 </file>
 
-<file path=ppt/slides/slide17.xml><?xml version="1.0" encoding="utf-8"?>
+<file path=ppt/slides/slide15.xml><?xml version="1.0" encoding="utf-8"?>
 <p:sld xmlns:a="http://schemas.openxmlformats.org/drawingml/2006/main" xmlns:r="http://schemas.openxmlformats.org/officeDocument/2006/relationships" xmlns:p="http://schemas.openxmlformats.org/presentationml/2006/main">
   <p:cSld>
     <p:spTree>
@@ -5557,7 +4904,7 @@
           <a:p>
             <a:fld id="{85A8DA42-601D-40A8-83CA-2F2CBDE5F9F0}" type="slidenum">
               <a:rPr lang="en-US" smtClean="0"/>
-              <a:t>17</a:t>
+              <a:t>15</a:t>
             </a:fld>
             <a:endParaRPr lang="en-US"/>
           </a:p>
@@ -5576,7 +4923,7 @@
 </p:sld>
 </file>
 
-<file path=ppt/slides/slide18.xml><?xml version="1.0" encoding="utf-8"?>
+<file path=ppt/slides/slide16.xml><?xml version="1.0" encoding="utf-8"?>
 <p:sld xmlns:a="http://schemas.openxmlformats.org/drawingml/2006/main" xmlns:r="http://schemas.openxmlformats.org/officeDocument/2006/relationships" xmlns:p="http://schemas.openxmlformats.org/presentationml/2006/main">
   <p:cSld>
     <p:spTree>
@@ -5730,7 +5077,7 @@
           <a:p>
             <a:fld id="{85A8DA42-601D-40A8-83CA-2F2CBDE5F9F0}" type="slidenum">
               <a:rPr lang="en-US" smtClean="0"/>
-              <a:t>18</a:t>
+              <a:t>16</a:t>
             </a:fld>
             <a:endParaRPr lang="en-US"/>
           </a:p>
@@ -5749,7 +5096,7 @@
 </p:sld>
 </file>
 
-<file path=ppt/slides/slide19.xml><?xml version="1.0" encoding="utf-8"?>
+<file path=ppt/slides/slide17.xml><?xml version="1.0" encoding="utf-8"?>
 <p:sld xmlns:a="http://schemas.openxmlformats.org/drawingml/2006/main" xmlns:r="http://schemas.openxmlformats.org/officeDocument/2006/relationships" xmlns:p="http://schemas.openxmlformats.org/presentationml/2006/main">
   <p:cSld>
     <p:spTree>
@@ -5865,7 +5212,7 @@
           <a:p>
             <a:fld id="{85A8DA42-601D-40A8-83CA-2F2CBDE5F9F0}" type="slidenum">
               <a:rPr lang="en-US" smtClean="0"/>
-              <a:t>19</a:t>
+              <a:t>17</a:t>
             </a:fld>
             <a:endParaRPr lang="en-US"/>
           </a:p>
@@ -5884,7 +5231,7 @@
 </p:sld>
 </file>
 
-<file path=ppt/slides/slide2.xml><?xml version="1.0" encoding="utf-8"?>
+<file path=ppt/slides/slide18.xml><?xml version="1.0" encoding="utf-8"?>
 <p:sld xmlns:a="http://schemas.openxmlformats.org/drawingml/2006/main" xmlns:r="http://schemas.openxmlformats.org/officeDocument/2006/relationships" xmlns:p="http://schemas.openxmlformats.org/presentationml/2006/main">
   <p:cSld>
     <p:spTree>
@@ -5918,145 +5265,6 @@
           <a:p>
             <a:r>
               <a:rPr lang="en-US" dirty="0"/>
-              <a:t>Chapter Objectives</a:t>
-            </a:r>
-          </a:p>
-        </p:txBody>
-      </p:sp>
-      <p:sp>
-        <p:nvSpPr>
-          <p:cNvPr id="3" name="Content Placeholder 2"/>
-          <p:cNvSpPr>
-            <a:spLocks noGrp="1"/>
-          </p:cNvSpPr>
-          <p:nvPr>
-            <p:ph idx="1"/>
-          </p:nvPr>
-        </p:nvSpPr>
-        <p:spPr/>
-        <p:txBody>
-          <a:bodyPr>
-            <a:normAutofit lnSpcReduction="10000"/>
-          </a:bodyPr>
-          <a:lstStyle/>
-          <a:p>
-            <a:r>
-              <a:rPr lang="en-US" dirty="0"/>
-              <a:t>To become familiar with the three kinds of control structures: sequence, selection, and repetition</a:t>
-            </a:r>
-          </a:p>
-          <a:p>
-            <a:r>
-              <a:rPr lang="en-US" dirty="0"/>
-              <a:t>To understand compound statements</a:t>
-            </a:r>
-          </a:p>
-          <a:p>
-            <a:r>
-              <a:rPr lang="en-US" dirty="0"/>
-              <a:t>To learn how to compare numbers and characters</a:t>
-            </a:r>
-          </a:p>
-          <a:p>
-            <a:r>
-              <a:rPr lang="en-US" dirty="0"/>
-              <a:t>To learn how to use the relational, equality, and logical operators to write expressions that are true or false</a:t>
-            </a:r>
-          </a:p>
-        </p:txBody>
-      </p:sp>
-      <p:sp>
-        <p:nvSpPr>
-          <p:cNvPr id="4" name="Footer Placeholder 3"/>
-          <p:cNvSpPr>
-            <a:spLocks noGrp="1"/>
-          </p:cNvSpPr>
-          <p:nvPr>
-            <p:ph type="ftr" sz="quarter" idx="11"/>
-          </p:nvPr>
-        </p:nvSpPr>
-        <p:spPr/>
-        <p:txBody>
-          <a:bodyPr/>
-          <a:lstStyle/>
-          <a:p>
-            <a:r>
-              <a:rPr lang="en-US"/>
-              <a:t>© 2016 Pearson Education, Inc., Hoboken, NJ.  All rights reserved.</a:t>
-            </a:r>
-          </a:p>
-        </p:txBody>
-      </p:sp>
-      <p:sp>
-        <p:nvSpPr>
-          <p:cNvPr id="5" name="Slide Number Placeholder 4"/>
-          <p:cNvSpPr>
-            <a:spLocks noGrp="1"/>
-          </p:cNvSpPr>
-          <p:nvPr>
-            <p:ph type="sldNum" sz="quarter" idx="12"/>
-          </p:nvPr>
-        </p:nvSpPr>
-        <p:spPr/>
-        <p:txBody>
-          <a:bodyPr/>
-          <a:lstStyle/>
-          <a:p>
-            <a:fld id="{85A8DA42-601D-40A8-83CA-2F2CBDE5F9F0}" type="slidenum">
-              <a:rPr lang="en-US" smtClean="0"/>
-              <a:t>2</a:t>
-            </a:fld>
-            <a:endParaRPr lang="en-US"/>
-          </a:p>
-        </p:txBody>
-      </p:sp>
-    </p:spTree>
-    <p:extLst>
-      <p:ext uri="{BB962C8B-B14F-4D97-AF65-F5344CB8AC3E}">
-        <p14:creationId xmlns:p14="http://schemas.microsoft.com/office/powerpoint/2010/main" val="2944743484"/>
-      </p:ext>
-    </p:extLst>
-  </p:cSld>
-  <p:clrMapOvr>
-    <a:masterClrMapping/>
-  </p:clrMapOvr>
-</p:sld>
-</file>
-
-<file path=ppt/slides/slide20.xml><?xml version="1.0" encoding="utf-8"?>
-<p:sld xmlns:a="http://schemas.openxmlformats.org/drawingml/2006/main" xmlns:r="http://schemas.openxmlformats.org/officeDocument/2006/relationships" xmlns:p="http://schemas.openxmlformats.org/presentationml/2006/main">
-  <p:cSld>
-    <p:spTree>
-      <p:nvGrpSpPr>
-        <p:cNvPr id="1" name=""/>
-        <p:cNvGrpSpPr/>
-        <p:nvPr/>
-      </p:nvGrpSpPr>
-      <p:grpSpPr>
-        <a:xfrm>
-          <a:off x="0" y="0"/>
-          <a:ext cx="0" cy="0"/>
-          <a:chOff x="0" y="0"/>
-          <a:chExt cx="0" cy="0"/>
-        </a:xfrm>
-      </p:grpSpPr>
-      <p:sp>
-        <p:nvSpPr>
-          <p:cNvPr id="2" name="Title 1"/>
-          <p:cNvSpPr>
-            <a:spLocks noGrp="1"/>
-          </p:cNvSpPr>
-          <p:nvPr>
-            <p:ph type="title"/>
-          </p:nvPr>
-        </p:nvSpPr>
-        <p:spPr/>
-        <p:txBody>
-          <a:bodyPr/>
-          <a:lstStyle/>
-          <a:p>
-            <a:r>
-              <a:rPr lang="en-US" dirty="0"/>
               <a:t>if-statement with two alternatives</a:t>
             </a:r>
           </a:p>
@@ -6175,7 +5383,7 @@
           <a:p>
             <a:fld id="{85A8DA42-601D-40A8-83CA-2F2CBDE5F9F0}" type="slidenum">
               <a:rPr lang="en-US" smtClean="0"/>
-              <a:t>20</a:t>
+              <a:t>18</a:t>
             </a:fld>
             <a:endParaRPr lang="en-US"/>
           </a:p>
@@ -6194,7 +5402,7 @@
 </p:sld>
 </file>
 
-<file path=ppt/slides/slide21.xml><?xml version="1.0" encoding="utf-8"?>
+<file path=ppt/slides/slide19.xml><?xml version="1.0" encoding="utf-8"?>
 <p:sld xmlns:a="http://schemas.openxmlformats.org/drawingml/2006/main" xmlns:r="http://schemas.openxmlformats.org/officeDocument/2006/relationships" xmlns:p="http://schemas.openxmlformats.org/presentationml/2006/main">
   <p:cSld>
     <p:spTree>
@@ -6346,7 +5554,7 @@
           <a:p>
             <a:fld id="{85A8DA42-601D-40A8-83CA-2F2CBDE5F9F0}" type="slidenum">
               <a:rPr lang="en-US" smtClean="0"/>
-              <a:t>21</a:t>
+              <a:t>19</a:t>
             </a:fld>
             <a:endParaRPr lang="en-US"/>
           </a:p>
@@ -6365,7 +5573,7 @@
 </p:sld>
 </file>
 
-<file path=ppt/slides/slide22.xml><?xml version="1.0" encoding="utf-8"?>
+<file path=ppt/slides/slide2.xml><?xml version="1.0" encoding="utf-8"?>
 <p:sld xmlns:a="http://schemas.openxmlformats.org/drawingml/2006/main" xmlns:r="http://schemas.openxmlformats.org/officeDocument/2006/relationships" xmlns:p="http://schemas.openxmlformats.org/presentationml/2006/main">
   <p:cSld>
     <p:spTree>
@@ -6394,6 +5602,145 @@
         </p:nvSpPr>
         <p:spPr/>
         <p:txBody>
+          <a:bodyPr/>
+          <a:lstStyle/>
+          <a:p>
+            <a:r>
+              <a:rPr lang="en-US" dirty="0"/>
+              <a:t>Chapter Objectives</a:t>
+            </a:r>
+          </a:p>
+        </p:txBody>
+      </p:sp>
+      <p:sp>
+        <p:nvSpPr>
+          <p:cNvPr id="3" name="Content Placeholder 2"/>
+          <p:cNvSpPr>
+            <a:spLocks noGrp="1"/>
+          </p:cNvSpPr>
+          <p:nvPr>
+            <p:ph idx="1"/>
+          </p:nvPr>
+        </p:nvSpPr>
+        <p:spPr/>
+        <p:txBody>
+          <a:bodyPr>
+            <a:normAutofit lnSpcReduction="10000"/>
+          </a:bodyPr>
+          <a:lstStyle/>
+          <a:p>
+            <a:r>
+              <a:rPr lang="en-US" dirty="0"/>
+              <a:t>To become familiar with the three kinds of control structures: sequence, selection, and repetition</a:t>
+            </a:r>
+          </a:p>
+          <a:p>
+            <a:r>
+              <a:rPr lang="en-US" dirty="0"/>
+              <a:t>To understand compound statements</a:t>
+            </a:r>
+          </a:p>
+          <a:p>
+            <a:r>
+              <a:rPr lang="en-US" dirty="0"/>
+              <a:t>To learn how to compare numbers and characters</a:t>
+            </a:r>
+          </a:p>
+          <a:p>
+            <a:r>
+              <a:rPr lang="en-US" dirty="0"/>
+              <a:t>To learn how to use the relational, equality, and logical operators to write expressions that are true or false</a:t>
+            </a:r>
+          </a:p>
+        </p:txBody>
+      </p:sp>
+      <p:sp>
+        <p:nvSpPr>
+          <p:cNvPr id="4" name="Footer Placeholder 3"/>
+          <p:cNvSpPr>
+            <a:spLocks noGrp="1"/>
+          </p:cNvSpPr>
+          <p:nvPr>
+            <p:ph type="ftr" sz="quarter" idx="11"/>
+          </p:nvPr>
+        </p:nvSpPr>
+        <p:spPr/>
+        <p:txBody>
+          <a:bodyPr/>
+          <a:lstStyle/>
+          <a:p>
+            <a:r>
+              <a:rPr lang="en-US"/>
+              <a:t>© 2016 Pearson Education, Inc., Hoboken, NJ.  All rights reserved.</a:t>
+            </a:r>
+          </a:p>
+        </p:txBody>
+      </p:sp>
+      <p:sp>
+        <p:nvSpPr>
+          <p:cNvPr id="5" name="Slide Number Placeholder 4"/>
+          <p:cNvSpPr>
+            <a:spLocks noGrp="1"/>
+          </p:cNvSpPr>
+          <p:nvPr>
+            <p:ph type="sldNum" sz="quarter" idx="12"/>
+          </p:nvPr>
+        </p:nvSpPr>
+        <p:spPr/>
+        <p:txBody>
+          <a:bodyPr/>
+          <a:lstStyle/>
+          <a:p>
+            <a:fld id="{85A8DA42-601D-40A8-83CA-2F2CBDE5F9F0}" type="slidenum">
+              <a:rPr lang="en-US" smtClean="0"/>
+              <a:t>2</a:t>
+            </a:fld>
+            <a:endParaRPr lang="en-US"/>
+          </a:p>
+        </p:txBody>
+      </p:sp>
+    </p:spTree>
+    <p:extLst>
+      <p:ext uri="{BB962C8B-B14F-4D97-AF65-F5344CB8AC3E}">
+        <p14:creationId xmlns:p14="http://schemas.microsoft.com/office/powerpoint/2010/main" val="2944743484"/>
+      </p:ext>
+    </p:extLst>
+  </p:cSld>
+  <p:clrMapOvr>
+    <a:masterClrMapping/>
+  </p:clrMapOvr>
+</p:sld>
+</file>
+
+<file path=ppt/slides/slide20.xml><?xml version="1.0" encoding="utf-8"?>
+<p:sld xmlns:a="http://schemas.openxmlformats.org/drawingml/2006/main" xmlns:r="http://schemas.openxmlformats.org/officeDocument/2006/relationships" xmlns:p="http://schemas.openxmlformats.org/presentationml/2006/main">
+  <p:cSld>
+    <p:spTree>
+      <p:nvGrpSpPr>
+        <p:cNvPr id="1" name=""/>
+        <p:cNvGrpSpPr/>
+        <p:nvPr/>
+      </p:nvGrpSpPr>
+      <p:grpSpPr>
+        <a:xfrm>
+          <a:off x="0" y="0"/>
+          <a:ext cx="0" cy="0"/>
+          <a:chOff x="0" y="0"/>
+          <a:chExt cx="0" cy="0"/>
+        </a:xfrm>
+      </p:grpSpPr>
+      <p:sp>
+        <p:nvSpPr>
+          <p:cNvPr id="2" name="Title 1"/>
+          <p:cNvSpPr>
+            <a:spLocks noGrp="1"/>
+          </p:cNvSpPr>
+          <p:nvPr>
+            <p:ph type="title"/>
+          </p:nvPr>
+        </p:nvSpPr>
+        <p:spPr/>
+        <p:txBody>
           <a:bodyPr>
             <a:normAutofit/>
           </a:bodyPr>
@@ -6465,7 +5812,7 @@
           <a:p>
             <a:fld id="{85A8DA42-601D-40A8-83CA-2F2CBDE5F9F0}" type="slidenum">
               <a:rPr lang="en-US" smtClean="0"/>
-              <a:t>22</a:t>
+              <a:t>20</a:t>
             </a:fld>
             <a:endParaRPr lang="en-US"/>
           </a:p>
@@ -6538,7 +5885,7 @@
 </p:sld>
 </file>
 
-<file path=ppt/slides/slide23.xml><?xml version="1.0" encoding="utf-8"?>
+<file path=ppt/slides/slide21.xml><?xml version="1.0" encoding="utf-8"?>
 <p:sld xmlns:a="http://schemas.openxmlformats.org/drawingml/2006/main" xmlns:r="http://schemas.openxmlformats.org/officeDocument/2006/relationships" xmlns:p="http://schemas.openxmlformats.org/presentationml/2006/main">
   <p:cSld>
     <p:spTree>
@@ -6557,12 +5904,12 @@
       </p:grpSpPr>
       <p:sp>
         <p:nvSpPr>
-          <p:cNvPr id="6" name="Title 5"/>
-          <p:cNvSpPr>
-            <a:spLocks noGrp="1"/>
-          </p:cNvSpPr>
-          <p:nvPr>
-            <p:ph type="ctrTitle"/>
+          <p:cNvPr id="2" name="Title 1"/>
+          <p:cNvSpPr>
+            <a:spLocks noGrp="1"/>
+          </p:cNvSpPr>
+          <p:nvPr>
+            <p:ph type="title"/>
           </p:nvPr>
         </p:nvSpPr>
         <p:spPr/>
@@ -6572,1121 +5919,7 @@
           <a:p>
             <a:r>
               <a:rPr lang="en-US" dirty="0"/>
-              <a:t>Water Bill Problem</a:t>
-            </a:r>
-          </a:p>
-        </p:txBody>
-      </p:sp>
-      <p:sp>
-        <p:nvSpPr>
-          <p:cNvPr id="7" name="Subtitle 6"/>
-          <p:cNvSpPr>
-            <a:spLocks noGrp="1"/>
-          </p:cNvSpPr>
-          <p:nvPr>
-            <p:ph type="subTitle" idx="1"/>
-          </p:nvPr>
-        </p:nvSpPr>
-        <p:spPr/>
-        <p:txBody>
-          <a:bodyPr/>
-          <a:lstStyle/>
-          <a:p>
-            <a:r>
-              <a:rPr lang="en-US" dirty="0"/>
-              <a:t>Case Study</a:t>
-            </a:r>
-          </a:p>
-        </p:txBody>
-      </p:sp>
-      <p:sp>
-        <p:nvSpPr>
-          <p:cNvPr id="4" name="Footer Placeholder 3"/>
-          <p:cNvSpPr>
-            <a:spLocks noGrp="1"/>
-          </p:cNvSpPr>
-          <p:nvPr>
-            <p:ph type="ftr" sz="quarter" idx="11"/>
-          </p:nvPr>
-        </p:nvSpPr>
-        <p:spPr/>
-        <p:txBody>
-          <a:bodyPr/>
-          <a:lstStyle/>
-          <a:p>
-            <a:r>
-              <a:rPr lang="en-US"/>
-              <a:t>© 2016 Pearson Education, Inc., Hoboken, NJ.  All rights reserved.</a:t>
-            </a:r>
-          </a:p>
-        </p:txBody>
-      </p:sp>
-      <p:sp>
-        <p:nvSpPr>
-          <p:cNvPr id="5" name="Slide Number Placeholder 4"/>
-          <p:cNvSpPr>
-            <a:spLocks noGrp="1"/>
-          </p:cNvSpPr>
-          <p:nvPr>
-            <p:ph type="sldNum" sz="quarter" idx="12"/>
-          </p:nvPr>
-        </p:nvSpPr>
-        <p:spPr/>
-        <p:txBody>
-          <a:bodyPr/>
-          <a:lstStyle/>
-          <a:p>
-            <a:fld id="{85A8DA42-601D-40A8-83CA-2F2CBDE5F9F0}" type="slidenum">
-              <a:rPr lang="en-US" smtClean="0"/>
-              <a:t>23</a:t>
-            </a:fld>
-            <a:endParaRPr lang="en-US"/>
-          </a:p>
-        </p:txBody>
-      </p:sp>
-    </p:spTree>
-    <p:extLst>
-      <p:ext uri="{BB962C8B-B14F-4D97-AF65-F5344CB8AC3E}">
-        <p14:creationId xmlns:p14="http://schemas.microsoft.com/office/powerpoint/2010/main" val="479424923"/>
-      </p:ext>
-    </p:extLst>
-  </p:cSld>
-  <p:clrMapOvr>
-    <a:masterClrMapping/>
-  </p:clrMapOvr>
-</p:sld>
-</file>
-
-<file path=ppt/slides/slide24.xml><?xml version="1.0" encoding="utf-8"?>
-<p:sld xmlns:a="http://schemas.openxmlformats.org/drawingml/2006/main" xmlns:r="http://schemas.openxmlformats.org/officeDocument/2006/relationships" xmlns:p="http://schemas.openxmlformats.org/presentationml/2006/main">
-  <p:cSld>
-    <p:spTree>
-      <p:nvGrpSpPr>
-        <p:cNvPr id="1" name=""/>
-        <p:cNvGrpSpPr/>
-        <p:nvPr/>
-      </p:nvGrpSpPr>
-      <p:grpSpPr>
-        <a:xfrm>
-          <a:off x="0" y="0"/>
-          <a:ext cx="0" cy="0"/>
-          <a:chOff x="0" y="0"/>
-          <a:chExt cx="0" cy="0"/>
-        </a:xfrm>
-      </p:grpSpPr>
-      <p:pic>
-        <p:nvPicPr>
-          <p:cNvPr id="5" name="Picture 5"/>
-          <p:cNvPicPr>
-            <a:picLocks noChangeAspect="1" noChangeArrowheads="1"/>
-          </p:cNvPicPr>
-          <p:nvPr/>
-        </p:nvPicPr>
-        <p:blipFill>
-          <a:blip r:embed="rId2">
-            <a:extLst>
-              <a:ext uri="{28A0092B-C50C-407E-A947-70E740481C1C}">
-                <a14:useLocalDpi xmlns:a14="http://schemas.microsoft.com/office/drawing/2010/main" val="0"/>
-              </a:ext>
-            </a:extLst>
-          </a:blip>
-          <a:srcRect/>
-          <a:stretch>
-            <a:fillRect/>
-          </a:stretch>
-        </p:blipFill>
-        <p:spPr bwMode="auto">
-          <a:xfrm>
-            <a:off x="195263" y="1600200"/>
-            <a:ext cx="8753475" cy="4572000"/>
-          </a:xfrm>
-          <a:prstGeom prst="rect">
-            <a:avLst/>
-          </a:prstGeom>
-          <a:noFill/>
-          <a:ln>
-            <a:noFill/>
-          </a:ln>
-          <a:extLst>
-            <a:ext uri="{909E8E84-426E-40DD-AFC4-6F175D3DCCD1}">
-              <a14:hiddenFill xmlns:a14="http://schemas.microsoft.com/office/drawing/2010/main">
-                <a:solidFill>
-                  <a:srgbClr val="FFFFFF"/>
-                </a:solidFill>
-              </a14:hiddenFill>
-            </a:ext>
-            <a:ext uri="{91240B29-F687-4F45-9708-019B960494DF}">
-              <a14:hiddenLine xmlns:a14="http://schemas.microsoft.com/office/drawing/2010/main" w="9525">
-                <a:solidFill>
-                  <a:srgbClr val="000000"/>
-                </a:solidFill>
-                <a:miter lim="800000"/>
-                <a:headEnd/>
-                <a:tailEnd/>
-              </a14:hiddenLine>
-            </a:ext>
-          </a:extLst>
-        </p:spPr>
-      </p:pic>
-      <p:sp>
-        <p:nvSpPr>
-          <p:cNvPr id="2" name="Title 1"/>
-          <p:cNvSpPr>
-            <a:spLocks noGrp="1"/>
-          </p:cNvSpPr>
-          <p:nvPr>
-            <p:ph type="title"/>
-          </p:nvPr>
-        </p:nvSpPr>
-        <p:spPr/>
-        <p:txBody>
-          <a:bodyPr>
-            <a:normAutofit/>
-          </a:bodyPr>
-          <a:lstStyle/>
-          <a:p>
-            <a:r>
-              <a:rPr lang="en-US" altLang="en-US" sz="2800" dirty="0"/>
-              <a:t>Figure 4.7</a:t>
-            </a:r>
-            <a:br>
-              <a:rPr lang="en-US" altLang="en-US" sz="3200" dirty="0"/>
-            </a:br>
-            <a:r>
-              <a:rPr lang="en-US" altLang="en-US" sz="3200" dirty="0"/>
-              <a:t>Structure Chart for Water Bill Problem</a:t>
-            </a:r>
-            <a:endParaRPr lang="en-US" sz="3200" dirty="0"/>
-          </a:p>
-        </p:txBody>
-      </p:sp>
-      <p:sp>
-        <p:nvSpPr>
-          <p:cNvPr id="3" name="Footer Placeholder 2"/>
-          <p:cNvSpPr>
-            <a:spLocks noGrp="1"/>
-          </p:cNvSpPr>
-          <p:nvPr>
-            <p:ph type="ftr" sz="quarter" idx="11"/>
-          </p:nvPr>
-        </p:nvSpPr>
-        <p:spPr/>
-        <p:txBody>
-          <a:bodyPr/>
-          <a:lstStyle/>
-          <a:p>
-            <a:r>
-              <a:rPr lang="en-US"/>
-              <a:t>© 2016 Pearson Education, Inc., Hoboken, NJ.  All rights reserved.</a:t>
-            </a:r>
-          </a:p>
-        </p:txBody>
-      </p:sp>
-      <p:sp>
-        <p:nvSpPr>
-          <p:cNvPr id="4" name="Slide Number Placeholder 3"/>
-          <p:cNvSpPr>
-            <a:spLocks noGrp="1"/>
-          </p:cNvSpPr>
-          <p:nvPr>
-            <p:ph type="sldNum" sz="quarter" idx="12"/>
-          </p:nvPr>
-        </p:nvSpPr>
-        <p:spPr/>
-        <p:txBody>
-          <a:bodyPr/>
-          <a:lstStyle/>
-          <a:p>
-            <a:fld id="{85A8DA42-601D-40A8-83CA-2F2CBDE5F9F0}" type="slidenum">
-              <a:rPr lang="en-US" smtClean="0"/>
-              <a:t>24</a:t>
-            </a:fld>
-            <a:endParaRPr lang="en-US"/>
-          </a:p>
-        </p:txBody>
-      </p:sp>
-    </p:spTree>
-    <p:extLst>
-      <p:ext uri="{BB962C8B-B14F-4D97-AF65-F5344CB8AC3E}">
-        <p14:creationId xmlns:p14="http://schemas.microsoft.com/office/powerpoint/2010/main" val="1789232467"/>
-      </p:ext>
-    </p:extLst>
-  </p:cSld>
-  <p:clrMapOvr>
-    <a:masterClrMapping/>
-  </p:clrMapOvr>
-</p:sld>
-</file>
-
-<file path=ppt/slides/slide25.xml><?xml version="1.0" encoding="utf-8"?>
-<p:sld xmlns:a="http://schemas.openxmlformats.org/drawingml/2006/main" xmlns:r="http://schemas.openxmlformats.org/officeDocument/2006/relationships" xmlns:p="http://schemas.openxmlformats.org/presentationml/2006/main">
-  <p:cSld>
-    <p:spTree>
-      <p:nvGrpSpPr>
-        <p:cNvPr id="1" name=""/>
-        <p:cNvGrpSpPr/>
-        <p:nvPr/>
-      </p:nvGrpSpPr>
-      <p:grpSpPr>
-        <a:xfrm>
-          <a:off x="0" y="0"/>
-          <a:ext cx="0" cy="0"/>
-          <a:chOff x="0" y="0"/>
-          <a:chExt cx="0" cy="0"/>
-        </a:xfrm>
-      </p:grpSpPr>
-      <p:pic>
-        <p:nvPicPr>
-          <p:cNvPr id="5" name="Picture 5"/>
-          <p:cNvPicPr>
-            <a:picLocks noChangeAspect="1" noChangeArrowheads="1"/>
-          </p:cNvPicPr>
-          <p:nvPr/>
-        </p:nvPicPr>
-        <p:blipFill>
-          <a:blip r:embed="rId2">
-            <a:extLst>
-              <a:ext uri="{28A0092B-C50C-407E-A947-70E740481C1C}">
-                <a14:useLocalDpi xmlns:a14="http://schemas.microsoft.com/office/drawing/2010/main" val="0"/>
-              </a:ext>
-            </a:extLst>
-          </a:blip>
-          <a:srcRect/>
-          <a:stretch>
-            <a:fillRect/>
-          </a:stretch>
-        </p:blipFill>
-        <p:spPr bwMode="auto">
-          <a:xfrm>
-            <a:off x="2895600" y="228600"/>
-            <a:ext cx="5257800" cy="6030483"/>
-          </a:xfrm>
-          <a:prstGeom prst="rect">
-            <a:avLst/>
-          </a:prstGeom>
-          <a:noFill/>
-          <a:ln>
-            <a:noFill/>
-          </a:ln>
-          <a:extLst>
-            <a:ext uri="{909E8E84-426E-40DD-AFC4-6F175D3DCCD1}">
-              <a14:hiddenFill xmlns:a14="http://schemas.microsoft.com/office/drawing/2010/main">
-                <a:solidFill>
-                  <a:srgbClr val="FFFFFF"/>
-                </a:solidFill>
-              </a14:hiddenFill>
-            </a:ext>
-            <a:ext uri="{91240B29-F687-4F45-9708-019B960494DF}">
-              <a14:hiddenLine xmlns:a14="http://schemas.microsoft.com/office/drawing/2010/main" w="9525">
-                <a:solidFill>
-                  <a:srgbClr val="000000"/>
-                </a:solidFill>
-                <a:miter lim="800000"/>
-                <a:headEnd/>
-                <a:tailEnd/>
-              </a14:hiddenLine>
-            </a:ext>
-          </a:extLst>
-        </p:spPr>
-      </p:pic>
-      <p:sp>
-        <p:nvSpPr>
-          <p:cNvPr id="2" name="Title 1"/>
-          <p:cNvSpPr>
-            <a:spLocks noGrp="1"/>
-          </p:cNvSpPr>
-          <p:nvPr>
-            <p:ph type="title"/>
-          </p:nvPr>
-        </p:nvSpPr>
-        <p:spPr>
-          <a:xfrm>
-            <a:off x="457200" y="274638"/>
-            <a:ext cx="2057400" cy="2849562"/>
-          </a:xfrm>
-        </p:spPr>
-        <p:txBody>
-          <a:bodyPr>
-            <a:normAutofit/>
-          </a:bodyPr>
-          <a:lstStyle/>
-          <a:p>
-            <a:r>
-              <a:rPr lang="en-US" altLang="en-US" sz="2800" dirty="0"/>
-              <a:t>Figure 4.8  </a:t>
-            </a:r>
-            <a:r>
-              <a:rPr lang="en-US" altLang="en-US" sz="3200" dirty="0"/>
-              <a:t>Program for Water Bill Problem </a:t>
-            </a:r>
-            <a:endParaRPr lang="en-US" sz="3200" dirty="0"/>
-          </a:p>
-        </p:txBody>
-      </p:sp>
-      <p:sp>
-        <p:nvSpPr>
-          <p:cNvPr id="3" name="Footer Placeholder 2"/>
-          <p:cNvSpPr>
-            <a:spLocks noGrp="1"/>
-          </p:cNvSpPr>
-          <p:nvPr>
-            <p:ph type="ftr" sz="quarter" idx="11"/>
-          </p:nvPr>
-        </p:nvSpPr>
-        <p:spPr/>
-        <p:txBody>
-          <a:bodyPr/>
-          <a:lstStyle/>
-          <a:p>
-            <a:r>
-              <a:rPr lang="en-US"/>
-              <a:t>© 2016 Pearson Education, Inc., Hoboken, NJ.  All rights reserved.</a:t>
-            </a:r>
-          </a:p>
-        </p:txBody>
-      </p:sp>
-      <p:sp>
-        <p:nvSpPr>
-          <p:cNvPr id="4" name="Slide Number Placeholder 3"/>
-          <p:cNvSpPr>
-            <a:spLocks noGrp="1"/>
-          </p:cNvSpPr>
-          <p:nvPr>
-            <p:ph type="sldNum" sz="quarter" idx="12"/>
-          </p:nvPr>
-        </p:nvSpPr>
-        <p:spPr/>
-        <p:txBody>
-          <a:bodyPr/>
-          <a:lstStyle/>
-          <a:p>
-            <a:fld id="{85A8DA42-601D-40A8-83CA-2F2CBDE5F9F0}" type="slidenum">
-              <a:rPr lang="en-US" smtClean="0"/>
-              <a:t>25</a:t>
-            </a:fld>
-            <a:endParaRPr lang="en-US"/>
-          </a:p>
-        </p:txBody>
-      </p:sp>
-    </p:spTree>
-    <p:extLst>
-      <p:ext uri="{BB962C8B-B14F-4D97-AF65-F5344CB8AC3E}">
-        <p14:creationId xmlns:p14="http://schemas.microsoft.com/office/powerpoint/2010/main" val="1207227500"/>
-      </p:ext>
-    </p:extLst>
-  </p:cSld>
-  <p:clrMapOvr>
-    <a:masterClrMapping/>
-  </p:clrMapOvr>
-</p:sld>
-</file>
-
-<file path=ppt/slides/slide26.xml><?xml version="1.0" encoding="utf-8"?>
-<p:sld xmlns:a="http://schemas.openxmlformats.org/drawingml/2006/main" xmlns:r="http://schemas.openxmlformats.org/officeDocument/2006/relationships" xmlns:p="http://schemas.openxmlformats.org/presentationml/2006/main">
-  <p:cSld>
-    <p:spTree>
-      <p:nvGrpSpPr>
-        <p:cNvPr id="1" name=""/>
-        <p:cNvGrpSpPr/>
-        <p:nvPr/>
-      </p:nvGrpSpPr>
-      <p:grpSpPr>
-        <a:xfrm>
-          <a:off x="0" y="0"/>
-          <a:ext cx="0" cy="0"/>
-          <a:chOff x="0" y="0"/>
-          <a:chExt cx="0" cy="0"/>
-        </a:xfrm>
-      </p:grpSpPr>
-      <p:pic>
-        <p:nvPicPr>
-          <p:cNvPr id="6" name="Picture 5"/>
-          <p:cNvPicPr>
-            <a:picLocks noChangeAspect="1" noChangeArrowheads="1"/>
-          </p:cNvPicPr>
-          <p:nvPr/>
-        </p:nvPicPr>
-        <p:blipFill>
-          <a:blip r:embed="rId2">
-            <a:extLst>
-              <a:ext uri="{28A0092B-C50C-407E-A947-70E740481C1C}">
-                <a14:useLocalDpi xmlns:a14="http://schemas.microsoft.com/office/drawing/2010/main" val="0"/>
-              </a:ext>
-            </a:extLst>
-          </a:blip>
-          <a:srcRect/>
-          <a:stretch>
-            <a:fillRect/>
-          </a:stretch>
-        </p:blipFill>
-        <p:spPr bwMode="auto">
-          <a:xfrm>
-            <a:off x="3200400" y="228600"/>
-            <a:ext cx="5054973" cy="5821363"/>
-          </a:xfrm>
-          <a:prstGeom prst="rect">
-            <a:avLst/>
-          </a:prstGeom>
-          <a:noFill/>
-          <a:ln>
-            <a:noFill/>
-          </a:ln>
-          <a:extLst>
-            <a:ext uri="{909E8E84-426E-40DD-AFC4-6F175D3DCCD1}">
-              <a14:hiddenFill xmlns:a14="http://schemas.microsoft.com/office/drawing/2010/main">
-                <a:solidFill>
-                  <a:srgbClr val="FFFFFF"/>
-                </a:solidFill>
-              </a14:hiddenFill>
-            </a:ext>
-            <a:ext uri="{91240B29-F687-4F45-9708-019B960494DF}">
-              <a14:hiddenLine xmlns:a14="http://schemas.microsoft.com/office/drawing/2010/main" w="9525">
-                <a:solidFill>
-                  <a:srgbClr val="000000"/>
-                </a:solidFill>
-                <a:miter lim="800000"/>
-                <a:headEnd/>
-                <a:tailEnd/>
-              </a14:hiddenLine>
-            </a:ext>
-          </a:extLst>
-        </p:spPr>
-      </p:pic>
-      <p:sp>
-        <p:nvSpPr>
-          <p:cNvPr id="2" name="Title 1"/>
-          <p:cNvSpPr>
-            <a:spLocks noGrp="1"/>
-          </p:cNvSpPr>
-          <p:nvPr>
-            <p:ph type="title"/>
-          </p:nvPr>
-        </p:nvSpPr>
-        <p:spPr>
-          <a:xfrm>
-            <a:off x="457200" y="274638"/>
-            <a:ext cx="2057400" cy="2849562"/>
-          </a:xfrm>
-        </p:spPr>
-        <p:txBody>
-          <a:bodyPr>
-            <a:normAutofit fontScale="90000"/>
-          </a:bodyPr>
-          <a:lstStyle/>
-          <a:p>
-            <a:r>
-              <a:rPr lang="en-US" altLang="en-US" sz="2800" dirty="0"/>
-              <a:t>Figure 4.8  </a:t>
-            </a:r>
-            <a:r>
-              <a:rPr lang="en-US" altLang="en-US" sz="3200" dirty="0"/>
-              <a:t>Program for Water Bill Problem</a:t>
-            </a:r>
-            <a:br>
-              <a:rPr lang="en-US" altLang="en-US" sz="3200" dirty="0"/>
-            </a:br>
-            <a:r>
-              <a:rPr lang="en-US" altLang="en-US" sz="3200" dirty="0"/>
-              <a:t>(cont.) </a:t>
-            </a:r>
-            <a:endParaRPr lang="en-US" sz="3200" dirty="0"/>
-          </a:p>
-        </p:txBody>
-      </p:sp>
-      <p:sp>
-        <p:nvSpPr>
-          <p:cNvPr id="3" name="Footer Placeholder 2"/>
-          <p:cNvSpPr>
-            <a:spLocks noGrp="1"/>
-          </p:cNvSpPr>
-          <p:nvPr>
-            <p:ph type="ftr" sz="quarter" idx="11"/>
-          </p:nvPr>
-        </p:nvSpPr>
-        <p:spPr/>
-        <p:txBody>
-          <a:bodyPr/>
-          <a:lstStyle/>
-          <a:p>
-            <a:r>
-              <a:rPr lang="en-US"/>
-              <a:t>© 2016 Pearson Education, Inc., Hoboken, NJ.  All rights reserved.</a:t>
-            </a:r>
-          </a:p>
-        </p:txBody>
-      </p:sp>
-      <p:sp>
-        <p:nvSpPr>
-          <p:cNvPr id="4" name="Slide Number Placeholder 3"/>
-          <p:cNvSpPr>
-            <a:spLocks noGrp="1"/>
-          </p:cNvSpPr>
-          <p:nvPr>
-            <p:ph type="sldNum" sz="quarter" idx="12"/>
-          </p:nvPr>
-        </p:nvSpPr>
-        <p:spPr/>
-        <p:txBody>
-          <a:bodyPr/>
-          <a:lstStyle/>
-          <a:p>
-            <a:fld id="{85A8DA42-601D-40A8-83CA-2F2CBDE5F9F0}" type="slidenum">
-              <a:rPr lang="en-US" smtClean="0"/>
-              <a:t>26</a:t>
-            </a:fld>
-            <a:endParaRPr lang="en-US"/>
-          </a:p>
-        </p:txBody>
-      </p:sp>
-    </p:spTree>
-    <p:extLst>
-      <p:ext uri="{BB962C8B-B14F-4D97-AF65-F5344CB8AC3E}">
-        <p14:creationId xmlns:p14="http://schemas.microsoft.com/office/powerpoint/2010/main" val="599822663"/>
-      </p:ext>
-    </p:extLst>
-  </p:cSld>
-  <p:clrMapOvr>
-    <a:masterClrMapping/>
-  </p:clrMapOvr>
-</p:sld>
-</file>
-
-<file path=ppt/slides/slide27.xml><?xml version="1.0" encoding="utf-8"?>
-<p:sld xmlns:a="http://schemas.openxmlformats.org/drawingml/2006/main" xmlns:r="http://schemas.openxmlformats.org/officeDocument/2006/relationships" xmlns:p="http://schemas.openxmlformats.org/presentationml/2006/main">
-  <p:cSld>
-    <p:spTree>
-      <p:nvGrpSpPr>
-        <p:cNvPr id="1" name=""/>
-        <p:cNvGrpSpPr/>
-        <p:nvPr/>
-      </p:nvGrpSpPr>
-      <p:grpSpPr>
-        <a:xfrm>
-          <a:off x="0" y="0"/>
-          <a:ext cx="0" cy="0"/>
-          <a:chOff x="0" y="0"/>
-          <a:chExt cx="0" cy="0"/>
-        </a:xfrm>
-      </p:grpSpPr>
-      <p:pic>
-        <p:nvPicPr>
-          <p:cNvPr id="7" name="Picture 5"/>
-          <p:cNvPicPr>
-            <a:picLocks noChangeAspect="1" noChangeArrowheads="1"/>
-          </p:cNvPicPr>
-          <p:nvPr/>
-        </p:nvPicPr>
-        <p:blipFill>
-          <a:blip r:embed="rId2">
-            <a:extLst>
-              <a:ext uri="{28A0092B-C50C-407E-A947-70E740481C1C}">
-                <a14:useLocalDpi xmlns:a14="http://schemas.microsoft.com/office/drawing/2010/main" val="0"/>
-              </a:ext>
-            </a:extLst>
-          </a:blip>
-          <a:srcRect/>
-          <a:stretch>
-            <a:fillRect/>
-          </a:stretch>
-        </p:blipFill>
-        <p:spPr bwMode="auto">
-          <a:xfrm>
-            <a:off x="3065463" y="304800"/>
-            <a:ext cx="5438779" cy="5791200"/>
-          </a:xfrm>
-          <a:prstGeom prst="rect">
-            <a:avLst/>
-          </a:prstGeom>
-          <a:noFill/>
-          <a:ln>
-            <a:noFill/>
-          </a:ln>
-          <a:extLst>
-            <a:ext uri="{909E8E84-426E-40DD-AFC4-6F175D3DCCD1}">
-              <a14:hiddenFill xmlns:a14="http://schemas.microsoft.com/office/drawing/2010/main">
-                <a:solidFill>
-                  <a:srgbClr val="FFFFFF"/>
-                </a:solidFill>
-              </a14:hiddenFill>
-            </a:ext>
-            <a:ext uri="{91240B29-F687-4F45-9708-019B960494DF}">
-              <a14:hiddenLine xmlns:a14="http://schemas.microsoft.com/office/drawing/2010/main" w="9525">
-                <a:solidFill>
-                  <a:srgbClr val="000000"/>
-                </a:solidFill>
-                <a:miter lim="800000"/>
-                <a:headEnd/>
-                <a:tailEnd/>
-              </a14:hiddenLine>
-            </a:ext>
-          </a:extLst>
-        </p:spPr>
-      </p:pic>
-      <p:sp>
-        <p:nvSpPr>
-          <p:cNvPr id="2" name="Title 1"/>
-          <p:cNvSpPr>
-            <a:spLocks noGrp="1"/>
-          </p:cNvSpPr>
-          <p:nvPr>
-            <p:ph type="title"/>
-          </p:nvPr>
-        </p:nvSpPr>
-        <p:spPr>
-          <a:xfrm>
-            <a:off x="457200" y="274638"/>
-            <a:ext cx="2057400" cy="2849562"/>
-          </a:xfrm>
-        </p:spPr>
-        <p:txBody>
-          <a:bodyPr>
-            <a:normAutofit fontScale="90000"/>
-          </a:bodyPr>
-          <a:lstStyle/>
-          <a:p>
-            <a:r>
-              <a:rPr lang="en-US" altLang="en-US" sz="2800" dirty="0"/>
-              <a:t>Figure 4.8  </a:t>
-            </a:r>
-            <a:r>
-              <a:rPr lang="en-US" altLang="en-US" sz="3200" dirty="0"/>
-              <a:t>Program for Water Bill Problem</a:t>
-            </a:r>
-            <a:br>
-              <a:rPr lang="en-US" altLang="en-US" sz="3200" dirty="0"/>
-            </a:br>
-            <a:r>
-              <a:rPr lang="en-US" altLang="en-US" sz="3200" dirty="0"/>
-              <a:t>(cont.) </a:t>
-            </a:r>
-            <a:endParaRPr lang="en-US" sz="3200" dirty="0"/>
-          </a:p>
-        </p:txBody>
-      </p:sp>
-      <p:sp>
-        <p:nvSpPr>
-          <p:cNvPr id="3" name="Footer Placeholder 2"/>
-          <p:cNvSpPr>
-            <a:spLocks noGrp="1"/>
-          </p:cNvSpPr>
-          <p:nvPr>
-            <p:ph type="ftr" sz="quarter" idx="11"/>
-          </p:nvPr>
-        </p:nvSpPr>
-        <p:spPr/>
-        <p:txBody>
-          <a:bodyPr/>
-          <a:lstStyle/>
-          <a:p>
-            <a:r>
-              <a:rPr lang="en-US"/>
-              <a:t>© 2016 Pearson Education, Inc., Hoboken, NJ.  All rights reserved.</a:t>
-            </a:r>
-          </a:p>
-        </p:txBody>
-      </p:sp>
-      <p:sp>
-        <p:nvSpPr>
-          <p:cNvPr id="4" name="Slide Number Placeholder 3"/>
-          <p:cNvSpPr>
-            <a:spLocks noGrp="1"/>
-          </p:cNvSpPr>
-          <p:nvPr>
-            <p:ph type="sldNum" sz="quarter" idx="12"/>
-          </p:nvPr>
-        </p:nvSpPr>
-        <p:spPr/>
-        <p:txBody>
-          <a:bodyPr/>
-          <a:lstStyle/>
-          <a:p>
-            <a:fld id="{85A8DA42-601D-40A8-83CA-2F2CBDE5F9F0}" type="slidenum">
-              <a:rPr lang="en-US" smtClean="0"/>
-              <a:t>27</a:t>
-            </a:fld>
-            <a:endParaRPr lang="en-US"/>
-          </a:p>
-        </p:txBody>
-      </p:sp>
-    </p:spTree>
-    <p:extLst>
-      <p:ext uri="{BB962C8B-B14F-4D97-AF65-F5344CB8AC3E}">
-        <p14:creationId xmlns:p14="http://schemas.microsoft.com/office/powerpoint/2010/main" val="1530001417"/>
-      </p:ext>
-    </p:extLst>
-  </p:cSld>
-  <p:clrMapOvr>
-    <a:masterClrMapping/>
-  </p:clrMapOvr>
-</p:sld>
-</file>
-
-<file path=ppt/slides/slide28.xml><?xml version="1.0" encoding="utf-8"?>
-<p:sld xmlns:a="http://schemas.openxmlformats.org/drawingml/2006/main" xmlns:r="http://schemas.openxmlformats.org/officeDocument/2006/relationships" xmlns:p="http://schemas.openxmlformats.org/presentationml/2006/main">
-  <p:cSld>
-    <p:spTree>
-      <p:nvGrpSpPr>
-        <p:cNvPr id="1" name=""/>
-        <p:cNvGrpSpPr/>
-        <p:nvPr/>
-      </p:nvGrpSpPr>
-      <p:grpSpPr>
-        <a:xfrm>
-          <a:off x="0" y="0"/>
-          <a:ext cx="0" cy="0"/>
-          <a:chOff x="0" y="0"/>
-          <a:chExt cx="0" cy="0"/>
-        </a:xfrm>
-      </p:grpSpPr>
-      <p:sp>
-        <p:nvSpPr>
-          <p:cNvPr id="2" name="Title 1"/>
-          <p:cNvSpPr>
-            <a:spLocks noGrp="1"/>
-          </p:cNvSpPr>
-          <p:nvPr>
-            <p:ph type="title"/>
-          </p:nvPr>
-        </p:nvSpPr>
-        <p:spPr/>
-        <p:txBody>
-          <a:bodyPr>
-            <a:normAutofit/>
-          </a:bodyPr>
-          <a:lstStyle/>
-          <a:p>
-            <a:r>
-              <a:rPr lang="en-US" altLang="en-US" sz="2800" dirty="0"/>
-              <a:t>Figure 4.8  </a:t>
-            </a:r>
-            <a:r>
-              <a:rPr lang="en-US" altLang="en-US" sz="3200" dirty="0"/>
-              <a:t>Program for Water Bill Problem</a:t>
-            </a:r>
-            <a:br>
-              <a:rPr lang="en-US" altLang="en-US" sz="3200" dirty="0"/>
-            </a:br>
-            <a:r>
-              <a:rPr lang="en-US" altLang="en-US" sz="3200" dirty="0"/>
-              <a:t>(cont.) </a:t>
-            </a:r>
-            <a:endParaRPr lang="en-US" sz="3200" dirty="0"/>
-          </a:p>
-        </p:txBody>
-      </p:sp>
-      <p:sp>
-        <p:nvSpPr>
-          <p:cNvPr id="3" name="Footer Placeholder 2"/>
-          <p:cNvSpPr>
-            <a:spLocks noGrp="1"/>
-          </p:cNvSpPr>
-          <p:nvPr>
-            <p:ph type="ftr" sz="quarter" idx="11"/>
-          </p:nvPr>
-        </p:nvSpPr>
-        <p:spPr/>
-        <p:txBody>
-          <a:bodyPr/>
-          <a:lstStyle/>
-          <a:p>
-            <a:r>
-              <a:rPr lang="en-US"/>
-              <a:t>© 2016 Pearson Education, Inc., Hoboken, NJ.  All rights reserved.</a:t>
-            </a:r>
-          </a:p>
-        </p:txBody>
-      </p:sp>
-      <p:sp>
-        <p:nvSpPr>
-          <p:cNvPr id="4" name="Slide Number Placeholder 3"/>
-          <p:cNvSpPr>
-            <a:spLocks noGrp="1"/>
-          </p:cNvSpPr>
-          <p:nvPr>
-            <p:ph type="sldNum" sz="quarter" idx="12"/>
-          </p:nvPr>
-        </p:nvSpPr>
-        <p:spPr/>
-        <p:txBody>
-          <a:bodyPr/>
-          <a:lstStyle/>
-          <a:p>
-            <a:fld id="{85A8DA42-601D-40A8-83CA-2F2CBDE5F9F0}" type="slidenum">
-              <a:rPr lang="en-US" smtClean="0"/>
-              <a:t>28</a:t>
-            </a:fld>
-            <a:endParaRPr lang="en-US"/>
-          </a:p>
-        </p:txBody>
-      </p:sp>
-      <p:pic>
-        <p:nvPicPr>
-          <p:cNvPr id="6" name="Picture 5"/>
-          <p:cNvPicPr>
-            <a:picLocks noChangeAspect="1" noChangeArrowheads="1"/>
-          </p:cNvPicPr>
-          <p:nvPr/>
-        </p:nvPicPr>
-        <p:blipFill>
-          <a:blip r:embed="rId2">
-            <a:extLst>
-              <a:ext uri="{28A0092B-C50C-407E-A947-70E740481C1C}">
-                <a14:useLocalDpi xmlns:a14="http://schemas.microsoft.com/office/drawing/2010/main" val="0"/>
-              </a:ext>
-            </a:extLst>
-          </a:blip>
-          <a:srcRect/>
-          <a:stretch>
-            <a:fillRect/>
-          </a:stretch>
-        </p:blipFill>
-        <p:spPr bwMode="auto">
-          <a:xfrm>
-            <a:off x="871538" y="1981200"/>
-            <a:ext cx="7400925" cy="1533525"/>
-          </a:xfrm>
-          <a:prstGeom prst="rect">
-            <a:avLst/>
-          </a:prstGeom>
-          <a:noFill/>
-          <a:ln>
-            <a:noFill/>
-          </a:ln>
-          <a:extLst>
-            <a:ext uri="{909E8E84-426E-40DD-AFC4-6F175D3DCCD1}">
-              <a14:hiddenFill xmlns:a14="http://schemas.microsoft.com/office/drawing/2010/main">
-                <a:solidFill>
-                  <a:srgbClr val="FFFFFF"/>
-                </a:solidFill>
-              </a14:hiddenFill>
-            </a:ext>
-            <a:ext uri="{91240B29-F687-4F45-9708-019B960494DF}">
-              <a14:hiddenLine xmlns:a14="http://schemas.microsoft.com/office/drawing/2010/main" w="9525">
-                <a:solidFill>
-                  <a:srgbClr val="000000"/>
-                </a:solidFill>
-                <a:miter lim="800000"/>
-                <a:headEnd/>
-                <a:tailEnd/>
-              </a14:hiddenLine>
-            </a:ext>
-          </a:extLst>
-        </p:spPr>
-      </p:pic>
-    </p:spTree>
-    <p:extLst>
-      <p:ext uri="{BB962C8B-B14F-4D97-AF65-F5344CB8AC3E}">
-        <p14:creationId xmlns:p14="http://schemas.microsoft.com/office/powerpoint/2010/main" val="3455027623"/>
-      </p:ext>
-    </p:extLst>
-  </p:cSld>
-  <p:clrMapOvr>
-    <a:masterClrMapping/>
-  </p:clrMapOvr>
-</p:sld>
-</file>
-
-<file path=ppt/slides/slide29.xml><?xml version="1.0" encoding="utf-8"?>
-<p:sld xmlns:a="http://schemas.openxmlformats.org/drawingml/2006/main" xmlns:r="http://schemas.openxmlformats.org/officeDocument/2006/relationships" xmlns:p="http://schemas.openxmlformats.org/presentationml/2006/main">
-  <p:cSld>
-    <p:spTree>
-      <p:nvGrpSpPr>
-        <p:cNvPr id="1" name=""/>
-        <p:cNvGrpSpPr/>
-        <p:nvPr/>
-      </p:nvGrpSpPr>
-      <p:grpSpPr>
-        <a:xfrm>
-          <a:off x="0" y="0"/>
-          <a:ext cx="0" cy="0"/>
-          <a:chOff x="0" y="0"/>
-          <a:chExt cx="0" cy="0"/>
-        </a:xfrm>
-      </p:grpSpPr>
-      <p:pic>
-        <p:nvPicPr>
-          <p:cNvPr id="5" name="Picture 5"/>
-          <p:cNvPicPr>
-            <a:picLocks noChangeAspect="1" noChangeArrowheads="1"/>
-          </p:cNvPicPr>
-          <p:nvPr/>
-        </p:nvPicPr>
-        <p:blipFill>
-          <a:blip r:embed="rId2">
-            <a:extLst>
-              <a:ext uri="{28A0092B-C50C-407E-A947-70E740481C1C}">
-                <a14:useLocalDpi xmlns:a14="http://schemas.microsoft.com/office/drawing/2010/main" val="0"/>
-              </a:ext>
-            </a:extLst>
-          </a:blip>
-          <a:srcRect/>
-          <a:stretch>
-            <a:fillRect/>
-          </a:stretch>
-        </p:blipFill>
-        <p:spPr bwMode="auto">
-          <a:xfrm>
-            <a:off x="303213" y="1219200"/>
-            <a:ext cx="8537575" cy="5029200"/>
-          </a:xfrm>
-          <a:prstGeom prst="rect">
-            <a:avLst/>
-          </a:prstGeom>
-          <a:noFill/>
-          <a:ln>
-            <a:noFill/>
-          </a:ln>
-          <a:extLst>
-            <a:ext uri="{909E8E84-426E-40DD-AFC4-6F175D3DCCD1}">
-              <a14:hiddenFill xmlns:a14="http://schemas.microsoft.com/office/drawing/2010/main">
-                <a:solidFill>
-                  <a:srgbClr val="FFFFFF"/>
-                </a:solidFill>
-              </a14:hiddenFill>
-            </a:ext>
-            <a:ext uri="{91240B29-F687-4F45-9708-019B960494DF}">
-              <a14:hiddenLine xmlns:a14="http://schemas.microsoft.com/office/drawing/2010/main" w="9525">
-                <a:solidFill>
-                  <a:srgbClr val="000000"/>
-                </a:solidFill>
-                <a:miter lim="800000"/>
-                <a:headEnd/>
-                <a:tailEnd/>
-              </a14:hiddenLine>
-            </a:ext>
-          </a:extLst>
-        </p:spPr>
-      </p:pic>
-      <p:sp>
-        <p:nvSpPr>
-          <p:cNvPr id="2" name="Title 1"/>
-          <p:cNvSpPr>
-            <a:spLocks noGrp="1"/>
-          </p:cNvSpPr>
-          <p:nvPr>
-            <p:ph type="title"/>
-          </p:nvPr>
-        </p:nvSpPr>
-        <p:spPr>
-          <a:xfrm>
-            <a:off x="457200" y="99646"/>
-            <a:ext cx="8229600" cy="1143000"/>
-          </a:xfrm>
-        </p:spPr>
-        <p:txBody>
-          <a:bodyPr>
-            <a:normAutofit/>
-          </a:bodyPr>
-          <a:lstStyle/>
-          <a:p>
-            <a:r>
-              <a:rPr lang="en-US" altLang="en-US" sz="3200" dirty="0"/>
-              <a:t>Figure 4.9</a:t>
-            </a:r>
-            <a:br>
-              <a:rPr lang="en-US" altLang="en-US" sz="3600" dirty="0"/>
-            </a:br>
-            <a:r>
-              <a:rPr lang="en-US" altLang="en-US" sz="3600" dirty="0"/>
-              <a:t>Sample Run of Water Bill Program</a:t>
-            </a:r>
-            <a:endParaRPr lang="en-US" sz="3600" dirty="0"/>
-          </a:p>
-        </p:txBody>
-      </p:sp>
-      <p:sp>
-        <p:nvSpPr>
-          <p:cNvPr id="3" name="Footer Placeholder 2"/>
-          <p:cNvSpPr>
-            <a:spLocks noGrp="1"/>
-          </p:cNvSpPr>
-          <p:nvPr>
-            <p:ph type="ftr" sz="quarter" idx="11"/>
-          </p:nvPr>
-        </p:nvSpPr>
-        <p:spPr/>
-        <p:txBody>
-          <a:bodyPr/>
-          <a:lstStyle/>
-          <a:p>
-            <a:r>
-              <a:rPr lang="en-US"/>
-              <a:t>© 2016 Pearson Education, Inc., Hoboken, NJ.  All rights reserved.</a:t>
-            </a:r>
-          </a:p>
-        </p:txBody>
-      </p:sp>
-      <p:sp>
-        <p:nvSpPr>
-          <p:cNvPr id="4" name="Slide Number Placeholder 3"/>
-          <p:cNvSpPr>
-            <a:spLocks noGrp="1"/>
-          </p:cNvSpPr>
-          <p:nvPr>
-            <p:ph type="sldNum" sz="quarter" idx="12"/>
-          </p:nvPr>
-        </p:nvSpPr>
-        <p:spPr/>
-        <p:txBody>
-          <a:bodyPr/>
-          <a:lstStyle/>
-          <a:p>
-            <a:fld id="{85A8DA42-601D-40A8-83CA-2F2CBDE5F9F0}" type="slidenum">
-              <a:rPr lang="en-US" smtClean="0"/>
-              <a:t>29</a:t>
-            </a:fld>
-            <a:endParaRPr lang="en-US"/>
-          </a:p>
-        </p:txBody>
-      </p:sp>
-    </p:spTree>
-    <p:extLst>
-      <p:ext uri="{BB962C8B-B14F-4D97-AF65-F5344CB8AC3E}">
-        <p14:creationId xmlns:p14="http://schemas.microsoft.com/office/powerpoint/2010/main" val="1423836703"/>
-      </p:ext>
-    </p:extLst>
-  </p:cSld>
-  <p:clrMapOvr>
-    <a:masterClrMapping/>
-  </p:clrMapOvr>
-</p:sld>
-</file>
-
-<file path=ppt/slides/slide3.xml><?xml version="1.0" encoding="utf-8"?>
-<p:sld xmlns:a="http://schemas.openxmlformats.org/drawingml/2006/main" xmlns:r="http://schemas.openxmlformats.org/officeDocument/2006/relationships" xmlns:p="http://schemas.openxmlformats.org/presentationml/2006/main">
-  <p:cSld>
-    <p:spTree>
-      <p:nvGrpSpPr>
-        <p:cNvPr id="1" name=""/>
-        <p:cNvGrpSpPr/>
-        <p:nvPr/>
-      </p:nvGrpSpPr>
-      <p:grpSpPr>
-        <a:xfrm>
-          <a:off x="0" y="0"/>
-          <a:ext cx="0" cy="0"/>
-          <a:chOff x="0" y="0"/>
-          <a:chExt cx="0" cy="0"/>
-        </a:xfrm>
-      </p:grpSpPr>
-      <p:sp>
-        <p:nvSpPr>
-          <p:cNvPr id="2" name="Title 1"/>
-          <p:cNvSpPr>
-            <a:spLocks noGrp="1"/>
-          </p:cNvSpPr>
-          <p:nvPr>
-            <p:ph type="title"/>
-          </p:nvPr>
-        </p:nvSpPr>
-        <p:spPr/>
-        <p:txBody>
-          <a:bodyPr/>
-          <a:lstStyle/>
-          <a:p>
-            <a:r>
-              <a:rPr lang="en-US" dirty="0"/>
-              <a:t>Chapter Objectives</a:t>
+              <a:t>Nested if-statement</a:t>
             </a:r>
           </a:p>
         </p:txBody>
@@ -7710,45 +5943,121 @@
           <a:p>
             <a:r>
               <a:rPr lang="en-US" dirty="0"/>
-              <a:t>To learn how to write selection statements that choose between two alternatives in a program using the if statement</a:t>
-            </a:r>
-          </a:p>
-          <a:p>
+              <a:t>an if statement with another if statement as its true task or its false task</a:t>
+            </a:r>
+          </a:p>
+          <a:p>
+            <a:endParaRPr lang="en-US" dirty="0"/>
+          </a:p>
+          <a:p>
+            <a:pPr marL="457200" lvl="1" indent="0">
+              <a:buNone/>
+            </a:pPr>
             <a:r>
               <a:rPr lang="en-US" dirty="0"/>
-              <a:t>To learn how to implement decisions tin algorithms using the </a:t>
-            </a:r>
-            <a:r>
-              <a:rPr lang="en-US" dirty="0">
-                <a:latin typeface="Cambria" panose="02040503050406030204" pitchFamily="18" charset="0"/>
-              </a:rPr>
-              <a:t>if</a:t>
-            </a:r>
+              <a:t>if (x  &gt;  0)</a:t>
+            </a:r>
+          </a:p>
+          <a:p>
+            <a:pPr marL="457200" lvl="1" indent="0">
+              <a:buNone/>
+            </a:pPr>
             <a:r>
               <a:rPr lang="en-US" dirty="0"/>
-              <a:t> statement</a:t>
-            </a:r>
-          </a:p>
-          <a:p>
+              <a:t>	</a:t>
+            </a:r>
+            <a:r>
+              <a:rPr lang="en-US" dirty="0" err="1"/>
+              <a:t>num_pos</a:t>
+            </a:r>
             <a:r>
               <a:rPr lang="en-US" dirty="0"/>
-              <a:t>To understand how to select among more than two alternatives by nesting </a:t>
-            </a:r>
-            <a:r>
-              <a:rPr lang="en-US" dirty="0">
-                <a:latin typeface="Cambria" panose="02040503050406030204" pitchFamily="18" charset="0"/>
-              </a:rPr>
-              <a:t>if</a:t>
+              <a:t>  =  </a:t>
+            </a:r>
+            <a:r>
+              <a:rPr lang="en-US" dirty="0" err="1"/>
+              <a:t>num_pos</a:t>
             </a:r>
             <a:r>
               <a:rPr lang="en-US" dirty="0"/>
-              <a:t> statements</a:t>
-            </a:r>
-          </a:p>
-          <a:p>
+              <a:t>  + 1</a:t>
+            </a:r>
+          </a:p>
+          <a:p>
+            <a:pPr marL="457200" lvl="1" indent="0">
+              <a:buNone/>
+            </a:pPr>
             <a:r>
               <a:rPr lang="en-US" dirty="0"/>
-              <a:t>To learn how to use the switch statement as another technique for selecting among multiple alternatives</a:t>
+              <a:t>else</a:t>
+            </a:r>
+          </a:p>
+          <a:p>
+            <a:pPr marL="457200" lvl="1" indent="0">
+              <a:buNone/>
+            </a:pPr>
+            <a:r>
+              <a:rPr lang="en-US" dirty="0"/>
+              <a:t>	if (x  &lt;  0)</a:t>
+            </a:r>
+          </a:p>
+          <a:p>
+            <a:pPr marL="457200" lvl="1" indent="0">
+              <a:buNone/>
+            </a:pPr>
+            <a:r>
+              <a:rPr lang="en-US" dirty="0"/>
+              <a:t>		</a:t>
+            </a:r>
+            <a:r>
+              <a:rPr lang="en-US" dirty="0" err="1"/>
+              <a:t>num_neg</a:t>
+            </a:r>
+            <a:r>
+              <a:rPr lang="en-US" dirty="0"/>
+              <a:t> = </a:t>
+            </a:r>
+            <a:r>
+              <a:rPr lang="en-US" dirty="0" err="1"/>
+              <a:t>num_neg</a:t>
+            </a:r>
+            <a:r>
+              <a:rPr lang="en-US" dirty="0"/>
+              <a:t> + 1</a:t>
+            </a:r>
+          </a:p>
+          <a:p>
+            <a:pPr marL="457200" lvl="1" indent="0">
+              <a:buNone/>
+            </a:pPr>
+            <a:r>
+              <a:rPr lang="en-US" dirty="0"/>
+              <a:t>	else   /* x equals 0 */</a:t>
+            </a:r>
+          </a:p>
+          <a:p>
+            <a:pPr marL="457200" lvl="1" indent="0">
+              <a:buNone/>
+            </a:pPr>
+            <a:r>
+              <a:rPr lang="en-US" dirty="0"/>
+              <a:t>		</a:t>
+            </a:r>
+            <a:r>
+              <a:rPr lang="en-US" dirty="0" err="1"/>
+              <a:t>num_zero</a:t>
+            </a:r>
+            <a:r>
+              <a:rPr lang="en-US" dirty="0"/>
+              <a:t> = </a:t>
+            </a:r>
+            <a:r>
+              <a:rPr lang="en-US" dirty="0" err="1"/>
+              <a:t>num_zero</a:t>
+            </a:r>
+            <a:r>
+              <a:rPr lang="en-US" dirty="0"/>
+              <a:t> + 1</a:t>
             </a:r>
           </a:p>
         </p:txBody>
@@ -7792,841 +6101,7 @@
           <a:p>
             <a:fld id="{85A8DA42-601D-40A8-83CA-2F2CBDE5F9F0}" type="slidenum">
               <a:rPr lang="en-US" smtClean="0"/>
-              <a:t>3</a:t>
-            </a:fld>
-            <a:endParaRPr lang="en-US"/>
-          </a:p>
-        </p:txBody>
-      </p:sp>
-    </p:spTree>
-    <p:extLst>
-      <p:ext uri="{BB962C8B-B14F-4D97-AF65-F5344CB8AC3E}">
-        <p14:creationId xmlns:p14="http://schemas.microsoft.com/office/powerpoint/2010/main" val="3541489098"/>
-      </p:ext>
-    </p:extLst>
-  </p:cSld>
-  <p:clrMapOvr>
-    <a:masterClrMapping/>
-  </p:clrMapOvr>
-</p:sld>
-</file>
-
-<file path=ppt/slides/slide30.xml><?xml version="1.0" encoding="utf-8"?>
-<p:sld xmlns:a="http://schemas.openxmlformats.org/drawingml/2006/main" xmlns:r="http://schemas.openxmlformats.org/officeDocument/2006/relationships" xmlns:p="http://schemas.openxmlformats.org/presentationml/2006/main">
-  <p:cSld>
-    <p:spTree>
-      <p:nvGrpSpPr>
-        <p:cNvPr id="1" name=""/>
-        <p:cNvGrpSpPr/>
-        <p:nvPr/>
-      </p:nvGrpSpPr>
-      <p:grpSpPr>
-        <a:xfrm>
-          <a:off x="0" y="0"/>
-          <a:ext cx="0" cy="0"/>
-          <a:chOff x="0" y="0"/>
-          <a:chExt cx="0" cy="0"/>
-        </a:xfrm>
-      </p:grpSpPr>
-      <p:sp>
-        <p:nvSpPr>
-          <p:cNvPr id="2" name="Title 1"/>
-          <p:cNvSpPr>
-            <a:spLocks noGrp="1"/>
-          </p:cNvSpPr>
-          <p:nvPr>
-            <p:ph type="title"/>
-          </p:nvPr>
-        </p:nvSpPr>
-        <p:spPr/>
-        <p:txBody>
-          <a:bodyPr/>
-          <a:lstStyle/>
-          <a:p>
-            <a:r>
-              <a:rPr lang="en-US" dirty="0"/>
-              <a:t>Program Style</a:t>
-            </a:r>
-          </a:p>
-        </p:txBody>
-      </p:sp>
-      <p:sp>
-        <p:nvSpPr>
-          <p:cNvPr id="3" name="Content Placeholder 2"/>
-          <p:cNvSpPr>
-            <a:spLocks noGrp="1"/>
-          </p:cNvSpPr>
-          <p:nvPr>
-            <p:ph idx="1"/>
-          </p:nvPr>
-        </p:nvSpPr>
-        <p:spPr/>
-        <p:txBody>
-          <a:bodyPr/>
-          <a:lstStyle/>
-          <a:p>
-            <a:r>
-              <a:rPr lang="en-US" dirty="0"/>
-              <a:t>Consistent Use of Names in Functions</a:t>
-            </a:r>
-          </a:p>
-          <a:p>
-            <a:r>
-              <a:rPr lang="en-US" dirty="0"/>
-              <a:t>Cohesive Functions</a:t>
-            </a:r>
-          </a:p>
-          <a:p>
-            <a:pPr lvl="1"/>
-            <a:r>
-              <a:rPr lang="en-US" dirty="0"/>
-              <a:t>a function that performs a single operation</a:t>
-            </a:r>
-          </a:p>
-          <a:p>
-            <a:r>
-              <a:rPr lang="en-US" dirty="0"/>
-              <a:t>Using Constant Macros to Enhance Readability and Ease Maintenance</a:t>
-            </a:r>
-          </a:p>
-        </p:txBody>
-      </p:sp>
-      <p:sp>
-        <p:nvSpPr>
-          <p:cNvPr id="4" name="Footer Placeholder 3"/>
-          <p:cNvSpPr>
-            <a:spLocks noGrp="1"/>
-          </p:cNvSpPr>
-          <p:nvPr>
-            <p:ph type="ftr" sz="quarter" idx="11"/>
-          </p:nvPr>
-        </p:nvSpPr>
-        <p:spPr/>
-        <p:txBody>
-          <a:bodyPr/>
-          <a:lstStyle/>
-          <a:p>
-            <a:r>
-              <a:rPr lang="en-US"/>
-              <a:t>© 2016 Pearson Education, Inc., Hoboken, NJ.  All rights reserved.</a:t>
-            </a:r>
-          </a:p>
-        </p:txBody>
-      </p:sp>
-      <p:sp>
-        <p:nvSpPr>
-          <p:cNvPr id="5" name="Slide Number Placeholder 4"/>
-          <p:cNvSpPr>
-            <a:spLocks noGrp="1"/>
-          </p:cNvSpPr>
-          <p:nvPr>
-            <p:ph type="sldNum" sz="quarter" idx="12"/>
-          </p:nvPr>
-        </p:nvSpPr>
-        <p:spPr/>
-        <p:txBody>
-          <a:bodyPr/>
-          <a:lstStyle/>
-          <a:p>
-            <a:fld id="{85A8DA42-601D-40A8-83CA-2F2CBDE5F9F0}" type="slidenum">
-              <a:rPr lang="en-US" smtClean="0"/>
-              <a:t>30</a:t>
-            </a:fld>
-            <a:endParaRPr lang="en-US"/>
-          </a:p>
-        </p:txBody>
-      </p:sp>
-    </p:spTree>
-    <p:extLst>
-      <p:ext uri="{BB962C8B-B14F-4D97-AF65-F5344CB8AC3E}">
-        <p14:creationId xmlns:p14="http://schemas.microsoft.com/office/powerpoint/2010/main" val="2767146184"/>
-      </p:ext>
-    </p:extLst>
-  </p:cSld>
-  <p:clrMapOvr>
-    <a:masterClrMapping/>
-  </p:clrMapOvr>
-</p:sld>
-</file>
-
-<file path=ppt/slides/slide31.xml><?xml version="1.0" encoding="utf-8"?>
-<p:sld xmlns:a="http://schemas.openxmlformats.org/drawingml/2006/main" xmlns:r="http://schemas.openxmlformats.org/officeDocument/2006/relationships" xmlns:p="http://schemas.openxmlformats.org/presentationml/2006/main">
-  <p:cSld>
-    <p:spTree>
-      <p:nvGrpSpPr>
-        <p:cNvPr id="1" name=""/>
-        <p:cNvGrpSpPr/>
-        <p:nvPr/>
-      </p:nvGrpSpPr>
-      <p:grpSpPr>
-        <a:xfrm>
-          <a:off x="0" y="0"/>
-          <a:ext cx="0" cy="0"/>
-          <a:chOff x="0" y="0"/>
-          <a:chExt cx="0" cy="0"/>
-        </a:xfrm>
-      </p:grpSpPr>
-      <p:sp>
-        <p:nvSpPr>
-          <p:cNvPr id="2" name="Title 1"/>
-          <p:cNvSpPr>
-            <a:spLocks noGrp="1"/>
-          </p:cNvSpPr>
-          <p:nvPr>
-            <p:ph type="ctrTitle"/>
-          </p:nvPr>
-        </p:nvSpPr>
-        <p:spPr/>
-        <p:txBody>
-          <a:bodyPr/>
-          <a:lstStyle/>
-          <a:p>
-            <a:r>
-              <a:rPr lang="en-US" dirty="0"/>
-              <a:t>Water Bill with Conservation Requirements</a:t>
-            </a:r>
-          </a:p>
-        </p:txBody>
-      </p:sp>
-      <p:sp>
-        <p:nvSpPr>
-          <p:cNvPr id="3" name="Subtitle 2"/>
-          <p:cNvSpPr>
-            <a:spLocks noGrp="1"/>
-          </p:cNvSpPr>
-          <p:nvPr>
-            <p:ph type="subTitle" idx="1"/>
-          </p:nvPr>
-        </p:nvSpPr>
-        <p:spPr/>
-        <p:txBody>
-          <a:bodyPr/>
-          <a:lstStyle/>
-          <a:p>
-            <a:r>
-              <a:rPr lang="en-US" dirty="0"/>
-              <a:t>Case Study</a:t>
-            </a:r>
-          </a:p>
-        </p:txBody>
-      </p:sp>
-      <p:sp>
-        <p:nvSpPr>
-          <p:cNvPr id="4" name="Footer Placeholder 3"/>
-          <p:cNvSpPr>
-            <a:spLocks noGrp="1"/>
-          </p:cNvSpPr>
-          <p:nvPr>
-            <p:ph type="ftr" sz="quarter" idx="11"/>
-          </p:nvPr>
-        </p:nvSpPr>
-        <p:spPr/>
-        <p:txBody>
-          <a:bodyPr/>
-          <a:lstStyle/>
-          <a:p>
-            <a:r>
-              <a:rPr lang="en-US"/>
-              <a:t>© 2016 Pearson Education, Inc., Hoboken, NJ.  All rights reserved.</a:t>
-            </a:r>
-          </a:p>
-        </p:txBody>
-      </p:sp>
-      <p:sp>
-        <p:nvSpPr>
-          <p:cNvPr id="5" name="Slide Number Placeholder 4"/>
-          <p:cNvSpPr>
-            <a:spLocks noGrp="1"/>
-          </p:cNvSpPr>
-          <p:nvPr>
-            <p:ph type="sldNum" sz="quarter" idx="12"/>
-          </p:nvPr>
-        </p:nvSpPr>
-        <p:spPr/>
-        <p:txBody>
-          <a:bodyPr/>
-          <a:lstStyle/>
-          <a:p>
-            <a:fld id="{85A8DA42-601D-40A8-83CA-2F2CBDE5F9F0}" type="slidenum">
-              <a:rPr lang="en-US" smtClean="0"/>
-              <a:t>31</a:t>
-            </a:fld>
-            <a:endParaRPr lang="en-US"/>
-          </a:p>
-        </p:txBody>
-      </p:sp>
-    </p:spTree>
-    <p:extLst>
-      <p:ext uri="{BB962C8B-B14F-4D97-AF65-F5344CB8AC3E}">
-        <p14:creationId xmlns:p14="http://schemas.microsoft.com/office/powerpoint/2010/main" val="582607804"/>
-      </p:ext>
-    </p:extLst>
-  </p:cSld>
-  <p:clrMapOvr>
-    <a:masterClrMapping/>
-  </p:clrMapOvr>
-</p:sld>
-</file>
-
-<file path=ppt/slides/slide32.xml><?xml version="1.0" encoding="utf-8"?>
-<p:sld xmlns:a="http://schemas.openxmlformats.org/drawingml/2006/main" xmlns:r="http://schemas.openxmlformats.org/officeDocument/2006/relationships" xmlns:p="http://schemas.openxmlformats.org/presentationml/2006/main">
-  <p:cSld>
-    <p:spTree>
-      <p:nvGrpSpPr>
-        <p:cNvPr id="1" name=""/>
-        <p:cNvGrpSpPr/>
-        <p:nvPr/>
-      </p:nvGrpSpPr>
-      <p:grpSpPr>
-        <a:xfrm>
-          <a:off x="0" y="0"/>
-          <a:ext cx="0" cy="0"/>
-          <a:chOff x="0" y="0"/>
-          <a:chExt cx="0" cy="0"/>
-        </a:xfrm>
-      </p:grpSpPr>
-      <p:sp>
-        <p:nvSpPr>
-          <p:cNvPr id="2" name="Title 1"/>
-          <p:cNvSpPr>
-            <a:spLocks noGrp="1"/>
-          </p:cNvSpPr>
-          <p:nvPr>
-            <p:ph type="title"/>
-          </p:nvPr>
-        </p:nvSpPr>
-        <p:spPr/>
-        <p:txBody>
-          <a:bodyPr>
-            <a:normAutofit/>
-          </a:bodyPr>
-          <a:lstStyle/>
-          <a:p>
-            <a:r>
-              <a:rPr lang="en-US" altLang="en-US" sz="3200" dirty="0"/>
-              <a:t>Figure 4.10</a:t>
-            </a:r>
-            <a:br>
-              <a:rPr lang="en-US" altLang="en-US" sz="3600" dirty="0"/>
-            </a:br>
-            <a:r>
-              <a:rPr lang="en-US" altLang="en-US" sz="3600" dirty="0"/>
-              <a:t>Function </a:t>
-            </a:r>
-            <a:r>
-              <a:rPr lang="en-US" altLang="en-US" sz="3600" dirty="0" err="1"/>
-              <a:t>comp_use_charge</a:t>
-            </a:r>
-            <a:r>
-              <a:rPr lang="en-US" altLang="en-US" sz="3600" dirty="0"/>
-              <a:t> Revised</a:t>
-            </a:r>
-            <a:endParaRPr lang="en-US" sz="3600" dirty="0"/>
-          </a:p>
-        </p:txBody>
-      </p:sp>
-      <p:sp>
-        <p:nvSpPr>
-          <p:cNvPr id="3" name="Footer Placeholder 2"/>
-          <p:cNvSpPr>
-            <a:spLocks noGrp="1"/>
-          </p:cNvSpPr>
-          <p:nvPr>
-            <p:ph type="ftr" sz="quarter" idx="11"/>
-          </p:nvPr>
-        </p:nvSpPr>
-        <p:spPr/>
-        <p:txBody>
-          <a:bodyPr/>
-          <a:lstStyle/>
-          <a:p>
-            <a:r>
-              <a:rPr lang="en-US"/>
-              <a:t>© 2016 Pearson Education, Inc., Hoboken, NJ.  All rights reserved.</a:t>
-            </a:r>
-          </a:p>
-        </p:txBody>
-      </p:sp>
-      <p:sp>
-        <p:nvSpPr>
-          <p:cNvPr id="4" name="Slide Number Placeholder 3"/>
-          <p:cNvSpPr>
-            <a:spLocks noGrp="1"/>
-          </p:cNvSpPr>
-          <p:nvPr>
-            <p:ph type="sldNum" sz="quarter" idx="12"/>
-          </p:nvPr>
-        </p:nvSpPr>
-        <p:spPr/>
-        <p:txBody>
-          <a:bodyPr/>
-          <a:lstStyle/>
-          <a:p>
-            <a:fld id="{85A8DA42-601D-40A8-83CA-2F2CBDE5F9F0}" type="slidenum">
-              <a:rPr lang="en-US" smtClean="0"/>
-              <a:t>32</a:t>
-            </a:fld>
-            <a:endParaRPr lang="en-US"/>
-          </a:p>
-        </p:txBody>
-      </p:sp>
-      <p:pic>
-        <p:nvPicPr>
-          <p:cNvPr id="5" name="Picture 5"/>
-          <p:cNvPicPr>
-            <a:picLocks noChangeAspect="1" noChangeArrowheads="1"/>
-          </p:cNvPicPr>
-          <p:nvPr/>
-        </p:nvPicPr>
-        <p:blipFill>
-          <a:blip r:embed="rId2">
-            <a:extLst>
-              <a:ext uri="{28A0092B-C50C-407E-A947-70E740481C1C}">
-                <a14:useLocalDpi xmlns:a14="http://schemas.microsoft.com/office/drawing/2010/main" val="0"/>
-              </a:ext>
-            </a:extLst>
-          </a:blip>
-          <a:srcRect/>
-          <a:stretch>
-            <a:fillRect/>
-          </a:stretch>
-        </p:blipFill>
-        <p:spPr bwMode="auto">
-          <a:xfrm>
-            <a:off x="152400" y="1654273"/>
-            <a:ext cx="8839200" cy="3362939"/>
-          </a:xfrm>
-          <a:prstGeom prst="rect">
-            <a:avLst/>
-          </a:prstGeom>
-          <a:noFill/>
-          <a:ln>
-            <a:noFill/>
-          </a:ln>
-          <a:extLst>
-            <a:ext uri="{909E8E84-426E-40DD-AFC4-6F175D3DCCD1}">
-              <a14:hiddenFill xmlns:a14="http://schemas.microsoft.com/office/drawing/2010/main">
-                <a:solidFill>
-                  <a:srgbClr val="FFFFFF"/>
-                </a:solidFill>
-              </a14:hiddenFill>
-            </a:ext>
-            <a:ext uri="{91240B29-F687-4F45-9708-019B960494DF}">
-              <a14:hiddenLine xmlns:a14="http://schemas.microsoft.com/office/drawing/2010/main" w="9525">
-                <a:solidFill>
-                  <a:srgbClr val="000000"/>
-                </a:solidFill>
-                <a:miter lim="800000"/>
-                <a:headEnd/>
-                <a:tailEnd/>
-              </a14:hiddenLine>
-            </a:ext>
-          </a:extLst>
-        </p:spPr>
-      </p:pic>
-    </p:spTree>
-    <p:extLst>
-      <p:ext uri="{BB962C8B-B14F-4D97-AF65-F5344CB8AC3E}">
-        <p14:creationId xmlns:p14="http://schemas.microsoft.com/office/powerpoint/2010/main" val="2379769491"/>
-      </p:ext>
-    </p:extLst>
-  </p:cSld>
-  <p:clrMapOvr>
-    <a:masterClrMapping/>
-  </p:clrMapOvr>
-</p:sld>
-</file>
-
-<file path=ppt/slides/slide33.xml><?xml version="1.0" encoding="utf-8"?>
-<p:sld xmlns:a="http://schemas.openxmlformats.org/drawingml/2006/main" xmlns:r="http://schemas.openxmlformats.org/officeDocument/2006/relationships" xmlns:p="http://schemas.openxmlformats.org/presentationml/2006/main">
-  <p:cSld>
-    <p:spTree>
-      <p:nvGrpSpPr>
-        <p:cNvPr id="1" name=""/>
-        <p:cNvGrpSpPr/>
-        <p:nvPr/>
-      </p:nvGrpSpPr>
-      <p:grpSpPr>
-        <a:xfrm>
-          <a:off x="0" y="0"/>
-          <a:ext cx="0" cy="0"/>
-          <a:chOff x="0" y="0"/>
-          <a:chExt cx="0" cy="0"/>
-        </a:xfrm>
-      </p:grpSpPr>
-      <p:sp>
-        <p:nvSpPr>
-          <p:cNvPr id="2" name="Title 1"/>
-          <p:cNvSpPr>
-            <a:spLocks noGrp="1"/>
-          </p:cNvSpPr>
-          <p:nvPr>
-            <p:ph type="title"/>
-          </p:nvPr>
-        </p:nvSpPr>
-        <p:spPr/>
-        <p:txBody>
-          <a:bodyPr>
-            <a:normAutofit/>
-          </a:bodyPr>
-          <a:lstStyle/>
-          <a:p>
-            <a:r>
-              <a:rPr lang="en-US" altLang="en-US" sz="3200" dirty="0"/>
-              <a:t>Figure 4.10</a:t>
-            </a:r>
-            <a:br>
-              <a:rPr lang="en-US" altLang="en-US" sz="3600" dirty="0"/>
-            </a:br>
-            <a:r>
-              <a:rPr lang="en-US" altLang="en-US" sz="3600" dirty="0"/>
-              <a:t>Function </a:t>
-            </a:r>
-            <a:r>
-              <a:rPr lang="en-US" altLang="en-US" sz="3600" dirty="0" err="1"/>
-              <a:t>comp_use_charge</a:t>
-            </a:r>
-            <a:r>
-              <a:rPr lang="en-US" altLang="en-US" sz="3600" dirty="0"/>
-              <a:t> Revised </a:t>
-            </a:r>
-            <a:r>
-              <a:rPr lang="en-US" altLang="en-US" sz="3200" dirty="0"/>
-              <a:t>(cont.)</a:t>
-            </a:r>
-            <a:endParaRPr lang="en-US" sz="3600" dirty="0"/>
-          </a:p>
-        </p:txBody>
-      </p:sp>
-      <p:sp>
-        <p:nvSpPr>
-          <p:cNvPr id="3" name="Footer Placeholder 2"/>
-          <p:cNvSpPr>
-            <a:spLocks noGrp="1"/>
-          </p:cNvSpPr>
-          <p:nvPr>
-            <p:ph type="ftr" sz="quarter" idx="11"/>
-          </p:nvPr>
-        </p:nvSpPr>
-        <p:spPr/>
-        <p:txBody>
-          <a:bodyPr/>
-          <a:lstStyle/>
-          <a:p>
-            <a:r>
-              <a:rPr lang="en-US"/>
-              <a:t>© 2016 Pearson Education, Inc., Hoboken, NJ.  All rights reserved.</a:t>
-            </a:r>
-          </a:p>
-        </p:txBody>
-      </p:sp>
-      <p:sp>
-        <p:nvSpPr>
-          <p:cNvPr id="4" name="Slide Number Placeholder 3"/>
-          <p:cNvSpPr>
-            <a:spLocks noGrp="1"/>
-          </p:cNvSpPr>
-          <p:nvPr>
-            <p:ph type="sldNum" sz="quarter" idx="12"/>
-          </p:nvPr>
-        </p:nvSpPr>
-        <p:spPr/>
-        <p:txBody>
-          <a:bodyPr/>
-          <a:lstStyle/>
-          <a:p>
-            <a:fld id="{85A8DA42-601D-40A8-83CA-2F2CBDE5F9F0}" type="slidenum">
-              <a:rPr lang="en-US" smtClean="0"/>
-              <a:t>33</a:t>
-            </a:fld>
-            <a:endParaRPr lang="en-US"/>
-          </a:p>
-        </p:txBody>
-      </p:sp>
-      <p:pic>
-        <p:nvPicPr>
-          <p:cNvPr id="5" name="Picture 5"/>
-          <p:cNvPicPr>
-            <a:picLocks noChangeAspect="1" noChangeArrowheads="1"/>
-          </p:cNvPicPr>
-          <p:nvPr/>
-        </p:nvPicPr>
-        <p:blipFill>
-          <a:blip r:embed="rId2">
-            <a:extLst>
-              <a:ext uri="{28A0092B-C50C-407E-A947-70E740481C1C}">
-                <a14:useLocalDpi xmlns:a14="http://schemas.microsoft.com/office/drawing/2010/main" val="0"/>
-              </a:ext>
-            </a:extLst>
-          </a:blip>
-          <a:srcRect/>
-          <a:stretch>
-            <a:fillRect/>
-          </a:stretch>
-        </p:blipFill>
-        <p:spPr bwMode="auto">
-          <a:xfrm>
-            <a:off x="228600" y="2209800"/>
-            <a:ext cx="8610600" cy="2674368"/>
-          </a:xfrm>
-          <a:prstGeom prst="rect">
-            <a:avLst/>
-          </a:prstGeom>
-          <a:noFill/>
-          <a:ln>
-            <a:noFill/>
-          </a:ln>
-          <a:extLst>
-            <a:ext uri="{909E8E84-426E-40DD-AFC4-6F175D3DCCD1}">
-              <a14:hiddenFill xmlns:a14="http://schemas.microsoft.com/office/drawing/2010/main">
-                <a:solidFill>
-                  <a:srgbClr val="FFFFFF"/>
-                </a:solidFill>
-              </a14:hiddenFill>
-            </a:ext>
-            <a:ext uri="{91240B29-F687-4F45-9708-019B960494DF}">
-              <a14:hiddenLine xmlns:a14="http://schemas.microsoft.com/office/drawing/2010/main" w="9525">
-                <a:solidFill>
-                  <a:srgbClr val="000000"/>
-                </a:solidFill>
-                <a:miter lim="800000"/>
-                <a:headEnd/>
-                <a:tailEnd/>
-              </a14:hiddenLine>
-            </a:ext>
-          </a:extLst>
-        </p:spPr>
-      </p:pic>
-    </p:spTree>
-    <p:extLst>
-      <p:ext uri="{BB962C8B-B14F-4D97-AF65-F5344CB8AC3E}">
-        <p14:creationId xmlns:p14="http://schemas.microsoft.com/office/powerpoint/2010/main" val="3575279628"/>
-      </p:ext>
-    </p:extLst>
-  </p:cSld>
-  <p:clrMapOvr>
-    <a:masterClrMapping/>
-  </p:clrMapOvr>
-</p:sld>
-</file>
-
-<file path=ppt/slides/slide34.xml><?xml version="1.0" encoding="utf-8"?>
-<p:sld xmlns:a="http://schemas.openxmlformats.org/drawingml/2006/main" xmlns:r="http://schemas.openxmlformats.org/officeDocument/2006/relationships" xmlns:p="http://schemas.openxmlformats.org/presentationml/2006/main">
-  <p:cSld>
-    <p:spTree>
-      <p:nvGrpSpPr>
-        <p:cNvPr id="1" name=""/>
-        <p:cNvGrpSpPr/>
-        <p:nvPr/>
-      </p:nvGrpSpPr>
-      <p:grpSpPr>
-        <a:xfrm>
-          <a:off x="0" y="0"/>
-          <a:ext cx="0" cy="0"/>
-          <a:chOff x="0" y="0"/>
-          <a:chExt cx="0" cy="0"/>
-        </a:xfrm>
-      </p:grpSpPr>
-      <p:sp>
-        <p:nvSpPr>
-          <p:cNvPr id="2" name="Title 1"/>
-          <p:cNvSpPr>
-            <a:spLocks noGrp="1"/>
-          </p:cNvSpPr>
-          <p:nvPr>
-            <p:ph type="title"/>
-          </p:nvPr>
-        </p:nvSpPr>
-        <p:spPr/>
-        <p:txBody>
-          <a:bodyPr/>
-          <a:lstStyle/>
-          <a:p>
-            <a:r>
-              <a:rPr lang="en-US" dirty="0"/>
-              <a:t>Nested if-statement</a:t>
-            </a:r>
-          </a:p>
-        </p:txBody>
-      </p:sp>
-      <p:sp>
-        <p:nvSpPr>
-          <p:cNvPr id="3" name="Content Placeholder 2"/>
-          <p:cNvSpPr>
-            <a:spLocks noGrp="1"/>
-          </p:cNvSpPr>
-          <p:nvPr>
-            <p:ph idx="1"/>
-          </p:nvPr>
-        </p:nvSpPr>
-        <p:spPr/>
-        <p:txBody>
-          <a:bodyPr>
-            <a:normAutofit fontScale="92500" lnSpcReduction="10000"/>
-          </a:bodyPr>
-          <a:lstStyle/>
-          <a:p>
-            <a:r>
-              <a:rPr lang="en-US" dirty="0"/>
-              <a:t>an if statement with another if statement as its true task or its false task</a:t>
-            </a:r>
-          </a:p>
-          <a:p>
-            <a:endParaRPr lang="en-US" dirty="0"/>
-          </a:p>
-          <a:p>
-            <a:pPr marL="457200" lvl="1" indent="0">
-              <a:buNone/>
-            </a:pPr>
-            <a:r>
-              <a:rPr lang="en-US" dirty="0"/>
-              <a:t>if (x  &gt;  0)</a:t>
-            </a:r>
-          </a:p>
-          <a:p>
-            <a:pPr marL="457200" lvl="1" indent="0">
-              <a:buNone/>
-            </a:pPr>
-            <a:r>
-              <a:rPr lang="en-US" dirty="0"/>
-              <a:t>	</a:t>
-            </a:r>
-            <a:r>
-              <a:rPr lang="en-US" dirty="0" err="1"/>
-              <a:t>num_pos</a:t>
-            </a:r>
-            <a:r>
-              <a:rPr lang="en-US" dirty="0"/>
-              <a:t>  =  </a:t>
-            </a:r>
-            <a:r>
-              <a:rPr lang="en-US" dirty="0" err="1"/>
-              <a:t>num_pos</a:t>
-            </a:r>
-            <a:r>
-              <a:rPr lang="en-US" dirty="0"/>
-              <a:t>  + 1</a:t>
-            </a:r>
-          </a:p>
-          <a:p>
-            <a:pPr marL="457200" lvl="1" indent="0">
-              <a:buNone/>
-            </a:pPr>
-            <a:r>
-              <a:rPr lang="en-US" dirty="0"/>
-              <a:t>else</a:t>
-            </a:r>
-          </a:p>
-          <a:p>
-            <a:pPr marL="457200" lvl="1" indent="0">
-              <a:buNone/>
-            </a:pPr>
-            <a:r>
-              <a:rPr lang="en-US" dirty="0"/>
-              <a:t>	if (x  &lt;  0)</a:t>
-            </a:r>
-          </a:p>
-          <a:p>
-            <a:pPr marL="457200" lvl="1" indent="0">
-              <a:buNone/>
-            </a:pPr>
-            <a:r>
-              <a:rPr lang="en-US" dirty="0"/>
-              <a:t>		</a:t>
-            </a:r>
-            <a:r>
-              <a:rPr lang="en-US" dirty="0" err="1"/>
-              <a:t>num_neg</a:t>
-            </a:r>
-            <a:r>
-              <a:rPr lang="en-US" dirty="0"/>
-              <a:t> = </a:t>
-            </a:r>
-            <a:r>
-              <a:rPr lang="en-US" dirty="0" err="1"/>
-              <a:t>num_neg</a:t>
-            </a:r>
-            <a:r>
-              <a:rPr lang="en-US" dirty="0"/>
-              <a:t> + 1</a:t>
-            </a:r>
-          </a:p>
-          <a:p>
-            <a:pPr marL="457200" lvl="1" indent="0">
-              <a:buNone/>
-            </a:pPr>
-            <a:r>
-              <a:rPr lang="en-US" dirty="0"/>
-              <a:t>	else   /* x equals 0 */</a:t>
-            </a:r>
-          </a:p>
-          <a:p>
-            <a:pPr marL="457200" lvl="1" indent="0">
-              <a:buNone/>
-            </a:pPr>
-            <a:r>
-              <a:rPr lang="en-US" dirty="0"/>
-              <a:t>		</a:t>
-            </a:r>
-            <a:r>
-              <a:rPr lang="en-US" dirty="0" err="1"/>
-              <a:t>num_zero</a:t>
-            </a:r>
-            <a:r>
-              <a:rPr lang="en-US" dirty="0"/>
-              <a:t> = </a:t>
-            </a:r>
-            <a:r>
-              <a:rPr lang="en-US" dirty="0" err="1"/>
-              <a:t>num_zero</a:t>
-            </a:r>
-            <a:r>
-              <a:rPr lang="en-US" dirty="0"/>
-              <a:t> + 1</a:t>
-            </a:r>
-          </a:p>
-        </p:txBody>
-      </p:sp>
-      <p:sp>
-        <p:nvSpPr>
-          <p:cNvPr id="4" name="Footer Placeholder 3"/>
-          <p:cNvSpPr>
-            <a:spLocks noGrp="1"/>
-          </p:cNvSpPr>
-          <p:nvPr>
-            <p:ph type="ftr" sz="quarter" idx="11"/>
-          </p:nvPr>
-        </p:nvSpPr>
-        <p:spPr/>
-        <p:txBody>
-          <a:bodyPr/>
-          <a:lstStyle/>
-          <a:p>
-            <a:r>
-              <a:rPr lang="en-US"/>
-              <a:t>© 2016 Pearson Education, Inc., Hoboken, NJ.  All rights reserved.</a:t>
-            </a:r>
-          </a:p>
-        </p:txBody>
-      </p:sp>
-      <p:sp>
-        <p:nvSpPr>
-          <p:cNvPr id="5" name="Slide Number Placeholder 4"/>
-          <p:cNvSpPr>
-            <a:spLocks noGrp="1"/>
-          </p:cNvSpPr>
-          <p:nvPr>
-            <p:ph type="sldNum" sz="quarter" idx="12"/>
-          </p:nvPr>
-        </p:nvSpPr>
-        <p:spPr/>
-        <p:txBody>
-          <a:bodyPr/>
-          <a:lstStyle/>
-          <a:p>
-            <a:fld id="{85A8DA42-601D-40A8-83CA-2F2CBDE5F9F0}" type="slidenum">
-              <a:rPr lang="en-US" smtClean="0"/>
-              <a:t>34</a:t>
+              <a:t>21</a:t>
             </a:fld>
             <a:endParaRPr lang="en-US"/>
           </a:p>
@@ -8645,7 +6120,7 @@
 </p:sld>
 </file>
 
-<file path=ppt/slides/slide35.xml><?xml version="1.0" encoding="utf-8"?>
+<file path=ppt/slides/slide22.xml><?xml version="1.0" encoding="utf-8"?>
 <p:sld xmlns:a="http://schemas.openxmlformats.org/drawingml/2006/main" xmlns:r="http://schemas.openxmlformats.org/officeDocument/2006/relationships" xmlns:p="http://schemas.openxmlformats.org/presentationml/2006/main">
   <p:cSld>
     <p:spTree>
@@ -8796,7 +6271,7 @@
           <a:p>
             <a:fld id="{85A8DA42-601D-40A8-83CA-2F2CBDE5F9F0}" type="slidenum">
               <a:rPr lang="en-US" smtClean="0"/>
-              <a:t>35</a:t>
+              <a:t>22</a:t>
             </a:fld>
             <a:endParaRPr lang="en-US"/>
           </a:p>
@@ -8815,7 +6290,7 @@
 </p:sld>
 </file>
 
-<file path=ppt/slides/slide36.xml><?xml version="1.0" encoding="utf-8"?>
+<file path=ppt/slides/slide23.xml><?xml version="1.0" encoding="utf-8"?>
 <p:sld xmlns:a="http://schemas.openxmlformats.org/drawingml/2006/main" xmlns:r="http://schemas.openxmlformats.org/officeDocument/2006/relationships" xmlns:p="http://schemas.openxmlformats.org/presentationml/2006/main">
   <p:cSld>
     <p:spTree>
@@ -9057,7 +6532,7 @@
           <a:p>
             <a:fld id="{85A8DA42-601D-40A8-83CA-2F2CBDE5F9F0}" type="slidenum">
               <a:rPr lang="en-US" smtClean="0"/>
-              <a:t>36</a:t>
+              <a:t>23</a:t>
             </a:fld>
             <a:endParaRPr lang="en-US"/>
           </a:p>
@@ -9174,7 +6649,7 @@
 </p:sld>
 </file>
 
-<file path=ppt/slides/slide37.xml><?xml version="1.0" encoding="utf-8"?>
+<file path=ppt/slides/slide24.xml><?xml version="1.0" encoding="utf-8"?>
 <p:sld xmlns:a="http://schemas.openxmlformats.org/drawingml/2006/main" xmlns:r="http://schemas.openxmlformats.org/officeDocument/2006/relationships" xmlns:p="http://schemas.openxmlformats.org/presentationml/2006/main">
   <p:cSld>
     <p:spTree>
@@ -9262,7 +6737,7 @@
           <a:p>
             <a:fld id="{85A8DA42-601D-40A8-83CA-2F2CBDE5F9F0}" type="slidenum">
               <a:rPr lang="en-US" smtClean="0"/>
-              <a:t>37</a:t>
+              <a:t>24</a:t>
             </a:fld>
             <a:endParaRPr lang="en-US"/>
           </a:p>
@@ -9335,7 +6810,7 @@
 </p:sld>
 </file>
 
-<file path=ppt/slides/slide38.xml><?xml version="1.0" encoding="utf-8"?>
+<file path=ppt/slides/slide25.xml><?xml version="1.0" encoding="utf-8"?>
 <p:sld xmlns:a="http://schemas.openxmlformats.org/drawingml/2006/main" xmlns:r="http://schemas.openxmlformats.org/officeDocument/2006/relationships" xmlns:p="http://schemas.openxmlformats.org/presentationml/2006/main">
   <p:cSld>
     <p:spTree>
@@ -9476,7 +6951,7 @@
           <a:p>
             <a:fld id="{85A8DA42-601D-40A8-83CA-2F2CBDE5F9F0}" type="slidenum">
               <a:rPr lang="en-US" smtClean="0"/>
-              <a:t>38</a:t>
+              <a:t>25</a:t>
             </a:fld>
             <a:endParaRPr lang="en-US"/>
           </a:p>
@@ -9567,7 +7042,7 @@
 </p:sld>
 </file>
 
-<file path=ppt/slides/slide39.xml><?xml version="1.0" encoding="utf-8"?>
+<file path=ppt/slides/slide26.xml><?xml version="1.0" encoding="utf-8"?>
 <p:sld xmlns:a="http://schemas.openxmlformats.org/drawingml/2006/main" xmlns:r="http://schemas.openxmlformats.org/officeDocument/2006/relationships" xmlns:p="http://schemas.openxmlformats.org/presentationml/2006/main">
   <p:cSld>
     <p:spTree>
@@ -9930,7 +7405,7 @@
           <a:p>
             <a:fld id="{85A8DA42-601D-40A8-83CA-2F2CBDE5F9F0}" type="slidenum">
               <a:rPr lang="en-US" smtClean="0"/>
-              <a:t>39</a:t>
+              <a:t>26</a:t>
             </a:fld>
             <a:endParaRPr lang="en-US"/>
           </a:p>
@@ -9949,146 +7424,7 @@
 </p:sld>
 </file>
 
-<file path=ppt/slides/slide4.xml><?xml version="1.0" encoding="utf-8"?>
-<p:sld xmlns:a="http://schemas.openxmlformats.org/drawingml/2006/main" xmlns:r="http://schemas.openxmlformats.org/officeDocument/2006/relationships" xmlns:p="http://schemas.openxmlformats.org/presentationml/2006/main">
-  <p:cSld>
-    <p:spTree>
-      <p:nvGrpSpPr>
-        <p:cNvPr id="1" name=""/>
-        <p:cNvGrpSpPr/>
-        <p:nvPr/>
-      </p:nvGrpSpPr>
-      <p:grpSpPr>
-        <a:xfrm>
-          <a:off x="0" y="0"/>
-          <a:ext cx="0" cy="0"/>
-          <a:chOff x="0" y="0"/>
-          <a:chExt cx="0" cy="0"/>
-        </a:xfrm>
-      </p:grpSpPr>
-      <p:sp>
-        <p:nvSpPr>
-          <p:cNvPr id="2" name="Title 1"/>
-          <p:cNvSpPr>
-            <a:spLocks noGrp="1"/>
-          </p:cNvSpPr>
-          <p:nvPr>
-            <p:ph type="title"/>
-          </p:nvPr>
-        </p:nvSpPr>
-        <p:spPr/>
-        <p:txBody>
-          <a:bodyPr/>
-          <a:lstStyle/>
-          <a:p>
-            <a:r>
-              <a:rPr lang="en-US" dirty="0"/>
-              <a:t>Control Structures</a:t>
-            </a:r>
-          </a:p>
-        </p:txBody>
-      </p:sp>
-      <p:sp>
-        <p:nvSpPr>
-          <p:cNvPr id="3" name="Content Placeholder 2"/>
-          <p:cNvSpPr>
-            <a:spLocks noGrp="1"/>
-          </p:cNvSpPr>
-          <p:nvPr>
-            <p:ph idx="1"/>
-          </p:nvPr>
-        </p:nvSpPr>
-        <p:spPr/>
-        <p:txBody>
-          <a:bodyPr/>
-          <a:lstStyle/>
-          <a:p>
-            <a:r>
-              <a:rPr lang="en-US" dirty="0"/>
-              <a:t>control structure</a:t>
-            </a:r>
-          </a:p>
-          <a:p>
-            <a:pPr lvl="1"/>
-            <a:r>
-              <a:rPr lang="en-US" dirty="0"/>
-              <a:t>a combination of individual instructions into a single logical unit with one entry point and one exit point</a:t>
-            </a:r>
-          </a:p>
-          <a:p>
-            <a:r>
-              <a:rPr lang="en-US" dirty="0"/>
-              <a:t>compound statement</a:t>
-            </a:r>
-          </a:p>
-          <a:p>
-            <a:pPr lvl="1"/>
-            <a:r>
-              <a:rPr lang="en-US" dirty="0"/>
-              <a:t>a group of statements bracketed by { and } that are executed sequentially</a:t>
-            </a:r>
-          </a:p>
-        </p:txBody>
-      </p:sp>
-      <p:sp>
-        <p:nvSpPr>
-          <p:cNvPr id="4" name="Footer Placeholder 3"/>
-          <p:cNvSpPr>
-            <a:spLocks noGrp="1"/>
-          </p:cNvSpPr>
-          <p:nvPr>
-            <p:ph type="ftr" sz="quarter" idx="11"/>
-          </p:nvPr>
-        </p:nvSpPr>
-        <p:spPr/>
-        <p:txBody>
-          <a:bodyPr/>
-          <a:lstStyle/>
-          <a:p>
-            <a:r>
-              <a:rPr lang="en-US"/>
-              <a:t>© 2016 Pearson Education, Inc., Hoboken, NJ.  All rights reserved.</a:t>
-            </a:r>
-          </a:p>
-        </p:txBody>
-      </p:sp>
-      <p:sp>
-        <p:nvSpPr>
-          <p:cNvPr id="5" name="Slide Number Placeholder 4"/>
-          <p:cNvSpPr>
-            <a:spLocks noGrp="1"/>
-          </p:cNvSpPr>
-          <p:nvPr>
-            <p:ph type="sldNum" sz="quarter" idx="12"/>
-          </p:nvPr>
-        </p:nvSpPr>
-        <p:spPr/>
-        <p:txBody>
-          <a:bodyPr/>
-          <a:lstStyle/>
-          <a:p>
-            <a:fld id="{85A8DA42-601D-40A8-83CA-2F2CBDE5F9F0}" type="slidenum">
-              <a:rPr lang="en-US" smtClean="0"/>
-              <a:t>4</a:t>
-            </a:fld>
-            <a:endParaRPr lang="en-US"/>
-          </a:p>
-        </p:txBody>
-      </p:sp>
-    </p:spTree>
-    <p:extLst>
-      <p:ext uri="{BB962C8B-B14F-4D97-AF65-F5344CB8AC3E}">
-        <p14:creationId xmlns:p14="http://schemas.microsoft.com/office/powerpoint/2010/main" val="2116813862"/>
-      </p:ext>
-    </p:extLst>
-  </p:cSld>
-  <p:clrMapOvr>
-    <a:masterClrMapping/>
-  </p:clrMapOvr>
-</p:sld>
-</file>
-
-<file path=ppt/slides/slide40.xml><?xml version="1.0" encoding="utf-8"?>
+<file path=ppt/slides/slide27.xml><?xml version="1.0" encoding="utf-8"?>
 <p:sld xmlns:a="http://schemas.openxmlformats.org/drawingml/2006/main" xmlns:r="http://schemas.openxmlformats.org/officeDocument/2006/relationships" xmlns:p="http://schemas.openxmlformats.org/presentationml/2006/main">
   <p:cSld>
     <p:spTree>
@@ -10198,7 +7534,7 @@
           <a:p>
             <a:fld id="{85A8DA42-601D-40A8-83CA-2F2CBDE5F9F0}" type="slidenum">
               <a:rPr lang="en-US" smtClean="0"/>
-              <a:t>40</a:t>
+              <a:t>27</a:t>
             </a:fld>
             <a:endParaRPr lang="en-US"/>
           </a:p>
@@ -10270,7 +7606,7 @@
 </p:sld>
 </file>
 
-<file path=ppt/slides/slide41.xml><?xml version="1.0" encoding="utf-8"?>
+<file path=ppt/slides/slide28.xml><?xml version="1.0" encoding="utf-8"?>
 <p:sld xmlns:a="http://schemas.openxmlformats.org/drawingml/2006/main" xmlns:r="http://schemas.openxmlformats.org/officeDocument/2006/relationships" xmlns:p="http://schemas.openxmlformats.org/presentationml/2006/main">
   <p:cSld>
     <p:spTree>
@@ -10374,7 +7710,7 @@
           <a:p>
             <a:fld id="{85A8DA42-601D-40A8-83CA-2F2CBDE5F9F0}" type="slidenum">
               <a:rPr lang="en-US" smtClean="0"/>
-              <a:t>41</a:t>
+              <a:t>28</a:t>
             </a:fld>
             <a:endParaRPr lang="en-US"/>
           </a:p>
@@ -10447,7 +7783,7 @@
 </p:sld>
 </file>
 
-<file path=ppt/slides/slide42.xml><?xml version="1.0" encoding="utf-8"?>
+<file path=ppt/slides/slide29.xml><?xml version="1.0" encoding="utf-8"?>
 <p:sld xmlns:a="http://schemas.openxmlformats.org/drawingml/2006/main" xmlns:r="http://schemas.openxmlformats.org/officeDocument/2006/relationships" xmlns:p="http://schemas.openxmlformats.org/presentationml/2006/main">
   <p:cSld>
     <p:spTree>
@@ -10567,7 +7903,7 @@
           <a:p>
             <a:fld id="{85A8DA42-601D-40A8-83CA-2F2CBDE5F9F0}" type="slidenum">
               <a:rPr lang="en-US" smtClean="0"/>
-              <a:t>42</a:t>
+              <a:t>29</a:t>
             </a:fld>
             <a:endParaRPr lang="en-US"/>
           </a:p>
@@ -10586,7 +7922,7 @@
 </p:sld>
 </file>
 
-<file path=ppt/slides/slide5.xml><?xml version="1.0" encoding="utf-8"?>
+<file path=ppt/slides/slide3.xml><?xml version="1.0" encoding="utf-8"?>
 <p:sld xmlns:a="http://schemas.openxmlformats.org/drawingml/2006/main" xmlns:r="http://schemas.openxmlformats.org/officeDocument/2006/relationships" xmlns:p="http://schemas.openxmlformats.org/presentationml/2006/main">
   <p:cSld>
     <p:spTree>
@@ -10620,14 +7956,76 @@
           <a:p>
             <a:r>
               <a:rPr lang="en-US" dirty="0"/>
-              <a:t>Compound Statement</a:t>
-            </a:r>
-          </a:p>
-        </p:txBody>
-      </p:sp>
-      <p:sp>
-        <p:nvSpPr>
-          <p:cNvPr id="3" name="Footer Placeholder 2"/>
+              <a:t>Chapter Objectives</a:t>
+            </a:r>
+          </a:p>
+        </p:txBody>
+      </p:sp>
+      <p:sp>
+        <p:nvSpPr>
+          <p:cNvPr id="3" name="Content Placeholder 2"/>
+          <p:cNvSpPr>
+            <a:spLocks noGrp="1"/>
+          </p:cNvSpPr>
+          <p:nvPr>
+            <p:ph idx="1"/>
+          </p:nvPr>
+        </p:nvSpPr>
+        <p:spPr/>
+        <p:txBody>
+          <a:bodyPr>
+            <a:normAutofit fontScale="92500" lnSpcReduction="10000"/>
+          </a:bodyPr>
+          <a:lstStyle/>
+          <a:p>
+            <a:r>
+              <a:rPr lang="en-US" dirty="0"/>
+              <a:t>To learn how to write selection statements that choose between two alternatives in a program using the if statement</a:t>
+            </a:r>
+          </a:p>
+          <a:p>
+            <a:r>
+              <a:rPr lang="en-US" dirty="0"/>
+              <a:t>To learn how to implement decisions tin algorithms using the </a:t>
+            </a:r>
+            <a:r>
+              <a:rPr lang="en-US" dirty="0">
+                <a:latin typeface="Cambria" panose="02040503050406030204" pitchFamily="18" charset="0"/>
+              </a:rPr>
+              <a:t>if</a:t>
+            </a:r>
+            <a:r>
+              <a:rPr lang="en-US" dirty="0"/>
+              <a:t> statement</a:t>
+            </a:r>
+          </a:p>
+          <a:p>
+            <a:r>
+              <a:rPr lang="en-US" dirty="0"/>
+              <a:t>To understand how to select among more than two alternatives by nesting </a:t>
+            </a:r>
+            <a:r>
+              <a:rPr lang="en-US" dirty="0">
+                <a:latin typeface="Cambria" panose="02040503050406030204" pitchFamily="18" charset="0"/>
+              </a:rPr>
+              <a:t>if</a:t>
+            </a:r>
+            <a:r>
+              <a:rPr lang="en-US" dirty="0"/>
+              <a:t> statements</a:t>
+            </a:r>
+          </a:p>
+          <a:p>
+            <a:r>
+              <a:rPr lang="en-US" dirty="0"/>
+              <a:t>To learn how to use the switch statement as another technique for selecting among multiple alternatives</a:t>
+            </a:r>
+          </a:p>
+        </p:txBody>
+      </p:sp>
+      <p:sp>
+        <p:nvSpPr>
+          <p:cNvPr id="4" name="Footer Placeholder 3"/>
           <p:cNvSpPr>
             <a:spLocks noGrp="1"/>
           </p:cNvSpPr>
@@ -10649,7 +8047,7 @@
       </p:sp>
       <p:sp>
         <p:nvSpPr>
-          <p:cNvPr id="4" name="Slide Number Placeholder 3"/>
+          <p:cNvPr id="5" name="Slide Number Placeholder 4"/>
           <p:cNvSpPr>
             <a:spLocks noGrp="1"/>
           </p:cNvSpPr>
@@ -10664,88 +8062,16 @@
           <a:p>
             <a:fld id="{85A8DA42-601D-40A8-83CA-2F2CBDE5F9F0}" type="slidenum">
               <a:rPr lang="en-US" smtClean="0"/>
-              <a:t>5</a:t>
+              <a:t>3</a:t>
             </a:fld>
             <a:endParaRPr lang="en-US"/>
-          </a:p>
-        </p:txBody>
-      </p:sp>
-      <p:sp>
-        <p:nvSpPr>
-          <p:cNvPr id="5" name="TextBox 4"/>
-          <p:cNvSpPr txBox="1"/>
-          <p:nvPr/>
-        </p:nvSpPr>
-        <p:spPr>
-          <a:xfrm>
-            <a:off x="3581400" y="1524000"/>
-            <a:ext cx="2332370" cy="3539430"/>
-          </a:xfrm>
-          <a:prstGeom prst="rect">
-            <a:avLst/>
-          </a:prstGeom>
-          <a:noFill/>
-        </p:spPr>
-        <p:txBody>
-          <a:bodyPr wrap="none" rtlCol="0">
-            <a:spAutoFit/>
-          </a:bodyPr>
-          <a:lstStyle/>
-          <a:p>
-            <a:r>
-              <a:rPr lang="en-US" sz="2800" dirty="0"/>
-              <a:t>{</a:t>
-            </a:r>
-          </a:p>
-          <a:p>
-            <a:r>
-              <a:rPr lang="en-US" sz="2800" i="1" dirty="0"/>
-              <a:t>       statement;</a:t>
-            </a:r>
-          </a:p>
-          <a:p>
-            <a:r>
-              <a:rPr lang="en-US" sz="2800" i="1" dirty="0"/>
-              <a:t>       statement;</a:t>
-            </a:r>
-          </a:p>
-          <a:p>
-            <a:r>
-              <a:rPr lang="en-US" sz="2800" i="1" dirty="0"/>
-              <a:t>               .</a:t>
-            </a:r>
-          </a:p>
-          <a:p>
-            <a:r>
-              <a:rPr lang="en-US" sz="2800" i="1" dirty="0"/>
-              <a:t>               .</a:t>
-            </a:r>
-          </a:p>
-          <a:p>
-            <a:r>
-              <a:rPr lang="en-US" sz="2800" i="1" dirty="0"/>
-              <a:t>               .</a:t>
-            </a:r>
-          </a:p>
-          <a:p>
-            <a:r>
-              <a:rPr lang="en-US" sz="2800" i="1" dirty="0"/>
-              <a:t>       statement;</a:t>
-            </a:r>
-          </a:p>
-          <a:p>
-            <a:r>
-              <a:rPr lang="en-US" sz="2800" i="1" dirty="0"/>
-              <a:t>}</a:t>
-            </a:r>
-            <a:endParaRPr lang="en-US" sz="2800" dirty="0"/>
           </a:p>
         </p:txBody>
       </p:sp>
     </p:spTree>
     <p:extLst>
       <p:ext uri="{BB962C8B-B14F-4D97-AF65-F5344CB8AC3E}">
-        <p14:creationId xmlns:p14="http://schemas.microsoft.com/office/powerpoint/2010/main" val="4206941731"/>
+        <p14:creationId xmlns:p14="http://schemas.microsoft.com/office/powerpoint/2010/main" val="3541489098"/>
       </p:ext>
     </p:extLst>
   </p:cSld>
@@ -10755,7 +8081,7 @@
 </p:sld>
 </file>
 
-<file path=ppt/slides/slide6.xml><?xml version="1.0" encoding="utf-8"?>
+<file path=ppt/slides/slide4.xml><?xml version="1.0" encoding="utf-8"?>
 <p:sld xmlns:a="http://schemas.openxmlformats.org/drawingml/2006/main" xmlns:r="http://schemas.openxmlformats.org/officeDocument/2006/relationships" xmlns:p="http://schemas.openxmlformats.org/presentationml/2006/main">
   <p:cSld>
     <p:spTree>
@@ -10873,7 +8199,7 @@
           <a:p>
             <a:fld id="{85A8DA42-601D-40A8-83CA-2F2CBDE5F9F0}" type="slidenum">
               <a:rPr lang="en-US" smtClean="0"/>
-              <a:t>6</a:t>
+              <a:t>4</a:t>
             </a:fld>
             <a:endParaRPr lang="en-US"/>
           </a:p>
@@ -11086,7 +8412,7 @@
 </p:sld>
 </file>
 
-<file path=ppt/slides/slide7.xml><?xml version="1.0" encoding="utf-8"?>
+<file path=ppt/slides/slide5.xml><?xml version="1.0" encoding="utf-8"?>
 <p:sld xmlns:a="http://schemas.openxmlformats.org/drawingml/2006/main" xmlns:r="http://schemas.openxmlformats.org/officeDocument/2006/relationships" xmlns:p="http://schemas.openxmlformats.org/presentationml/2006/main">
   <p:cSld>
     <p:spTree>
@@ -11225,7 +8551,7 @@
           <a:p>
             <a:fld id="{85A8DA42-601D-40A8-83CA-2F2CBDE5F9F0}" type="slidenum">
               <a:rPr lang="en-US" smtClean="0"/>
-              <a:t>7</a:t>
+              <a:t>5</a:t>
             </a:fld>
             <a:endParaRPr lang="en-US"/>
           </a:p>
@@ -11244,7 +8570,7 @@
 </p:sld>
 </file>
 
-<file path=ppt/slides/slide8.xml><?xml version="1.0" encoding="utf-8"?>
+<file path=ppt/slides/slide6.xml><?xml version="1.0" encoding="utf-8"?>
 <p:sld xmlns:a="http://schemas.openxmlformats.org/drawingml/2006/main" xmlns:r="http://schemas.openxmlformats.org/officeDocument/2006/relationships" xmlns:p="http://schemas.openxmlformats.org/presentationml/2006/main">
   <p:cSld>
     <p:spTree>
@@ -11745,7 +9071,7 @@
           <a:p>
             <a:fld id="{85A8DA42-601D-40A8-83CA-2F2CBDE5F9F0}" type="slidenum">
               <a:rPr lang="en-US" smtClean="0"/>
-              <a:t>8</a:t>
+              <a:t>6</a:t>
             </a:fld>
             <a:endParaRPr lang="en-US"/>
           </a:p>
@@ -11755,6 +9081,312 @@
     <p:extLst>
       <p:ext uri="{BB962C8B-B14F-4D97-AF65-F5344CB8AC3E}">
         <p14:creationId xmlns:p14="http://schemas.microsoft.com/office/powerpoint/2010/main" val="3787579132"/>
+      </p:ext>
+    </p:extLst>
+  </p:cSld>
+  <p:clrMapOvr>
+    <a:masterClrMapping/>
+  </p:clrMapOvr>
+</p:sld>
+</file>
+
+<file path=ppt/slides/slide7.xml><?xml version="1.0" encoding="utf-8"?>
+<p:sld xmlns:a="http://schemas.openxmlformats.org/drawingml/2006/main" xmlns:r="http://schemas.openxmlformats.org/officeDocument/2006/relationships" xmlns:p="http://schemas.openxmlformats.org/presentationml/2006/main">
+  <p:cSld>
+    <p:spTree>
+      <p:nvGrpSpPr>
+        <p:cNvPr id="1" name=""/>
+        <p:cNvGrpSpPr/>
+        <p:nvPr/>
+      </p:nvGrpSpPr>
+      <p:grpSpPr>
+        <a:xfrm>
+          <a:off x="0" y="0"/>
+          <a:ext cx="0" cy="0"/>
+          <a:chOff x="0" y="0"/>
+          <a:chExt cx="0" cy="0"/>
+        </a:xfrm>
+      </p:grpSpPr>
+      <p:sp>
+        <p:nvSpPr>
+          <p:cNvPr id="2" name="Title 1"/>
+          <p:cNvSpPr>
+            <a:spLocks noGrp="1"/>
+          </p:cNvSpPr>
+          <p:nvPr>
+            <p:ph type="title"/>
+          </p:nvPr>
+        </p:nvSpPr>
+        <p:spPr/>
+        <p:txBody>
+          <a:bodyPr/>
+          <a:lstStyle/>
+          <a:p>
+            <a:r>
+              <a:rPr lang="en-US" dirty="0"/>
+              <a:t>Logical Operators</a:t>
+            </a:r>
+          </a:p>
+        </p:txBody>
+      </p:sp>
+      <p:sp>
+        <p:nvSpPr>
+          <p:cNvPr id="3" name="Content Placeholder 2"/>
+          <p:cNvSpPr>
+            <a:spLocks noGrp="1"/>
+          </p:cNvSpPr>
+          <p:nvPr>
+            <p:ph idx="1"/>
+          </p:nvPr>
+        </p:nvSpPr>
+        <p:spPr/>
+        <p:txBody>
+          <a:bodyPr/>
+          <a:lstStyle/>
+          <a:p>
+            <a:r>
+              <a:rPr lang="en-US" dirty="0"/>
+              <a:t>logical expressions</a:t>
+            </a:r>
+          </a:p>
+          <a:p>
+            <a:pPr lvl="1"/>
+            <a:r>
+              <a:rPr lang="en-US" dirty="0"/>
+              <a:t>an expression that uses one or more of the logical operators</a:t>
+            </a:r>
+          </a:p>
+          <a:p>
+            <a:pPr lvl="2"/>
+            <a:r>
+              <a:rPr lang="en-US" dirty="0"/>
+              <a:t>&amp;&amp; (and)</a:t>
+            </a:r>
+          </a:p>
+          <a:p>
+            <a:pPr lvl="2"/>
+            <a:r>
+              <a:rPr lang="en-US" dirty="0"/>
+              <a:t>||   (or)</a:t>
+            </a:r>
+          </a:p>
+          <a:p>
+            <a:pPr lvl="2"/>
+            <a:r>
+              <a:rPr lang="en-US" dirty="0"/>
+              <a:t>!      (not)</a:t>
+            </a:r>
+          </a:p>
+          <a:p>
+            <a:pPr marL="0" indent="0">
+              <a:buNone/>
+            </a:pPr>
+            <a:endParaRPr lang="en-US" dirty="0"/>
+          </a:p>
+        </p:txBody>
+      </p:sp>
+      <p:sp>
+        <p:nvSpPr>
+          <p:cNvPr id="4" name="Footer Placeholder 3"/>
+          <p:cNvSpPr>
+            <a:spLocks noGrp="1"/>
+          </p:cNvSpPr>
+          <p:nvPr>
+            <p:ph type="ftr" sz="quarter" idx="11"/>
+          </p:nvPr>
+        </p:nvSpPr>
+        <p:spPr/>
+        <p:txBody>
+          <a:bodyPr/>
+          <a:lstStyle/>
+          <a:p>
+            <a:r>
+              <a:rPr lang="en-US"/>
+              <a:t>© 2016 Pearson Education, Inc., Hoboken, NJ.  All rights reserved.</a:t>
+            </a:r>
+          </a:p>
+        </p:txBody>
+      </p:sp>
+      <p:sp>
+        <p:nvSpPr>
+          <p:cNvPr id="5" name="Slide Number Placeholder 4"/>
+          <p:cNvSpPr>
+            <a:spLocks noGrp="1"/>
+          </p:cNvSpPr>
+          <p:nvPr>
+            <p:ph type="sldNum" sz="quarter" idx="12"/>
+          </p:nvPr>
+        </p:nvSpPr>
+        <p:spPr/>
+        <p:txBody>
+          <a:bodyPr/>
+          <a:lstStyle/>
+          <a:p>
+            <a:fld id="{85A8DA42-601D-40A8-83CA-2F2CBDE5F9F0}" type="slidenum">
+              <a:rPr lang="en-US" smtClean="0"/>
+              <a:t>7</a:t>
+            </a:fld>
+            <a:endParaRPr lang="en-US"/>
+          </a:p>
+        </p:txBody>
+      </p:sp>
+    </p:spTree>
+    <p:extLst>
+      <p:ext uri="{BB962C8B-B14F-4D97-AF65-F5344CB8AC3E}">
+        <p14:creationId xmlns:p14="http://schemas.microsoft.com/office/powerpoint/2010/main" val="2842871374"/>
+      </p:ext>
+    </p:extLst>
+  </p:cSld>
+  <p:clrMapOvr>
+    <a:masterClrMapping/>
+  </p:clrMapOvr>
+</p:sld>
+</file>
+
+<file path=ppt/slides/slide8.xml><?xml version="1.0" encoding="utf-8"?>
+<p:sld xmlns:a="http://schemas.openxmlformats.org/drawingml/2006/main" xmlns:r="http://schemas.openxmlformats.org/officeDocument/2006/relationships" xmlns:p="http://schemas.openxmlformats.org/presentationml/2006/main">
+  <p:cSld>
+    <p:spTree>
+      <p:nvGrpSpPr>
+        <p:cNvPr id="1" name=""/>
+        <p:cNvGrpSpPr/>
+        <p:nvPr/>
+      </p:nvGrpSpPr>
+      <p:grpSpPr>
+        <a:xfrm>
+          <a:off x="0" y="0"/>
+          <a:ext cx="0" cy="0"/>
+          <a:chOff x="0" y="0"/>
+          <a:chExt cx="0" cy="0"/>
+        </a:xfrm>
+      </p:grpSpPr>
+      <p:sp>
+        <p:nvSpPr>
+          <p:cNvPr id="2" name="Title 1"/>
+          <p:cNvSpPr>
+            <a:spLocks noGrp="1"/>
+          </p:cNvSpPr>
+          <p:nvPr>
+            <p:ph type="title"/>
+          </p:nvPr>
+        </p:nvSpPr>
+        <p:spPr/>
+        <p:txBody>
+          <a:bodyPr/>
+          <a:lstStyle/>
+          <a:p>
+            <a:r>
+              <a:rPr lang="en-US" dirty="0"/>
+              <a:t>Logical Operators</a:t>
+            </a:r>
+          </a:p>
+        </p:txBody>
+      </p:sp>
+      <p:sp>
+        <p:nvSpPr>
+          <p:cNvPr id="3" name="Content Placeholder 2"/>
+          <p:cNvSpPr>
+            <a:spLocks noGrp="1"/>
+          </p:cNvSpPr>
+          <p:nvPr>
+            <p:ph idx="1"/>
+          </p:nvPr>
+        </p:nvSpPr>
+        <p:spPr/>
+        <p:txBody>
+          <a:bodyPr/>
+          <a:lstStyle/>
+          <a:p>
+            <a:r>
+              <a:rPr lang="en-US" dirty="0"/>
+              <a:t>logical complement (negation)</a:t>
+            </a:r>
+          </a:p>
+          <a:p>
+            <a:pPr lvl="1"/>
+            <a:r>
+              <a:rPr lang="en-US" dirty="0"/>
+              <a:t>the complement of a condition had the value 1 (true) when the condition’s value is 0 (false)</a:t>
+            </a:r>
+          </a:p>
+          <a:p>
+            <a:pPr lvl="1"/>
+            <a:r>
+              <a:rPr lang="en-US" dirty="0"/>
+              <a:t>the complement of a condition has the value 0 (false) when the condition’s value is nonzero (true)</a:t>
+            </a:r>
+          </a:p>
+          <a:p>
+            <a:pPr lvl="1"/>
+            <a:endParaRPr lang="en-US" dirty="0"/>
+          </a:p>
+          <a:p>
+            <a:pPr marL="1371600" lvl="3" indent="0">
+              <a:buNone/>
+            </a:pPr>
+            <a:r>
+              <a:rPr lang="en-US" sz="3200" dirty="0">
+                <a:solidFill>
+                  <a:srgbClr val="FF0000"/>
+                </a:solidFill>
+              </a:rPr>
+              <a:t>	! (0 &lt;= n &amp;&amp; n &lt;= 100)</a:t>
+            </a:r>
+          </a:p>
+          <a:p>
+            <a:endParaRPr lang="en-US" dirty="0"/>
+          </a:p>
+        </p:txBody>
+      </p:sp>
+      <p:sp>
+        <p:nvSpPr>
+          <p:cNvPr id="4" name="Footer Placeholder 3"/>
+          <p:cNvSpPr>
+            <a:spLocks noGrp="1"/>
+          </p:cNvSpPr>
+          <p:nvPr>
+            <p:ph type="ftr" sz="quarter" idx="11"/>
+          </p:nvPr>
+        </p:nvSpPr>
+        <p:spPr/>
+        <p:txBody>
+          <a:bodyPr/>
+          <a:lstStyle/>
+          <a:p>
+            <a:r>
+              <a:rPr lang="en-US"/>
+              <a:t>© 2016 Pearson Education, Inc., Hoboken, NJ.  All rights reserved.</a:t>
+            </a:r>
+          </a:p>
+        </p:txBody>
+      </p:sp>
+      <p:sp>
+        <p:nvSpPr>
+          <p:cNvPr id="5" name="Slide Number Placeholder 4"/>
+          <p:cNvSpPr>
+            <a:spLocks noGrp="1"/>
+          </p:cNvSpPr>
+          <p:nvPr>
+            <p:ph type="sldNum" sz="quarter" idx="12"/>
+          </p:nvPr>
+        </p:nvSpPr>
+        <p:spPr/>
+        <p:txBody>
+          <a:bodyPr/>
+          <a:lstStyle/>
+          <a:p>
+            <a:fld id="{85A8DA42-601D-40A8-83CA-2F2CBDE5F9F0}" type="slidenum">
+              <a:rPr lang="en-US" smtClean="0"/>
+              <a:t>8</a:t>
+            </a:fld>
+            <a:endParaRPr lang="en-US"/>
+          </a:p>
+        </p:txBody>
+      </p:sp>
+    </p:spTree>
+    <p:extLst>
+      <p:ext uri="{BB962C8B-B14F-4D97-AF65-F5344CB8AC3E}">
+        <p14:creationId xmlns:p14="http://schemas.microsoft.com/office/powerpoint/2010/main" val="1080833431"/>
       </p:ext>
     </p:extLst>
   </p:cSld>
@@ -11798,67 +9430,365 @@
           <a:p>
             <a:r>
               <a:rPr lang="en-US" dirty="0"/>
-              <a:t>Logical Operators</a:t>
-            </a:r>
-          </a:p>
-        </p:txBody>
-      </p:sp>
-      <p:sp>
-        <p:nvSpPr>
-          <p:cNvPr id="3" name="Content Placeholder 2"/>
-          <p:cNvSpPr>
-            <a:spLocks noGrp="1"/>
-          </p:cNvSpPr>
+              <a:t>Operator Precedence</a:t>
+            </a:r>
+          </a:p>
+        </p:txBody>
+      </p:sp>
+      <p:graphicFrame>
+        <p:nvGraphicFramePr>
+          <p:cNvPr id="6" name="Content Placeholder 5"/>
+          <p:cNvGraphicFramePr>
+            <a:graphicFrameLocks noGrp="1"/>
+          </p:cNvGraphicFramePr>
           <p:nvPr>
             <p:ph idx="1"/>
-          </p:nvPr>
-        </p:nvSpPr>
-        <p:spPr/>
-        <p:txBody>
-          <a:bodyPr/>
-          <a:lstStyle/>
-          <a:p>
-            <a:r>
-              <a:rPr lang="en-US" dirty="0"/>
-              <a:t>logical expressions</a:t>
-            </a:r>
-          </a:p>
-          <a:p>
-            <a:pPr lvl="1"/>
-            <a:r>
-              <a:rPr lang="en-US" dirty="0"/>
-              <a:t>an expression that uses one or more of the logical operators</a:t>
-            </a:r>
-          </a:p>
-          <a:p>
-            <a:pPr lvl="2"/>
-            <a:r>
-              <a:rPr lang="en-US" dirty="0"/>
-              <a:t>&amp;&amp; (and)</a:t>
-            </a:r>
-          </a:p>
-          <a:p>
-            <a:pPr lvl="2"/>
-            <a:r>
-              <a:rPr lang="en-US" dirty="0"/>
-              <a:t>||   (or)</a:t>
-            </a:r>
-          </a:p>
-          <a:p>
-            <a:pPr lvl="2"/>
-            <a:r>
-              <a:rPr lang="en-US" dirty="0"/>
-              <a:t>!      (not)</a:t>
-            </a:r>
-          </a:p>
-          <a:p>
-            <a:pPr marL="0" indent="0">
-              <a:buNone/>
-            </a:pPr>
-            <a:endParaRPr lang="en-US" dirty="0"/>
-          </a:p>
-        </p:txBody>
-      </p:sp>
+            <p:extLst>
+              <p:ext uri="{D42A27DB-BD31-4B8C-83A1-F6EECF244321}">
+                <p14:modId xmlns:p14="http://schemas.microsoft.com/office/powerpoint/2010/main" val="4098267023"/>
+              </p:ext>
+            </p:extLst>
+          </p:nvPr>
+        </p:nvGraphicFramePr>
+        <p:xfrm>
+          <a:off x="457200" y="1600200"/>
+          <a:ext cx="8229600" cy="3708400"/>
+        </p:xfrm>
+        <a:graphic>
+          <a:graphicData uri="http://schemas.openxmlformats.org/drawingml/2006/table">
+            <a:tbl>
+              <a:tblPr firstRow="1" bandRow="1">
+                <a:tableStyleId>{5C22544A-7EE6-4342-B048-85BDC9FD1C3A}</a:tableStyleId>
+              </a:tblPr>
+              <a:tblGrid>
+                <a:gridCol w="4114800">
+                  <a:extLst>
+                    <a:ext uri="{9D8B030D-6E8A-4147-A177-3AD203B41FA5}">
+                      <a16:colId xmlns:a16="http://schemas.microsoft.com/office/drawing/2014/main" val="20000"/>
+                    </a:ext>
+                  </a:extLst>
+                </a:gridCol>
+                <a:gridCol w="4114800">
+                  <a:extLst>
+                    <a:ext uri="{9D8B030D-6E8A-4147-A177-3AD203B41FA5}">
+                      <a16:colId xmlns:a16="http://schemas.microsoft.com/office/drawing/2014/main" val="20001"/>
+                    </a:ext>
+                  </a:extLst>
+                </a:gridCol>
+              </a:tblGrid>
+              <a:tr h="370840">
+                <a:tc>
+                  <a:txBody>
+                    <a:bodyPr/>
+                    <a:lstStyle/>
+                    <a:p>
+                      <a:r>
+                        <a:rPr lang="en-US" dirty="0"/>
+                        <a:t>Operator</a:t>
+                      </a:r>
+                    </a:p>
+                  </a:txBody>
+                  <a:tcPr/>
+                </a:tc>
+                <a:tc>
+                  <a:txBody>
+                    <a:bodyPr/>
+                    <a:lstStyle/>
+                    <a:p>
+                      <a:r>
+                        <a:rPr lang="en-US" dirty="0"/>
+                        <a:t>Precedence</a:t>
+                      </a:r>
+                    </a:p>
+                  </a:txBody>
+                  <a:tcPr/>
+                </a:tc>
+                <a:extLst>
+                  <a:ext uri="{0D108BD9-81ED-4DB2-BD59-A6C34878D82A}">
+                    <a16:rowId xmlns:a16="http://schemas.microsoft.com/office/drawing/2014/main" val="10000"/>
+                  </a:ext>
+                </a:extLst>
+              </a:tr>
+              <a:tr h="370840">
+                <a:tc>
+                  <a:txBody>
+                    <a:bodyPr/>
+                    <a:lstStyle/>
+                    <a:p>
+                      <a:r>
+                        <a:rPr lang="en-US" dirty="0"/>
+                        <a:t>function calls</a:t>
+                      </a:r>
+                    </a:p>
+                  </a:txBody>
+                  <a:tcPr/>
+                </a:tc>
+                <a:tc>
+                  <a:txBody>
+                    <a:bodyPr/>
+                    <a:lstStyle/>
+                    <a:p>
+                      <a:r>
+                        <a:rPr lang="en-US" dirty="0"/>
+                        <a:t>highest (evaluated first)</a:t>
+                      </a:r>
+                    </a:p>
+                  </a:txBody>
+                  <a:tcPr/>
+                </a:tc>
+                <a:extLst>
+                  <a:ext uri="{0D108BD9-81ED-4DB2-BD59-A6C34878D82A}">
+                    <a16:rowId xmlns:a16="http://schemas.microsoft.com/office/drawing/2014/main" val="10001"/>
+                  </a:ext>
+                </a:extLst>
+              </a:tr>
+              <a:tr h="370840">
+                <a:tc>
+                  <a:txBody>
+                    <a:bodyPr/>
+                    <a:lstStyle/>
+                    <a:p>
+                      <a:r>
+                        <a:rPr lang="en-US" dirty="0"/>
+                        <a:t>!  +  -  &amp;  (unary operator)</a:t>
+                      </a:r>
+                    </a:p>
+                  </a:txBody>
+                  <a:tcPr/>
+                </a:tc>
+                <a:tc>
+                  <a:txBody>
+                    <a:bodyPr/>
+                    <a:lstStyle/>
+                    <a:p>
+                      <a:endParaRPr lang="en-US" dirty="0"/>
+                    </a:p>
+                  </a:txBody>
+                  <a:tcPr/>
+                </a:tc>
+                <a:extLst>
+                  <a:ext uri="{0D108BD9-81ED-4DB2-BD59-A6C34878D82A}">
+                    <a16:rowId xmlns:a16="http://schemas.microsoft.com/office/drawing/2014/main" val="10002"/>
+                  </a:ext>
+                </a:extLst>
+              </a:tr>
+              <a:tr h="370840">
+                <a:tc>
+                  <a:txBody>
+                    <a:bodyPr/>
+                    <a:lstStyle/>
+                    <a:p>
+                      <a:r>
+                        <a:rPr lang="en-US" dirty="0"/>
+                        <a:t>*  /  %</a:t>
+                      </a:r>
+                    </a:p>
+                  </a:txBody>
+                  <a:tcPr/>
+                </a:tc>
+                <a:tc>
+                  <a:txBody>
+                    <a:bodyPr/>
+                    <a:lstStyle/>
+                    <a:p>
+                      <a:endParaRPr lang="en-US"/>
+                    </a:p>
+                  </a:txBody>
+                  <a:tcPr/>
+                </a:tc>
+                <a:extLst>
+                  <a:ext uri="{0D108BD9-81ED-4DB2-BD59-A6C34878D82A}">
+                    <a16:rowId xmlns:a16="http://schemas.microsoft.com/office/drawing/2014/main" val="10003"/>
+                  </a:ext>
+                </a:extLst>
+              </a:tr>
+              <a:tr h="370840">
+                <a:tc>
+                  <a:txBody>
+                    <a:bodyPr/>
+                    <a:lstStyle/>
+                    <a:p>
+                      <a:r>
+                        <a:rPr lang="en-US" dirty="0"/>
+                        <a:t>+  -</a:t>
+                      </a:r>
+                    </a:p>
+                  </a:txBody>
+                  <a:tcPr/>
+                </a:tc>
+                <a:tc>
+                  <a:txBody>
+                    <a:bodyPr/>
+                    <a:lstStyle/>
+                    <a:p>
+                      <a:endParaRPr lang="en-US"/>
+                    </a:p>
+                  </a:txBody>
+                  <a:tcPr/>
+                </a:tc>
+                <a:extLst>
+                  <a:ext uri="{0D108BD9-81ED-4DB2-BD59-A6C34878D82A}">
+                    <a16:rowId xmlns:a16="http://schemas.microsoft.com/office/drawing/2014/main" val="10004"/>
+                  </a:ext>
+                </a:extLst>
+              </a:tr>
+              <a:tr h="370840">
+                <a:tc>
+                  <a:txBody>
+                    <a:bodyPr/>
+                    <a:lstStyle/>
+                    <a:p>
+                      <a:r>
+                        <a:rPr lang="en-US" dirty="0"/>
+                        <a:t>&lt;   &lt;=   &gt;=   &gt;</a:t>
+                      </a:r>
+                    </a:p>
+                  </a:txBody>
+                  <a:tcPr/>
+                </a:tc>
+                <a:tc>
+                  <a:txBody>
+                    <a:bodyPr/>
+                    <a:lstStyle/>
+                    <a:p>
+                      <a:endParaRPr lang="en-US"/>
+                    </a:p>
+                  </a:txBody>
+                  <a:tcPr/>
+                </a:tc>
+                <a:extLst>
+                  <a:ext uri="{0D108BD9-81ED-4DB2-BD59-A6C34878D82A}">
+                    <a16:rowId xmlns:a16="http://schemas.microsoft.com/office/drawing/2014/main" val="10005"/>
+                  </a:ext>
+                </a:extLst>
+              </a:tr>
+              <a:tr h="370840">
+                <a:tc>
+                  <a:txBody>
+                    <a:bodyPr/>
+                    <a:lstStyle/>
+                    <a:p>
+                      <a:r>
+                        <a:rPr lang="en-US" dirty="0"/>
+                        <a:t>==   !=</a:t>
+                      </a:r>
+                    </a:p>
+                  </a:txBody>
+                  <a:tcPr/>
+                </a:tc>
+                <a:tc>
+                  <a:txBody>
+                    <a:bodyPr/>
+                    <a:lstStyle/>
+                    <a:p>
+                      <a:endParaRPr lang="en-US"/>
+                    </a:p>
+                  </a:txBody>
+                  <a:tcPr/>
+                </a:tc>
+                <a:extLst>
+                  <a:ext uri="{0D108BD9-81ED-4DB2-BD59-A6C34878D82A}">
+                    <a16:rowId xmlns:a16="http://schemas.microsoft.com/office/drawing/2014/main" val="10006"/>
+                  </a:ext>
+                </a:extLst>
+              </a:tr>
+              <a:tr h="370840">
+                <a:tc>
+                  <a:txBody>
+                    <a:bodyPr/>
+                    <a:lstStyle/>
+                    <a:p>
+                      <a:r>
+                        <a:rPr lang="en-US" dirty="0"/>
+                        <a:t>&amp;&amp;</a:t>
+                      </a:r>
+                    </a:p>
+                  </a:txBody>
+                  <a:tcPr/>
+                </a:tc>
+                <a:tc>
+                  <a:txBody>
+                    <a:bodyPr/>
+                    <a:lstStyle/>
+                    <a:p>
+                      <a:endParaRPr lang="en-US"/>
+                    </a:p>
+                  </a:txBody>
+                  <a:tcPr/>
+                </a:tc>
+                <a:extLst>
+                  <a:ext uri="{0D108BD9-81ED-4DB2-BD59-A6C34878D82A}">
+                    <a16:rowId xmlns:a16="http://schemas.microsoft.com/office/drawing/2014/main" val="10007"/>
+                  </a:ext>
+                </a:extLst>
+              </a:tr>
+              <a:tr h="370840">
+                <a:tc>
+                  <a:txBody>
+                    <a:bodyPr/>
+                    <a:lstStyle/>
+                    <a:p>
+                      <a:r>
+                        <a:rPr lang="en-US" dirty="0"/>
+                        <a:t>||</a:t>
+                      </a:r>
+                    </a:p>
+                  </a:txBody>
+                  <a:tcPr/>
+                </a:tc>
+                <a:tc>
+                  <a:txBody>
+                    <a:bodyPr/>
+                    <a:lstStyle/>
+                    <a:p>
+                      <a:endParaRPr lang="en-US"/>
+                    </a:p>
+                  </a:txBody>
+                  <a:tcPr/>
+                </a:tc>
+                <a:extLst>
+                  <a:ext uri="{0D108BD9-81ED-4DB2-BD59-A6C34878D82A}">
+                    <a16:rowId xmlns:a16="http://schemas.microsoft.com/office/drawing/2014/main" val="10008"/>
+                  </a:ext>
+                </a:extLst>
+              </a:tr>
+              <a:tr h="370840">
+                <a:tc>
+                  <a:txBody>
+                    <a:bodyPr/>
+                    <a:lstStyle/>
+                    <a:p>
+                      <a:r>
+                        <a:rPr lang="en-US" dirty="0"/>
+                        <a:t>=</a:t>
+                      </a:r>
+                    </a:p>
+                  </a:txBody>
+                  <a:tcPr/>
+                </a:tc>
+                <a:tc>
+                  <a:txBody>
+                    <a:bodyPr/>
+                    <a:lstStyle/>
+                    <a:p>
+                      <a:r>
+                        <a:rPr lang="en-US" dirty="0"/>
+                        <a:t>lowest (evaluated last)</a:t>
+                      </a:r>
+                    </a:p>
+                  </a:txBody>
+                  <a:tcPr/>
+                </a:tc>
+                <a:extLst>
+                  <a:ext uri="{0D108BD9-81ED-4DB2-BD59-A6C34878D82A}">
+                    <a16:rowId xmlns:a16="http://schemas.microsoft.com/office/drawing/2014/main" val="10009"/>
+                  </a:ext>
+                </a:extLst>
+              </a:tr>
+            </a:tbl>
+          </a:graphicData>
+        </a:graphic>
+      </p:graphicFrame>
       <p:sp>
         <p:nvSpPr>
           <p:cNvPr id="4" name="Footer Placeholder 3"/>
@@ -11904,10 +9834,46 @@
           </a:p>
         </p:txBody>
       </p:sp>
+      <p:cxnSp>
+        <p:nvCxnSpPr>
+          <p:cNvPr id="8" name="Straight Arrow Connector 7"/>
+          <p:cNvCxnSpPr/>
+          <p:nvPr/>
+        </p:nvCxnSpPr>
+        <p:spPr>
+          <a:xfrm>
+            <a:off x="5181600" y="2438400"/>
+            <a:ext cx="0" cy="2438400"/>
+          </a:xfrm>
+          <a:prstGeom prst="straightConnector1">
+            <a:avLst/>
+          </a:prstGeom>
+          <a:ln w="28575">
+            <a:solidFill>
+              <a:schemeClr val="tx1"/>
+            </a:solidFill>
+            <a:tailEnd type="arrow"/>
+          </a:ln>
+        </p:spPr>
+        <p:style>
+          <a:lnRef idx="1">
+            <a:schemeClr val="accent1"/>
+          </a:lnRef>
+          <a:fillRef idx="0">
+            <a:schemeClr val="accent1"/>
+          </a:fillRef>
+          <a:effectRef idx="0">
+            <a:schemeClr val="accent1"/>
+          </a:effectRef>
+          <a:fontRef idx="minor">
+            <a:schemeClr val="tx1"/>
+          </a:fontRef>
+        </p:style>
+      </p:cxnSp>
     </p:spTree>
     <p:extLst>
       <p:ext uri="{BB962C8B-B14F-4D97-AF65-F5344CB8AC3E}">
-        <p14:creationId xmlns:p14="http://schemas.microsoft.com/office/powerpoint/2010/main" val="2842871374"/>
+        <p14:creationId xmlns:p14="http://schemas.microsoft.com/office/powerpoint/2010/main" val="1318834733"/>
       </p:ext>
     </p:extLst>
   </p:cSld>

--- a/_teaching/csci112-fall-2023/lectures/ppts/Chapter4.pptx
+++ b/_teaching/csci112-fall-2023/lectures/ppts/Chapter4.pptx
@@ -236,7 +236,7 @@
           <a:p>
             <a:fld id="{E98CB7A6-F9BD-49C3-9ECF-4DAF095CBB1C}" type="datetimeFigureOut">
               <a:rPr lang="en-US" smtClean="0"/>
-              <a:t>9/10/23</a:t>
+              <a:t>9/17/23</a:t>
             </a:fld>
             <a:endParaRPr lang="en-US"/>
           </a:p>
@@ -682,7 +682,7 @@
           <a:p>
             <a:fld id="{E3D5AC34-6369-47AD-9227-C94D863A9CC0}" type="datetime1">
               <a:rPr lang="en-US" smtClean="0"/>
-              <a:t>9/10/23</a:t>
+              <a:t>9/17/23</a:t>
             </a:fld>
             <a:endParaRPr lang="en-US"/>
           </a:p>
@@ -853,7 +853,7 @@
           <a:p>
             <a:fld id="{072AE9C9-84B0-4CCC-8BB5-D31EF955DABF}" type="datetime1">
               <a:rPr lang="en-US" smtClean="0"/>
-              <a:t>9/10/23</a:t>
+              <a:t>9/17/23</a:t>
             </a:fld>
             <a:endParaRPr lang="en-US"/>
           </a:p>
@@ -1034,7 +1034,7 @@
           <a:p>
             <a:fld id="{418459C9-6810-46A7-8E27-73A52524CA34}" type="datetime1">
               <a:rPr lang="en-US" smtClean="0"/>
-              <a:t>9/10/23</a:t>
+              <a:t>9/17/23</a:t>
             </a:fld>
             <a:endParaRPr lang="en-US"/>
           </a:p>
@@ -1205,7 +1205,7 @@
           <a:p>
             <a:fld id="{F7BCA306-D31B-4E3C-AD40-EA3294957AA6}" type="datetime1">
               <a:rPr lang="en-US" smtClean="0"/>
-              <a:t>9/10/23</a:t>
+              <a:t>9/17/23</a:t>
             </a:fld>
             <a:endParaRPr lang="en-US"/>
           </a:p>
@@ -1453,7 +1453,7 @@
           <a:p>
             <a:fld id="{5C41660C-86E2-43CF-B22A-29E62815AB7D}" type="datetime1">
               <a:rPr lang="en-US" smtClean="0"/>
-              <a:t>9/10/23</a:t>
+              <a:t>9/17/23</a:t>
             </a:fld>
             <a:endParaRPr lang="en-US"/>
           </a:p>
@@ -1741,7 +1741,7 @@
           <a:p>
             <a:fld id="{94543629-6BC7-4BF9-A2A1-981038F36C55}" type="datetime1">
               <a:rPr lang="en-US" smtClean="0"/>
-              <a:t>9/10/23</a:t>
+              <a:t>9/17/23</a:t>
             </a:fld>
             <a:endParaRPr lang="en-US"/>
           </a:p>
@@ -2163,7 +2163,7 @@
           <a:p>
             <a:fld id="{EB5B99CF-F104-4BC6-A098-3ABC219C8A7D}" type="datetime1">
               <a:rPr lang="en-US" smtClean="0"/>
-              <a:t>9/10/23</a:t>
+              <a:t>9/17/23</a:t>
             </a:fld>
             <a:endParaRPr lang="en-US"/>
           </a:p>
@@ -2283,7 +2283,7 @@
           <a:p>
             <a:fld id="{C07800F5-980D-47D4-9F20-E5F458E76937}" type="datetime1">
               <a:rPr lang="en-US" smtClean="0"/>
-              <a:t>9/10/23</a:t>
+              <a:t>9/17/23</a:t>
             </a:fld>
             <a:endParaRPr lang="en-US"/>
           </a:p>
@@ -2381,7 +2381,7 @@
           <a:p>
             <a:fld id="{913B0C59-39A1-4E7B-8276-56A7060F0A3E}" type="datetime1">
               <a:rPr lang="en-US" smtClean="0"/>
-              <a:t>9/10/23</a:t>
+              <a:t>9/17/23</a:t>
             </a:fld>
             <a:endParaRPr lang="en-US"/>
           </a:p>
@@ -2659,7 +2659,7 @@
           <a:p>
             <a:fld id="{C453B8A8-F829-4B10-8A5D-952BBAE5F11B}" type="datetime1">
               <a:rPr lang="en-US" smtClean="0"/>
-              <a:t>9/10/23</a:t>
+              <a:t>9/17/23</a:t>
             </a:fld>
             <a:endParaRPr lang="en-US"/>
           </a:p>
@@ -2914,7 +2914,7 @@
           <a:p>
             <a:fld id="{805C8FAD-01C2-4C81-8B26-770D72A95E71}" type="datetime1">
               <a:rPr lang="en-US" smtClean="0"/>
-              <a:t>9/10/23</a:t>
+              <a:t>9/17/23</a:t>
             </a:fld>
             <a:endParaRPr lang="en-US"/>
           </a:p>
@@ -3128,7 +3128,7 @@
           <a:p>
             <a:fld id="{3E62D69C-6875-48F7-B20D-CB317DFF406B}" type="datetime1">
               <a:rPr lang="en-US" smtClean="0"/>
-              <a:t>9/10/23</a:t>
+              <a:t>9/17/23</a:t>
             </a:fld>
             <a:endParaRPr lang="en-US"/>
           </a:p>
@@ -5339,7 +5339,15 @@
             </a:r>
             <a:r>
               <a:rPr lang="en-US" sz="2800" dirty="0"/>
-              <a:t>(“Your hear is doing well!\n”);</a:t>
+              <a:t>(“</a:t>
+            </a:r>
+            <a:r>
+              <a:rPr lang="en-US" sz="2800"/>
+              <a:t>Your heart </a:t>
+            </a:r>
+            <a:r>
+              <a:rPr lang="en-US" sz="2800" dirty="0"/>
+              <a:t>is doing well!\n”);</a:t>
             </a:r>
           </a:p>
         </p:txBody>
